--- a/Python/2022_Zurich/AdvancedPython_2022.pptx
+++ b/Python/2022_Zurich/AdvancedPython_2022.pptx
@@ -5,7 +5,7 @@
     <p:sldMasterId id="2147483648" r:id="rId1"/>
   </p:sldMasterIdLst>
   <p:notesMasterIdLst>
-    <p:notesMasterId r:id="rId38"/>
+    <p:notesMasterId r:id="rId46"/>
   </p:notesMasterIdLst>
   <p:sldIdLst>
     <p:sldId id="256" r:id="rId2"/>
@@ -13,37 +13,45 @@
     <p:sldId id="264" r:id="rId4"/>
     <p:sldId id="263" r:id="rId5"/>
     <p:sldId id="257" r:id="rId6"/>
-    <p:sldId id="258" r:id="rId7"/>
-    <p:sldId id="259" r:id="rId8"/>
-    <p:sldId id="267" r:id="rId9"/>
-    <p:sldId id="265" r:id="rId10"/>
-    <p:sldId id="268" r:id="rId11"/>
-    <p:sldId id="269" r:id="rId12"/>
-    <p:sldId id="270" r:id="rId13"/>
-    <p:sldId id="274" r:id="rId14"/>
-    <p:sldId id="272" r:id="rId15"/>
-    <p:sldId id="275" r:id="rId16"/>
-    <p:sldId id="280" r:id="rId17"/>
-    <p:sldId id="277" r:id="rId18"/>
-    <p:sldId id="278" r:id="rId19"/>
-    <p:sldId id="282" r:id="rId20"/>
-    <p:sldId id="286" r:id="rId21"/>
-    <p:sldId id="285" r:id="rId22"/>
-    <p:sldId id="287" r:id="rId23"/>
-    <p:sldId id="288" r:id="rId24"/>
-    <p:sldId id="289" r:id="rId25"/>
-    <p:sldId id="290" r:id="rId26"/>
-    <p:sldId id="291" r:id="rId27"/>
-    <p:sldId id="293" r:id="rId28"/>
-    <p:sldId id="292" r:id="rId29"/>
-    <p:sldId id="294" r:id="rId30"/>
-    <p:sldId id="295" r:id="rId31"/>
-    <p:sldId id="279" r:id="rId32"/>
-    <p:sldId id="271" r:id="rId33"/>
-    <p:sldId id="273" r:id="rId34"/>
-    <p:sldId id="276" r:id="rId35"/>
-    <p:sldId id="284" r:id="rId36"/>
-    <p:sldId id="261" r:id="rId37"/>
+    <p:sldId id="259" r:id="rId7"/>
+    <p:sldId id="267" r:id="rId8"/>
+    <p:sldId id="265" r:id="rId9"/>
+    <p:sldId id="268" r:id="rId10"/>
+    <p:sldId id="269" r:id="rId11"/>
+    <p:sldId id="270" r:id="rId12"/>
+    <p:sldId id="274" r:id="rId13"/>
+    <p:sldId id="272" r:id="rId14"/>
+    <p:sldId id="275" r:id="rId15"/>
+    <p:sldId id="280" r:id="rId16"/>
+    <p:sldId id="277" r:id="rId17"/>
+    <p:sldId id="278" r:id="rId18"/>
+    <p:sldId id="282" r:id="rId19"/>
+    <p:sldId id="286" r:id="rId20"/>
+    <p:sldId id="285" r:id="rId21"/>
+    <p:sldId id="287" r:id="rId22"/>
+    <p:sldId id="288" r:id="rId23"/>
+    <p:sldId id="289" r:id="rId24"/>
+    <p:sldId id="290" r:id="rId25"/>
+    <p:sldId id="291" r:id="rId26"/>
+    <p:sldId id="293" r:id="rId27"/>
+    <p:sldId id="292" r:id="rId28"/>
+    <p:sldId id="294" r:id="rId29"/>
+    <p:sldId id="295" r:id="rId30"/>
+    <p:sldId id="279" r:id="rId31"/>
+    <p:sldId id="271" r:id="rId32"/>
+    <p:sldId id="296" r:id="rId33"/>
+    <p:sldId id="297" r:id="rId34"/>
+    <p:sldId id="298" r:id="rId35"/>
+    <p:sldId id="301" r:id="rId36"/>
+    <p:sldId id="299" r:id="rId37"/>
+    <p:sldId id="303" r:id="rId38"/>
+    <p:sldId id="306" r:id="rId39"/>
+    <p:sldId id="305" r:id="rId40"/>
+    <p:sldId id="307" r:id="rId41"/>
+    <p:sldId id="304" r:id="rId42"/>
+    <p:sldId id="276" r:id="rId43"/>
+    <p:sldId id="300" r:id="rId44"/>
+    <p:sldId id="284" r:id="rId45"/>
   </p:sldIdLst>
   <p:sldSz cx="12192000" cy="6858000"/>
   <p:notesSz cx="6858000" cy="9144000"/>
@@ -232,7 +240,7 @@
           <a:p>
             <a:fld id="{8A46ECD4-0474-4E45-8AB6-E638CB57F567}" type="datetimeFigureOut">
               <a:rPr lang="en-GB" smtClean="0"/>
-              <a:t>04/07/2022</a:t>
+              <a:t>05/07/2022</a:t>
             </a:fld>
             <a:endParaRPr lang="en-GB"/>
           </a:p>
@@ -565,7 +573,7 @@
           <a:p>
             <a:fld id="{ACC4256A-F9CA-4E25-AE2B-D4B2F3A4A757}" type="slidenum">
               <a:rPr lang="en-GB" smtClean="0"/>
-              <a:t>12</a:t>
+              <a:t>11</a:t>
             </a:fld>
             <a:endParaRPr lang="en-GB"/>
           </a:p>
@@ -2040,7 +2048,7 @@
           <a:p>
             <a:fld id="{ACC4256A-F9CA-4E25-AE2B-D4B2F3A4A757}" type="slidenum">
               <a:rPr lang="en-GB" smtClean="0"/>
-              <a:t>26</a:t>
+              <a:t>25</a:t>
             </a:fld>
             <a:endParaRPr lang="en-GB"/>
           </a:p>
@@ -2208,7 +2216,7 @@
           <a:p>
             <a:fld id="{774CB66A-7407-4136-A082-0671BF129C72}" type="datetimeFigureOut">
               <a:rPr lang="en-SG" smtClean="0"/>
-              <a:t>4/7/2022</a:t>
+              <a:t>5/7/2022</a:t>
             </a:fld>
             <a:endParaRPr lang="en-SG"/>
           </a:p>
@@ -2408,7 +2416,7 @@
           <a:p>
             <a:fld id="{774CB66A-7407-4136-A082-0671BF129C72}" type="datetimeFigureOut">
               <a:rPr lang="en-SG" smtClean="0"/>
-              <a:t>4/7/2022</a:t>
+              <a:t>5/7/2022</a:t>
             </a:fld>
             <a:endParaRPr lang="en-SG"/>
           </a:p>
@@ -2618,7 +2626,7 @@
           <a:p>
             <a:fld id="{774CB66A-7407-4136-A082-0671BF129C72}" type="datetimeFigureOut">
               <a:rPr lang="en-SG" smtClean="0"/>
-              <a:t>4/7/2022</a:t>
+              <a:t>5/7/2022</a:t>
             </a:fld>
             <a:endParaRPr lang="en-SG"/>
           </a:p>
@@ -2818,7 +2826,7 @@
           <a:p>
             <a:fld id="{774CB66A-7407-4136-A082-0671BF129C72}" type="datetimeFigureOut">
               <a:rPr lang="en-SG" smtClean="0"/>
-              <a:t>4/7/2022</a:t>
+              <a:t>5/7/2022</a:t>
             </a:fld>
             <a:endParaRPr lang="en-SG"/>
           </a:p>
@@ -3094,7 +3102,7 @@
           <a:p>
             <a:fld id="{774CB66A-7407-4136-A082-0671BF129C72}" type="datetimeFigureOut">
               <a:rPr lang="en-SG" smtClean="0"/>
-              <a:t>4/7/2022</a:t>
+              <a:t>5/7/2022</a:t>
             </a:fld>
             <a:endParaRPr lang="en-SG"/>
           </a:p>
@@ -3362,7 +3370,7 @@
           <a:p>
             <a:fld id="{774CB66A-7407-4136-A082-0671BF129C72}" type="datetimeFigureOut">
               <a:rPr lang="en-SG" smtClean="0"/>
-              <a:t>4/7/2022</a:t>
+              <a:t>5/7/2022</a:t>
             </a:fld>
             <a:endParaRPr lang="en-SG"/>
           </a:p>
@@ -3777,7 +3785,7 @@
           <a:p>
             <a:fld id="{774CB66A-7407-4136-A082-0671BF129C72}" type="datetimeFigureOut">
               <a:rPr lang="en-SG" smtClean="0"/>
-              <a:t>4/7/2022</a:t>
+              <a:t>5/7/2022</a:t>
             </a:fld>
             <a:endParaRPr lang="en-SG"/>
           </a:p>
@@ -3919,7 +3927,7 @@
           <a:p>
             <a:fld id="{774CB66A-7407-4136-A082-0671BF129C72}" type="datetimeFigureOut">
               <a:rPr lang="en-SG" smtClean="0"/>
-              <a:t>4/7/2022</a:t>
+              <a:t>5/7/2022</a:t>
             </a:fld>
             <a:endParaRPr lang="en-SG"/>
           </a:p>
@@ -4032,7 +4040,7 @@
           <a:p>
             <a:fld id="{774CB66A-7407-4136-A082-0671BF129C72}" type="datetimeFigureOut">
               <a:rPr lang="en-SG" smtClean="0"/>
-              <a:t>4/7/2022</a:t>
+              <a:t>5/7/2022</a:t>
             </a:fld>
             <a:endParaRPr lang="en-SG"/>
           </a:p>
@@ -4345,7 +4353,7 @@
           <a:p>
             <a:fld id="{774CB66A-7407-4136-A082-0671BF129C72}" type="datetimeFigureOut">
               <a:rPr lang="en-SG" smtClean="0"/>
-              <a:t>4/7/2022</a:t>
+              <a:t>5/7/2022</a:t>
             </a:fld>
             <a:endParaRPr lang="en-SG"/>
           </a:p>
@@ -4634,7 +4642,7 @@
           <a:p>
             <a:fld id="{774CB66A-7407-4136-A082-0671BF129C72}" type="datetimeFigureOut">
               <a:rPr lang="en-SG" smtClean="0"/>
-              <a:t>4/7/2022</a:t>
+              <a:t>5/7/2022</a:t>
             </a:fld>
             <a:endParaRPr lang="en-SG"/>
           </a:p>
@@ -4877,7 +4885,7 @@
           <a:p>
             <a:fld id="{774CB66A-7407-4136-A082-0671BF129C72}" type="datetimeFigureOut">
               <a:rPr lang="en-SG" smtClean="0"/>
-              <a:t>4/7/2022</a:t>
+              <a:t>5/7/2022</a:t>
             </a:fld>
             <a:endParaRPr lang="en-SG"/>
           </a:p>
@@ -5734,467 +5742,6 @@
       </p:grpSpPr>
       <p:sp>
         <p:nvSpPr>
-          <p:cNvPr id="2" name="Rectangle 1">
-            <a:extLst>
-              <a:ext uri="{FF2B5EF4-FFF2-40B4-BE49-F238E27FC236}">
-                <a16:creationId xmlns:a16="http://schemas.microsoft.com/office/drawing/2014/main" id="{F176B8E9-D123-47A0-F68C-007A8D6B57E9}"/>
-              </a:ext>
-            </a:extLst>
-          </p:cNvPr>
-          <p:cNvSpPr/>
-          <p:nvPr/>
-        </p:nvSpPr>
-        <p:spPr>
-          <a:xfrm>
-            <a:off x="494026" y="422874"/>
-            <a:ext cx="5934091" cy="5982788"/>
-          </a:xfrm>
-          <a:prstGeom prst="rect">
-            <a:avLst/>
-          </a:prstGeom>
-          <a:noFill/>
-          <a:ln>
-            <a:noFill/>
-          </a:ln>
-        </p:spPr>
-        <p:style>
-          <a:lnRef idx="0">
-            <a:scrgbClr r="0" g="0" b="0"/>
-          </a:lnRef>
-          <a:fillRef idx="0">
-            <a:scrgbClr r="0" g="0" b="0"/>
-          </a:fillRef>
-          <a:effectRef idx="0">
-            <a:scrgbClr r="0" g="0" b="0"/>
-          </a:effectRef>
-          <a:fontRef idx="minor">
-            <a:schemeClr val="dk1"/>
-          </a:fontRef>
-        </p:style>
-        <p:txBody>
-          <a:bodyPr rtlCol="0" anchor="ctr"/>
-          <a:lstStyle/>
-          <a:p>
-            <a:r>
-              <a:rPr lang="en-US" sz="2800" b="1" dirty="0"/>
-              <a:t>Create your first script</a:t>
-            </a:r>
-          </a:p>
-          <a:p>
-            <a:endParaRPr lang="en-US" dirty="0"/>
-          </a:p>
-          <a:p>
-            <a:r>
-              <a:rPr lang="en-US" dirty="0"/>
-              <a:t>From </a:t>
-            </a:r>
-            <a:r>
-              <a:rPr lang="en-US" dirty="0" err="1"/>
-              <a:t>VScode</a:t>
-            </a:r>
-            <a:endParaRPr lang="en-US" dirty="0"/>
-          </a:p>
-          <a:p>
-            <a:pPr marL="285750" indent="-285750">
-              <a:buFont typeface="Wingdings" panose="05000000000000000000" pitchFamily="2" charset="2"/>
-              <a:buChar char="ü"/>
-            </a:pPr>
-            <a:r>
-              <a:rPr lang="en-US" dirty="0"/>
-              <a:t>New file -&gt; Python File -&gt; Save it somewhere (myscript.py)</a:t>
-            </a:r>
-          </a:p>
-          <a:p>
-            <a:endParaRPr lang="en-US" dirty="0"/>
-          </a:p>
-          <a:p>
-            <a:r>
-              <a:rPr lang="en-US" dirty="0"/>
-              <a:t>Edit first settings in </a:t>
-            </a:r>
-            <a:r>
-              <a:rPr lang="en-US" dirty="0" err="1"/>
-              <a:t>VScode</a:t>
-            </a:r>
-            <a:endParaRPr lang="en-US" dirty="0"/>
-          </a:p>
-          <a:p>
-            <a:pPr marL="285750" indent="-285750">
-              <a:buFont typeface="Wingdings" panose="05000000000000000000" pitchFamily="2" charset="2"/>
-              <a:buChar char="ü"/>
-            </a:pPr>
-            <a:r>
-              <a:rPr lang="en-US" dirty="0"/>
-              <a:t>Disable “Trust mode” on </a:t>
-            </a:r>
-            <a:r>
-              <a:rPr lang="en-US" dirty="0" err="1"/>
-              <a:t>Vscode</a:t>
-            </a:r>
-            <a:r>
-              <a:rPr lang="en-US" dirty="0"/>
-              <a:t> if need be</a:t>
-            </a:r>
-          </a:p>
-          <a:p>
-            <a:pPr marL="742950" lvl="1" indent="-285750">
-              <a:buFont typeface="Wingdings" panose="05000000000000000000" pitchFamily="2" charset="2"/>
-              <a:buChar char="Ø"/>
-            </a:pPr>
-            <a:r>
-              <a:rPr lang="en-US" dirty="0"/>
-              <a:t>Manage</a:t>
-            </a:r>
-          </a:p>
-          <a:p>
-            <a:pPr marL="742950" lvl="1" indent="-285750">
-              <a:buFont typeface="Wingdings" panose="05000000000000000000" pitchFamily="2" charset="2"/>
-              <a:buChar char="Ø"/>
-            </a:pPr>
-            <a:r>
-              <a:rPr lang="en-US" dirty="0"/>
-              <a:t>Configure your settings</a:t>
-            </a:r>
-          </a:p>
-          <a:p>
-            <a:pPr marL="742950" lvl="1" indent="-285750">
-              <a:buFont typeface="Wingdings" panose="05000000000000000000" pitchFamily="2" charset="2"/>
-              <a:buChar char="Ø"/>
-            </a:pPr>
-            <a:r>
-              <a:rPr lang="en-US" dirty="0"/>
-              <a:t>Untick Trust: Enabled</a:t>
-            </a:r>
-          </a:p>
-          <a:p>
-            <a:pPr marL="742950" lvl="1" indent="-285750">
-              <a:buFont typeface="Wingdings" panose="05000000000000000000" pitchFamily="2" charset="2"/>
-              <a:buChar char="Ø"/>
-            </a:pPr>
-            <a:r>
-              <a:rPr lang="en-US" dirty="0"/>
-              <a:t>Restart</a:t>
-            </a:r>
-          </a:p>
-          <a:p>
-            <a:pPr marL="342900" indent="-342900">
-              <a:buFont typeface="Wingdings" panose="05000000000000000000" pitchFamily="2" charset="2"/>
-              <a:buChar char="ü"/>
-            </a:pPr>
-            <a:r>
-              <a:rPr lang="en-US" dirty="0"/>
-              <a:t>See the change in settings</a:t>
-            </a:r>
-          </a:p>
-          <a:p>
-            <a:pPr marL="800100" lvl="1" indent="-342900">
-              <a:buFont typeface="Wingdings" panose="05000000000000000000" pitchFamily="2" charset="2"/>
-              <a:buChar char="Ø"/>
-            </a:pPr>
-            <a:r>
-              <a:rPr lang="en-US" dirty="0"/>
-              <a:t>View  -&gt; Command Palette -&gt; “Settings” </a:t>
-            </a:r>
-          </a:p>
-          <a:p>
-            <a:pPr marL="800100" lvl="1" indent="-342900">
-              <a:buFont typeface="Wingdings" panose="05000000000000000000" pitchFamily="2" charset="2"/>
-              <a:buChar char="Ø"/>
-            </a:pPr>
-            <a:r>
-              <a:rPr lang="en-US" dirty="0"/>
-              <a:t>Open Settings (JSON)</a:t>
-            </a:r>
-          </a:p>
-          <a:p>
-            <a:pPr marL="800100" lvl="1" indent="-342900">
-              <a:buFont typeface="Wingdings" panose="05000000000000000000" pitchFamily="2" charset="2"/>
-              <a:buChar char="Ø"/>
-            </a:pPr>
-            <a:r>
-              <a:rPr lang="en-US" dirty="0"/>
-              <a:t>Settings in </a:t>
-            </a:r>
-            <a:r>
-              <a:rPr lang="en-US" dirty="0" err="1"/>
-              <a:t>VSCode</a:t>
-            </a:r>
-            <a:r>
-              <a:rPr lang="en-US" dirty="0"/>
-              <a:t> are just a file! Can be shared, copy-pasted, etc.</a:t>
-            </a:r>
-          </a:p>
-          <a:p>
-            <a:pPr marL="285750" indent="-285750">
-              <a:buFont typeface="Wingdings" panose="05000000000000000000" pitchFamily="2" charset="2"/>
-              <a:buChar char="ü"/>
-            </a:pPr>
-            <a:endParaRPr lang="en-US" dirty="0"/>
-          </a:p>
-          <a:p>
-            <a:pPr marL="285750" indent="-285750">
-              <a:buFont typeface="Arial" panose="020B0604020202020204" pitchFamily="34" charset="0"/>
-              <a:buChar char="•"/>
-            </a:pPr>
-            <a:endParaRPr lang="en-US" dirty="0"/>
-          </a:p>
-        </p:txBody>
-      </p:sp>
-      <p:pic>
-        <p:nvPicPr>
-          <p:cNvPr id="4" name="Picture 3">
-            <a:extLst>
-              <a:ext uri="{FF2B5EF4-FFF2-40B4-BE49-F238E27FC236}">
-                <a16:creationId xmlns:a16="http://schemas.microsoft.com/office/drawing/2014/main" id="{2A8318D4-67AF-265D-51BA-A50C40FE8931}"/>
-              </a:ext>
-            </a:extLst>
-          </p:cNvPr>
-          <p:cNvPicPr>
-            <a:picLocks noChangeAspect="1"/>
-          </p:cNvPicPr>
-          <p:nvPr/>
-        </p:nvPicPr>
-        <p:blipFill>
-          <a:blip r:embed="rId2"/>
-          <a:stretch>
-            <a:fillRect/>
-          </a:stretch>
-        </p:blipFill>
-        <p:spPr>
-          <a:xfrm>
-            <a:off x="7091016" y="422874"/>
-            <a:ext cx="4759998" cy="2406741"/>
-          </a:xfrm>
-          <a:prstGeom prst="rect">
-            <a:avLst/>
-          </a:prstGeom>
-          <a:ln>
-            <a:noFill/>
-          </a:ln>
-          <a:effectLst>
-            <a:outerShdw blurRad="292100" dist="139700" dir="2700000" algn="tl" rotWithShape="0">
-              <a:srgbClr val="333333">
-                <a:alpha val="65000"/>
-              </a:srgbClr>
-            </a:outerShdw>
-          </a:effectLst>
-        </p:spPr>
-      </p:pic>
-      <p:pic>
-        <p:nvPicPr>
-          <p:cNvPr id="6" name="Picture 5">
-            <a:extLst>
-              <a:ext uri="{FF2B5EF4-FFF2-40B4-BE49-F238E27FC236}">
-                <a16:creationId xmlns:a16="http://schemas.microsoft.com/office/drawing/2014/main" id="{6CC54432-D2E9-5B35-0CF0-1BBA09282E73}"/>
-              </a:ext>
-            </a:extLst>
-          </p:cNvPr>
-          <p:cNvPicPr>
-            <a:picLocks noChangeAspect="1"/>
-          </p:cNvPicPr>
-          <p:nvPr/>
-        </p:nvPicPr>
-        <p:blipFill>
-          <a:blip r:embed="rId3"/>
-          <a:stretch>
-            <a:fillRect/>
-          </a:stretch>
-        </p:blipFill>
-        <p:spPr>
-          <a:xfrm>
-            <a:off x="6503507" y="1492757"/>
-            <a:ext cx="5347507" cy="2913444"/>
-          </a:xfrm>
-          <a:prstGeom prst="rect">
-            <a:avLst/>
-          </a:prstGeom>
-          <a:ln>
-            <a:noFill/>
-          </a:ln>
-          <a:effectLst>
-            <a:outerShdw blurRad="292100" dist="139700" dir="2700000" algn="tl" rotWithShape="0">
-              <a:srgbClr val="333333">
-                <a:alpha val="65000"/>
-              </a:srgbClr>
-            </a:outerShdw>
-          </a:effectLst>
-        </p:spPr>
-      </p:pic>
-      <p:pic>
-        <p:nvPicPr>
-          <p:cNvPr id="12" name="Picture 11">
-            <a:extLst>
-              <a:ext uri="{FF2B5EF4-FFF2-40B4-BE49-F238E27FC236}">
-                <a16:creationId xmlns:a16="http://schemas.microsoft.com/office/drawing/2014/main" id="{26503B64-A8ED-CE30-BE83-3C2E90384561}"/>
-              </a:ext>
-            </a:extLst>
-          </p:cNvPr>
-          <p:cNvPicPr>
-            <a:picLocks noChangeAspect="1"/>
-          </p:cNvPicPr>
-          <p:nvPr/>
-        </p:nvPicPr>
-        <p:blipFill>
-          <a:blip r:embed="rId4"/>
-          <a:stretch>
-            <a:fillRect/>
-          </a:stretch>
-        </p:blipFill>
-        <p:spPr>
-          <a:xfrm>
-            <a:off x="6198340" y="2346990"/>
-            <a:ext cx="5652674" cy="2913444"/>
-          </a:xfrm>
-          <a:prstGeom prst="rect">
-            <a:avLst/>
-          </a:prstGeom>
-          <a:ln>
-            <a:noFill/>
-          </a:ln>
-          <a:effectLst>
-            <a:outerShdw blurRad="292100" dist="139700" dir="2700000" algn="tl" rotWithShape="0">
-              <a:srgbClr val="333333">
-                <a:alpha val="65000"/>
-              </a:srgbClr>
-            </a:outerShdw>
-          </a:effectLst>
-        </p:spPr>
-      </p:pic>
-      <p:pic>
-        <p:nvPicPr>
-          <p:cNvPr id="14" name="Picture 13">
-            <a:extLst>
-              <a:ext uri="{FF2B5EF4-FFF2-40B4-BE49-F238E27FC236}">
-                <a16:creationId xmlns:a16="http://schemas.microsoft.com/office/drawing/2014/main" id="{E84F84BE-BE6C-B4F4-133E-AB92A76043AD}"/>
-              </a:ext>
-            </a:extLst>
-          </p:cNvPr>
-          <p:cNvPicPr>
-            <a:picLocks noChangeAspect="1"/>
-          </p:cNvPicPr>
-          <p:nvPr/>
-        </p:nvPicPr>
-        <p:blipFill>
-          <a:blip r:embed="rId5"/>
-          <a:stretch>
-            <a:fillRect/>
-          </a:stretch>
-        </p:blipFill>
-        <p:spPr>
-          <a:xfrm>
-            <a:off x="7323757" y="3876255"/>
-            <a:ext cx="4069433" cy="2133785"/>
-          </a:xfrm>
-          <a:prstGeom prst="rect">
-            <a:avLst/>
-          </a:prstGeom>
-          <a:ln>
-            <a:noFill/>
-          </a:ln>
-          <a:effectLst>
-            <a:outerShdw blurRad="292100" dist="139700" dir="2700000" algn="tl" rotWithShape="0">
-              <a:srgbClr val="333333">
-                <a:alpha val="65000"/>
-              </a:srgbClr>
-            </a:outerShdw>
-          </a:effectLst>
-        </p:spPr>
-      </p:pic>
-      <p:sp>
-        <p:nvSpPr>
-          <p:cNvPr id="15" name="Rectangle 14">
-            <a:extLst>
-              <a:ext uri="{FF2B5EF4-FFF2-40B4-BE49-F238E27FC236}">
-                <a16:creationId xmlns:a16="http://schemas.microsoft.com/office/drawing/2014/main" id="{3A4DBC44-43D1-F606-21D5-EA7A4AA9EF60}"/>
-              </a:ext>
-            </a:extLst>
-          </p:cNvPr>
-          <p:cNvSpPr/>
-          <p:nvPr/>
-        </p:nvSpPr>
-        <p:spPr>
-          <a:xfrm>
-            <a:off x="0" y="0"/>
-            <a:ext cx="4544841" cy="519107"/>
-          </a:xfrm>
-          <a:prstGeom prst="rect">
-            <a:avLst/>
-          </a:prstGeom>
-          <a:solidFill>
-            <a:srgbClr val="002060"/>
-          </a:solidFill>
-          <a:ln>
-            <a:noFill/>
-          </a:ln>
-        </p:spPr>
-        <p:style>
-          <a:lnRef idx="0">
-            <a:scrgbClr r="0" g="0" b="0"/>
-          </a:lnRef>
-          <a:fillRef idx="0">
-            <a:scrgbClr r="0" g="0" b="0"/>
-          </a:fillRef>
-          <a:effectRef idx="0">
-            <a:scrgbClr r="0" g="0" b="0"/>
-          </a:effectRef>
-          <a:fontRef idx="minor">
-            <a:schemeClr val="dk1"/>
-          </a:fontRef>
-        </p:style>
-        <p:txBody>
-          <a:bodyPr rtlCol="0" anchor="ctr"/>
-          <a:lstStyle/>
-          <a:p>
-            <a:r>
-              <a:rPr lang="en-US" b="1" dirty="0">
-                <a:solidFill>
-                  <a:schemeClr val="bg1"/>
-                </a:solidFill>
-                <a:latin typeface="Consolas" panose="020B0609020204030204" pitchFamily="49" charset="0"/>
-              </a:rPr>
-              <a:t>Setting-up Python</a:t>
-            </a:r>
-            <a:endParaRPr lang="en-US" dirty="0">
-              <a:solidFill>
-                <a:schemeClr val="bg1"/>
-              </a:solidFill>
-              <a:latin typeface="Consolas" panose="020B0609020204030204" pitchFamily="49" charset="0"/>
-            </a:endParaRPr>
-          </a:p>
-        </p:txBody>
-      </p:sp>
-    </p:spTree>
-    <p:extLst>
-      <p:ext uri="{BB962C8B-B14F-4D97-AF65-F5344CB8AC3E}">
-        <p14:creationId xmlns:p14="http://schemas.microsoft.com/office/powerpoint/2010/main" val="3574428862"/>
-      </p:ext>
-    </p:extLst>
-  </p:cSld>
-  <p:clrMapOvr>
-    <a:masterClrMapping/>
-  </p:clrMapOvr>
-</p:sld>
-</file>
-
-<file path=ppt/slides/slide11.xml><?xml version="1.0" encoding="utf-8"?>
-<p:sld xmlns:a="http://schemas.openxmlformats.org/drawingml/2006/main" xmlns:r="http://schemas.openxmlformats.org/officeDocument/2006/relationships" xmlns:p="http://schemas.openxmlformats.org/presentationml/2006/main">
-  <p:cSld>
-    <p:spTree>
-      <p:nvGrpSpPr>
-        <p:cNvPr id="1" name=""/>
-        <p:cNvGrpSpPr/>
-        <p:nvPr/>
-      </p:nvGrpSpPr>
-      <p:grpSpPr>
-        <a:xfrm>
-          <a:off x="0" y="0"/>
-          <a:ext cx="0" cy="0"/>
-          <a:chOff x="0" y="0"/>
-          <a:chExt cx="0" cy="0"/>
-        </a:xfrm>
-      </p:grpSpPr>
-      <p:sp>
-        <p:nvSpPr>
           <p:cNvPr id="4" name="Rectangle 3">
             <a:extLst>
               <a:ext uri="{FF2B5EF4-FFF2-40B4-BE49-F238E27FC236}">
@@ -6466,7 +6013,7 @@
 </p:sld>
 </file>
 
-<file path=ppt/slides/slide12.xml><?xml version="1.0" encoding="utf-8"?>
+<file path=ppt/slides/slide11.xml><?xml version="1.0" encoding="utf-8"?>
 <p:sld xmlns:a="http://schemas.openxmlformats.org/drawingml/2006/main" xmlns:r="http://schemas.openxmlformats.org/officeDocument/2006/relationships" xmlns:p="http://schemas.openxmlformats.org/presentationml/2006/main">
   <p:cSld>
     <p:spTree>
@@ -6948,7 +6495,7 @@
 </p:sld>
 </file>
 
-<file path=ppt/slides/slide13.xml><?xml version="1.0" encoding="utf-8"?>
+<file path=ppt/slides/slide12.xml><?xml version="1.0" encoding="utf-8"?>
 <p:sld xmlns:a="http://schemas.openxmlformats.org/drawingml/2006/main" xmlns:r="http://schemas.openxmlformats.org/officeDocument/2006/relationships" xmlns:p="http://schemas.openxmlformats.org/presentationml/2006/main">
   <p:cSld>
     <p:spTree>
@@ -7157,7 +6704,7 @@
 </p:sld>
 </file>
 
-<file path=ppt/slides/slide14.xml><?xml version="1.0" encoding="utf-8"?>
+<file path=ppt/slides/slide13.xml><?xml version="1.0" encoding="utf-8"?>
 <p:sld xmlns:a="http://schemas.openxmlformats.org/drawingml/2006/main" xmlns:r="http://schemas.openxmlformats.org/officeDocument/2006/relationships" xmlns:p="http://schemas.openxmlformats.org/presentationml/2006/main">
   <p:cSld>
     <p:spTree>
@@ -7766,7 +7313,7 @@
 </p:sld>
 </file>
 
-<file path=ppt/slides/slide15.xml><?xml version="1.0" encoding="utf-8"?>
+<file path=ppt/slides/slide14.xml><?xml version="1.0" encoding="utf-8"?>
 <p:sld xmlns:a="http://schemas.openxmlformats.org/drawingml/2006/main" xmlns:r="http://schemas.openxmlformats.org/officeDocument/2006/relationships" xmlns:p="http://schemas.openxmlformats.org/presentationml/2006/main">
   <p:cSld>
     <p:spTree>
@@ -8002,7 +7549,7 @@
 </p:sld>
 </file>
 
-<file path=ppt/slides/slide16.xml><?xml version="1.0" encoding="utf-8"?>
+<file path=ppt/slides/slide15.xml><?xml version="1.0" encoding="utf-8"?>
 <p:sld xmlns:a="http://schemas.openxmlformats.org/drawingml/2006/main" xmlns:r="http://schemas.openxmlformats.org/officeDocument/2006/relationships" xmlns:p="http://schemas.openxmlformats.org/presentationml/2006/main">
   <p:cSld>
     <p:spTree>
@@ -8549,7 +8096,7 @@
 </p:sld>
 </file>
 
-<file path=ppt/slides/slide17.xml><?xml version="1.0" encoding="utf-8"?>
+<file path=ppt/slides/slide16.xml><?xml version="1.0" encoding="utf-8"?>
 <p:sld xmlns:a="http://schemas.openxmlformats.org/drawingml/2006/main" xmlns:r="http://schemas.openxmlformats.org/officeDocument/2006/relationships" xmlns:p="http://schemas.openxmlformats.org/presentationml/2006/main">
   <p:cSld>
     <p:spTree>
@@ -8733,7 +8280,7 @@
 </p:sld>
 </file>
 
-<file path=ppt/slides/slide18.xml><?xml version="1.0" encoding="utf-8"?>
+<file path=ppt/slides/slide17.xml><?xml version="1.0" encoding="utf-8"?>
 <p:sld xmlns:a="http://schemas.openxmlformats.org/drawingml/2006/main" xmlns:r="http://schemas.openxmlformats.org/officeDocument/2006/relationships" xmlns:p="http://schemas.openxmlformats.org/presentationml/2006/main">
   <p:cSld>
     <p:spTree>
@@ -9085,7 +8632,7 @@
 </p:sld>
 </file>
 
-<file path=ppt/slides/slide19.xml><?xml version="1.0" encoding="utf-8"?>
+<file path=ppt/slides/slide18.xml><?xml version="1.0" encoding="utf-8"?>
 <p:sld xmlns:a="http://schemas.openxmlformats.org/drawingml/2006/main" xmlns:r="http://schemas.openxmlformats.org/officeDocument/2006/relationships" xmlns:p="http://schemas.openxmlformats.org/presentationml/2006/main">
   <p:cSld>
     <p:spTree>
@@ -9300,6 +8847,537 @@
     <p:extLst>
       <p:ext uri="{BB962C8B-B14F-4D97-AF65-F5344CB8AC3E}">
         <p14:creationId xmlns:p14="http://schemas.microsoft.com/office/powerpoint/2010/main" val="341276845"/>
+      </p:ext>
+    </p:extLst>
+  </p:cSld>
+  <p:clrMapOvr>
+    <a:masterClrMapping/>
+  </p:clrMapOvr>
+</p:sld>
+</file>
+
+<file path=ppt/slides/slide19.xml><?xml version="1.0" encoding="utf-8"?>
+<p:sld xmlns:a="http://schemas.openxmlformats.org/drawingml/2006/main" xmlns:r="http://schemas.openxmlformats.org/officeDocument/2006/relationships" xmlns:p="http://schemas.openxmlformats.org/presentationml/2006/main">
+  <p:cSld>
+    <p:spTree>
+      <p:nvGrpSpPr>
+        <p:cNvPr id="1" name=""/>
+        <p:cNvGrpSpPr/>
+        <p:nvPr/>
+      </p:nvGrpSpPr>
+      <p:grpSpPr>
+        <a:xfrm>
+          <a:off x="0" y="0"/>
+          <a:ext cx="0" cy="0"/>
+          <a:chOff x="0" y="0"/>
+          <a:chExt cx="0" cy="0"/>
+        </a:xfrm>
+      </p:grpSpPr>
+      <p:sp>
+        <p:nvSpPr>
+          <p:cNvPr id="4" name="Rectangle 3">
+            <a:extLst>
+              <a:ext uri="{FF2B5EF4-FFF2-40B4-BE49-F238E27FC236}">
+                <a16:creationId xmlns:a16="http://schemas.microsoft.com/office/drawing/2014/main" id="{A4A34817-5B44-493F-D622-8954BF1B2D0D}"/>
+              </a:ext>
+            </a:extLst>
+          </p:cNvPr>
+          <p:cNvSpPr/>
+          <p:nvPr/>
+        </p:nvSpPr>
+        <p:spPr>
+          <a:xfrm>
+            <a:off x="404148" y="1038152"/>
+            <a:ext cx="8499220" cy="5555153"/>
+          </a:xfrm>
+          <a:prstGeom prst="rect">
+            <a:avLst/>
+          </a:prstGeom>
+          <a:noFill/>
+          <a:ln>
+            <a:noFill/>
+          </a:ln>
+        </p:spPr>
+        <p:style>
+          <a:lnRef idx="0">
+            <a:scrgbClr r="0" g="0" b="0"/>
+          </a:lnRef>
+          <a:fillRef idx="0">
+            <a:scrgbClr r="0" g="0" b="0"/>
+          </a:fillRef>
+          <a:effectRef idx="0">
+            <a:scrgbClr r="0" g="0" b="0"/>
+          </a:effectRef>
+          <a:fontRef idx="minor">
+            <a:schemeClr val="dk1"/>
+          </a:fontRef>
+        </p:style>
+        <p:txBody>
+          <a:bodyPr rtlCol="0" anchor="ctr"/>
+          <a:lstStyle/>
+          <a:p>
+            <a:r>
+              <a:rPr lang="en-US" b="1" dirty="0"/>
+              <a:t>Lists and Dictionaries </a:t>
+            </a:r>
+          </a:p>
+          <a:p>
+            <a:pPr marL="285750" indent="-285750">
+              <a:buFont typeface="Wingdings" panose="05000000000000000000" pitchFamily="2" charset="2"/>
+              <a:buChar char="ü"/>
+            </a:pPr>
+            <a:r>
+              <a:rPr lang="en-US" dirty="0">
+                <a:solidFill>
+                  <a:schemeClr val="tx1"/>
+                </a:solidFill>
+              </a:rPr>
+              <a:t>Containers of multiple things</a:t>
+            </a:r>
+          </a:p>
+          <a:p>
+            <a:pPr marL="285750" indent="-285750">
+              <a:buFont typeface="Wingdings" panose="05000000000000000000" pitchFamily="2" charset="2"/>
+              <a:buChar char="ü"/>
+            </a:pPr>
+            <a:r>
+              <a:rPr lang="en-US" dirty="0">
+                <a:solidFill>
+                  <a:schemeClr val="tx1"/>
+                </a:solidFill>
+              </a:rPr>
+              <a:t>Lists are </a:t>
+            </a:r>
+            <a:r>
+              <a:rPr lang="en-US" u="sng" dirty="0">
+                <a:solidFill>
+                  <a:schemeClr val="tx1"/>
+                </a:solidFill>
+              </a:rPr>
+              <a:t>ordered </a:t>
+            </a:r>
+            <a:endParaRPr lang="en-US" b="1" u="sng" dirty="0">
+              <a:solidFill>
+                <a:schemeClr val="tx1"/>
+              </a:solidFill>
+            </a:endParaRPr>
+          </a:p>
+          <a:p>
+            <a:pPr marL="285750" indent="-285750">
+              <a:buFont typeface="Wingdings" panose="05000000000000000000" pitchFamily="2" charset="2"/>
+              <a:buChar char="ü"/>
+            </a:pPr>
+            <a:r>
+              <a:rPr lang="en-US" dirty="0">
+                <a:solidFill>
+                  <a:schemeClr val="tx1"/>
+                </a:solidFill>
+              </a:rPr>
+              <a:t>Dictionaries contain items that have </a:t>
+            </a:r>
+            <a:r>
+              <a:rPr lang="en-US" u="sng" dirty="0">
+                <a:solidFill>
+                  <a:schemeClr val="tx1"/>
+                </a:solidFill>
+              </a:rPr>
+              <a:t>names</a:t>
+            </a:r>
+            <a:r>
+              <a:rPr lang="en-US" dirty="0">
+                <a:solidFill>
+                  <a:schemeClr val="tx1"/>
+                </a:solidFill>
+              </a:rPr>
+              <a:t> (“keys”) </a:t>
+            </a:r>
+          </a:p>
+          <a:p>
+            <a:pPr marL="285750" indent="-285750">
+              <a:buFont typeface="Wingdings" panose="05000000000000000000" pitchFamily="2" charset="2"/>
+              <a:buChar char="ü"/>
+            </a:pPr>
+            <a:endParaRPr lang="en-US" dirty="0">
+              <a:solidFill>
+                <a:schemeClr val="tx1"/>
+              </a:solidFill>
+            </a:endParaRPr>
+          </a:p>
+          <a:p>
+            <a:r>
+              <a:rPr lang="en-US" dirty="0" err="1">
+                <a:solidFill>
+                  <a:srgbClr val="0070C0"/>
+                </a:solidFill>
+                <a:latin typeface="Consolas" panose="020B0609020204030204" pitchFamily="49" charset="0"/>
+              </a:rPr>
+              <a:t>mylist</a:t>
+            </a:r>
+            <a:r>
+              <a:rPr lang="en-US" dirty="0">
+                <a:solidFill>
+                  <a:srgbClr val="0070C0"/>
+                </a:solidFill>
+                <a:latin typeface="Consolas" panose="020B0609020204030204" pitchFamily="49" charset="0"/>
+              </a:rPr>
+              <a:t> = [1, 2, 3]</a:t>
+            </a:r>
+          </a:p>
+          <a:p>
+            <a:endParaRPr lang="en-US" dirty="0">
+              <a:solidFill>
+                <a:srgbClr val="0070C0"/>
+              </a:solidFill>
+              <a:latin typeface="Consolas" panose="020B0609020204030204" pitchFamily="49" charset="0"/>
+            </a:endParaRPr>
+          </a:p>
+          <a:p>
+            <a:r>
+              <a:rPr lang="en-US" dirty="0" err="1">
+                <a:solidFill>
+                  <a:srgbClr val="0070C0"/>
+                </a:solidFill>
+                <a:latin typeface="Consolas" panose="020B0609020204030204" pitchFamily="49" charset="0"/>
+              </a:rPr>
+              <a:t>mydict</a:t>
+            </a:r>
+            <a:r>
+              <a:rPr lang="en-US" dirty="0">
+                <a:solidFill>
+                  <a:srgbClr val="0070C0"/>
+                </a:solidFill>
+                <a:latin typeface="Consolas" panose="020B0609020204030204" pitchFamily="49" charset="0"/>
+              </a:rPr>
+              <a:t> = {"A": 1, "B": 2, "C": 3}</a:t>
+            </a:r>
+          </a:p>
+          <a:p>
+            <a:pPr marL="285750" indent="-285750">
+              <a:buFont typeface="Wingdings" panose="05000000000000000000" pitchFamily="2" charset="2"/>
+              <a:buChar char="ü"/>
+            </a:pPr>
+            <a:endParaRPr lang="en-US" dirty="0">
+              <a:solidFill>
+                <a:schemeClr val="tx1"/>
+              </a:solidFill>
+            </a:endParaRPr>
+          </a:p>
+          <a:p>
+            <a:pPr marL="285750" indent="-285750">
+              <a:buFont typeface="Wingdings" panose="05000000000000000000" pitchFamily="2" charset="2"/>
+              <a:buChar char="ü"/>
+            </a:pPr>
+            <a:r>
+              <a:rPr lang="en-US" dirty="0">
+                <a:solidFill>
+                  <a:schemeClr val="tx1"/>
+                </a:solidFill>
+              </a:rPr>
+              <a:t>Indexing </a:t>
+            </a:r>
+            <a:r>
+              <a:rPr lang="en-US" dirty="0">
+                <a:solidFill>
+                  <a:srgbClr val="0070C0"/>
+                </a:solidFill>
+              </a:rPr>
+              <a:t>[]</a:t>
+            </a:r>
+            <a:r>
+              <a:rPr lang="en-US" dirty="0">
+                <a:solidFill>
+                  <a:schemeClr val="tx1"/>
+                </a:solidFill>
+              </a:rPr>
+              <a:t>: an essential skill</a:t>
+            </a:r>
+            <a:endParaRPr lang="en-US" b="1" u="sng" dirty="0">
+              <a:solidFill>
+                <a:schemeClr val="tx1"/>
+              </a:solidFill>
+            </a:endParaRPr>
+          </a:p>
+          <a:p>
+            <a:endParaRPr lang="en-US" dirty="0">
+              <a:solidFill>
+                <a:schemeClr val="tx1"/>
+              </a:solidFill>
+            </a:endParaRPr>
+          </a:p>
+          <a:p>
+            <a:r>
+              <a:rPr lang="fr-FR" dirty="0" err="1">
+                <a:solidFill>
+                  <a:srgbClr val="0070C0"/>
+                </a:solidFill>
+                <a:latin typeface="Consolas" panose="020B0609020204030204" pitchFamily="49" charset="0"/>
+              </a:rPr>
+              <a:t>mylist</a:t>
+            </a:r>
+            <a:r>
+              <a:rPr lang="fr-FR" dirty="0">
+                <a:solidFill>
+                  <a:srgbClr val="0070C0"/>
+                </a:solidFill>
+                <a:latin typeface="Consolas" panose="020B0609020204030204" pitchFamily="49" charset="0"/>
+              </a:rPr>
+              <a:t>[1]</a:t>
+            </a:r>
+          </a:p>
+          <a:p>
+            <a:endParaRPr lang="fr-FR" dirty="0">
+              <a:solidFill>
+                <a:srgbClr val="0070C0"/>
+              </a:solidFill>
+              <a:latin typeface="Consolas" panose="020B0609020204030204" pitchFamily="49" charset="0"/>
+            </a:endParaRPr>
+          </a:p>
+          <a:p>
+            <a:r>
+              <a:rPr lang="en-US" b="1" dirty="0">
+                <a:solidFill>
+                  <a:srgbClr val="FF0000"/>
+                </a:solidFill>
+              </a:rPr>
+              <a:t>Indexing </a:t>
+            </a:r>
+            <a:r>
+              <a:rPr lang="en-US" b="1" u="sng" dirty="0">
+                <a:solidFill>
+                  <a:srgbClr val="FF0000"/>
+                </a:solidFill>
+              </a:rPr>
+              <a:t>in Python </a:t>
+            </a:r>
+            <a:r>
+              <a:rPr lang="en-US" b="1" dirty="0">
+                <a:solidFill>
+                  <a:srgbClr val="FF0000"/>
+                </a:solidFill>
+              </a:rPr>
+              <a:t>starts from 0!</a:t>
+            </a:r>
+            <a:endParaRPr lang="en-US" b="1" u="sng" dirty="0">
+              <a:solidFill>
+                <a:srgbClr val="FF0000"/>
+              </a:solidFill>
+            </a:endParaRPr>
+          </a:p>
+          <a:p>
+            <a:endParaRPr lang="fr-FR" dirty="0">
+              <a:solidFill>
+                <a:srgbClr val="0070C0"/>
+              </a:solidFill>
+              <a:latin typeface="Consolas" panose="020B0609020204030204" pitchFamily="49" charset="0"/>
+            </a:endParaRPr>
+          </a:p>
+          <a:p>
+            <a:r>
+              <a:rPr lang="fr-FR" dirty="0" err="1">
+                <a:solidFill>
+                  <a:srgbClr val="0070C0"/>
+                </a:solidFill>
+                <a:latin typeface="Consolas" panose="020B0609020204030204" pitchFamily="49" charset="0"/>
+              </a:rPr>
+              <a:t>mydict</a:t>
+            </a:r>
+            <a:r>
+              <a:rPr lang="fr-FR" dirty="0">
+                <a:solidFill>
+                  <a:srgbClr val="0070C0"/>
+                </a:solidFill>
+                <a:latin typeface="Consolas" panose="020B0609020204030204" pitchFamily="49" charset="0"/>
+              </a:rPr>
+              <a:t>[1]</a:t>
+            </a:r>
+          </a:p>
+          <a:p>
+            <a:r>
+              <a:rPr lang="fr-FR" dirty="0" err="1">
+                <a:solidFill>
+                  <a:srgbClr val="0070C0"/>
+                </a:solidFill>
+                <a:latin typeface="Consolas" panose="020B0609020204030204" pitchFamily="49" charset="0"/>
+              </a:rPr>
+              <a:t>mydict</a:t>
+            </a:r>
+            <a:r>
+              <a:rPr lang="fr-FR" dirty="0">
+                <a:solidFill>
+                  <a:srgbClr val="0070C0"/>
+                </a:solidFill>
+                <a:latin typeface="Consolas" panose="020B0609020204030204" pitchFamily="49" charset="0"/>
+              </a:rPr>
+              <a:t>[</a:t>
+            </a:r>
+            <a:r>
+              <a:rPr lang="en-US" dirty="0">
+                <a:solidFill>
+                  <a:srgbClr val="0070C0"/>
+                </a:solidFill>
+                <a:latin typeface="Consolas" panose="020B0609020204030204" pitchFamily="49" charset="0"/>
+              </a:rPr>
+              <a:t>"</a:t>
+            </a:r>
+            <a:r>
+              <a:rPr lang="fr-FR" dirty="0">
+                <a:solidFill>
+                  <a:srgbClr val="0070C0"/>
+                </a:solidFill>
+                <a:latin typeface="Consolas" panose="020B0609020204030204" pitchFamily="49" charset="0"/>
+              </a:rPr>
+              <a:t>b</a:t>
+            </a:r>
+            <a:r>
+              <a:rPr lang="en-US" dirty="0">
+                <a:solidFill>
+                  <a:srgbClr val="0070C0"/>
+                </a:solidFill>
+                <a:latin typeface="Consolas" panose="020B0609020204030204" pitchFamily="49" charset="0"/>
+              </a:rPr>
+              <a:t>"</a:t>
+            </a:r>
+            <a:r>
+              <a:rPr lang="fr-FR" dirty="0">
+                <a:solidFill>
+                  <a:srgbClr val="0070C0"/>
+                </a:solidFill>
+                <a:latin typeface="Consolas" panose="020B0609020204030204" pitchFamily="49" charset="0"/>
+              </a:rPr>
+              <a:t>]</a:t>
+            </a:r>
+          </a:p>
+          <a:p>
+            <a:r>
+              <a:rPr lang="fr-FR" dirty="0" err="1">
+                <a:solidFill>
+                  <a:srgbClr val="0070C0"/>
+                </a:solidFill>
+                <a:latin typeface="Consolas" panose="020B0609020204030204" pitchFamily="49" charset="0"/>
+              </a:rPr>
+              <a:t>mydict</a:t>
+            </a:r>
+            <a:r>
+              <a:rPr lang="fr-FR" dirty="0">
+                <a:solidFill>
+                  <a:srgbClr val="0070C0"/>
+                </a:solidFill>
+                <a:latin typeface="Consolas" panose="020B0609020204030204" pitchFamily="49" charset="0"/>
+              </a:rPr>
+              <a:t>[</a:t>
+            </a:r>
+            <a:r>
+              <a:rPr lang="en-US" dirty="0">
+                <a:solidFill>
+                  <a:srgbClr val="0070C0"/>
+                </a:solidFill>
+                <a:latin typeface="Consolas" panose="020B0609020204030204" pitchFamily="49" charset="0"/>
+              </a:rPr>
+              <a:t>"</a:t>
+            </a:r>
+            <a:r>
+              <a:rPr lang="fr-FR" dirty="0">
+                <a:solidFill>
+                  <a:srgbClr val="0070C0"/>
+                </a:solidFill>
+                <a:latin typeface="Consolas" panose="020B0609020204030204" pitchFamily="49" charset="0"/>
+              </a:rPr>
+              <a:t>B</a:t>
+            </a:r>
+            <a:r>
+              <a:rPr lang="en-US" dirty="0">
+                <a:solidFill>
+                  <a:srgbClr val="0070C0"/>
+                </a:solidFill>
+                <a:latin typeface="Consolas" panose="020B0609020204030204" pitchFamily="49" charset="0"/>
+              </a:rPr>
+              <a:t>"</a:t>
+            </a:r>
+            <a:r>
+              <a:rPr lang="fr-FR" dirty="0">
+                <a:solidFill>
+                  <a:srgbClr val="0070C0"/>
+                </a:solidFill>
+                <a:latin typeface="Consolas" panose="020B0609020204030204" pitchFamily="49" charset="0"/>
+              </a:rPr>
+              <a:t>]</a:t>
+            </a:r>
+            <a:endParaRPr lang="en-US" dirty="0">
+              <a:solidFill>
+                <a:schemeClr val="tx1"/>
+              </a:solidFill>
+              <a:latin typeface="Consolas" panose="020B0609020204030204" pitchFamily="49" charset="0"/>
+            </a:endParaRPr>
+          </a:p>
+        </p:txBody>
+      </p:sp>
+      <p:sp>
+        <p:nvSpPr>
+          <p:cNvPr id="3" name="Rectangle 2">
+            <a:extLst>
+              <a:ext uri="{FF2B5EF4-FFF2-40B4-BE49-F238E27FC236}">
+                <a16:creationId xmlns:a16="http://schemas.microsoft.com/office/drawing/2014/main" id="{4A9145F6-62DE-99CD-57F6-F9DD4C3F5350}"/>
+              </a:ext>
+            </a:extLst>
+          </p:cNvPr>
+          <p:cNvSpPr/>
+          <p:nvPr/>
+        </p:nvSpPr>
+        <p:spPr>
+          <a:xfrm>
+            <a:off x="0" y="0"/>
+            <a:ext cx="4544841" cy="519107"/>
+          </a:xfrm>
+          <a:prstGeom prst="rect">
+            <a:avLst/>
+          </a:prstGeom>
+          <a:solidFill>
+            <a:srgbClr val="002060"/>
+          </a:solidFill>
+          <a:ln>
+            <a:noFill/>
+          </a:ln>
+        </p:spPr>
+        <p:style>
+          <a:lnRef idx="0">
+            <a:scrgbClr r="0" g="0" b="0"/>
+          </a:lnRef>
+          <a:fillRef idx="0">
+            <a:scrgbClr r="0" g="0" b="0"/>
+          </a:fillRef>
+          <a:effectRef idx="0">
+            <a:scrgbClr r="0" g="0" b="0"/>
+          </a:effectRef>
+          <a:fontRef idx="minor">
+            <a:schemeClr val="dk1"/>
+          </a:fontRef>
+        </p:style>
+        <p:txBody>
+          <a:bodyPr rtlCol="0" anchor="ctr"/>
+          <a:lstStyle/>
+          <a:p>
+            <a:r>
+              <a:rPr lang="en-US" b="1" dirty="0">
+                <a:solidFill>
+                  <a:schemeClr val="bg1"/>
+                </a:solidFill>
+                <a:latin typeface="Consolas" panose="020B0609020204030204" pitchFamily="49" charset="0"/>
+              </a:rPr>
+              <a:t>Basic Python</a:t>
+            </a:r>
+            <a:endParaRPr lang="en-US" dirty="0">
+              <a:solidFill>
+                <a:schemeClr val="bg1"/>
+              </a:solidFill>
+              <a:latin typeface="Consolas" panose="020B0609020204030204" pitchFamily="49" charset="0"/>
+            </a:endParaRPr>
+          </a:p>
+        </p:txBody>
+      </p:sp>
+    </p:spTree>
+    <p:extLst>
+      <p:ext uri="{BB962C8B-B14F-4D97-AF65-F5344CB8AC3E}">
+        <p14:creationId xmlns:p14="http://schemas.microsoft.com/office/powerpoint/2010/main" val="1415226160"/>
       </p:ext>
     </p:extLst>
   </p:cSld>
@@ -9408,6 +9486,29 @@
             </a:r>
           </a:p>
           <a:p>
+            <a:pPr marL="457200" indent="-457200">
+              <a:buFont typeface="Arial" panose="020B0604020202020204" pitchFamily="34" charset="0"/>
+              <a:buChar char="•"/>
+            </a:pPr>
+            <a:endParaRPr lang="en-US" sz="2000" dirty="0"/>
+          </a:p>
+          <a:p>
+            <a:r>
+              <a:rPr lang="en-US" sz="2000" b="1" dirty="0"/>
+              <a:t>Prerequisites</a:t>
+            </a:r>
+          </a:p>
+          <a:p>
+            <a:pPr marL="457200" indent="-457200">
+              <a:buFont typeface="Arial" panose="020B0604020202020204" pitchFamily="34" charset="0"/>
+              <a:buChar char="•"/>
+            </a:pPr>
+            <a:r>
+              <a:rPr lang="en-US" sz="2000" dirty="0"/>
+              <a:t>Create a GitHub account</a:t>
+            </a:r>
+          </a:p>
+          <a:p>
             <a:endParaRPr lang="en-US" sz="2000" b="1" dirty="0"/>
           </a:p>
           <a:p>
@@ -9644,7 +9745,7 @@
                                         <p:tgtEl>
                                           <p:spTgt spid="2">
                                             <p:txEl>
-                                              <p:pRg st="5" end="5"/>
+                                              <p:pRg st="8" end="8"/>
                                             </p:txEl>
                                           </p:spTgt>
                                         </p:tgtEl>
@@ -9662,7 +9763,7 @@
                                         <p:tgtEl>
                                           <p:spTgt spid="2">
                                             <p:txEl>
-                                              <p:pRg st="5" end="5"/>
+                                              <p:pRg st="8" end="8"/>
                                             </p:txEl>
                                           </p:spTgt>
                                         </p:tgtEl>
@@ -9705,7 +9806,7 @@
                                         <p:tgtEl>
                                           <p:spTgt spid="2">
                                             <p:txEl>
-                                              <p:pRg st="6" end="6"/>
+                                              <p:pRg st="9" end="9"/>
                                             </p:txEl>
                                           </p:spTgt>
                                         </p:tgtEl>
@@ -9723,7 +9824,7 @@
                                         <p:tgtEl>
                                           <p:spTgt spid="2">
                                             <p:txEl>
-                                              <p:pRg st="6" end="6"/>
+                                              <p:pRg st="9" end="9"/>
                                             </p:txEl>
                                           </p:spTgt>
                                         </p:tgtEl>
@@ -9766,7 +9867,7 @@
                                         <p:tgtEl>
                                           <p:spTgt spid="2">
                                             <p:txEl>
-                                              <p:pRg st="7" end="7"/>
+                                              <p:pRg st="10" end="10"/>
                                             </p:txEl>
                                           </p:spTgt>
                                         </p:tgtEl>
@@ -9784,7 +9885,7 @@
                                         <p:tgtEl>
                                           <p:spTgt spid="2">
                                             <p:txEl>
-                                              <p:pRg st="7" end="7"/>
+                                              <p:pRg st="10" end="10"/>
                                             </p:txEl>
                                           </p:spTgt>
                                         </p:tgtEl>
@@ -9827,7 +9928,7 @@
                                         <p:tgtEl>
                                           <p:spTgt spid="2">
                                             <p:txEl>
-                                              <p:pRg st="8" end="8"/>
+                                              <p:pRg st="11" end="11"/>
                                             </p:txEl>
                                           </p:spTgt>
                                         </p:tgtEl>
@@ -9845,7 +9946,7 @@
                                         <p:tgtEl>
                                           <p:spTgt spid="2">
                                             <p:txEl>
-                                              <p:pRg st="8" end="8"/>
+                                              <p:pRg st="11" end="11"/>
                                             </p:txEl>
                                           </p:spTgt>
                                         </p:tgtEl>
@@ -9904,537 +10005,6 @@
       </p:grpSpPr>
       <p:sp>
         <p:nvSpPr>
-          <p:cNvPr id="4" name="Rectangle 3">
-            <a:extLst>
-              <a:ext uri="{FF2B5EF4-FFF2-40B4-BE49-F238E27FC236}">
-                <a16:creationId xmlns:a16="http://schemas.microsoft.com/office/drawing/2014/main" id="{A4A34817-5B44-493F-D622-8954BF1B2D0D}"/>
-              </a:ext>
-            </a:extLst>
-          </p:cNvPr>
-          <p:cNvSpPr/>
-          <p:nvPr/>
-        </p:nvSpPr>
-        <p:spPr>
-          <a:xfrm>
-            <a:off x="404148" y="1038152"/>
-            <a:ext cx="8499220" cy="5555153"/>
-          </a:xfrm>
-          <a:prstGeom prst="rect">
-            <a:avLst/>
-          </a:prstGeom>
-          <a:noFill/>
-          <a:ln>
-            <a:noFill/>
-          </a:ln>
-        </p:spPr>
-        <p:style>
-          <a:lnRef idx="0">
-            <a:scrgbClr r="0" g="0" b="0"/>
-          </a:lnRef>
-          <a:fillRef idx="0">
-            <a:scrgbClr r="0" g="0" b="0"/>
-          </a:fillRef>
-          <a:effectRef idx="0">
-            <a:scrgbClr r="0" g="0" b="0"/>
-          </a:effectRef>
-          <a:fontRef idx="minor">
-            <a:schemeClr val="dk1"/>
-          </a:fontRef>
-        </p:style>
-        <p:txBody>
-          <a:bodyPr rtlCol="0" anchor="ctr"/>
-          <a:lstStyle/>
-          <a:p>
-            <a:r>
-              <a:rPr lang="en-US" b="1" dirty="0"/>
-              <a:t>Lists and Dictionaries </a:t>
-            </a:r>
-          </a:p>
-          <a:p>
-            <a:pPr marL="285750" indent="-285750">
-              <a:buFont typeface="Wingdings" panose="05000000000000000000" pitchFamily="2" charset="2"/>
-              <a:buChar char="ü"/>
-            </a:pPr>
-            <a:r>
-              <a:rPr lang="en-US" dirty="0">
-                <a:solidFill>
-                  <a:schemeClr val="tx1"/>
-                </a:solidFill>
-              </a:rPr>
-              <a:t>Containers of multiple things</a:t>
-            </a:r>
-          </a:p>
-          <a:p>
-            <a:pPr marL="285750" indent="-285750">
-              <a:buFont typeface="Wingdings" panose="05000000000000000000" pitchFamily="2" charset="2"/>
-              <a:buChar char="ü"/>
-            </a:pPr>
-            <a:r>
-              <a:rPr lang="en-US" dirty="0">
-                <a:solidFill>
-                  <a:schemeClr val="tx1"/>
-                </a:solidFill>
-              </a:rPr>
-              <a:t>Lists are </a:t>
-            </a:r>
-            <a:r>
-              <a:rPr lang="en-US" u="sng" dirty="0">
-                <a:solidFill>
-                  <a:schemeClr val="tx1"/>
-                </a:solidFill>
-              </a:rPr>
-              <a:t>ordered </a:t>
-            </a:r>
-            <a:endParaRPr lang="en-US" b="1" u="sng" dirty="0">
-              <a:solidFill>
-                <a:schemeClr val="tx1"/>
-              </a:solidFill>
-            </a:endParaRPr>
-          </a:p>
-          <a:p>
-            <a:pPr marL="285750" indent="-285750">
-              <a:buFont typeface="Wingdings" panose="05000000000000000000" pitchFamily="2" charset="2"/>
-              <a:buChar char="ü"/>
-            </a:pPr>
-            <a:r>
-              <a:rPr lang="en-US" dirty="0">
-                <a:solidFill>
-                  <a:schemeClr val="tx1"/>
-                </a:solidFill>
-              </a:rPr>
-              <a:t>Dictionaries contain items that have </a:t>
-            </a:r>
-            <a:r>
-              <a:rPr lang="en-US" u="sng" dirty="0">
-                <a:solidFill>
-                  <a:schemeClr val="tx1"/>
-                </a:solidFill>
-              </a:rPr>
-              <a:t>names</a:t>
-            </a:r>
-            <a:r>
-              <a:rPr lang="en-US" dirty="0">
-                <a:solidFill>
-                  <a:schemeClr val="tx1"/>
-                </a:solidFill>
-              </a:rPr>
-              <a:t> (“keys”) </a:t>
-            </a:r>
-          </a:p>
-          <a:p>
-            <a:pPr marL="285750" indent="-285750">
-              <a:buFont typeface="Wingdings" panose="05000000000000000000" pitchFamily="2" charset="2"/>
-              <a:buChar char="ü"/>
-            </a:pPr>
-            <a:endParaRPr lang="en-US" dirty="0">
-              <a:solidFill>
-                <a:schemeClr val="tx1"/>
-              </a:solidFill>
-            </a:endParaRPr>
-          </a:p>
-          <a:p>
-            <a:r>
-              <a:rPr lang="en-US" dirty="0" err="1">
-                <a:solidFill>
-                  <a:srgbClr val="0070C0"/>
-                </a:solidFill>
-                <a:latin typeface="Consolas" panose="020B0609020204030204" pitchFamily="49" charset="0"/>
-              </a:rPr>
-              <a:t>mylist</a:t>
-            </a:r>
-            <a:r>
-              <a:rPr lang="en-US" dirty="0">
-                <a:solidFill>
-                  <a:srgbClr val="0070C0"/>
-                </a:solidFill>
-                <a:latin typeface="Consolas" panose="020B0609020204030204" pitchFamily="49" charset="0"/>
-              </a:rPr>
-              <a:t> = [1, 2, 3]</a:t>
-            </a:r>
-          </a:p>
-          <a:p>
-            <a:endParaRPr lang="en-US" dirty="0">
-              <a:solidFill>
-                <a:srgbClr val="0070C0"/>
-              </a:solidFill>
-              <a:latin typeface="Consolas" panose="020B0609020204030204" pitchFamily="49" charset="0"/>
-            </a:endParaRPr>
-          </a:p>
-          <a:p>
-            <a:r>
-              <a:rPr lang="en-US" dirty="0" err="1">
-                <a:solidFill>
-                  <a:srgbClr val="0070C0"/>
-                </a:solidFill>
-                <a:latin typeface="Consolas" panose="020B0609020204030204" pitchFamily="49" charset="0"/>
-              </a:rPr>
-              <a:t>mydict</a:t>
-            </a:r>
-            <a:r>
-              <a:rPr lang="en-US" dirty="0">
-                <a:solidFill>
-                  <a:srgbClr val="0070C0"/>
-                </a:solidFill>
-                <a:latin typeface="Consolas" panose="020B0609020204030204" pitchFamily="49" charset="0"/>
-              </a:rPr>
-              <a:t> = {"A": 1, "B": 2, "C": 3}</a:t>
-            </a:r>
-          </a:p>
-          <a:p>
-            <a:pPr marL="285750" indent="-285750">
-              <a:buFont typeface="Wingdings" panose="05000000000000000000" pitchFamily="2" charset="2"/>
-              <a:buChar char="ü"/>
-            </a:pPr>
-            <a:endParaRPr lang="en-US" dirty="0">
-              <a:solidFill>
-                <a:schemeClr val="tx1"/>
-              </a:solidFill>
-            </a:endParaRPr>
-          </a:p>
-          <a:p>
-            <a:pPr marL="285750" indent="-285750">
-              <a:buFont typeface="Wingdings" panose="05000000000000000000" pitchFamily="2" charset="2"/>
-              <a:buChar char="ü"/>
-            </a:pPr>
-            <a:r>
-              <a:rPr lang="en-US" dirty="0">
-                <a:solidFill>
-                  <a:schemeClr val="tx1"/>
-                </a:solidFill>
-              </a:rPr>
-              <a:t>Indexing </a:t>
-            </a:r>
-            <a:r>
-              <a:rPr lang="en-US" dirty="0">
-                <a:solidFill>
-                  <a:srgbClr val="0070C0"/>
-                </a:solidFill>
-              </a:rPr>
-              <a:t>[]</a:t>
-            </a:r>
-            <a:r>
-              <a:rPr lang="en-US" dirty="0">
-                <a:solidFill>
-                  <a:schemeClr val="tx1"/>
-                </a:solidFill>
-              </a:rPr>
-              <a:t>: an essential skill</a:t>
-            </a:r>
-            <a:endParaRPr lang="en-US" b="1" u="sng" dirty="0">
-              <a:solidFill>
-                <a:schemeClr val="tx1"/>
-              </a:solidFill>
-            </a:endParaRPr>
-          </a:p>
-          <a:p>
-            <a:endParaRPr lang="en-US" dirty="0">
-              <a:solidFill>
-                <a:schemeClr val="tx1"/>
-              </a:solidFill>
-            </a:endParaRPr>
-          </a:p>
-          <a:p>
-            <a:r>
-              <a:rPr lang="fr-FR" dirty="0" err="1">
-                <a:solidFill>
-                  <a:srgbClr val="0070C0"/>
-                </a:solidFill>
-                <a:latin typeface="Consolas" panose="020B0609020204030204" pitchFamily="49" charset="0"/>
-              </a:rPr>
-              <a:t>mylist</a:t>
-            </a:r>
-            <a:r>
-              <a:rPr lang="fr-FR" dirty="0">
-                <a:solidFill>
-                  <a:srgbClr val="0070C0"/>
-                </a:solidFill>
-                <a:latin typeface="Consolas" panose="020B0609020204030204" pitchFamily="49" charset="0"/>
-              </a:rPr>
-              <a:t>[1]</a:t>
-            </a:r>
-          </a:p>
-          <a:p>
-            <a:endParaRPr lang="fr-FR" dirty="0">
-              <a:solidFill>
-                <a:srgbClr val="0070C0"/>
-              </a:solidFill>
-              <a:latin typeface="Consolas" panose="020B0609020204030204" pitchFamily="49" charset="0"/>
-            </a:endParaRPr>
-          </a:p>
-          <a:p>
-            <a:r>
-              <a:rPr lang="en-US" b="1" dirty="0">
-                <a:solidFill>
-                  <a:srgbClr val="FF0000"/>
-                </a:solidFill>
-              </a:rPr>
-              <a:t>Indexing </a:t>
-            </a:r>
-            <a:r>
-              <a:rPr lang="en-US" b="1" u="sng" dirty="0">
-                <a:solidFill>
-                  <a:srgbClr val="FF0000"/>
-                </a:solidFill>
-              </a:rPr>
-              <a:t>in Python </a:t>
-            </a:r>
-            <a:r>
-              <a:rPr lang="en-US" b="1" dirty="0">
-                <a:solidFill>
-                  <a:srgbClr val="FF0000"/>
-                </a:solidFill>
-              </a:rPr>
-              <a:t>starts from 0!</a:t>
-            </a:r>
-            <a:endParaRPr lang="en-US" b="1" u="sng" dirty="0">
-              <a:solidFill>
-                <a:srgbClr val="FF0000"/>
-              </a:solidFill>
-            </a:endParaRPr>
-          </a:p>
-          <a:p>
-            <a:endParaRPr lang="fr-FR" dirty="0">
-              <a:solidFill>
-                <a:srgbClr val="0070C0"/>
-              </a:solidFill>
-              <a:latin typeface="Consolas" panose="020B0609020204030204" pitchFamily="49" charset="0"/>
-            </a:endParaRPr>
-          </a:p>
-          <a:p>
-            <a:r>
-              <a:rPr lang="fr-FR" dirty="0" err="1">
-                <a:solidFill>
-                  <a:srgbClr val="0070C0"/>
-                </a:solidFill>
-                <a:latin typeface="Consolas" panose="020B0609020204030204" pitchFamily="49" charset="0"/>
-              </a:rPr>
-              <a:t>mydict</a:t>
-            </a:r>
-            <a:r>
-              <a:rPr lang="fr-FR" dirty="0">
-                <a:solidFill>
-                  <a:srgbClr val="0070C0"/>
-                </a:solidFill>
-                <a:latin typeface="Consolas" panose="020B0609020204030204" pitchFamily="49" charset="0"/>
-              </a:rPr>
-              <a:t>[1]</a:t>
-            </a:r>
-          </a:p>
-          <a:p>
-            <a:r>
-              <a:rPr lang="fr-FR" dirty="0" err="1">
-                <a:solidFill>
-                  <a:srgbClr val="0070C0"/>
-                </a:solidFill>
-                <a:latin typeface="Consolas" panose="020B0609020204030204" pitchFamily="49" charset="0"/>
-              </a:rPr>
-              <a:t>mydict</a:t>
-            </a:r>
-            <a:r>
-              <a:rPr lang="fr-FR" dirty="0">
-                <a:solidFill>
-                  <a:srgbClr val="0070C0"/>
-                </a:solidFill>
-                <a:latin typeface="Consolas" panose="020B0609020204030204" pitchFamily="49" charset="0"/>
-              </a:rPr>
-              <a:t>[</a:t>
-            </a:r>
-            <a:r>
-              <a:rPr lang="en-US" dirty="0">
-                <a:solidFill>
-                  <a:srgbClr val="0070C0"/>
-                </a:solidFill>
-                <a:latin typeface="Consolas" panose="020B0609020204030204" pitchFamily="49" charset="0"/>
-              </a:rPr>
-              <a:t>"</a:t>
-            </a:r>
-            <a:r>
-              <a:rPr lang="fr-FR" dirty="0">
-                <a:solidFill>
-                  <a:srgbClr val="0070C0"/>
-                </a:solidFill>
-                <a:latin typeface="Consolas" panose="020B0609020204030204" pitchFamily="49" charset="0"/>
-              </a:rPr>
-              <a:t>b</a:t>
-            </a:r>
-            <a:r>
-              <a:rPr lang="en-US" dirty="0">
-                <a:solidFill>
-                  <a:srgbClr val="0070C0"/>
-                </a:solidFill>
-                <a:latin typeface="Consolas" panose="020B0609020204030204" pitchFamily="49" charset="0"/>
-              </a:rPr>
-              <a:t>"</a:t>
-            </a:r>
-            <a:r>
-              <a:rPr lang="fr-FR" dirty="0">
-                <a:solidFill>
-                  <a:srgbClr val="0070C0"/>
-                </a:solidFill>
-                <a:latin typeface="Consolas" panose="020B0609020204030204" pitchFamily="49" charset="0"/>
-              </a:rPr>
-              <a:t>]</a:t>
-            </a:r>
-          </a:p>
-          <a:p>
-            <a:r>
-              <a:rPr lang="fr-FR" dirty="0" err="1">
-                <a:solidFill>
-                  <a:srgbClr val="0070C0"/>
-                </a:solidFill>
-                <a:latin typeface="Consolas" panose="020B0609020204030204" pitchFamily="49" charset="0"/>
-              </a:rPr>
-              <a:t>mydict</a:t>
-            </a:r>
-            <a:r>
-              <a:rPr lang="fr-FR" dirty="0">
-                <a:solidFill>
-                  <a:srgbClr val="0070C0"/>
-                </a:solidFill>
-                <a:latin typeface="Consolas" panose="020B0609020204030204" pitchFamily="49" charset="0"/>
-              </a:rPr>
-              <a:t>[</a:t>
-            </a:r>
-            <a:r>
-              <a:rPr lang="en-US" dirty="0">
-                <a:solidFill>
-                  <a:srgbClr val="0070C0"/>
-                </a:solidFill>
-                <a:latin typeface="Consolas" panose="020B0609020204030204" pitchFamily="49" charset="0"/>
-              </a:rPr>
-              <a:t>"</a:t>
-            </a:r>
-            <a:r>
-              <a:rPr lang="fr-FR" dirty="0">
-                <a:solidFill>
-                  <a:srgbClr val="0070C0"/>
-                </a:solidFill>
-                <a:latin typeface="Consolas" panose="020B0609020204030204" pitchFamily="49" charset="0"/>
-              </a:rPr>
-              <a:t>B</a:t>
-            </a:r>
-            <a:r>
-              <a:rPr lang="en-US" dirty="0">
-                <a:solidFill>
-                  <a:srgbClr val="0070C0"/>
-                </a:solidFill>
-                <a:latin typeface="Consolas" panose="020B0609020204030204" pitchFamily="49" charset="0"/>
-              </a:rPr>
-              <a:t>"</a:t>
-            </a:r>
-            <a:r>
-              <a:rPr lang="fr-FR" dirty="0">
-                <a:solidFill>
-                  <a:srgbClr val="0070C0"/>
-                </a:solidFill>
-                <a:latin typeface="Consolas" panose="020B0609020204030204" pitchFamily="49" charset="0"/>
-              </a:rPr>
-              <a:t>]</a:t>
-            </a:r>
-            <a:endParaRPr lang="en-US" dirty="0">
-              <a:solidFill>
-                <a:schemeClr val="tx1"/>
-              </a:solidFill>
-              <a:latin typeface="Consolas" panose="020B0609020204030204" pitchFamily="49" charset="0"/>
-            </a:endParaRPr>
-          </a:p>
-        </p:txBody>
-      </p:sp>
-      <p:sp>
-        <p:nvSpPr>
-          <p:cNvPr id="3" name="Rectangle 2">
-            <a:extLst>
-              <a:ext uri="{FF2B5EF4-FFF2-40B4-BE49-F238E27FC236}">
-                <a16:creationId xmlns:a16="http://schemas.microsoft.com/office/drawing/2014/main" id="{4A9145F6-62DE-99CD-57F6-F9DD4C3F5350}"/>
-              </a:ext>
-            </a:extLst>
-          </p:cNvPr>
-          <p:cNvSpPr/>
-          <p:nvPr/>
-        </p:nvSpPr>
-        <p:spPr>
-          <a:xfrm>
-            <a:off x="0" y="0"/>
-            <a:ext cx="4544841" cy="519107"/>
-          </a:xfrm>
-          <a:prstGeom prst="rect">
-            <a:avLst/>
-          </a:prstGeom>
-          <a:solidFill>
-            <a:srgbClr val="002060"/>
-          </a:solidFill>
-          <a:ln>
-            <a:noFill/>
-          </a:ln>
-        </p:spPr>
-        <p:style>
-          <a:lnRef idx="0">
-            <a:scrgbClr r="0" g="0" b="0"/>
-          </a:lnRef>
-          <a:fillRef idx="0">
-            <a:scrgbClr r="0" g="0" b="0"/>
-          </a:fillRef>
-          <a:effectRef idx="0">
-            <a:scrgbClr r="0" g="0" b="0"/>
-          </a:effectRef>
-          <a:fontRef idx="minor">
-            <a:schemeClr val="dk1"/>
-          </a:fontRef>
-        </p:style>
-        <p:txBody>
-          <a:bodyPr rtlCol="0" anchor="ctr"/>
-          <a:lstStyle/>
-          <a:p>
-            <a:r>
-              <a:rPr lang="en-US" b="1" dirty="0">
-                <a:solidFill>
-                  <a:schemeClr val="bg1"/>
-                </a:solidFill>
-                <a:latin typeface="Consolas" panose="020B0609020204030204" pitchFamily="49" charset="0"/>
-              </a:rPr>
-              <a:t>Basic Python</a:t>
-            </a:r>
-            <a:endParaRPr lang="en-US" dirty="0">
-              <a:solidFill>
-                <a:schemeClr val="bg1"/>
-              </a:solidFill>
-              <a:latin typeface="Consolas" panose="020B0609020204030204" pitchFamily="49" charset="0"/>
-            </a:endParaRPr>
-          </a:p>
-        </p:txBody>
-      </p:sp>
-    </p:spTree>
-    <p:extLst>
-      <p:ext uri="{BB962C8B-B14F-4D97-AF65-F5344CB8AC3E}">
-        <p14:creationId xmlns:p14="http://schemas.microsoft.com/office/powerpoint/2010/main" val="1415226160"/>
-      </p:ext>
-    </p:extLst>
-  </p:cSld>
-  <p:clrMapOvr>
-    <a:masterClrMapping/>
-  </p:clrMapOvr>
-</p:sld>
-</file>
-
-<file path=ppt/slides/slide21.xml><?xml version="1.0" encoding="utf-8"?>
-<p:sld xmlns:a="http://schemas.openxmlformats.org/drawingml/2006/main" xmlns:r="http://schemas.openxmlformats.org/officeDocument/2006/relationships" xmlns:p="http://schemas.openxmlformats.org/presentationml/2006/main">
-  <p:cSld>
-    <p:spTree>
-      <p:nvGrpSpPr>
-        <p:cNvPr id="1" name=""/>
-        <p:cNvGrpSpPr/>
-        <p:nvPr/>
-      </p:nvGrpSpPr>
-      <p:grpSpPr>
-        <a:xfrm>
-          <a:off x="0" y="0"/>
-          <a:ext cx="0" cy="0"/>
-          <a:chOff x="0" y="0"/>
-          <a:chExt cx="0" cy="0"/>
-        </a:xfrm>
-      </p:grpSpPr>
-      <p:sp>
-        <p:nvSpPr>
           <p:cNvPr id="2" name="Rectangle 1">
             <a:extLst>
               <a:ext uri="{FF2B5EF4-FFF2-40B4-BE49-F238E27FC236}">
@@ -10722,7 +10292,7 @@
 </p:sld>
 </file>
 
-<file path=ppt/slides/slide22.xml><?xml version="1.0" encoding="utf-8"?>
+<file path=ppt/slides/slide21.xml><?xml version="1.0" encoding="utf-8"?>
 <p:sld xmlns:a="http://schemas.openxmlformats.org/drawingml/2006/main" xmlns:r="http://schemas.openxmlformats.org/officeDocument/2006/relationships" xmlns:p="http://schemas.openxmlformats.org/presentationml/2006/main">
   <p:cSld>
     <p:spTree>
@@ -11287,7 +10857,7 @@
 </p:sld>
 </file>
 
-<file path=ppt/slides/slide23.xml><?xml version="1.0" encoding="utf-8"?>
+<file path=ppt/slides/slide22.xml><?xml version="1.0" encoding="utf-8"?>
 <p:sld xmlns:a="http://schemas.openxmlformats.org/drawingml/2006/main" xmlns:r="http://schemas.openxmlformats.org/officeDocument/2006/relationships" xmlns:p="http://schemas.openxmlformats.org/presentationml/2006/main">
   <p:cSld>
     <p:spTree>
@@ -11466,7 +11036,7 @@
 </p:sld>
 </file>
 
-<file path=ppt/slides/slide24.xml><?xml version="1.0" encoding="utf-8"?>
+<file path=ppt/slides/slide23.xml><?xml version="1.0" encoding="utf-8"?>
 <p:sld xmlns:a="http://schemas.openxmlformats.org/drawingml/2006/main" xmlns:r="http://schemas.openxmlformats.org/officeDocument/2006/relationships" xmlns:p="http://schemas.openxmlformats.org/presentationml/2006/main">
   <p:cSld>
     <p:spTree>
@@ -12101,7 +11671,7 @@
 </p:sld>
 </file>
 
-<file path=ppt/slides/slide25.xml><?xml version="1.0" encoding="utf-8"?>
+<file path=ppt/slides/slide24.xml><?xml version="1.0" encoding="utf-8"?>
 <p:sld xmlns:a="http://schemas.openxmlformats.org/drawingml/2006/main" xmlns:r="http://schemas.openxmlformats.org/officeDocument/2006/relationships" xmlns:p="http://schemas.openxmlformats.org/presentationml/2006/main">
   <p:cSld>
     <p:spTree>
@@ -12766,7 +12336,7 @@
 </p:sld>
 </file>
 
-<file path=ppt/slides/slide26.xml><?xml version="1.0" encoding="utf-8"?>
+<file path=ppt/slides/slide25.xml><?xml version="1.0" encoding="utf-8"?>
 <p:sld xmlns:a="http://schemas.openxmlformats.org/drawingml/2006/main" xmlns:r="http://schemas.openxmlformats.org/officeDocument/2006/relationships" xmlns:p="http://schemas.openxmlformats.org/presentationml/2006/main">
   <p:cSld>
     <p:spTree>
@@ -13040,7 +12610,7 @@
 </p:sld>
 </file>
 
-<file path=ppt/slides/slide27.xml><?xml version="1.0" encoding="utf-8"?>
+<file path=ppt/slides/slide26.xml><?xml version="1.0" encoding="utf-8"?>
 <p:sld xmlns:a="http://schemas.openxmlformats.org/drawingml/2006/main" xmlns:r="http://schemas.openxmlformats.org/officeDocument/2006/relationships" xmlns:p="http://schemas.openxmlformats.org/presentationml/2006/main">
   <p:cSld>
     <p:spTree>
@@ -13315,7 +12885,7 @@
 </p:sld>
 </file>
 
-<file path=ppt/slides/slide28.xml><?xml version="1.0" encoding="utf-8"?>
+<file path=ppt/slides/slide27.xml><?xml version="1.0" encoding="utf-8"?>
 <p:sld xmlns:a="http://schemas.openxmlformats.org/drawingml/2006/main" xmlns:r="http://schemas.openxmlformats.org/officeDocument/2006/relationships" xmlns:p="http://schemas.openxmlformats.org/presentationml/2006/main">
   <p:cSld>
     <p:spTree>
@@ -13622,7 +13192,7 @@
 </p:sld>
 </file>
 
-<file path=ppt/slides/slide29.xml><?xml version="1.0" encoding="utf-8"?>
+<file path=ppt/slides/slide28.xml><?xml version="1.0" encoding="utf-8"?>
 <p:sld xmlns:a="http://schemas.openxmlformats.org/drawingml/2006/main" xmlns:r="http://schemas.openxmlformats.org/officeDocument/2006/relationships" xmlns:p="http://schemas.openxmlformats.org/presentationml/2006/main">
   <p:cSld>
     <p:spTree>
@@ -13874,6 +13444,380 @@
     <p:extLst>
       <p:ext uri="{BB962C8B-B14F-4D97-AF65-F5344CB8AC3E}">
         <p14:creationId xmlns:p14="http://schemas.microsoft.com/office/powerpoint/2010/main" val="1899572638"/>
+      </p:ext>
+    </p:extLst>
+  </p:cSld>
+  <p:clrMapOvr>
+    <a:masterClrMapping/>
+  </p:clrMapOvr>
+</p:sld>
+</file>
+
+<file path=ppt/slides/slide29.xml><?xml version="1.0" encoding="utf-8"?>
+<p:sld xmlns:a="http://schemas.openxmlformats.org/drawingml/2006/main" xmlns:r="http://schemas.openxmlformats.org/officeDocument/2006/relationships" xmlns:p="http://schemas.openxmlformats.org/presentationml/2006/main">
+  <p:cSld>
+    <p:spTree>
+      <p:nvGrpSpPr>
+        <p:cNvPr id="1" name=""/>
+        <p:cNvGrpSpPr/>
+        <p:nvPr/>
+      </p:nvGrpSpPr>
+      <p:grpSpPr>
+        <a:xfrm>
+          <a:off x="0" y="0"/>
+          <a:ext cx="0" cy="0"/>
+          <a:chOff x="0" y="0"/>
+          <a:chExt cx="0" cy="0"/>
+        </a:xfrm>
+      </p:grpSpPr>
+      <p:sp>
+        <p:nvSpPr>
+          <p:cNvPr id="2" name="Rectangle 1">
+            <a:extLst>
+              <a:ext uri="{FF2B5EF4-FFF2-40B4-BE49-F238E27FC236}">
+                <a16:creationId xmlns:a16="http://schemas.microsoft.com/office/drawing/2014/main" id="{1E65629C-92D4-79A2-2F71-A4F6B6308EFF}"/>
+              </a:ext>
+            </a:extLst>
+          </p:cNvPr>
+          <p:cNvSpPr/>
+          <p:nvPr/>
+        </p:nvSpPr>
+        <p:spPr>
+          <a:xfrm>
+            <a:off x="873150" y="650630"/>
+            <a:ext cx="9769642" cy="6207369"/>
+          </a:xfrm>
+          <a:prstGeom prst="rect">
+            <a:avLst/>
+          </a:prstGeom>
+          <a:noFill/>
+          <a:ln>
+            <a:noFill/>
+          </a:ln>
+        </p:spPr>
+        <p:style>
+          <a:lnRef idx="0">
+            <a:scrgbClr r="0" g="0" b="0"/>
+          </a:lnRef>
+          <a:fillRef idx="0">
+            <a:scrgbClr r="0" g="0" b="0"/>
+          </a:fillRef>
+          <a:effectRef idx="0">
+            <a:scrgbClr r="0" g="0" b="0"/>
+          </a:effectRef>
+          <a:fontRef idx="minor">
+            <a:schemeClr val="dk1"/>
+          </a:fontRef>
+        </p:style>
+        <p:txBody>
+          <a:bodyPr rtlCol="0" anchor="ctr"/>
+          <a:lstStyle/>
+          <a:p>
+            <a:pPr marL="1143000" indent="-1143000">
+              <a:buFont typeface="Arial" panose="020B0604020202020204" pitchFamily="34" charset="0"/>
+              <a:buChar char="•"/>
+            </a:pPr>
+            <a:r>
+              <a:rPr lang="en-US" sz="2800" b="1" dirty="0"/>
+              <a:t>Split the two parts into two “internal” functions</a:t>
+            </a:r>
+          </a:p>
+          <a:p>
+            <a:pPr marL="1143000" indent="-1143000">
+              <a:buFont typeface="Wingdings" panose="05000000000000000000" pitchFamily="2" charset="2"/>
+              <a:buChar char="ü"/>
+            </a:pPr>
+            <a:endParaRPr lang="en-US" sz="2800" b="1" dirty="0"/>
+          </a:p>
+          <a:p>
+            <a:r>
+              <a:rPr lang="en-US" sz="2800" b="1" dirty="0"/>
+              <a:t>Expected:</a:t>
+            </a:r>
+          </a:p>
+          <a:p>
+            <a:r>
+              <a:rPr lang="en-US" sz="2000" dirty="0">
+                <a:solidFill>
+                  <a:srgbClr val="0070C0"/>
+                </a:solidFill>
+                <a:latin typeface="Consolas" panose="020B0609020204030204" pitchFamily="49" charset="0"/>
+              </a:rPr>
+              <a:t>def </a:t>
+            </a:r>
+            <a:r>
+              <a:rPr lang="en-US" sz="2000" b="1" dirty="0">
+                <a:solidFill>
+                  <a:srgbClr val="0070C0"/>
+                </a:solidFill>
+                <a:latin typeface="Consolas" panose="020B0609020204030204" pitchFamily="49" charset="0"/>
+              </a:rPr>
+              <a:t>decoder</a:t>
+            </a:r>
+            <a:r>
+              <a:rPr lang="en-US" sz="2000" dirty="0">
+                <a:solidFill>
+                  <a:srgbClr val="0070C0"/>
+                </a:solidFill>
+                <a:latin typeface="Consolas" panose="020B0609020204030204" pitchFamily="49" charset="0"/>
+              </a:rPr>
+              <a:t>(sentence, encode=True)</a:t>
+            </a:r>
+          </a:p>
+          <a:p>
+            <a:r>
+              <a:rPr lang="en-US" sz="2000" dirty="0">
+                <a:solidFill>
+                  <a:srgbClr val="0070C0"/>
+                </a:solidFill>
+                <a:latin typeface="Consolas" panose="020B0609020204030204" pitchFamily="49" charset="0"/>
+              </a:rPr>
+              <a:t>    if encode is True:</a:t>
+            </a:r>
+          </a:p>
+          <a:p>
+            <a:r>
+              <a:rPr lang="en-US" sz="2000" dirty="0">
+                <a:solidFill>
+                  <a:srgbClr val="0070C0"/>
+                </a:solidFill>
+                <a:latin typeface="Consolas" panose="020B0609020204030204" pitchFamily="49" charset="0"/>
+              </a:rPr>
+              <a:t>        return _encode(sentence)</a:t>
+            </a:r>
+          </a:p>
+          <a:p>
+            <a:r>
+              <a:rPr lang="en-US" sz="2000" dirty="0">
+                <a:solidFill>
+                  <a:srgbClr val="0070C0"/>
+                </a:solidFill>
+                <a:latin typeface="Consolas" panose="020B0609020204030204" pitchFamily="49" charset="0"/>
+              </a:rPr>
+              <a:t>    else:</a:t>
+            </a:r>
+          </a:p>
+          <a:p>
+            <a:r>
+              <a:rPr lang="en-US" sz="2000" dirty="0">
+                <a:solidFill>
+                  <a:srgbClr val="0070C0"/>
+                </a:solidFill>
+                <a:latin typeface="Consolas" panose="020B0609020204030204" pitchFamily="49" charset="0"/>
+              </a:rPr>
+              <a:t>        return _decode(sentence)</a:t>
+            </a:r>
+          </a:p>
+          <a:p>
+            <a:endParaRPr lang="en-US" sz="2000" dirty="0">
+              <a:solidFill>
+                <a:srgbClr val="0070C0"/>
+              </a:solidFill>
+              <a:latin typeface="Consolas" panose="020B0609020204030204" pitchFamily="49" charset="0"/>
+            </a:endParaRPr>
+          </a:p>
+          <a:p>
+            <a:r>
+              <a:rPr lang="en-US" sz="2000" dirty="0">
+                <a:solidFill>
+                  <a:srgbClr val="0070C0"/>
+                </a:solidFill>
+                <a:latin typeface="Consolas" panose="020B0609020204030204" pitchFamily="49" charset="0"/>
+              </a:rPr>
+              <a:t>def </a:t>
+            </a:r>
+            <a:r>
+              <a:rPr lang="en-US" sz="2000" b="1" dirty="0">
+                <a:solidFill>
+                  <a:srgbClr val="0070C0"/>
+                </a:solidFill>
+                <a:latin typeface="Consolas" panose="020B0609020204030204" pitchFamily="49" charset="0"/>
+              </a:rPr>
+              <a:t>_encode</a:t>
+            </a:r>
+            <a:r>
+              <a:rPr lang="en-US" sz="2000" dirty="0">
+                <a:solidFill>
+                  <a:srgbClr val="0070C0"/>
+                </a:solidFill>
+                <a:latin typeface="Consolas" panose="020B0609020204030204" pitchFamily="49" charset="0"/>
+              </a:rPr>
+              <a:t>(sentence):</a:t>
+            </a:r>
+          </a:p>
+          <a:p>
+            <a:r>
+              <a:rPr lang="en-US" sz="2000" dirty="0">
+                <a:solidFill>
+                  <a:srgbClr val="0070C0"/>
+                </a:solidFill>
+                <a:latin typeface="Consolas" panose="020B0609020204030204" pitchFamily="49" charset="0"/>
+              </a:rPr>
+              <a:t>    pass</a:t>
+            </a:r>
+          </a:p>
+          <a:p>
+            <a:r>
+              <a:rPr lang="en-US" sz="2000" dirty="0">
+                <a:solidFill>
+                  <a:srgbClr val="0070C0"/>
+                </a:solidFill>
+                <a:latin typeface="Consolas" panose="020B0609020204030204" pitchFamily="49" charset="0"/>
+              </a:rPr>
+              <a:t>def </a:t>
+            </a:r>
+            <a:r>
+              <a:rPr lang="en-US" sz="2000" b="1" dirty="0">
+                <a:solidFill>
+                  <a:srgbClr val="0070C0"/>
+                </a:solidFill>
+                <a:latin typeface="Consolas" panose="020B0609020204030204" pitchFamily="49" charset="0"/>
+              </a:rPr>
+              <a:t>_decode</a:t>
+            </a:r>
+            <a:r>
+              <a:rPr lang="en-US" sz="2000" dirty="0">
+                <a:solidFill>
+                  <a:srgbClr val="0070C0"/>
+                </a:solidFill>
+                <a:latin typeface="Consolas" panose="020B0609020204030204" pitchFamily="49" charset="0"/>
+              </a:rPr>
+              <a:t>(sentence):</a:t>
+            </a:r>
+          </a:p>
+          <a:p>
+            <a:r>
+              <a:rPr lang="en-US" sz="2000" dirty="0">
+                <a:solidFill>
+                  <a:srgbClr val="0070C0"/>
+                </a:solidFill>
+                <a:latin typeface="Consolas" panose="020B0609020204030204" pitchFamily="49" charset="0"/>
+              </a:rPr>
+              <a:t>    pass</a:t>
+            </a:r>
+          </a:p>
+          <a:p>
+            <a:endParaRPr lang="en-US" sz="2000" dirty="0">
+              <a:solidFill>
+                <a:srgbClr val="0070C0"/>
+              </a:solidFill>
+              <a:latin typeface="Consolas" panose="020B0609020204030204" pitchFamily="49" charset="0"/>
+            </a:endParaRPr>
+          </a:p>
+          <a:p>
+            <a:r>
+              <a:rPr lang="en-US" sz="2000" dirty="0">
+                <a:solidFill>
+                  <a:schemeClr val="tx1"/>
+                </a:solidFill>
+              </a:rPr>
+              <a:t>Can catch bugs using </a:t>
+            </a:r>
+            <a:r>
+              <a:rPr lang="en-US" sz="2000" dirty="0">
+                <a:solidFill>
+                  <a:srgbClr val="0070C0"/>
+                </a:solidFill>
+              </a:rPr>
+              <a:t>if, </a:t>
+            </a:r>
+            <a:r>
+              <a:rPr lang="en-US" sz="2000" dirty="0" err="1">
+                <a:solidFill>
+                  <a:srgbClr val="0070C0"/>
+                </a:solidFill>
+              </a:rPr>
+              <a:t>elif</a:t>
+            </a:r>
+            <a:r>
+              <a:rPr lang="en-US" sz="2000" dirty="0">
+                <a:solidFill>
+                  <a:srgbClr val="0070C0"/>
+                </a:solidFill>
+              </a:rPr>
+              <a:t>, else</a:t>
+            </a:r>
+            <a:endParaRPr lang="en-US" sz="2000" dirty="0">
+              <a:solidFill>
+                <a:schemeClr val="tx1"/>
+              </a:solidFill>
+            </a:endParaRPr>
+          </a:p>
+        </p:txBody>
+      </p:sp>
+      <p:sp>
+        <p:nvSpPr>
+          <p:cNvPr id="5" name="Rectangle 4">
+            <a:extLst>
+              <a:ext uri="{FF2B5EF4-FFF2-40B4-BE49-F238E27FC236}">
+                <a16:creationId xmlns:a16="http://schemas.microsoft.com/office/drawing/2014/main" id="{F8891953-79C3-7A6D-1596-BD9DEC8BA58D}"/>
+              </a:ext>
+            </a:extLst>
+          </p:cNvPr>
+          <p:cNvSpPr/>
+          <p:nvPr/>
+        </p:nvSpPr>
+        <p:spPr>
+          <a:xfrm>
+            <a:off x="0" y="0"/>
+            <a:ext cx="4544841" cy="519107"/>
+          </a:xfrm>
+          <a:prstGeom prst="rect">
+            <a:avLst/>
+          </a:prstGeom>
+          <a:solidFill>
+            <a:schemeClr val="accent2"/>
+          </a:solidFill>
+          <a:ln>
+            <a:noFill/>
+          </a:ln>
+        </p:spPr>
+        <p:style>
+          <a:lnRef idx="0">
+            <a:scrgbClr r="0" g="0" b="0"/>
+          </a:lnRef>
+          <a:fillRef idx="0">
+            <a:scrgbClr r="0" g="0" b="0"/>
+          </a:fillRef>
+          <a:effectRef idx="0">
+            <a:scrgbClr r="0" g="0" b="0"/>
+          </a:effectRef>
+          <a:fontRef idx="minor">
+            <a:schemeClr val="dk1"/>
+          </a:fontRef>
+        </p:style>
+        <p:txBody>
+          <a:bodyPr rtlCol="0" anchor="ctr"/>
+          <a:lstStyle/>
+          <a:p>
+            <a:r>
+              <a:rPr lang="en-US" sz="2800" b="1" dirty="0" err="1">
+                <a:solidFill>
+                  <a:schemeClr val="bg1"/>
+                </a:solidFill>
+              </a:rPr>
+              <a:t>Exercice</a:t>
+            </a:r>
+            <a:r>
+              <a:rPr lang="en-US" sz="2800" b="1" dirty="0">
+                <a:solidFill>
+                  <a:schemeClr val="bg1"/>
+                </a:solidFill>
+              </a:rPr>
+              <a:t> time 💪 (10 min)</a:t>
+            </a:r>
+            <a:endParaRPr lang="en-US" sz="2800" dirty="0">
+              <a:solidFill>
+                <a:schemeClr val="bg1"/>
+              </a:solidFill>
+            </a:endParaRPr>
+          </a:p>
+        </p:txBody>
+      </p:sp>
+    </p:spTree>
+    <p:extLst>
+      <p:ext uri="{BB962C8B-B14F-4D97-AF65-F5344CB8AC3E}">
+        <p14:creationId xmlns:p14="http://schemas.microsoft.com/office/powerpoint/2010/main" val="1521118698"/>
       </p:ext>
     </p:extLst>
   </p:cSld>
@@ -14157,6 +14101,909 @@
       </p:grpSpPr>
       <p:sp>
         <p:nvSpPr>
+          <p:cNvPr id="4" name="Rectangle 3">
+            <a:extLst>
+              <a:ext uri="{FF2B5EF4-FFF2-40B4-BE49-F238E27FC236}">
+                <a16:creationId xmlns:a16="http://schemas.microsoft.com/office/drawing/2014/main" id="{A4A34817-5B44-493F-D622-8954BF1B2D0D}"/>
+              </a:ext>
+            </a:extLst>
+          </p:cNvPr>
+          <p:cNvSpPr/>
+          <p:nvPr/>
+        </p:nvSpPr>
+        <p:spPr>
+          <a:xfrm>
+            <a:off x="404148" y="151256"/>
+            <a:ext cx="8499220" cy="5287018"/>
+          </a:xfrm>
+          <a:prstGeom prst="rect">
+            <a:avLst/>
+          </a:prstGeom>
+          <a:noFill/>
+          <a:ln>
+            <a:noFill/>
+          </a:ln>
+        </p:spPr>
+        <p:style>
+          <a:lnRef idx="0">
+            <a:scrgbClr r="0" g="0" b="0"/>
+          </a:lnRef>
+          <a:fillRef idx="0">
+            <a:scrgbClr r="0" g="0" b="0"/>
+          </a:fillRef>
+          <a:effectRef idx="0">
+            <a:scrgbClr r="0" g="0" b="0"/>
+          </a:effectRef>
+          <a:fontRef idx="minor">
+            <a:schemeClr val="dk1"/>
+          </a:fontRef>
+        </p:style>
+        <p:txBody>
+          <a:bodyPr rtlCol="0" anchor="ctr"/>
+          <a:lstStyle/>
+          <a:p>
+            <a:endParaRPr lang="en-US" b="1" dirty="0"/>
+          </a:p>
+          <a:p>
+            <a:endParaRPr lang="en-US" b="1" dirty="0"/>
+          </a:p>
+          <a:p>
+            <a:r>
+              <a:rPr lang="en-US" b="1" dirty="0"/>
+              <a:t>Import</a:t>
+            </a:r>
+          </a:p>
+          <a:p>
+            <a:pPr marL="285750" indent="-285750">
+              <a:buFont typeface="Wingdings" panose="05000000000000000000" pitchFamily="2" charset="2"/>
+              <a:buChar char="ü"/>
+            </a:pPr>
+            <a:r>
+              <a:rPr lang="en-US" b="1" dirty="0"/>
+              <a:t>Loads packages (or scripts) into memory</a:t>
+            </a:r>
+          </a:p>
+          <a:p>
+            <a:pPr marL="285750" indent="-285750">
+              <a:buFont typeface="Wingdings" panose="05000000000000000000" pitchFamily="2" charset="2"/>
+              <a:buChar char="Ø"/>
+            </a:pPr>
+            <a:r>
+              <a:rPr lang="en-US" b="1" dirty="0">
+                <a:solidFill>
+                  <a:srgbClr val="0070C0"/>
+                </a:solidFill>
+                <a:latin typeface="Consolas" panose="020B0609020204030204" pitchFamily="49" charset="0"/>
+              </a:rPr>
+              <a:t>import this </a:t>
+            </a:r>
+          </a:p>
+          <a:p>
+            <a:endParaRPr lang="en-US" b="1" dirty="0"/>
+          </a:p>
+          <a:p>
+            <a:r>
+              <a:rPr lang="en-US" b="1" dirty="0"/>
+              <a:t>Packages</a:t>
+            </a:r>
+            <a:endParaRPr lang="en-US" sz="1800" b="1" dirty="0"/>
+          </a:p>
+          <a:p>
+            <a:endParaRPr lang="en-US" dirty="0"/>
+          </a:p>
+          <a:p>
+            <a:pPr marL="285750" indent="-285750">
+              <a:buFont typeface="Wingdings" panose="05000000000000000000" pitchFamily="2" charset="2"/>
+              <a:buChar char="ü"/>
+            </a:pPr>
+            <a:r>
+              <a:rPr lang="en-US" dirty="0"/>
+              <a:t>Most functionalities comes from packages</a:t>
+            </a:r>
+          </a:p>
+          <a:p>
+            <a:pPr marL="285750" indent="-285750">
+              <a:buFont typeface="Wingdings" panose="05000000000000000000" pitchFamily="2" charset="2"/>
+              <a:buChar char="ü"/>
+            </a:pPr>
+            <a:r>
+              <a:rPr lang="en-US" sz="1800" dirty="0">
+                <a:solidFill>
+                  <a:schemeClr val="tx1"/>
+                </a:solidFill>
+                <a:latin typeface="Consolas" panose="020B0609020204030204" pitchFamily="49" charset="0"/>
+              </a:rPr>
+              <a:t>Packages need to be “imported” every time</a:t>
+            </a:r>
+          </a:p>
+          <a:p>
+            <a:pPr marL="742950" lvl="1" indent="-285750">
+              <a:buFont typeface="Wingdings" panose="05000000000000000000" pitchFamily="2" charset="2"/>
+              <a:buChar char="Ø"/>
+            </a:pPr>
+            <a:r>
+              <a:rPr lang="en-US" dirty="0">
+                <a:solidFill>
+                  <a:srgbClr val="0070C0"/>
+                </a:solidFill>
+                <a:latin typeface="Consolas" panose="020B0609020204030204" pitchFamily="49" charset="0"/>
+              </a:rPr>
+              <a:t>Add “import </a:t>
+            </a:r>
+            <a:r>
+              <a:rPr lang="en-US" dirty="0" err="1">
+                <a:solidFill>
+                  <a:srgbClr val="0070C0"/>
+                </a:solidFill>
+                <a:latin typeface="Consolas" panose="020B0609020204030204" pitchFamily="49" charset="0"/>
+              </a:rPr>
+              <a:t>os</a:t>
+            </a:r>
+            <a:r>
+              <a:rPr lang="en-US" dirty="0">
+                <a:solidFill>
+                  <a:srgbClr val="0070C0"/>
+                </a:solidFill>
+                <a:latin typeface="Consolas" panose="020B0609020204030204" pitchFamily="49" charset="0"/>
+              </a:rPr>
+              <a:t>”</a:t>
+            </a:r>
+          </a:p>
+          <a:p>
+            <a:pPr marL="742950" lvl="1" indent="-285750">
+              <a:buFont typeface="Wingdings" panose="05000000000000000000" pitchFamily="2" charset="2"/>
+              <a:buChar char="Ø"/>
+            </a:pPr>
+            <a:r>
+              <a:rPr lang="en-US" dirty="0">
+                <a:solidFill>
+                  <a:srgbClr val="0070C0"/>
+                </a:solidFill>
+                <a:latin typeface="Consolas" panose="020B0609020204030204" pitchFamily="49" charset="0"/>
+              </a:rPr>
+              <a:t>Function “</a:t>
+            </a:r>
+            <a:r>
+              <a:rPr lang="en-US" dirty="0" err="1">
+                <a:solidFill>
+                  <a:srgbClr val="0070C0"/>
+                </a:solidFill>
+                <a:latin typeface="Consolas" panose="020B0609020204030204" pitchFamily="49" charset="0"/>
+              </a:rPr>
+              <a:t>os.listdir</a:t>
+            </a:r>
+            <a:r>
+              <a:rPr lang="en-US" dirty="0">
+                <a:solidFill>
+                  <a:srgbClr val="0070C0"/>
+                </a:solidFill>
+                <a:latin typeface="Consolas" panose="020B0609020204030204" pitchFamily="49" charset="0"/>
+              </a:rPr>
+              <a:t>()”</a:t>
+            </a:r>
+          </a:p>
+          <a:p>
+            <a:pPr marL="742950" lvl="1" indent="-285750">
+              <a:buFont typeface="Wingdings" panose="05000000000000000000" pitchFamily="2" charset="2"/>
+              <a:buChar char="Ø"/>
+            </a:pPr>
+            <a:r>
+              <a:rPr lang="en-US" dirty="0">
+                <a:solidFill>
+                  <a:srgbClr val="0070C0"/>
+                </a:solidFill>
+                <a:latin typeface="Consolas" panose="020B0609020204030204" pitchFamily="49" charset="0"/>
+              </a:rPr>
+              <a:t>Useful for listing files / participants</a:t>
+            </a:r>
+          </a:p>
+          <a:p>
+            <a:pPr marL="742950" lvl="1" indent="-285750">
+              <a:buFont typeface="Wingdings" panose="05000000000000000000" pitchFamily="2" charset="2"/>
+              <a:buChar char="Ø"/>
+            </a:pPr>
+            <a:endParaRPr lang="en-US" dirty="0">
+              <a:solidFill>
+                <a:srgbClr val="0070C0"/>
+              </a:solidFill>
+              <a:latin typeface="Consolas" panose="020B0609020204030204" pitchFamily="49" charset="0"/>
+            </a:endParaRPr>
+          </a:p>
+          <a:p>
+            <a:pPr algn="ctr"/>
+            <a:endParaRPr lang="en-GB" dirty="0"/>
+          </a:p>
+        </p:txBody>
+      </p:sp>
+      <p:sp>
+        <p:nvSpPr>
+          <p:cNvPr id="3" name="Rectangle 2">
+            <a:extLst>
+              <a:ext uri="{FF2B5EF4-FFF2-40B4-BE49-F238E27FC236}">
+                <a16:creationId xmlns:a16="http://schemas.microsoft.com/office/drawing/2014/main" id="{4A9145F6-62DE-99CD-57F6-F9DD4C3F5350}"/>
+              </a:ext>
+            </a:extLst>
+          </p:cNvPr>
+          <p:cNvSpPr/>
+          <p:nvPr/>
+        </p:nvSpPr>
+        <p:spPr>
+          <a:xfrm>
+            <a:off x="0" y="0"/>
+            <a:ext cx="4544841" cy="519107"/>
+          </a:xfrm>
+          <a:prstGeom prst="rect">
+            <a:avLst/>
+          </a:prstGeom>
+          <a:solidFill>
+            <a:srgbClr val="002060"/>
+          </a:solidFill>
+          <a:ln>
+            <a:noFill/>
+          </a:ln>
+        </p:spPr>
+        <p:style>
+          <a:lnRef idx="0">
+            <a:scrgbClr r="0" g="0" b="0"/>
+          </a:lnRef>
+          <a:fillRef idx="0">
+            <a:scrgbClr r="0" g="0" b="0"/>
+          </a:fillRef>
+          <a:effectRef idx="0">
+            <a:scrgbClr r="0" g="0" b="0"/>
+          </a:effectRef>
+          <a:fontRef idx="minor">
+            <a:schemeClr val="dk1"/>
+          </a:fontRef>
+        </p:style>
+        <p:txBody>
+          <a:bodyPr rtlCol="0" anchor="ctr"/>
+          <a:lstStyle/>
+          <a:p>
+            <a:r>
+              <a:rPr lang="en-US" b="1" dirty="0">
+                <a:solidFill>
+                  <a:schemeClr val="bg1"/>
+                </a:solidFill>
+                <a:latin typeface="Consolas" panose="020B0609020204030204" pitchFamily="49" charset="0"/>
+              </a:rPr>
+              <a:t>Basic Python</a:t>
+            </a:r>
+            <a:endParaRPr lang="en-US" dirty="0">
+              <a:solidFill>
+                <a:schemeClr val="bg1"/>
+              </a:solidFill>
+              <a:latin typeface="Consolas" panose="020B0609020204030204" pitchFamily="49" charset="0"/>
+            </a:endParaRPr>
+          </a:p>
+        </p:txBody>
+      </p:sp>
+    </p:spTree>
+    <p:extLst>
+      <p:ext uri="{BB962C8B-B14F-4D97-AF65-F5344CB8AC3E}">
+        <p14:creationId xmlns:p14="http://schemas.microsoft.com/office/powerpoint/2010/main" val="819842157"/>
+      </p:ext>
+    </p:extLst>
+  </p:cSld>
+  <p:clrMapOvr>
+    <a:masterClrMapping/>
+  </p:clrMapOvr>
+</p:sld>
+</file>
+
+<file path=ppt/slides/slide31.xml><?xml version="1.0" encoding="utf-8"?>
+<p:sld xmlns:a="http://schemas.openxmlformats.org/drawingml/2006/main" xmlns:r="http://schemas.openxmlformats.org/officeDocument/2006/relationships" xmlns:p="http://schemas.openxmlformats.org/presentationml/2006/main">
+  <p:cSld>
+    <p:spTree>
+      <p:nvGrpSpPr>
+        <p:cNvPr id="1" name=""/>
+        <p:cNvGrpSpPr/>
+        <p:nvPr/>
+      </p:nvGrpSpPr>
+      <p:grpSpPr>
+        <a:xfrm>
+          <a:off x="0" y="0"/>
+          <a:ext cx="0" cy="0"/>
+          <a:chOff x="0" y="0"/>
+          <a:chExt cx="0" cy="0"/>
+        </a:xfrm>
+      </p:grpSpPr>
+      <p:sp>
+        <p:nvSpPr>
+          <p:cNvPr id="3" name="Rectangle 2">
+            <a:extLst>
+              <a:ext uri="{FF2B5EF4-FFF2-40B4-BE49-F238E27FC236}">
+                <a16:creationId xmlns:a16="http://schemas.microsoft.com/office/drawing/2014/main" id="{F6452524-0F9C-3918-2DF4-95435828256C}"/>
+              </a:ext>
+            </a:extLst>
+          </p:cNvPr>
+          <p:cNvSpPr/>
+          <p:nvPr/>
+        </p:nvSpPr>
+        <p:spPr>
+          <a:xfrm>
+            <a:off x="0" y="0"/>
+            <a:ext cx="4544841" cy="519107"/>
+          </a:xfrm>
+          <a:prstGeom prst="rect">
+            <a:avLst/>
+          </a:prstGeom>
+          <a:solidFill>
+            <a:srgbClr val="002060"/>
+          </a:solidFill>
+          <a:ln>
+            <a:noFill/>
+          </a:ln>
+        </p:spPr>
+        <p:style>
+          <a:lnRef idx="0">
+            <a:scrgbClr r="0" g="0" b="0"/>
+          </a:lnRef>
+          <a:fillRef idx="0">
+            <a:scrgbClr r="0" g="0" b="0"/>
+          </a:fillRef>
+          <a:effectRef idx="0">
+            <a:scrgbClr r="0" g="0" b="0"/>
+          </a:effectRef>
+          <a:fontRef idx="minor">
+            <a:schemeClr val="dk1"/>
+          </a:fontRef>
+        </p:style>
+        <p:txBody>
+          <a:bodyPr rtlCol="0" anchor="ctr"/>
+          <a:lstStyle/>
+          <a:p>
+            <a:r>
+              <a:rPr lang="en-US" b="1" dirty="0">
+                <a:solidFill>
+                  <a:schemeClr val="bg1"/>
+                </a:solidFill>
+                <a:latin typeface="Consolas" panose="020B0609020204030204" pitchFamily="49" charset="0"/>
+              </a:rPr>
+              <a:t>Basic Python</a:t>
+            </a:r>
+            <a:endParaRPr lang="en-US" dirty="0">
+              <a:solidFill>
+                <a:schemeClr val="bg1"/>
+              </a:solidFill>
+              <a:latin typeface="Consolas" panose="020B0609020204030204" pitchFamily="49" charset="0"/>
+            </a:endParaRPr>
+          </a:p>
+        </p:txBody>
+      </p:sp>
+      <p:sp>
+        <p:nvSpPr>
+          <p:cNvPr id="5" name="Rectangle 4">
+            <a:extLst>
+              <a:ext uri="{FF2B5EF4-FFF2-40B4-BE49-F238E27FC236}">
+                <a16:creationId xmlns:a16="http://schemas.microsoft.com/office/drawing/2014/main" id="{17FB1164-D802-D199-41BB-0927EBF4A54F}"/>
+              </a:ext>
+            </a:extLst>
+          </p:cNvPr>
+          <p:cNvSpPr/>
+          <p:nvPr/>
+        </p:nvSpPr>
+        <p:spPr>
+          <a:xfrm>
+            <a:off x="404148" y="1591408"/>
+            <a:ext cx="6585737" cy="3846866"/>
+          </a:xfrm>
+          <a:prstGeom prst="rect">
+            <a:avLst/>
+          </a:prstGeom>
+          <a:noFill/>
+          <a:ln>
+            <a:noFill/>
+          </a:ln>
+        </p:spPr>
+        <p:style>
+          <a:lnRef idx="0">
+            <a:scrgbClr r="0" g="0" b="0"/>
+          </a:lnRef>
+          <a:fillRef idx="0">
+            <a:scrgbClr r="0" g="0" b="0"/>
+          </a:fillRef>
+          <a:effectRef idx="0">
+            <a:scrgbClr r="0" g="0" b="0"/>
+          </a:effectRef>
+          <a:fontRef idx="minor">
+            <a:schemeClr val="dk1"/>
+          </a:fontRef>
+        </p:style>
+        <p:txBody>
+          <a:bodyPr rtlCol="0" anchor="ctr"/>
+          <a:lstStyle/>
+          <a:p>
+            <a:endParaRPr lang="en-US" b="1" dirty="0"/>
+          </a:p>
+          <a:p>
+            <a:endParaRPr lang="en-US" b="1" dirty="0"/>
+          </a:p>
+          <a:p>
+            <a:r>
+              <a:rPr lang="en-US" b="1" dirty="0"/>
+              <a:t>Installing packages</a:t>
+            </a:r>
+          </a:p>
+          <a:p>
+            <a:pPr marL="285750" indent="-285750">
+              <a:buFont typeface="Wingdings" panose="05000000000000000000" pitchFamily="2" charset="2"/>
+              <a:buChar char="ü"/>
+            </a:pPr>
+            <a:r>
+              <a:rPr lang="en-US" b="1" dirty="0"/>
+              <a:t>You don’t install Python packages from Python</a:t>
+            </a:r>
+          </a:p>
+          <a:p>
+            <a:pPr marL="285750" indent="-285750">
+              <a:buFont typeface="Wingdings" panose="05000000000000000000" pitchFamily="2" charset="2"/>
+              <a:buChar char="Ø"/>
+            </a:pPr>
+            <a:r>
+              <a:rPr lang="en-US" b="1" dirty="0">
+                <a:solidFill>
+                  <a:srgbClr val="FF0000"/>
+                </a:solidFill>
+              </a:rPr>
+              <a:t>Need to do it from the “terminal” using another package called “pip”</a:t>
+            </a:r>
+          </a:p>
+          <a:p>
+            <a:pPr marL="285750" indent="-285750">
+              <a:buFont typeface="Wingdings" panose="05000000000000000000" pitchFamily="2" charset="2"/>
+              <a:buChar char="Ø"/>
+            </a:pPr>
+            <a:endParaRPr lang="en-US" b="1" dirty="0">
+              <a:solidFill>
+                <a:srgbClr val="0070C0"/>
+              </a:solidFill>
+            </a:endParaRPr>
+          </a:p>
+          <a:p>
+            <a:pPr marL="285750" indent="-285750">
+              <a:buFont typeface="Wingdings" panose="05000000000000000000" pitchFamily="2" charset="2"/>
+              <a:buChar char="ü"/>
+            </a:pPr>
+            <a:r>
+              <a:rPr lang="en-US" dirty="0">
+                <a:solidFill>
+                  <a:schemeClr val="tx1"/>
+                </a:solidFill>
+              </a:rPr>
+              <a:t>Installation instructions can be found usually on </a:t>
+            </a:r>
+            <a:r>
+              <a:rPr lang="en-US" dirty="0" err="1">
+                <a:solidFill>
+                  <a:schemeClr val="tx1"/>
+                </a:solidFill>
+              </a:rPr>
+              <a:t>PyPI</a:t>
+            </a:r>
+            <a:r>
+              <a:rPr lang="en-US" dirty="0">
+                <a:solidFill>
+                  <a:schemeClr val="tx1"/>
+                </a:solidFill>
+              </a:rPr>
+              <a:t> or GitHub</a:t>
+            </a:r>
+          </a:p>
+          <a:p>
+            <a:pPr marL="285750" indent="-285750">
+              <a:buFont typeface="Wingdings" panose="05000000000000000000" pitchFamily="2" charset="2"/>
+              <a:buChar char="Ø"/>
+            </a:pPr>
+            <a:r>
+              <a:rPr lang="en-US" dirty="0">
+                <a:solidFill>
+                  <a:srgbClr val="0070C0"/>
+                </a:solidFill>
+              </a:rPr>
+              <a:t>Install “black”</a:t>
+            </a:r>
+          </a:p>
+          <a:p>
+            <a:pPr marL="285750" indent="-285750">
+              <a:buFont typeface="Wingdings" panose="05000000000000000000" pitchFamily="2" charset="2"/>
+              <a:buChar char="Ø"/>
+            </a:pPr>
+            <a:endParaRPr lang="en-US" dirty="0">
+              <a:solidFill>
+                <a:srgbClr val="0070C0"/>
+              </a:solidFill>
+            </a:endParaRPr>
+          </a:p>
+          <a:p>
+            <a:pPr marL="342900" indent="-342900">
+              <a:buFont typeface="+mj-lt"/>
+              <a:buAutoNum type="arabicPeriod"/>
+            </a:pPr>
+            <a:r>
+              <a:rPr lang="en-US" dirty="0">
+                <a:solidFill>
+                  <a:schemeClr val="tx1"/>
+                </a:solidFill>
+              </a:rPr>
+              <a:t>Google “black python package”</a:t>
+            </a:r>
+          </a:p>
+          <a:p>
+            <a:pPr marL="342900" indent="-342900">
+              <a:buFont typeface="+mj-lt"/>
+              <a:buAutoNum type="arabicPeriod"/>
+            </a:pPr>
+            <a:r>
+              <a:rPr lang="en-US" dirty="0">
+                <a:solidFill>
+                  <a:schemeClr val="tx1"/>
+                </a:solidFill>
+              </a:rPr>
+              <a:t>Find “pip” instructions</a:t>
+            </a:r>
+          </a:p>
+          <a:p>
+            <a:pPr marL="742950" lvl="1" indent="-285750">
+              <a:buFont typeface="Wingdings" panose="05000000000000000000" pitchFamily="2" charset="2"/>
+              <a:buChar char="Ø"/>
+            </a:pPr>
+            <a:endParaRPr lang="en-US" dirty="0">
+              <a:solidFill>
+                <a:srgbClr val="0070C0"/>
+              </a:solidFill>
+              <a:latin typeface="Consolas" panose="020B0609020204030204" pitchFamily="49" charset="0"/>
+            </a:endParaRPr>
+          </a:p>
+          <a:p>
+            <a:pPr algn="ctr"/>
+            <a:endParaRPr lang="en-GB" dirty="0"/>
+          </a:p>
+        </p:txBody>
+      </p:sp>
+      <p:pic>
+        <p:nvPicPr>
+          <p:cNvPr id="4" name="Picture 3">
+            <a:extLst>
+              <a:ext uri="{FF2B5EF4-FFF2-40B4-BE49-F238E27FC236}">
+                <a16:creationId xmlns:a16="http://schemas.microsoft.com/office/drawing/2014/main" id="{A2A40521-779D-CEC6-0EA1-F03DCECAE8C0}"/>
+              </a:ext>
+            </a:extLst>
+          </p:cNvPr>
+          <p:cNvPicPr>
+            <a:picLocks noChangeAspect="1"/>
+          </p:cNvPicPr>
+          <p:nvPr/>
+        </p:nvPicPr>
+        <p:blipFill>
+          <a:blip r:embed="rId2"/>
+          <a:stretch>
+            <a:fillRect/>
+          </a:stretch>
+        </p:blipFill>
+        <p:spPr>
+          <a:xfrm>
+            <a:off x="7546290" y="343580"/>
+            <a:ext cx="4443971" cy="6170840"/>
+          </a:xfrm>
+          <a:prstGeom prst="rect">
+            <a:avLst/>
+          </a:prstGeom>
+        </p:spPr>
+      </p:pic>
+    </p:spTree>
+    <p:extLst>
+      <p:ext uri="{BB962C8B-B14F-4D97-AF65-F5344CB8AC3E}">
+        <p14:creationId xmlns:p14="http://schemas.microsoft.com/office/powerpoint/2010/main" val="1905526381"/>
+      </p:ext>
+    </p:extLst>
+  </p:cSld>
+  <p:clrMapOvr>
+    <a:masterClrMapping/>
+  </p:clrMapOvr>
+</p:sld>
+</file>
+
+<file path=ppt/slides/slide32.xml><?xml version="1.0" encoding="utf-8"?>
+<p:sld xmlns:a="http://schemas.openxmlformats.org/drawingml/2006/main" xmlns:r="http://schemas.openxmlformats.org/officeDocument/2006/relationships" xmlns:p="http://schemas.openxmlformats.org/presentationml/2006/main">
+  <p:cSld>
+    <p:spTree>
+      <p:nvGrpSpPr>
+        <p:cNvPr id="1" name=""/>
+        <p:cNvGrpSpPr/>
+        <p:nvPr/>
+      </p:nvGrpSpPr>
+      <p:grpSpPr>
+        <a:xfrm>
+          <a:off x="0" y="0"/>
+          <a:ext cx="0" cy="0"/>
+          <a:chOff x="0" y="0"/>
+          <a:chExt cx="0" cy="0"/>
+        </a:xfrm>
+      </p:grpSpPr>
+      <p:sp>
+        <p:nvSpPr>
+          <p:cNvPr id="3" name="Rectangle 2">
+            <a:extLst>
+              <a:ext uri="{FF2B5EF4-FFF2-40B4-BE49-F238E27FC236}">
+                <a16:creationId xmlns:a16="http://schemas.microsoft.com/office/drawing/2014/main" id="{F6452524-0F9C-3918-2DF4-95435828256C}"/>
+              </a:ext>
+            </a:extLst>
+          </p:cNvPr>
+          <p:cNvSpPr/>
+          <p:nvPr/>
+        </p:nvSpPr>
+        <p:spPr>
+          <a:xfrm>
+            <a:off x="0" y="0"/>
+            <a:ext cx="4544841" cy="519107"/>
+          </a:xfrm>
+          <a:prstGeom prst="rect">
+            <a:avLst/>
+          </a:prstGeom>
+          <a:solidFill>
+            <a:srgbClr val="002060"/>
+          </a:solidFill>
+          <a:ln>
+            <a:noFill/>
+          </a:ln>
+        </p:spPr>
+        <p:style>
+          <a:lnRef idx="0">
+            <a:scrgbClr r="0" g="0" b="0"/>
+          </a:lnRef>
+          <a:fillRef idx="0">
+            <a:scrgbClr r="0" g="0" b="0"/>
+          </a:fillRef>
+          <a:effectRef idx="0">
+            <a:scrgbClr r="0" g="0" b="0"/>
+          </a:effectRef>
+          <a:fontRef idx="minor">
+            <a:schemeClr val="dk1"/>
+          </a:fontRef>
+        </p:style>
+        <p:txBody>
+          <a:bodyPr rtlCol="0" anchor="ctr"/>
+          <a:lstStyle/>
+          <a:p>
+            <a:r>
+              <a:rPr lang="en-US" b="1" dirty="0">
+                <a:solidFill>
+                  <a:schemeClr val="bg1"/>
+                </a:solidFill>
+                <a:latin typeface="Consolas" panose="020B0609020204030204" pitchFamily="49" charset="0"/>
+              </a:rPr>
+              <a:t>Basic Python</a:t>
+            </a:r>
+            <a:endParaRPr lang="en-US" dirty="0">
+              <a:solidFill>
+                <a:schemeClr val="bg1"/>
+              </a:solidFill>
+              <a:latin typeface="Consolas" panose="020B0609020204030204" pitchFamily="49" charset="0"/>
+            </a:endParaRPr>
+          </a:p>
+        </p:txBody>
+      </p:sp>
+      <p:sp>
+        <p:nvSpPr>
+          <p:cNvPr id="5" name="Rectangle 4">
+            <a:extLst>
+              <a:ext uri="{FF2B5EF4-FFF2-40B4-BE49-F238E27FC236}">
+                <a16:creationId xmlns:a16="http://schemas.microsoft.com/office/drawing/2014/main" id="{17FB1164-D802-D199-41BB-0927EBF4A54F}"/>
+              </a:ext>
+            </a:extLst>
+          </p:cNvPr>
+          <p:cNvSpPr/>
+          <p:nvPr/>
+        </p:nvSpPr>
+        <p:spPr>
+          <a:xfrm>
+            <a:off x="404148" y="1591408"/>
+            <a:ext cx="5047083" cy="3846866"/>
+          </a:xfrm>
+          <a:prstGeom prst="rect">
+            <a:avLst/>
+          </a:prstGeom>
+          <a:noFill/>
+          <a:ln>
+            <a:noFill/>
+          </a:ln>
+        </p:spPr>
+        <p:style>
+          <a:lnRef idx="0">
+            <a:scrgbClr r="0" g="0" b="0"/>
+          </a:lnRef>
+          <a:fillRef idx="0">
+            <a:scrgbClr r="0" g="0" b="0"/>
+          </a:fillRef>
+          <a:effectRef idx="0">
+            <a:scrgbClr r="0" g="0" b="0"/>
+          </a:effectRef>
+          <a:fontRef idx="minor">
+            <a:schemeClr val="dk1"/>
+          </a:fontRef>
+        </p:style>
+        <p:txBody>
+          <a:bodyPr rtlCol="0" anchor="ctr"/>
+          <a:lstStyle/>
+          <a:p>
+            <a:endParaRPr lang="en-US" b="1" dirty="0"/>
+          </a:p>
+          <a:p>
+            <a:endParaRPr lang="en-US" b="1" dirty="0"/>
+          </a:p>
+          <a:p>
+            <a:r>
+              <a:rPr lang="en-US" b="1" dirty="0"/>
+              <a:t>Autoformatting</a:t>
+            </a:r>
+          </a:p>
+          <a:p>
+            <a:pPr marL="342900" indent="-342900">
+              <a:buFont typeface="+mj-lt"/>
+              <a:buAutoNum type="arabicPeriod"/>
+            </a:pPr>
+            <a:r>
+              <a:rPr lang="en-US" dirty="0">
+                <a:solidFill>
+                  <a:schemeClr val="tx1"/>
+                </a:solidFill>
+              </a:rPr>
+              <a:t>Settings (UI) </a:t>
+            </a:r>
+          </a:p>
+          <a:p>
+            <a:pPr marL="342900" indent="-342900">
+              <a:buFont typeface="+mj-lt"/>
+              <a:buAutoNum type="arabicPeriod"/>
+            </a:pPr>
+            <a:r>
+              <a:rPr lang="en-US" dirty="0">
+                <a:solidFill>
+                  <a:schemeClr val="tx1"/>
+                </a:solidFill>
+              </a:rPr>
+              <a:t>Python formatting provided</a:t>
+            </a:r>
+          </a:p>
+          <a:p>
+            <a:pPr marL="342900" indent="-342900">
+              <a:buFont typeface="+mj-lt"/>
+              <a:buAutoNum type="arabicPeriod"/>
+            </a:pPr>
+            <a:r>
+              <a:rPr lang="en-US" dirty="0">
+                <a:solidFill>
+                  <a:schemeClr val="tx1"/>
+                </a:solidFill>
+              </a:rPr>
+              <a:t>“black”</a:t>
+            </a:r>
+          </a:p>
+          <a:p>
+            <a:pPr marL="342900" indent="-342900">
+              <a:buFont typeface="+mj-lt"/>
+              <a:buAutoNum type="arabicPeriod"/>
+            </a:pPr>
+            <a:r>
+              <a:rPr lang="en-US" dirty="0">
+                <a:solidFill>
+                  <a:schemeClr val="tx1"/>
+                </a:solidFill>
+              </a:rPr>
+              <a:t>Format on save </a:t>
+            </a:r>
+          </a:p>
+          <a:p>
+            <a:pPr marL="742950" lvl="1" indent="-285750">
+              <a:buFont typeface="Wingdings" panose="05000000000000000000" pitchFamily="2" charset="2"/>
+              <a:buChar char="Ø"/>
+            </a:pPr>
+            <a:endParaRPr lang="en-US" dirty="0">
+              <a:solidFill>
+                <a:srgbClr val="0070C0"/>
+              </a:solidFill>
+              <a:latin typeface="Consolas" panose="020B0609020204030204" pitchFamily="49" charset="0"/>
+            </a:endParaRPr>
+          </a:p>
+          <a:p>
+            <a:pPr algn="ctr"/>
+            <a:endParaRPr lang="en-GB" dirty="0"/>
+          </a:p>
+        </p:txBody>
+      </p:sp>
+      <p:pic>
+        <p:nvPicPr>
+          <p:cNvPr id="6" name="Picture 5">
+            <a:extLst>
+              <a:ext uri="{FF2B5EF4-FFF2-40B4-BE49-F238E27FC236}">
+                <a16:creationId xmlns:a16="http://schemas.microsoft.com/office/drawing/2014/main" id="{961A3D6E-EE20-1276-1A8F-A559C220EE41}"/>
+              </a:ext>
+            </a:extLst>
+          </p:cNvPr>
+          <p:cNvPicPr>
+            <a:picLocks noChangeAspect="1"/>
+          </p:cNvPicPr>
+          <p:nvPr/>
+        </p:nvPicPr>
+        <p:blipFill>
+          <a:blip r:embed="rId2"/>
+          <a:stretch>
+            <a:fillRect/>
+          </a:stretch>
+        </p:blipFill>
+        <p:spPr>
+          <a:xfrm>
+            <a:off x="6074875" y="114300"/>
+            <a:ext cx="5999614" cy="6743700"/>
+          </a:xfrm>
+          <a:prstGeom prst="rect">
+            <a:avLst/>
+          </a:prstGeom>
+        </p:spPr>
+      </p:pic>
+      <p:pic>
+        <p:nvPicPr>
+          <p:cNvPr id="8" name="Picture 7">
+            <a:extLst>
+              <a:ext uri="{FF2B5EF4-FFF2-40B4-BE49-F238E27FC236}">
+                <a16:creationId xmlns:a16="http://schemas.microsoft.com/office/drawing/2014/main" id="{B35457AB-D34A-510A-627E-14713D502671}"/>
+              </a:ext>
+            </a:extLst>
+          </p:cNvPr>
+          <p:cNvPicPr>
+            <a:picLocks noChangeAspect="1"/>
+          </p:cNvPicPr>
+          <p:nvPr/>
+        </p:nvPicPr>
+        <p:blipFill>
+          <a:blip r:embed="rId3"/>
+          <a:stretch>
+            <a:fillRect/>
+          </a:stretch>
+        </p:blipFill>
+        <p:spPr>
+          <a:xfrm>
+            <a:off x="2293290" y="5158593"/>
+            <a:ext cx="3802710" cy="1699407"/>
+          </a:xfrm>
+          <a:prstGeom prst="rect">
+            <a:avLst/>
+          </a:prstGeom>
+        </p:spPr>
+      </p:pic>
+    </p:spTree>
+    <p:extLst>
+      <p:ext uri="{BB962C8B-B14F-4D97-AF65-F5344CB8AC3E}">
+        <p14:creationId xmlns:p14="http://schemas.microsoft.com/office/powerpoint/2010/main" val="2643502697"/>
+      </p:ext>
+    </p:extLst>
+  </p:cSld>
+  <p:clrMapOvr>
+    <a:masterClrMapping/>
+  </p:clrMapOvr>
+</p:sld>
+</file>
+
+<file path=ppt/slides/slide33.xml><?xml version="1.0" encoding="utf-8"?>
+<p:sld xmlns:a="http://schemas.openxmlformats.org/drawingml/2006/main" xmlns:r="http://schemas.openxmlformats.org/officeDocument/2006/relationships" xmlns:p="http://schemas.openxmlformats.org/presentationml/2006/main">
+  <p:cSld>
+    <p:spTree>
+      <p:nvGrpSpPr>
+        <p:cNvPr id="1" name=""/>
+        <p:cNvGrpSpPr/>
+        <p:nvPr/>
+      </p:nvGrpSpPr>
+      <p:grpSpPr>
+        <a:xfrm>
+          <a:off x="0" y="0"/>
+          <a:ext cx="0" cy="0"/>
+          <a:chOff x="0" y="0"/>
+          <a:chExt cx="0" cy="0"/>
+        </a:xfrm>
+      </p:grpSpPr>
+      <p:sp>
+        <p:nvSpPr>
           <p:cNvPr id="2" name="Rectangle 1">
             <a:extLst>
               <a:ext uri="{FF2B5EF4-FFF2-40B4-BE49-F238E27FC236}">
@@ -14204,7 +15051,57 @@
             </a:pPr>
             <a:r>
               <a:rPr lang="en-US" sz="2800" b="1" dirty="0"/>
-              <a:t>Split the two parts into two “internal” functions</a:t>
+              <a:t>Goal: </a:t>
+            </a:r>
+            <a:r>
+              <a:rPr lang="en-US" sz="2800" dirty="0"/>
+              <a:t>install packages:</a:t>
+            </a:r>
+            <a:r>
+              <a:rPr lang="en-US" sz="2800" b="1" dirty="0"/>
+              <a:t> </a:t>
+            </a:r>
+            <a:r>
+              <a:rPr lang="en-US" sz="2800" b="1" dirty="0" err="1"/>
+              <a:t>numpy</a:t>
+            </a:r>
+            <a:r>
+              <a:rPr lang="en-US" sz="2800" b="1" dirty="0"/>
+              <a:t>, </a:t>
+            </a:r>
+            <a:r>
+              <a:rPr lang="en-US" sz="2800" b="1" dirty="0" err="1"/>
+              <a:t>scipy</a:t>
+            </a:r>
+            <a:r>
+              <a:rPr lang="en-US" sz="2800" b="1" dirty="0"/>
+              <a:t>, matplotlib, pandas, </a:t>
+            </a:r>
+            <a:r>
+              <a:rPr lang="en-US" sz="2800" b="1" dirty="0" err="1"/>
+              <a:t>statsmodels</a:t>
+            </a:r>
+            <a:r>
+              <a:rPr lang="en-US" sz="2800" b="1" dirty="0"/>
+              <a:t>, scikit-learn</a:t>
+            </a:r>
+          </a:p>
+          <a:p>
+            <a:pPr marL="1143000" indent="-1143000">
+              <a:buFont typeface="Arial" panose="020B0604020202020204" pitchFamily="34" charset="0"/>
+              <a:buChar char="•"/>
+            </a:pPr>
+            <a:r>
+              <a:rPr lang="en-US" sz="2800" dirty="0"/>
+              <a:t>Successfully </a:t>
+            </a:r>
+            <a:r>
+              <a:rPr lang="en-US" sz="2800" b="1" dirty="0"/>
+              <a:t>import</a:t>
+            </a:r>
+            <a:r>
+              <a:rPr lang="en-US" sz="2800" dirty="0"/>
+              <a:t> them at the top of a file</a:t>
             </a:r>
           </a:p>
           <a:p>
@@ -14213,173 +15110,6 @@
               <a:buChar char="ü"/>
             </a:pPr>
             <a:endParaRPr lang="en-US" sz="2800" b="1" dirty="0"/>
-          </a:p>
-          <a:p>
-            <a:r>
-              <a:rPr lang="en-US" sz="2800" b="1" dirty="0"/>
-              <a:t>Expected:</a:t>
-            </a:r>
-          </a:p>
-          <a:p>
-            <a:r>
-              <a:rPr lang="en-US" sz="2800" dirty="0">
-                <a:solidFill>
-                  <a:srgbClr val="0070C0"/>
-                </a:solidFill>
-                <a:latin typeface="Consolas" panose="020B0609020204030204" pitchFamily="49" charset="0"/>
-              </a:rPr>
-              <a:t>def </a:t>
-            </a:r>
-            <a:r>
-              <a:rPr lang="en-US" sz="2800" b="1" dirty="0">
-                <a:solidFill>
-                  <a:srgbClr val="0070C0"/>
-                </a:solidFill>
-                <a:latin typeface="Consolas" panose="020B0609020204030204" pitchFamily="49" charset="0"/>
-              </a:rPr>
-              <a:t>decoder</a:t>
-            </a:r>
-            <a:r>
-              <a:rPr lang="en-US" sz="2800" dirty="0">
-                <a:solidFill>
-                  <a:srgbClr val="0070C0"/>
-                </a:solidFill>
-                <a:latin typeface="Consolas" panose="020B0609020204030204" pitchFamily="49" charset="0"/>
-              </a:rPr>
-              <a:t>(sentence, encode=True)</a:t>
-            </a:r>
-          </a:p>
-          <a:p>
-            <a:r>
-              <a:rPr lang="en-US" sz="2800" dirty="0">
-                <a:solidFill>
-                  <a:srgbClr val="0070C0"/>
-                </a:solidFill>
-                <a:latin typeface="Consolas" panose="020B0609020204030204" pitchFamily="49" charset="0"/>
-              </a:rPr>
-              <a:t>    if encode is True:</a:t>
-            </a:r>
-          </a:p>
-          <a:p>
-            <a:r>
-              <a:rPr lang="en-US" sz="2800" dirty="0">
-                <a:solidFill>
-                  <a:srgbClr val="0070C0"/>
-                </a:solidFill>
-                <a:latin typeface="Consolas" panose="020B0609020204030204" pitchFamily="49" charset="0"/>
-              </a:rPr>
-              <a:t>        return _encode(sentence)</a:t>
-            </a:r>
-          </a:p>
-          <a:p>
-            <a:r>
-              <a:rPr lang="en-US" sz="2800" dirty="0">
-                <a:solidFill>
-                  <a:srgbClr val="0070C0"/>
-                </a:solidFill>
-                <a:latin typeface="Consolas" panose="020B0609020204030204" pitchFamily="49" charset="0"/>
-              </a:rPr>
-              <a:t>    else:</a:t>
-            </a:r>
-          </a:p>
-          <a:p>
-            <a:r>
-              <a:rPr lang="en-US" sz="2800" dirty="0">
-                <a:solidFill>
-                  <a:srgbClr val="0070C0"/>
-                </a:solidFill>
-                <a:latin typeface="Consolas" panose="020B0609020204030204" pitchFamily="49" charset="0"/>
-              </a:rPr>
-              <a:t>        return _decode(sentence)</a:t>
-            </a:r>
-          </a:p>
-          <a:p>
-            <a:endParaRPr lang="en-US" sz="2800" dirty="0">
-              <a:solidFill>
-                <a:srgbClr val="0070C0"/>
-              </a:solidFill>
-              <a:latin typeface="Consolas" panose="020B0609020204030204" pitchFamily="49" charset="0"/>
-            </a:endParaRPr>
-          </a:p>
-          <a:p>
-            <a:r>
-              <a:rPr lang="en-US" sz="2800" dirty="0">
-                <a:solidFill>
-                  <a:srgbClr val="0070C0"/>
-                </a:solidFill>
-                <a:latin typeface="Consolas" panose="020B0609020204030204" pitchFamily="49" charset="0"/>
-              </a:rPr>
-              <a:t>def </a:t>
-            </a:r>
-            <a:r>
-              <a:rPr lang="en-US" sz="2800" b="1" dirty="0">
-                <a:solidFill>
-                  <a:srgbClr val="0070C0"/>
-                </a:solidFill>
-                <a:latin typeface="Consolas" panose="020B0609020204030204" pitchFamily="49" charset="0"/>
-              </a:rPr>
-              <a:t>_encode</a:t>
-            </a:r>
-            <a:r>
-              <a:rPr lang="en-US" sz="2800" dirty="0">
-                <a:solidFill>
-                  <a:srgbClr val="0070C0"/>
-                </a:solidFill>
-                <a:latin typeface="Consolas" panose="020B0609020204030204" pitchFamily="49" charset="0"/>
-              </a:rPr>
-              <a:t>(sentence):</a:t>
-            </a:r>
-          </a:p>
-          <a:p>
-            <a:r>
-              <a:rPr lang="en-US" sz="2800" dirty="0">
-                <a:solidFill>
-                  <a:srgbClr val="0070C0"/>
-                </a:solidFill>
-                <a:latin typeface="Consolas" panose="020B0609020204030204" pitchFamily="49" charset="0"/>
-              </a:rPr>
-              <a:t>    pass</a:t>
-            </a:r>
-          </a:p>
-          <a:p>
-            <a:r>
-              <a:rPr lang="en-US" sz="2800" dirty="0">
-                <a:solidFill>
-                  <a:srgbClr val="0070C0"/>
-                </a:solidFill>
-                <a:latin typeface="Consolas" panose="020B0609020204030204" pitchFamily="49" charset="0"/>
-              </a:rPr>
-              <a:t>def </a:t>
-            </a:r>
-            <a:r>
-              <a:rPr lang="en-US" sz="2800" b="1" dirty="0">
-                <a:solidFill>
-                  <a:srgbClr val="0070C0"/>
-                </a:solidFill>
-                <a:latin typeface="Consolas" panose="020B0609020204030204" pitchFamily="49" charset="0"/>
-              </a:rPr>
-              <a:t>_decode</a:t>
-            </a:r>
-            <a:r>
-              <a:rPr lang="en-US" sz="2800" dirty="0">
-                <a:solidFill>
-                  <a:srgbClr val="0070C0"/>
-                </a:solidFill>
-                <a:latin typeface="Consolas" panose="020B0609020204030204" pitchFamily="49" charset="0"/>
-              </a:rPr>
-              <a:t>(sentence):</a:t>
-            </a:r>
-          </a:p>
-          <a:p>
-            <a:r>
-              <a:rPr lang="en-US" sz="2800" dirty="0">
-                <a:solidFill>
-                  <a:srgbClr val="0070C0"/>
-                </a:solidFill>
-                <a:latin typeface="Consolas" panose="020B0609020204030204" pitchFamily="49" charset="0"/>
-              </a:rPr>
-              <a:t>    pass</a:t>
-            </a:r>
           </a:p>
         </p:txBody>
       </p:sp>
@@ -14442,7 +15172,7 @@
                   <a:schemeClr val="bg1"/>
                 </a:solidFill>
               </a:rPr>
-              <a:t> time 💪 (10 min)</a:t>
+              <a:t> time 💪 (5 min)</a:t>
             </a:r>
             <a:endParaRPr lang="en-US" sz="2800" dirty="0">
               <a:solidFill>
@@ -14455,683 +15185,7 @@
     </p:spTree>
     <p:extLst>
       <p:ext uri="{BB962C8B-B14F-4D97-AF65-F5344CB8AC3E}">
-        <p14:creationId xmlns:p14="http://schemas.microsoft.com/office/powerpoint/2010/main" val="1521118698"/>
-      </p:ext>
-    </p:extLst>
-  </p:cSld>
-  <p:clrMapOvr>
-    <a:masterClrMapping/>
-  </p:clrMapOvr>
-</p:sld>
-</file>
-
-<file path=ppt/slides/slide31.xml><?xml version="1.0" encoding="utf-8"?>
-<p:sld xmlns:a="http://schemas.openxmlformats.org/drawingml/2006/main" xmlns:r="http://schemas.openxmlformats.org/officeDocument/2006/relationships" xmlns:p="http://schemas.openxmlformats.org/presentationml/2006/main">
-  <p:cSld>
-    <p:spTree>
-      <p:nvGrpSpPr>
-        <p:cNvPr id="1" name=""/>
-        <p:cNvGrpSpPr/>
-        <p:nvPr/>
-      </p:nvGrpSpPr>
-      <p:grpSpPr>
-        <a:xfrm>
-          <a:off x="0" y="0"/>
-          <a:ext cx="0" cy="0"/>
-          <a:chOff x="0" y="0"/>
-          <a:chExt cx="0" cy="0"/>
-        </a:xfrm>
-      </p:grpSpPr>
-      <p:sp>
-        <p:nvSpPr>
-          <p:cNvPr id="4" name="Rectangle 3">
-            <a:extLst>
-              <a:ext uri="{FF2B5EF4-FFF2-40B4-BE49-F238E27FC236}">
-                <a16:creationId xmlns:a16="http://schemas.microsoft.com/office/drawing/2014/main" id="{A4A34817-5B44-493F-D622-8954BF1B2D0D}"/>
-              </a:ext>
-            </a:extLst>
-          </p:cNvPr>
-          <p:cNvSpPr/>
-          <p:nvPr/>
-        </p:nvSpPr>
-        <p:spPr>
-          <a:xfrm>
-            <a:off x="404148" y="151256"/>
-            <a:ext cx="8499220" cy="5287018"/>
-          </a:xfrm>
-          <a:prstGeom prst="rect">
-            <a:avLst/>
-          </a:prstGeom>
-          <a:noFill/>
-          <a:ln>
-            <a:noFill/>
-          </a:ln>
-        </p:spPr>
-        <p:style>
-          <a:lnRef idx="0">
-            <a:scrgbClr r="0" g="0" b="0"/>
-          </a:lnRef>
-          <a:fillRef idx="0">
-            <a:scrgbClr r="0" g="0" b="0"/>
-          </a:fillRef>
-          <a:effectRef idx="0">
-            <a:scrgbClr r="0" g="0" b="0"/>
-          </a:effectRef>
-          <a:fontRef idx="minor">
-            <a:schemeClr val="dk1"/>
-          </a:fontRef>
-        </p:style>
-        <p:txBody>
-          <a:bodyPr rtlCol="0" anchor="ctr"/>
-          <a:lstStyle/>
-          <a:p>
-            <a:endParaRPr lang="en-US" b="1" dirty="0"/>
-          </a:p>
-          <a:p>
-            <a:endParaRPr lang="en-US" b="1" dirty="0"/>
-          </a:p>
-          <a:p>
-            <a:r>
-              <a:rPr lang="en-US" b="1" dirty="0"/>
-              <a:t>Import</a:t>
-            </a:r>
-          </a:p>
-          <a:p>
-            <a:pPr marL="285750" indent="-285750">
-              <a:buFont typeface="Wingdings" panose="05000000000000000000" pitchFamily="2" charset="2"/>
-              <a:buChar char="ü"/>
-            </a:pPr>
-            <a:r>
-              <a:rPr lang="en-US" b="1" dirty="0"/>
-              <a:t>Loads packages (or scripts) into memory</a:t>
-            </a:r>
-          </a:p>
-          <a:p>
-            <a:pPr marL="285750" indent="-285750">
-              <a:buFont typeface="Wingdings" panose="05000000000000000000" pitchFamily="2" charset="2"/>
-              <a:buChar char="Ø"/>
-            </a:pPr>
-            <a:r>
-              <a:rPr lang="en-US" b="1" dirty="0">
-                <a:solidFill>
-                  <a:srgbClr val="0070C0"/>
-                </a:solidFill>
-                <a:latin typeface="Consolas" panose="020B0609020204030204" pitchFamily="49" charset="0"/>
-              </a:rPr>
-              <a:t>import this </a:t>
-            </a:r>
-          </a:p>
-          <a:p>
-            <a:endParaRPr lang="en-US" b="1" dirty="0"/>
-          </a:p>
-          <a:p>
-            <a:r>
-              <a:rPr lang="en-US" b="1" dirty="0"/>
-              <a:t>Packages</a:t>
-            </a:r>
-            <a:endParaRPr lang="en-US" sz="1800" b="1" dirty="0"/>
-          </a:p>
-          <a:p>
-            <a:endParaRPr lang="en-US" dirty="0"/>
-          </a:p>
-          <a:p>
-            <a:pPr marL="285750" indent="-285750">
-              <a:buFont typeface="Wingdings" panose="05000000000000000000" pitchFamily="2" charset="2"/>
-              <a:buChar char="ü"/>
-            </a:pPr>
-            <a:r>
-              <a:rPr lang="en-US" dirty="0"/>
-              <a:t>Most functionalities comes from packages</a:t>
-            </a:r>
-          </a:p>
-          <a:p>
-            <a:pPr marL="285750" indent="-285750">
-              <a:buFont typeface="Wingdings" panose="05000000000000000000" pitchFamily="2" charset="2"/>
-              <a:buChar char="ü"/>
-            </a:pPr>
-            <a:r>
-              <a:rPr lang="en-US" sz="1800" dirty="0">
-                <a:solidFill>
-                  <a:schemeClr val="tx1"/>
-                </a:solidFill>
-                <a:latin typeface="Consolas" panose="020B0609020204030204" pitchFamily="49" charset="0"/>
-              </a:rPr>
-              <a:t>Packages need to be “imported” every time</a:t>
-            </a:r>
-          </a:p>
-          <a:p>
-            <a:pPr marL="742950" lvl="1" indent="-285750">
-              <a:buFont typeface="Wingdings" panose="05000000000000000000" pitchFamily="2" charset="2"/>
-              <a:buChar char="Ø"/>
-            </a:pPr>
-            <a:r>
-              <a:rPr lang="en-US" dirty="0">
-                <a:solidFill>
-                  <a:srgbClr val="0070C0"/>
-                </a:solidFill>
-                <a:latin typeface="Consolas" panose="020B0609020204030204" pitchFamily="49" charset="0"/>
-              </a:rPr>
-              <a:t>Add “import </a:t>
-            </a:r>
-            <a:r>
-              <a:rPr lang="en-US" dirty="0" err="1">
-                <a:solidFill>
-                  <a:srgbClr val="0070C0"/>
-                </a:solidFill>
-                <a:latin typeface="Consolas" panose="020B0609020204030204" pitchFamily="49" charset="0"/>
-              </a:rPr>
-              <a:t>os</a:t>
-            </a:r>
-            <a:r>
-              <a:rPr lang="en-US" dirty="0">
-                <a:solidFill>
-                  <a:srgbClr val="0070C0"/>
-                </a:solidFill>
-                <a:latin typeface="Consolas" panose="020B0609020204030204" pitchFamily="49" charset="0"/>
-              </a:rPr>
-              <a:t>”</a:t>
-            </a:r>
-          </a:p>
-          <a:p>
-            <a:pPr marL="742950" lvl="1" indent="-285750">
-              <a:buFont typeface="Wingdings" panose="05000000000000000000" pitchFamily="2" charset="2"/>
-              <a:buChar char="Ø"/>
-            </a:pPr>
-            <a:r>
-              <a:rPr lang="en-US" dirty="0">
-                <a:solidFill>
-                  <a:srgbClr val="0070C0"/>
-                </a:solidFill>
-                <a:latin typeface="Consolas" panose="020B0609020204030204" pitchFamily="49" charset="0"/>
-              </a:rPr>
-              <a:t>Function “</a:t>
-            </a:r>
-            <a:r>
-              <a:rPr lang="en-US" dirty="0" err="1">
-                <a:solidFill>
-                  <a:srgbClr val="0070C0"/>
-                </a:solidFill>
-                <a:latin typeface="Consolas" panose="020B0609020204030204" pitchFamily="49" charset="0"/>
-              </a:rPr>
-              <a:t>os.listdir</a:t>
-            </a:r>
-            <a:r>
-              <a:rPr lang="en-US" dirty="0">
-                <a:solidFill>
-                  <a:srgbClr val="0070C0"/>
-                </a:solidFill>
-                <a:latin typeface="Consolas" panose="020B0609020204030204" pitchFamily="49" charset="0"/>
-              </a:rPr>
-              <a:t>()”</a:t>
-            </a:r>
-          </a:p>
-          <a:p>
-            <a:pPr marL="742950" lvl="1" indent="-285750">
-              <a:buFont typeface="Wingdings" panose="05000000000000000000" pitchFamily="2" charset="2"/>
-              <a:buChar char="Ø"/>
-            </a:pPr>
-            <a:r>
-              <a:rPr lang="en-US" dirty="0">
-                <a:solidFill>
-                  <a:srgbClr val="0070C0"/>
-                </a:solidFill>
-                <a:latin typeface="Consolas" panose="020B0609020204030204" pitchFamily="49" charset="0"/>
-              </a:rPr>
-              <a:t>Useful for listing files / participants</a:t>
-            </a:r>
-          </a:p>
-          <a:p>
-            <a:pPr marL="742950" lvl="1" indent="-285750">
-              <a:buFont typeface="Wingdings" panose="05000000000000000000" pitchFamily="2" charset="2"/>
-              <a:buChar char="Ø"/>
-            </a:pPr>
-            <a:endParaRPr lang="en-US" dirty="0">
-              <a:solidFill>
-                <a:srgbClr val="0070C0"/>
-              </a:solidFill>
-              <a:latin typeface="Consolas" panose="020B0609020204030204" pitchFamily="49" charset="0"/>
-            </a:endParaRPr>
-          </a:p>
-          <a:p>
-            <a:pPr algn="ctr"/>
-            <a:endParaRPr lang="en-GB" dirty="0"/>
-          </a:p>
-        </p:txBody>
-      </p:sp>
-      <p:sp>
-        <p:nvSpPr>
-          <p:cNvPr id="3" name="Rectangle 2">
-            <a:extLst>
-              <a:ext uri="{FF2B5EF4-FFF2-40B4-BE49-F238E27FC236}">
-                <a16:creationId xmlns:a16="http://schemas.microsoft.com/office/drawing/2014/main" id="{4A9145F6-62DE-99CD-57F6-F9DD4C3F5350}"/>
-              </a:ext>
-            </a:extLst>
-          </p:cNvPr>
-          <p:cNvSpPr/>
-          <p:nvPr/>
-        </p:nvSpPr>
-        <p:spPr>
-          <a:xfrm>
-            <a:off x="0" y="0"/>
-            <a:ext cx="4544841" cy="519107"/>
-          </a:xfrm>
-          <a:prstGeom prst="rect">
-            <a:avLst/>
-          </a:prstGeom>
-          <a:solidFill>
-            <a:srgbClr val="002060"/>
-          </a:solidFill>
-          <a:ln>
-            <a:noFill/>
-          </a:ln>
-        </p:spPr>
-        <p:style>
-          <a:lnRef idx="0">
-            <a:scrgbClr r="0" g="0" b="0"/>
-          </a:lnRef>
-          <a:fillRef idx="0">
-            <a:scrgbClr r="0" g="0" b="0"/>
-          </a:fillRef>
-          <a:effectRef idx="0">
-            <a:scrgbClr r="0" g="0" b="0"/>
-          </a:effectRef>
-          <a:fontRef idx="minor">
-            <a:schemeClr val="dk1"/>
-          </a:fontRef>
-        </p:style>
-        <p:txBody>
-          <a:bodyPr rtlCol="0" anchor="ctr"/>
-          <a:lstStyle/>
-          <a:p>
-            <a:r>
-              <a:rPr lang="en-US" b="1" dirty="0">
-                <a:solidFill>
-                  <a:schemeClr val="bg1"/>
-                </a:solidFill>
-                <a:latin typeface="Consolas" panose="020B0609020204030204" pitchFamily="49" charset="0"/>
-              </a:rPr>
-              <a:t>Basic GitHub</a:t>
-            </a:r>
-            <a:endParaRPr lang="en-US" dirty="0">
-              <a:solidFill>
-                <a:schemeClr val="bg1"/>
-              </a:solidFill>
-              <a:latin typeface="Consolas" panose="020B0609020204030204" pitchFamily="49" charset="0"/>
-            </a:endParaRPr>
-          </a:p>
-        </p:txBody>
-      </p:sp>
-    </p:spTree>
-    <p:extLst>
-      <p:ext uri="{BB962C8B-B14F-4D97-AF65-F5344CB8AC3E}">
-        <p14:creationId xmlns:p14="http://schemas.microsoft.com/office/powerpoint/2010/main" val="819842157"/>
-      </p:ext>
-    </p:extLst>
-  </p:cSld>
-  <p:clrMapOvr>
-    <a:masterClrMapping/>
-  </p:clrMapOvr>
-</p:sld>
-</file>
-
-<file path=ppt/slides/slide32.xml><?xml version="1.0" encoding="utf-8"?>
-<p:sld xmlns:a="http://schemas.openxmlformats.org/drawingml/2006/main" xmlns:r="http://schemas.openxmlformats.org/officeDocument/2006/relationships" xmlns:p="http://schemas.openxmlformats.org/presentationml/2006/main">
-  <p:cSld>
-    <p:spTree>
-      <p:nvGrpSpPr>
-        <p:cNvPr id="1" name=""/>
-        <p:cNvGrpSpPr/>
-        <p:nvPr/>
-      </p:nvGrpSpPr>
-      <p:grpSpPr>
-        <a:xfrm>
-          <a:off x="0" y="0"/>
-          <a:ext cx="0" cy="0"/>
-          <a:chOff x="0" y="0"/>
-          <a:chExt cx="0" cy="0"/>
-        </a:xfrm>
-      </p:grpSpPr>
-      <p:sp>
-        <p:nvSpPr>
-          <p:cNvPr id="4" name="Rectangle 3">
-            <a:extLst>
-              <a:ext uri="{FF2B5EF4-FFF2-40B4-BE49-F238E27FC236}">
-                <a16:creationId xmlns:a16="http://schemas.microsoft.com/office/drawing/2014/main" id="{A4A34817-5B44-493F-D622-8954BF1B2D0D}"/>
-              </a:ext>
-            </a:extLst>
-          </p:cNvPr>
-          <p:cNvSpPr/>
-          <p:nvPr/>
-        </p:nvSpPr>
-        <p:spPr>
-          <a:xfrm>
-            <a:off x="404148" y="151256"/>
-            <a:ext cx="8499220" cy="5287018"/>
-          </a:xfrm>
-          <a:prstGeom prst="rect">
-            <a:avLst/>
-          </a:prstGeom>
-          <a:noFill/>
-          <a:ln>
-            <a:noFill/>
-          </a:ln>
-        </p:spPr>
-        <p:style>
-          <a:lnRef idx="0">
-            <a:scrgbClr r="0" g="0" b="0"/>
-          </a:lnRef>
-          <a:fillRef idx="0">
-            <a:scrgbClr r="0" g="0" b="0"/>
-          </a:fillRef>
-          <a:effectRef idx="0">
-            <a:scrgbClr r="0" g="0" b="0"/>
-          </a:effectRef>
-          <a:fontRef idx="minor">
-            <a:schemeClr val="dk1"/>
-          </a:fontRef>
-        </p:style>
-        <p:txBody>
-          <a:bodyPr rtlCol="0" anchor="ctr"/>
-          <a:lstStyle/>
-          <a:p>
-            <a:endParaRPr lang="en-US" b="1" dirty="0"/>
-          </a:p>
-          <a:p>
-            <a:endParaRPr lang="en-US" b="1" dirty="0"/>
-          </a:p>
-          <a:p>
-            <a:r>
-              <a:rPr lang="en-US" b="1" dirty="0"/>
-              <a:t>Functions </a:t>
-            </a:r>
-          </a:p>
-          <a:p>
-            <a:pPr marL="285750" indent="-285750">
-              <a:buFont typeface="Wingdings" panose="05000000000000000000" pitchFamily="2" charset="2"/>
-              <a:buChar char="ü"/>
-            </a:pPr>
-            <a:r>
-              <a:rPr lang="en-US" dirty="0"/>
-              <a:t>Basis of code modularity</a:t>
-            </a:r>
-          </a:p>
-          <a:p>
-            <a:pPr marL="285750" indent="-285750">
-              <a:buFont typeface="Wingdings" panose="05000000000000000000" pitchFamily="2" charset="2"/>
-              <a:buChar char="ü"/>
-            </a:pPr>
-            <a:r>
-              <a:rPr lang="en-US" dirty="0"/>
-              <a:t>Allows the code to be easily re-usable</a:t>
-            </a:r>
-          </a:p>
-          <a:p>
-            <a:pPr marL="285750" indent="-285750">
-              <a:buFont typeface="Wingdings" panose="05000000000000000000" pitchFamily="2" charset="2"/>
-              <a:buChar char="ü"/>
-            </a:pPr>
-            <a:r>
-              <a:rPr lang="en-US" dirty="0"/>
-              <a:t>A good way to think about the code is to think in terms of functions</a:t>
-            </a:r>
-          </a:p>
-          <a:p>
-            <a:endParaRPr lang="en-US" b="1" dirty="0"/>
-          </a:p>
-          <a:p>
-            <a:r>
-              <a:rPr lang="en-US" b="1" dirty="0"/>
-              <a:t>Packages</a:t>
-            </a:r>
-            <a:endParaRPr lang="en-US" sz="1800" b="1" dirty="0"/>
-          </a:p>
-          <a:p>
-            <a:endParaRPr lang="en-US" dirty="0"/>
-          </a:p>
-          <a:p>
-            <a:pPr marL="285750" indent="-285750">
-              <a:buFont typeface="Wingdings" panose="05000000000000000000" pitchFamily="2" charset="2"/>
-              <a:buChar char="ü"/>
-            </a:pPr>
-            <a:r>
-              <a:rPr lang="en-US" dirty="0"/>
-              <a:t>Most functionalities comes from packages</a:t>
-            </a:r>
-          </a:p>
-          <a:p>
-            <a:pPr marL="285750" indent="-285750">
-              <a:buFont typeface="Wingdings" panose="05000000000000000000" pitchFamily="2" charset="2"/>
-              <a:buChar char="ü"/>
-            </a:pPr>
-            <a:r>
-              <a:rPr lang="en-US" sz="1800" dirty="0">
-                <a:solidFill>
-                  <a:schemeClr val="tx1"/>
-                </a:solidFill>
-                <a:latin typeface="Consolas" panose="020B0609020204030204" pitchFamily="49" charset="0"/>
-              </a:rPr>
-              <a:t>Packages need to be “imported” every time</a:t>
-            </a:r>
-          </a:p>
-          <a:p>
-            <a:pPr marL="742950" lvl="1" indent="-285750">
-              <a:buFont typeface="Wingdings" panose="05000000000000000000" pitchFamily="2" charset="2"/>
-              <a:buChar char="Ø"/>
-            </a:pPr>
-            <a:r>
-              <a:rPr lang="en-US" dirty="0">
-                <a:solidFill>
-                  <a:srgbClr val="0070C0"/>
-                </a:solidFill>
-                <a:latin typeface="Consolas" panose="020B0609020204030204" pitchFamily="49" charset="0"/>
-              </a:rPr>
-              <a:t>Add “import </a:t>
-            </a:r>
-            <a:r>
-              <a:rPr lang="en-US" dirty="0" err="1">
-                <a:solidFill>
-                  <a:srgbClr val="0070C0"/>
-                </a:solidFill>
-                <a:latin typeface="Consolas" panose="020B0609020204030204" pitchFamily="49" charset="0"/>
-              </a:rPr>
-              <a:t>os</a:t>
-            </a:r>
-            <a:r>
-              <a:rPr lang="en-US" dirty="0">
-                <a:solidFill>
-                  <a:srgbClr val="0070C0"/>
-                </a:solidFill>
-                <a:latin typeface="Consolas" panose="020B0609020204030204" pitchFamily="49" charset="0"/>
-              </a:rPr>
-              <a:t>”</a:t>
-            </a:r>
-          </a:p>
-          <a:p>
-            <a:pPr marL="742950" lvl="1" indent="-285750">
-              <a:buFont typeface="Wingdings" panose="05000000000000000000" pitchFamily="2" charset="2"/>
-              <a:buChar char="Ø"/>
-            </a:pPr>
-            <a:r>
-              <a:rPr lang="en-US" dirty="0">
-                <a:solidFill>
-                  <a:srgbClr val="0070C0"/>
-                </a:solidFill>
-                <a:latin typeface="Consolas" panose="020B0609020204030204" pitchFamily="49" charset="0"/>
-              </a:rPr>
-              <a:t>Function “</a:t>
-            </a:r>
-            <a:r>
-              <a:rPr lang="en-US" dirty="0" err="1">
-                <a:solidFill>
-                  <a:srgbClr val="0070C0"/>
-                </a:solidFill>
-                <a:latin typeface="Consolas" panose="020B0609020204030204" pitchFamily="49" charset="0"/>
-              </a:rPr>
-              <a:t>os.listdir</a:t>
-            </a:r>
-            <a:r>
-              <a:rPr lang="en-US" dirty="0">
-                <a:solidFill>
-                  <a:srgbClr val="0070C0"/>
-                </a:solidFill>
-                <a:latin typeface="Consolas" panose="020B0609020204030204" pitchFamily="49" charset="0"/>
-              </a:rPr>
-              <a:t>()”</a:t>
-            </a:r>
-          </a:p>
-          <a:p>
-            <a:pPr marL="742950" lvl="1" indent="-285750">
-              <a:buFont typeface="Wingdings" panose="05000000000000000000" pitchFamily="2" charset="2"/>
-              <a:buChar char="Ø"/>
-            </a:pPr>
-            <a:r>
-              <a:rPr lang="en-US" dirty="0">
-                <a:solidFill>
-                  <a:srgbClr val="0070C0"/>
-                </a:solidFill>
-                <a:latin typeface="Consolas" panose="020B0609020204030204" pitchFamily="49" charset="0"/>
-              </a:rPr>
-              <a:t>Useful for listing files / participants</a:t>
-            </a:r>
-          </a:p>
-          <a:p>
-            <a:pPr marL="742950" lvl="1" indent="-285750">
-              <a:buFont typeface="Wingdings" panose="05000000000000000000" pitchFamily="2" charset="2"/>
-              <a:buChar char="Ø"/>
-            </a:pPr>
-            <a:endParaRPr lang="en-US" dirty="0">
-              <a:solidFill>
-                <a:srgbClr val="0070C0"/>
-              </a:solidFill>
-              <a:latin typeface="Consolas" panose="020B0609020204030204" pitchFamily="49" charset="0"/>
-            </a:endParaRPr>
-          </a:p>
-          <a:p>
-            <a:pPr algn="ctr"/>
-            <a:endParaRPr lang="en-GB" dirty="0"/>
-          </a:p>
-        </p:txBody>
-      </p:sp>
-    </p:spTree>
-    <p:extLst>
-      <p:ext uri="{BB962C8B-B14F-4D97-AF65-F5344CB8AC3E}">
-        <p14:creationId xmlns:p14="http://schemas.microsoft.com/office/powerpoint/2010/main" val="1905526381"/>
-      </p:ext>
-    </p:extLst>
-  </p:cSld>
-  <p:clrMapOvr>
-    <a:masterClrMapping/>
-  </p:clrMapOvr>
-</p:sld>
-</file>
-
-<file path=ppt/slides/slide33.xml><?xml version="1.0" encoding="utf-8"?>
-<p:sld xmlns:a="http://schemas.openxmlformats.org/drawingml/2006/main" xmlns:r="http://schemas.openxmlformats.org/officeDocument/2006/relationships" xmlns:p="http://schemas.openxmlformats.org/presentationml/2006/main">
-  <p:cSld>
-    <p:spTree>
-      <p:nvGrpSpPr>
-        <p:cNvPr id="1" name=""/>
-        <p:cNvGrpSpPr/>
-        <p:nvPr/>
-      </p:nvGrpSpPr>
-      <p:grpSpPr>
-        <a:xfrm>
-          <a:off x="0" y="0"/>
-          <a:ext cx="0" cy="0"/>
-          <a:chOff x="0" y="0"/>
-          <a:chExt cx="0" cy="0"/>
-        </a:xfrm>
-      </p:grpSpPr>
-      <p:sp>
-        <p:nvSpPr>
-          <p:cNvPr id="2" name="Rectangle 1">
-            <a:extLst>
-              <a:ext uri="{FF2B5EF4-FFF2-40B4-BE49-F238E27FC236}">
-                <a16:creationId xmlns:a16="http://schemas.microsoft.com/office/drawing/2014/main" id="{C5BBCE3A-F8DA-3067-A302-DD9BA165E1B6}"/>
-              </a:ext>
-            </a:extLst>
-          </p:cNvPr>
-          <p:cNvSpPr/>
-          <p:nvPr/>
-        </p:nvSpPr>
-        <p:spPr>
-          <a:xfrm>
-            <a:off x="404148" y="151256"/>
-            <a:ext cx="8499220" cy="2839596"/>
-          </a:xfrm>
-          <a:prstGeom prst="rect">
-            <a:avLst/>
-          </a:prstGeom>
-          <a:noFill/>
-          <a:ln>
-            <a:noFill/>
-          </a:ln>
-        </p:spPr>
-        <p:style>
-          <a:lnRef idx="0">
-            <a:scrgbClr r="0" g="0" b="0"/>
-          </a:lnRef>
-          <a:fillRef idx="0">
-            <a:scrgbClr r="0" g="0" b="0"/>
-          </a:fillRef>
-          <a:effectRef idx="0">
-            <a:scrgbClr r="0" g="0" b="0"/>
-          </a:effectRef>
-          <a:fontRef idx="minor">
-            <a:schemeClr val="dk1"/>
-          </a:fontRef>
-        </p:style>
-        <p:txBody>
-          <a:bodyPr rtlCol="0" anchor="ctr"/>
-          <a:lstStyle/>
-          <a:p>
-            <a:r>
-              <a:rPr lang="en-US" b="1" dirty="0"/>
-              <a:t>Installing new packages</a:t>
-            </a:r>
-            <a:endParaRPr lang="en-US" sz="1800" b="1" dirty="0"/>
-          </a:p>
-          <a:p>
-            <a:endParaRPr lang="en-US" dirty="0"/>
-          </a:p>
-          <a:p>
-            <a:pPr marL="285750" indent="-285750">
-              <a:buFont typeface="Wingdings" panose="05000000000000000000" pitchFamily="2" charset="2"/>
-              <a:buChar char="ü"/>
-            </a:pPr>
-            <a:r>
-              <a:rPr lang="en-US" dirty="0"/>
-              <a:t>black</a:t>
-            </a:r>
-            <a:endParaRPr lang="en-US" dirty="0">
-              <a:solidFill>
-                <a:srgbClr val="0070C0"/>
-              </a:solidFill>
-              <a:latin typeface="Consolas" panose="020B0609020204030204" pitchFamily="49" charset="0"/>
-            </a:endParaRPr>
-          </a:p>
-          <a:p>
-            <a:pPr marL="742950" lvl="1" indent="-285750">
-              <a:buFont typeface="Wingdings" panose="05000000000000000000" pitchFamily="2" charset="2"/>
-              <a:buChar char="Ø"/>
-            </a:pPr>
-            <a:endParaRPr lang="en-US" dirty="0">
-              <a:solidFill>
-                <a:srgbClr val="0070C0"/>
-              </a:solidFill>
-              <a:latin typeface="Consolas" panose="020B0609020204030204" pitchFamily="49" charset="0"/>
-            </a:endParaRPr>
-          </a:p>
-          <a:p>
-            <a:pPr algn="ctr"/>
-            <a:endParaRPr lang="en-GB" dirty="0"/>
-          </a:p>
-        </p:txBody>
-      </p:sp>
-    </p:spTree>
-    <p:extLst>
-      <p:ext uri="{BB962C8B-B14F-4D97-AF65-F5344CB8AC3E}">
-        <p14:creationId xmlns:p14="http://schemas.microsoft.com/office/powerpoint/2010/main" val="2545820197"/>
+        <p14:creationId xmlns:p14="http://schemas.microsoft.com/office/powerpoint/2010/main" val="4074564303"/>
       </p:ext>
     </p:extLst>
   </p:cSld>
@@ -15142,36 +15196,6 @@
 </file>
 
 <file path=ppt/slides/slide34.xml><?xml version="1.0" encoding="utf-8"?>
-<p:sld xmlns:a="http://schemas.openxmlformats.org/drawingml/2006/main" xmlns:r="http://schemas.openxmlformats.org/officeDocument/2006/relationships" xmlns:p="http://schemas.openxmlformats.org/presentationml/2006/main">
-  <p:cSld>
-    <p:spTree>
-      <p:nvGrpSpPr>
-        <p:cNvPr id="1" name=""/>
-        <p:cNvGrpSpPr/>
-        <p:nvPr/>
-      </p:nvGrpSpPr>
-      <p:grpSpPr>
-        <a:xfrm>
-          <a:off x="0" y="0"/>
-          <a:ext cx="0" cy="0"/>
-          <a:chOff x="0" y="0"/>
-          <a:chExt cx="0" cy="0"/>
-        </a:xfrm>
-      </p:grpSpPr>
-    </p:spTree>
-    <p:extLst>
-      <p:ext uri="{BB962C8B-B14F-4D97-AF65-F5344CB8AC3E}">
-        <p14:creationId xmlns:p14="http://schemas.microsoft.com/office/powerpoint/2010/main" val="85624481"/>
-      </p:ext>
-    </p:extLst>
-  </p:cSld>
-  <p:clrMapOvr>
-    <a:masterClrMapping/>
-  </p:clrMapOvr>
-</p:sld>
-</file>
-
-<file path=ppt/slides/slide35.xml><?xml version="1.0" encoding="utf-8"?>
 <p:sld xmlns:a="http://schemas.openxmlformats.org/drawingml/2006/main" xmlns:r="http://schemas.openxmlformats.org/officeDocument/2006/relationships" xmlns:p="http://schemas.openxmlformats.org/presentationml/2006/main">
   <p:cSld>
     <p:spTree>
@@ -15231,35 +15255,160 @@
           <a:bodyPr rtlCol="0" anchor="ctr"/>
           <a:lstStyle/>
           <a:p>
+            <a:pPr algn="ctr"/>
+            <a:r>
+              <a:rPr lang="fr-FR" sz="9600" b="1" dirty="0"/>
+              <a:t>Advanced Python</a:t>
+            </a:r>
+            <a:endParaRPr lang="en-US" sz="9600" b="1" dirty="0"/>
+          </a:p>
+        </p:txBody>
+      </p:sp>
+    </p:spTree>
+    <p:extLst>
+      <p:ext uri="{BB962C8B-B14F-4D97-AF65-F5344CB8AC3E}">
+        <p14:creationId xmlns:p14="http://schemas.microsoft.com/office/powerpoint/2010/main" val="4161837071"/>
+      </p:ext>
+    </p:extLst>
+  </p:cSld>
+  <p:clrMapOvr>
+    <a:masterClrMapping/>
+  </p:clrMapOvr>
+</p:sld>
+</file>
+
+<file path=ppt/slides/slide35.xml><?xml version="1.0" encoding="utf-8"?>
+<p:sld xmlns:a="http://schemas.openxmlformats.org/drawingml/2006/main" xmlns:r="http://schemas.openxmlformats.org/officeDocument/2006/relationships" xmlns:p="http://schemas.openxmlformats.org/presentationml/2006/main">
+  <p:cSld>
+    <p:spTree>
+      <p:nvGrpSpPr>
+        <p:cNvPr id="1" name=""/>
+        <p:cNvGrpSpPr/>
+        <p:nvPr/>
+      </p:nvGrpSpPr>
+      <p:grpSpPr>
+        <a:xfrm>
+          <a:off x="0" y="0"/>
+          <a:ext cx="0" cy="0"/>
+          <a:chOff x="0" y="0"/>
+          <a:chExt cx="0" cy="0"/>
+        </a:xfrm>
+      </p:grpSpPr>
+      <p:sp>
+        <p:nvSpPr>
+          <p:cNvPr id="2" name="Rectangle 1">
+            <a:extLst>
+              <a:ext uri="{FF2B5EF4-FFF2-40B4-BE49-F238E27FC236}">
+                <a16:creationId xmlns:a16="http://schemas.microsoft.com/office/drawing/2014/main" id="{1E65629C-92D4-79A2-2F71-A4F6B6308EFF}"/>
+              </a:ext>
+            </a:extLst>
+          </p:cNvPr>
+          <p:cNvSpPr/>
+          <p:nvPr/>
+        </p:nvSpPr>
+        <p:spPr>
+          <a:xfrm>
+            <a:off x="873150" y="650630"/>
+            <a:ext cx="9769642" cy="6207369"/>
+          </a:xfrm>
+          <a:prstGeom prst="rect">
+            <a:avLst/>
+          </a:prstGeom>
+          <a:noFill/>
+          <a:ln>
+            <a:noFill/>
+          </a:ln>
+        </p:spPr>
+        <p:style>
+          <a:lnRef idx="0">
+            <a:scrgbClr r="0" g="0" b="0"/>
+          </a:lnRef>
+          <a:fillRef idx="0">
+            <a:scrgbClr r="0" g="0" b="0"/>
+          </a:fillRef>
+          <a:effectRef idx="0">
+            <a:scrgbClr r="0" g="0" b="0"/>
+          </a:effectRef>
+          <a:fontRef idx="minor">
+            <a:schemeClr val="dk1"/>
+          </a:fontRef>
+        </p:style>
+        <p:txBody>
+          <a:bodyPr rtlCol="0" anchor="ctr"/>
+          <a:lstStyle/>
+          <a:p>
             <a:pPr marL="1143000" indent="-1143000">
               <a:buFont typeface="Arial" panose="020B0604020202020204" pitchFamily="34" charset="0"/>
               <a:buChar char="•"/>
             </a:pPr>
             <a:r>
-              <a:rPr lang="en-US" sz="4400" b="1" dirty="0"/>
+              <a:rPr lang="en-US" sz="2800" b="1" dirty="0"/>
               <a:t>Goal: </a:t>
             </a:r>
             <a:r>
-              <a:rPr lang="en-US" sz="4400" dirty="0"/>
-              <a:t>Create a Pull Request (PR):</a:t>
-            </a:r>
-          </a:p>
-          <a:p>
-            <a:pPr marL="1143000" indent="-1143000" algn="ctr">
-              <a:buFont typeface="Wingdings" panose="05000000000000000000" pitchFamily="2" charset="2"/>
-              <a:buChar char="ü"/>
-            </a:pPr>
-            <a:endParaRPr lang="en-US" sz="4400" dirty="0"/>
+              <a:rPr lang="en-US" sz="2800" dirty="0"/>
+              <a:t>Create a function that takes a list of numbers and adds 1 to each number</a:t>
+            </a:r>
+          </a:p>
+          <a:p>
+            <a:pPr marL="1143000" indent="-1143000">
+              <a:buFont typeface="Arial" panose="020B0604020202020204" pitchFamily="34" charset="0"/>
+              <a:buChar char="•"/>
+            </a:pPr>
+            <a:r>
+              <a:rPr lang="en-US" sz="2800" b="1" dirty="0"/>
+              <a:t>Expected:</a:t>
+            </a:r>
+          </a:p>
+          <a:p>
+            <a:endParaRPr lang="en-US" sz="2800" b="1" dirty="0"/>
+          </a:p>
+          <a:p>
+            <a:r>
+              <a:rPr lang="en-US" sz="2800" b="1" dirty="0">
+                <a:solidFill>
+                  <a:srgbClr val="0070C0"/>
+                </a:solidFill>
+                <a:latin typeface="Consolas" panose="020B0609020204030204" pitchFamily="49" charset="0"/>
+              </a:rPr>
+              <a:t>&gt;&gt;&gt; </a:t>
+            </a:r>
+            <a:r>
+              <a:rPr lang="en-US" sz="2800" b="1" dirty="0" err="1">
+                <a:solidFill>
+                  <a:srgbClr val="0070C0"/>
+                </a:solidFill>
+                <a:latin typeface="Consolas" panose="020B0609020204030204" pitchFamily="49" charset="0"/>
+              </a:rPr>
+              <a:t>addone</a:t>
+            </a:r>
+            <a:r>
+              <a:rPr lang="en-US" sz="2800" b="1" dirty="0">
+                <a:solidFill>
+                  <a:srgbClr val="0070C0"/>
+                </a:solidFill>
+                <a:latin typeface="Consolas" panose="020B0609020204030204" pitchFamily="49" charset="0"/>
+              </a:rPr>
+              <a:t>([2, 4, 5, 6])</a:t>
+            </a:r>
+          </a:p>
+          <a:p>
+            <a:r>
+              <a:rPr lang="en-US" sz="2800" b="1" dirty="0">
+                <a:solidFill>
+                  <a:srgbClr val="0070C0"/>
+                </a:solidFill>
+                <a:latin typeface="Consolas" panose="020B0609020204030204" pitchFamily="49" charset="0"/>
+              </a:rPr>
+              <a:t>[3, 5, 6, 7]</a:t>
+            </a:r>
           </a:p>
           <a:p>
             <a:pPr marL="1143000" indent="-1143000">
               <a:buFont typeface="Wingdings" panose="05000000000000000000" pitchFamily="2" charset="2"/>
               <a:buChar char="ü"/>
             </a:pPr>
-            <a:r>
-              <a:rPr lang="en-US" sz="3200" dirty="0"/>
-              <a:t>Delete the line that is assigned to you</a:t>
-            </a:r>
+            <a:endParaRPr lang="en-US" sz="2800" b="1" dirty="0"/>
           </a:p>
         </p:txBody>
       </p:sp>
@@ -15322,7 +15471,7 @@
                   <a:schemeClr val="bg1"/>
                 </a:solidFill>
               </a:rPr>
-              <a:t> time 💪 (10 min)</a:t>
+              <a:t> time 💪 (5 min)</a:t>
             </a:r>
             <a:endParaRPr lang="en-US" sz="2800" dirty="0">
               <a:solidFill>
@@ -15335,7 +15484,7 @@
     </p:spTree>
     <p:extLst>
       <p:ext uri="{BB962C8B-B14F-4D97-AF65-F5344CB8AC3E}">
-        <p14:creationId xmlns:p14="http://schemas.microsoft.com/office/powerpoint/2010/main" val="2522118362"/>
+        <p14:creationId xmlns:p14="http://schemas.microsoft.com/office/powerpoint/2010/main" val="4232189212"/>
       </p:ext>
     </p:extLst>
   </p:cSld>
@@ -15346,6 +15495,541 @@
 </file>
 
 <file path=ppt/slides/slide36.xml><?xml version="1.0" encoding="utf-8"?>
+<p:sld xmlns:a="http://schemas.openxmlformats.org/drawingml/2006/main" xmlns:r="http://schemas.openxmlformats.org/officeDocument/2006/relationships" xmlns:p="http://schemas.openxmlformats.org/presentationml/2006/main">
+  <p:cSld>
+    <p:spTree>
+      <p:nvGrpSpPr>
+        <p:cNvPr id="1" name=""/>
+        <p:cNvGrpSpPr/>
+        <p:nvPr/>
+      </p:nvGrpSpPr>
+      <p:grpSpPr>
+        <a:xfrm>
+          <a:off x="0" y="0"/>
+          <a:ext cx="0" cy="0"/>
+          <a:chOff x="0" y="0"/>
+          <a:chExt cx="0" cy="0"/>
+        </a:xfrm>
+      </p:grpSpPr>
+      <p:sp>
+        <p:nvSpPr>
+          <p:cNvPr id="4" name="Rectangle 3">
+            <a:extLst>
+              <a:ext uri="{FF2B5EF4-FFF2-40B4-BE49-F238E27FC236}">
+                <a16:creationId xmlns:a16="http://schemas.microsoft.com/office/drawing/2014/main" id="{A4A34817-5B44-493F-D622-8954BF1B2D0D}"/>
+              </a:ext>
+            </a:extLst>
+          </p:cNvPr>
+          <p:cNvSpPr/>
+          <p:nvPr/>
+        </p:nvSpPr>
+        <p:spPr>
+          <a:xfrm>
+            <a:off x="404148" y="151256"/>
+            <a:ext cx="8499220" cy="6706744"/>
+          </a:xfrm>
+          <a:prstGeom prst="rect">
+            <a:avLst/>
+          </a:prstGeom>
+          <a:noFill/>
+          <a:ln>
+            <a:noFill/>
+          </a:ln>
+        </p:spPr>
+        <p:style>
+          <a:lnRef idx="0">
+            <a:scrgbClr r="0" g="0" b="0"/>
+          </a:lnRef>
+          <a:fillRef idx="0">
+            <a:scrgbClr r="0" g="0" b="0"/>
+          </a:fillRef>
+          <a:effectRef idx="0">
+            <a:scrgbClr r="0" g="0" b="0"/>
+          </a:effectRef>
+          <a:fontRef idx="minor">
+            <a:schemeClr val="dk1"/>
+          </a:fontRef>
+        </p:style>
+        <p:txBody>
+          <a:bodyPr rtlCol="0" anchor="ctr"/>
+          <a:lstStyle/>
+          <a:p>
+            <a:endParaRPr lang="en-US" b="1" dirty="0"/>
+          </a:p>
+          <a:p>
+            <a:endParaRPr lang="en-US" b="1" dirty="0"/>
+          </a:p>
+          <a:p>
+            <a:r>
+              <a:rPr lang="en-US" b="1" dirty="0"/>
+              <a:t>List comprehension</a:t>
+            </a:r>
+          </a:p>
+          <a:p>
+            <a:r>
+              <a:rPr lang="en-US" b="1" dirty="0">
+                <a:solidFill>
+                  <a:srgbClr val="0070C0"/>
+                </a:solidFill>
+                <a:latin typeface="Consolas" panose="020B0609020204030204" pitchFamily="49" charset="0"/>
+              </a:rPr>
+              <a:t>list1 = [1, 2, 3]</a:t>
+            </a:r>
+            <a:endParaRPr lang="en-US" b="1" dirty="0"/>
+          </a:p>
+          <a:p>
+            <a:r>
+              <a:rPr lang="en-US" b="1" dirty="0">
+                <a:solidFill>
+                  <a:srgbClr val="0070C0"/>
+                </a:solidFill>
+                <a:latin typeface="Consolas" panose="020B0609020204030204" pitchFamily="49" charset="0"/>
+              </a:rPr>
+              <a:t>[l + 1 for l in list1]</a:t>
+            </a:r>
+            <a:endParaRPr lang="en-US" b="1" dirty="0"/>
+          </a:p>
+          <a:p>
+            <a:endParaRPr lang="en-US" b="1" dirty="0"/>
+          </a:p>
+          <a:p>
+            <a:r>
+              <a:rPr lang="en-US" b="1" dirty="0" err="1"/>
+              <a:t>Numpy</a:t>
+            </a:r>
+            <a:endParaRPr lang="en-US" b="1" dirty="0"/>
+          </a:p>
+          <a:p>
+            <a:pPr marL="285750" indent="-285750">
+              <a:buFont typeface="Arial" panose="020B0604020202020204" pitchFamily="34" charset="0"/>
+              <a:buChar char="•"/>
+            </a:pPr>
+            <a:r>
+              <a:rPr lang="en-US" dirty="0">
+                <a:solidFill>
+                  <a:schemeClr val="tx1"/>
+                </a:solidFill>
+              </a:rPr>
+              <a:t>For math &amp; matrix-operations</a:t>
+            </a:r>
+          </a:p>
+          <a:p>
+            <a:pPr marL="285750" indent="-285750">
+              <a:buFont typeface="Arial" panose="020B0604020202020204" pitchFamily="34" charset="0"/>
+              <a:buChar char="•"/>
+            </a:pPr>
+            <a:r>
+              <a:rPr lang="en-US" b="1" dirty="0">
+                <a:solidFill>
+                  <a:srgbClr val="0070C0"/>
+                </a:solidFill>
+                <a:latin typeface="Consolas" panose="020B0609020204030204" pitchFamily="49" charset="0"/>
+              </a:rPr>
+              <a:t>import </a:t>
+            </a:r>
+            <a:r>
+              <a:rPr lang="en-US" b="1" dirty="0" err="1">
+                <a:solidFill>
+                  <a:srgbClr val="0070C0"/>
+                </a:solidFill>
+                <a:latin typeface="Consolas" panose="020B0609020204030204" pitchFamily="49" charset="0"/>
+              </a:rPr>
+              <a:t>numpy</a:t>
+            </a:r>
+            <a:r>
+              <a:rPr lang="en-US" b="1" dirty="0">
+                <a:solidFill>
+                  <a:srgbClr val="0070C0"/>
+                </a:solidFill>
+                <a:latin typeface="Consolas" panose="020B0609020204030204" pitchFamily="49" charset="0"/>
+              </a:rPr>
+              <a:t> as np</a:t>
+            </a:r>
+          </a:p>
+          <a:p>
+            <a:endParaRPr lang="en-US" b="1" dirty="0">
+              <a:solidFill>
+                <a:srgbClr val="FF0000"/>
+              </a:solidFill>
+            </a:endParaRPr>
+          </a:p>
+          <a:p>
+            <a:pPr marL="285750" indent="-285750">
+              <a:buFont typeface="Arial" panose="020B0604020202020204" pitchFamily="34" charset="0"/>
+              <a:buChar char="•"/>
+            </a:pPr>
+            <a:r>
+              <a:rPr lang="en-US" b="1" dirty="0">
+                <a:solidFill>
+                  <a:srgbClr val="FF0000"/>
+                </a:solidFill>
+              </a:rPr>
+              <a:t>Difference List vs. Array/Vector</a:t>
+            </a:r>
+          </a:p>
+          <a:p>
+            <a:pPr marL="285750" indent="-285750">
+              <a:buFont typeface="Arial" panose="020B0604020202020204" pitchFamily="34" charset="0"/>
+              <a:buChar char="•"/>
+            </a:pPr>
+            <a:r>
+              <a:rPr lang="en-US" dirty="0">
+                <a:solidFill>
+                  <a:schemeClr val="tx1"/>
+                </a:solidFill>
+              </a:rPr>
+              <a:t>Vector = vectorized operations</a:t>
+            </a:r>
+          </a:p>
+          <a:p>
+            <a:pPr marL="285750" indent="-285750">
+              <a:buFont typeface="Arial" panose="020B0604020202020204" pitchFamily="34" charset="0"/>
+              <a:buChar char="•"/>
+            </a:pPr>
+            <a:endParaRPr lang="en-US" dirty="0">
+              <a:solidFill>
+                <a:schemeClr val="tx1"/>
+              </a:solidFill>
+            </a:endParaRPr>
+          </a:p>
+          <a:p>
+            <a:r>
+              <a:rPr lang="en-US" b="1" dirty="0">
+                <a:solidFill>
+                  <a:srgbClr val="0070C0"/>
+                </a:solidFill>
+                <a:latin typeface="Consolas" panose="020B0609020204030204" pitchFamily="49" charset="0"/>
+              </a:rPr>
+              <a:t>list2 = [2, 3, 4]</a:t>
+            </a:r>
+          </a:p>
+          <a:p>
+            <a:endParaRPr lang="en-US" b="1" dirty="0">
+              <a:solidFill>
+                <a:srgbClr val="0070C0"/>
+              </a:solidFill>
+              <a:latin typeface="Consolas" panose="020B0609020204030204" pitchFamily="49" charset="0"/>
+            </a:endParaRPr>
+          </a:p>
+          <a:p>
+            <a:r>
+              <a:rPr lang="en-US" b="1" dirty="0">
+                <a:solidFill>
+                  <a:srgbClr val="0070C0"/>
+                </a:solidFill>
+                <a:latin typeface="Consolas" panose="020B0609020204030204" pitchFamily="49" charset="0"/>
+              </a:rPr>
+              <a:t>list1 + list2</a:t>
+            </a:r>
+          </a:p>
+          <a:p>
+            <a:endParaRPr lang="en-US" b="1" dirty="0">
+              <a:solidFill>
+                <a:srgbClr val="0070C0"/>
+              </a:solidFill>
+              <a:latin typeface="Consolas" panose="020B0609020204030204" pitchFamily="49" charset="0"/>
+            </a:endParaRPr>
+          </a:p>
+          <a:p>
+            <a:pPr marL="285750" indent="-285750">
+              <a:buFont typeface="Arial" panose="020B0604020202020204" pitchFamily="34" charset="0"/>
+              <a:buChar char="•"/>
+            </a:pPr>
+            <a:r>
+              <a:rPr lang="en-US" b="1" dirty="0">
+                <a:solidFill>
+                  <a:schemeClr val="tx1"/>
+                </a:solidFill>
+              </a:rPr>
+              <a:t>Convert list into vector</a:t>
+            </a:r>
+          </a:p>
+          <a:p>
+            <a:r>
+              <a:rPr lang="en-US" b="1" dirty="0">
+                <a:solidFill>
+                  <a:srgbClr val="0070C0"/>
+                </a:solidFill>
+                <a:latin typeface="Consolas" panose="020B0609020204030204" pitchFamily="49" charset="0"/>
+              </a:rPr>
+              <a:t>x1 = </a:t>
+            </a:r>
+            <a:r>
+              <a:rPr lang="en-US" b="1" dirty="0" err="1">
+                <a:solidFill>
+                  <a:srgbClr val="0070C0"/>
+                </a:solidFill>
+                <a:latin typeface="Consolas" panose="020B0609020204030204" pitchFamily="49" charset="0"/>
+              </a:rPr>
+              <a:t>np.array</a:t>
+            </a:r>
+            <a:r>
+              <a:rPr lang="en-US" b="1" dirty="0">
+                <a:solidFill>
+                  <a:srgbClr val="0070C0"/>
+                </a:solidFill>
+                <a:latin typeface="Consolas" panose="020B0609020204030204" pitchFamily="49" charset="0"/>
+              </a:rPr>
+              <a:t>(list1)</a:t>
+            </a:r>
+          </a:p>
+          <a:p>
+            <a:r>
+              <a:rPr lang="en-US" b="1" dirty="0">
+                <a:solidFill>
+                  <a:srgbClr val="0070C0"/>
+                </a:solidFill>
+                <a:latin typeface="Consolas" panose="020B0609020204030204" pitchFamily="49" charset="0"/>
+              </a:rPr>
+              <a:t>x2 = </a:t>
+            </a:r>
+            <a:r>
+              <a:rPr lang="en-US" b="1" dirty="0" err="1">
+                <a:solidFill>
+                  <a:srgbClr val="0070C0"/>
+                </a:solidFill>
+                <a:latin typeface="Consolas" panose="020B0609020204030204" pitchFamily="49" charset="0"/>
+              </a:rPr>
+              <a:t>np.array</a:t>
+            </a:r>
+            <a:r>
+              <a:rPr lang="en-US" b="1" dirty="0">
+                <a:solidFill>
+                  <a:srgbClr val="0070C0"/>
+                </a:solidFill>
+                <a:latin typeface="Consolas" panose="020B0609020204030204" pitchFamily="49" charset="0"/>
+              </a:rPr>
+              <a:t>(list2)</a:t>
+            </a:r>
+          </a:p>
+          <a:p>
+            <a:endParaRPr lang="en-US" b="1" dirty="0">
+              <a:solidFill>
+                <a:srgbClr val="0070C0"/>
+              </a:solidFill>
+              <a:latin typeface="Consolas" panose="020B0609020204030204" pitchFamily="49" charset="0"/>
+            </a:endParaRPr>
+          </a:p>
+          <a:p>
+            <a:r>
+              <a:rPr lang="en-US" b="1" dirty="0">
+                <a:solidFill>
+                  <a:srgbClr val="0070C0"/>
+                </a:solidFill>
+                <a:latin typeface="Consolas" panose="020B0609020204030204" pitchFamily="49" charset="0"/>
+              </a:rPr>
+              <a:t>x1 + x2</a:t>
+            </a:r>
+          </a:p>
+          <a:p>
+            <a:r>
+              <a:rPr lang="en-US" b="1" dirty="0">
+                <a:solidFill>
+                  <a:srgbClr val="0070C0"/>
+                </a:solidFill>
+                <a:latin typeface="Consolas" panose="020B0609020204030204" pitchFamily="49" charset="0"/>
+              </a:rPr>
+              <a:t>x1 + 2.5</a:t>
+            </a:r>
+          </a:p>
+          <a:p>
+            <a:r>
+              <a:rPr lang="en-US" b="1" dirty="0">
+                <a:solidFill>
+                  <a:srgbClr val="0070C0"/>
+                </a:solidFill>
+                <a:latin typeface="Consolas" panose="020B0609020204030204" pitchFamily="49" charset="0"/>
+              </a:rPr>
+              <a:t>x1**2</a:t>
+            </a:r>
+            <a:endParaRPr lang="en-GB" dirty="0"/>
+          </a:p>
+        </p:txBody>
+      </p:sp>
+      <p:sp>
+        <p:nvSpPr>
+          <p:cNvPr id="3" name="Rectangle 2">
+            <a:extLst>
+              <a:ext uri="{FF2B5EF4-FFF2-40B4-BE49-F238E27FC236}">
+                <a16:creationId xmlns:a16="http://schemas.microsoft.com/office/drawing/2014/main" id="{4A9145F6-62DE-99CD-57F6-F9DD4C3F5350}"/>
+              </a:ext>
+            </a:extLst>
+          </p:cNvPr>
+          <p:cNvSpPr/>
+          <p:nvPr/>
+        </p:nvSpPr>
+        <p:spPr>
+          <a:xfrm>
+            <a:off x="0" y="0"/>
+            <a:ext cx="4544841" cy="519107"/>
+          </a:xfrm>
+          <a:prstGeom prst="rect">
+            <a:avLst/>
+          </a:prstGeom>
+          <a:solidFill>
+            <a:srgbClr val="002060"/>
+          </a:solidFill>
+          <a:ln>
+            <a:noFill/>
+          </a:ln>
+        </p:spPr>
+        <p:style>
+          <a:lnRef idx="0">
+            <a:scrgbClr r="0" g="0" b="0"/>
+          </a:lnRef>
+          <a:fillRef idx="0">
+            <a:scrgbClr r="0" g="0" b="0"/>
+          </a:fillRef>
+          <a:effectRef idx="0">
+            <a:scrgbClr r="0" g="0" b="0"/>
+          </a:effectRef>
+          <a:fontRef idx="minor">
+            <a:schemeClr val="dk1"/>
+          </a:fontRef>
+        </p:style>
+        <p:txBody>
+          <a:bodyPr rtlCol="0" anchor="ctr"/>
+          <a:lstStyle/>
+          <a:p>
+            <a:r>
+              <a:rPr lang="en-US" b="1" dirty="0">
+                <a:solidFill>
+                  <a:schemeClr val="bg1"/>
+                </a:solidFill>
+                <a:latin typeface="Consolas" panose="020B0609020204030204" pitchFamily="49" charset="0"/>
+              </a:rPr>
+              <a:t>Advanced Python</a:t>
+            </a:r>
+            <a:endParaRPr lang="en-US" dirty="0">
+              <a:solidFill>
+                <a:schemeClr val="bg1"/>
+              </a:solidFill>
+              <a:latin typeface="Consolas" panose="020B0609020204030204" pitchFamily="49" charset="0"/>
+            </a:endParaRPr>
+          </a:p>
+        </p:txBody>
+      </p:sp>
+      <p:sp>
+        <p:nvSpPr>
+          <p:cNvPr id="5" name="Rectangle 4">
+            <a:extLst>
+              <a:ext uri="{FF2B5EF4-FFF2-40B4-BE49-F238E27FC236}">
+                <a16:creationId xmlns:a16="http://schemas.microsoft.com/office/drawing/2014/main" id="{24443224-8F6C-E269-6916-34CF87BC16D8}"/>
+              </a:ext>
+            </a:extLst>
+          </p:cNvPr>
+          <p:cNvSpPr/>
+          <p:nvPr/>
+        </p:nvSpPr>
+        <p:spPr>
+          <a:xfrm>
+            <a:off x="6157546" y="-527538"/>
+            <a:ext cx="5202115" cy="3308838"/>
+          </a:xfrm>
+          <a:prstGeom prst="rect">
+            <a:avLst/>
+          </a:prstGeom>
+          <a:noFill/>
+          <a:ln>
+            <a:noFill/>
+          </a:ln>
+        </p:spPr>
+        <p:style>
+          <a:lnRef idx="0">
+            <a:scrgbClr r="0" g="0" b="0"/>
+          </a:lnRef>
+          <a:fillRef idx="0">
+            <a:scrgbClr r="0" g="0" b="0"/>
+          </a:fillRef>
+          <a:effectRef idx="0">
+            <a:scrgbClr r="0" g="0" b="0"/>
+          </a:effectRef>
+          <a:fontRef idx="minor">
+            <a:schemeClr val="dk1"/>
+          </a:fontRef>
+        </p:style>
+        <p:txBody>
+          <a:bodyPr rtlCol="0" anchor="ctr"/>
+          <a:lstStyle/>
+          <a:p>
+            <a:endParaRPr lang="en-US" b="1" dirty="0"/>
+          </a:p>
+          <a:p>
+            <a:r>
+              <a:rPr lang="en-US" b="1" dirty="0"/>
+              <a:t>Generation of numbers</a:t>
+            </a:r>
+          </a:p>
+          <a:p>
+            <a:r>
+              <a:rPr lang="en-US" b="1" dirty="0" err="1">
+                <a:solidFill>
+                  <a:srgbClr val="0070C0"/>
+                </a:solidFill>
+              </a:rPr>
+              <a:t>np.arrange</a:t>
+            </a:r>
+            <a:r>
+              <a:rPr lang="en-US" b="1" dirty="0">
+                <a:solidFill>
+                  <a:srgbClr val="0070C0"/>
+                </a:solidFill>
+              </a:rPr>
+              <a:t>(10)</a:t>
+            </a:r>
+          </a:p>
+          <a:p>
+            <a:r>
+              <a:rPr lang="en-US" b="1" dirty="0" err="1">
+                <a:solidFill>
+                  <a:srgbClr val="0070C0"/>
+                </a:solidFill>
+              </a:rPr>
+              <a:t>np.linspace</a:t>
+            </a:r>
+            <a:r>
+              <a:rPr lang="en-US" b="1" dirty="0">
+                <a:solidFill>
+                  <a:srgbClr val="0070C0"/>
+                </a:solidFill>
+              </a:rPr>
+              <a:t>(0, 9, 10)</a:t>
+            </a:r>
+          </a:p>
+          <a:p>
+            <a:r>
+              <a:rPr lang="en-US" b="1" dirty="0" err="1">
+                <a:solidFill>
+                  <a:srgbClr val="0070C0"/>
+                </a:solidFill>
+              </a:rPr>
+              <a:t>np.random.normal</a:t>
+            </a:r>
+            <a:r>
+              <a:rPr lang="en-US" b="1" dirty="0">
+                <a:solidFill>
+                  <a:srgbClr val="0070C0"/>
+                </a:solidFill>
+              </a:rPr>
+              <a:t>(0, 1, 10)</a:t>
+            </a:r>
+          </a:p>
+        </p:txBody>
+      </p:sp>
+    </p:spTree>
+    <p:extLst>
+      <p:ext uri="{BB962C8B-B14F-4D97-AF65-F5344CB8AC3E}">
+        <p14:creationId xmlns:p14="http://schemas.microsoft.com/office/powerpoint/2010/main" val="181867285"/>
+      </p:ext>
+    </p:extLst>
+  </p:cSld>
+  <p:clrMapOvr>
+    <a:masterClrMapping/>
+  </p:clrMapOvr>
+</p:sld>
+</file>
+
+<file path=ppt/slides/slide37.xml><?xml version="1.0" encoding="utf-8"?>
 <p:sld xmlns:a="http://schemas.openxmlformats.org/drawingml/2006/main" xmlns:r="http://schemas.openxmlformats.org/officeDocument/2006/relationships" xmlns:p="http://schemas.openxmlformats.org/presentationml/2006/main">
   <p:cSld>
     <p:spTree>
@@ -15376,8 +16060,8 @@
         </p:nvSpPr>
         <p:spPr>
           <a:xfrm>
-            <a:off x="0" y="0"/>
-            <a:ext cx="12192000" cy="6858000"/>
+            <a:off x="873150" y="650630"/>
+            <a:ext cx="9769642" cy="6207369"/>
           </a:xfrm>
           <a:prstGeom prst="rect">
             <a:avLst/>
@@ -15405,87 +16089,1098 @@
           <a:bodyPr rtlCol="0" anchor="ctr"/>
           <a:lstStyle/>
           <a:p>
-            <a:pPr algn="ctr"/>
-            <a:r>
-              <a:rPr lang="en-US" sz="9600" b="1" dirty="0" err="1"/>
-              <a:t>Exercice</a:t>
-            </a:r>
-            <a:r>
-              <a:rPr lang="en-US" sz="9600" b="1" dirty="0"/>
-              <a:t> time!</a:t>
-            </a:r>
-          </a:p>
-          <a:p>
-            <a:pPr algn="ctr"/>
-            <a:r>
-              <a:rPr lang="en-US" sz="4400" i="1" dirty="0"/>
-              <a:t>3 min</a:t>
-            </a:r>
-          </a:p>
-          <a:p>
-            <a:pPr algn="ctr"/>
-            <a:endParaRPr lang="en-US" sz="9600" b="1" dirty="0"/>
-          </a:p>
-          <a:p>
-            <a:pPr marL="1143000" indent="-1143000" algn="ctr">
-              <a:buFont typeface="Wingdings" panose="05000000000000000000" pitchFamily="2" charset="2"/>
-              <a:buChar char="ü"/>
-            </a:pPr>
-            <a:r>
-              <a:rPr lang="en-US" sz="4400" b="1" dirty="0"/>
+            <a:pPr marL="1143000" indent="-1143000">
+              <a:buFont typeface="Arial" panose="020B0604020202020204" pitchFamily="34" charset="0"/>
+              <a:buChar char="•"/>
+            </a:pPr>
+            <a:r>
+              <a:rPr lang="en-US" sz="2800" b="1" dirty="0"/>
               <a:t>Goal: </a:t>
             </a:r>
             <a:r>
-              <a:rPr lang="en-US" sz="4400" dirty="0"/>
-              <a:t>“install the NeuroKit2 package”</a:t>
-            </a:r>
-            <a:endParaRPr lang="en-US" sz="4000" dirty="0"/>
+              <a:rPr lang="en-US" sz="2800" dirty="0"/>
+              <a:t>Create a function that adds 1, 2, …, </a:t>
+            </a:r>
+            <a:r>
+              <a:rPr lang="en-US" sz="2800" dirty="0" err="1"/>
+              <a:t>i</a:t>
+            </a:r>
+            <a:r>
+              <a:rPr lang="en-US" sz="2800" dirty="0"/>
+              <a:t> to a list </a:t>
+            </a:r>
+          </a:p>
+          <a:p>
+            <a:pPr marL="1143000" indent="-1143000">
+              <a:buFont typeface="Arial" panose="020B0604020202020204" pitchFamily="34" charset="0"/>
+              <a:buChar char="•"/>
+            </a:pPr>
+            <a:r>
+              <a:rPr lang="en-US" sz="2800" b="1" dirty="0"/>
+              <a:t>Expected:</a:t>
+            </a:r>
+          </a:p>
+          <a:p>
+            <a:endParaRPr lang="en-US" sz="2800" b="1" dirty="0"/>
+          </a:p>
+          <a:p>
+            <a:r>
+              <a:rPr lang="en-US" sz="2800" b="1" dirty="0">
+                <a:solidFill>
+                  <a:srgbClr val="0070C0"/>
+                </a:solidFill>
+                <a:latin typeface="Consolas" panose="020B0609020204030204" pitchFamily="49" charset="0"/>
+              </a:rPr>
+              <a:t>&gt;&gt;&gt; </a:t>
+            </a:r>
+            <a:r>
+              <a:rPr lang="en-US" sz="2800" b="1" dirty="0" err="1">
+                <a:solidFill>
+                  <a:srgbClr val="0070C0"/>
+                </a:solidFill>
+                <a:latin typeface="Consolas" panose="020B0609020204030204" pitchFamily="49" charset="0"/>
+              </a:rPr>
+              <a:t>addrange</a:t>
+            </a:r>
+            <a:r>
+              <a:rPr lang="en-US" sz="2800" b="1" dirty="0">
+                <a:solidFill>
+                  <a:srgbClr val="0070C0"/>
+                </a:solidFill>
+                <a:latin typeface="Consolas" panose="020B0609020204030204" pitchFamily="49" charset="0"/>
+              </a:rPr>
+              <a:t>([0, 0, 0, 0])</a:t>
+            </a:r>
+          </a:p>
+          <a:p>
+            <a:r>
+              <a:rPr lang="en-US" sz="2800" b="1" dirty="0">
+                <a:solidFill>
+                  <a:srgbClr val="0070C0"/>
+                </a:solidFill>
+                <a:latin typeface="Consolas" panose="020B0609020204030204" pitchFamily="49" charset="0"/>
+              </a:rPr>
+              <a:t>[1, 2, 3, 4]</a:t>
+            </a:r>
+          </a:p>
+          <a:p>
+            <a:r>
+              <a:rPr lang="en-US" sz="2800" b="1" dirty="0">
+                <a:solidFill>
+                  <a:srgbClr val="0070C0"/>
+                </a:solidFill>
+                <a:latin typeface="Consolas" panose="020B0609020204030204" pitchFamily="49" charset="0"/>
+              </a:rPr>
+              <a:t>&gt;&gt;&gt; </a:t>
+            </a:r>
+            <a:r>
+              <a:rPr lang="en-US" sz="2800" b="1" dirty="0" err="1">
+                <a:solidFill>
+                  <a:srgbClr val="0070C0"/>
+                </a:solidFill>
+                <a:latin typeface="Consolas" panose="020B0609020204030204" pitchFamily="49" charset="0"/>
+              </a:rPr>
+              <a:t>addrange</a:t>
+            </a:r>
+            <a:r>
+              <a:rPr lang="en-US" sz="2800" b="1" dirty="0">
+                <a:solidFill>
+                  <a:srgbClr val="0070C0"/>
+                </a:solidFill>
+                <a:latin typeface="Consolas" panose="020B0609020204030204" pitchFamily="49" charset="0"/>
+              </a:rPr>
+              <a:t>([5, 6, 7, 8])</a:t>
+            </a:r>
+          </a:p>
+          <a:p>
+            <a:r>
+              <a:rPr lang="en-US" sz="2800" b="1" dirty="0">
+                <a:solidFill>
+                  <a:srgbClr val="0070C0"/>
+                </a:solidFill>
+                <a:latin typeface="Consolas" panose="020B0609020204030204" pitchFamily="49" charset="0"/>
+              </a:rPr>
+              <a:t>[6, 8, 10, 12]</a:t>
+            </a:r>
+          </a:p>
+          <a:p>
+            <a:endParaRPr lang="en-US" sz="2800" b="1" dirty="0">
+              <a:solidFill>
+                <a:srgbClr val="0070C0"/>
+              </a:solidFill>
+              <a:latin typeface="Consolas" panose="020B0609020204030204" pitchFamily="49" charset="0"/>
+            </a:endParaRPr>
+          </a:p>
+          <a:p>
+            <a:r>
+              <a:rPr lang="en-US" sz="2800" b="1" dirty="0"/>
+              <a:t>Hint: </a:t>
+            </a:r>
+            <a:r>
+              <a:rPr lang="en-US" sz="2800" dirty="0"/>
+              <a:t>use </a:t>
+            </a:r>
+            <a:r>
+              <a:rPr lang="en-US" sz="2800" b="1" dirty="0" err="1">
+                <a:solidFill>
+                  <a:srgbClr val="0070C0"/>
+                </a:solidFill>
+              </a:rPr>
+              <a:t>len</a:t>
+            </a:r>
+            <a:r>
+              <a:rPr lang="en-US" sz="2800" b="1" dirty="0">
+                <a:solidFill>
+                  <a:srgbClr val="0070C0"/>
+                </a:solidFill>
+              </a:rPr>
+              <a:t>(x)</a:t>
+            </a:r>
+            <a:r>
+              <a:rPr lang="en-US" sz="2800" b="1" dirty="0"/>
+              <a:t> </a:t>
+            </a:r>
+            <a:r>
+              <a:rPr lang="en-US" sz="2800" dirty="0"/>
+              <a:t>to get the length of a list/vector</a:t>
+            </a:r>
+            <a:endParaRPr lang="en-US" sz="2800" dirty="0">
+              <a:solidFill>
+                <a:srgbClr val="0070C0"/>
+              </a:solidFill>
+              <a:latin typeface="Consolas" panose="020B0609020204030204" pitchFamily="49" charset="0"/>
+            </a:endParaRPr>
           </a:p>
         </p:txBody>
       </p:sp>
-      <p:pic>
-        <p:nvPicPr>
-          <p:cNvPr id="4" name="Graphic 3" descr="Muscular arm with solid fill">
+      <p:sp>
+        <p:nvSpPr>
+          <p:cNvPr id="5" name="Rectangle 4">
             <a:extLst>
               <a:ext uri="{FF2B5EF4-FFF2-40B4-BE49-F238E27FC236}">
-                <a16:creationId xmlns:a16="http://schemas.microsoft.com/office/drawing/2014/main" id="{5BF826DC-2915-2BF8-687B-0FF533F94913}"/>
+                <a16:creationId xmlns:a16="http://schemas.microsoft.com/office/drawing/2014/main" id="{F8891953-79C3-7A6D-1596-BD9DEC8BA58D}"/>
               </a:ext>
             </a:extLst>
           </p:cNvPr>
-          <p:cNvPicPr>
-            <a:picLocks noChangeAspect="1"/>
-          </p:cNvPicPr>
+          <p:cNvSpPr/>
           <p:nvPr/>
-        </p:nvPicPr>
-        <p:blipFill>
-          <a:blip r:embed="rId2">
-            <a:extLst>
-              <a:ext uri="{28A0092B-C50C-407E-A947-70E740481C1C}">
-                <a14:useLocalDpi xmlns:a14="http://schemas.microsoft.com/office/drawing/2010/main" val="0"/>
-              </a:ext>
-              <a:ext uri="{96DAC541-7B7A-43D3-8B79-37D633B846F1}">
-                <asvg:svgBlip xmlns:asvg="http://schemas.microsoft.com/office/drawing/2016/SVG/main" r:embed="rId3"/>
-              </a:ext>
-            </a:extLst>
-          </a:blip>
-          <a:stretch>
-            <a:fillRect/>
-          </a:stretch>
-        </p:blipFill>
+        </p:nvSpPr>
         <p:spPr>
           <a:xfrm>
-            <a:off x="421640" y="1330960"/>
-            <a:ext cx="1803400" cy="1803400"/>
+            <a:off x="0" y="0"/>
+            <a:ext cx="4544841" cy="519107"/>
           </a:xfrm>
           <a:prstGeom prst="rect">
             <a:avLst/>
           </a:prstGeom>
+          <a:solidFill>
+            <a:schemeClr val="accent2"/>
+          </a:solidFill>
+          <a:ln>
+            <a:noFill/>
+          </a:ln>
         </p:spPr>
-      </p:pic>
+        <p:style>
+          <a:lnRef idx="0">
+            <a:scrgbClr r="0" g="0" b="0"/>
+          </a:lnRef>
+          <a:fillRef idx="0">
+            <a:scrgbClr r="0" g="0" b="0"/>
+          </a:fillRef>
+          <a:effectRef idx="0">
+            <a:scrgbClr r="0" g="0" b="0"/>
+          </a:effectRef>
+          <a:fontRef idx="minor">
+            <a:schemeClr val="dk1"/>
+          </a:fontRef>
+        </p:style>
+        <p:txBody>
+          <a:bodyPr rtlCol="0" anchor="ctr"/>
+          <a:lstStyle/>
+          <a:p>
+            <a:r>
+              <a:rPr lang="en-US" sz="2800" b="1" dirty="0" err="1">
+                <a:solidFill>
+                  <a:schemeClr val="bg1"/>
+                </a:solidFill>
+              </a:rPr>
+              <a:t>Exercice</a:t>
+            </a:r>
+            <a:r>
+              <a:rPr lang="en-US" sz="2800" b="1" dirty="0">
+                <a:solidFill>
+                  <a:schemeClr val="bg1"/>
+                </a:solidFill>
+              </a:rPr>
+              <a:t> time 💪 (5 min)</a:t>
+            </a:r>
+            <a:endParaRPr lang="en-US" sz="2800" dirty="0">
+              <a:solidFill>
+                <a:schemeClr val="bg1"/>
+              </a:solidFill>
+            </a:endParaRPr>
+          </a:p>
+        </p:txBody>
+      </p:sp>
     </p:spTree>
     <p:extLst>
       <p:ext uri="{BB962C8B-B14F-4D97-AF65-F5344CB8AC3E}">
-        <p14:creationId xmlns:p14="http://schemas.microsoft.com/office/powerpoint/2010/main" val="1642576919"/>
+        <p14:creationId xmlns:p14="http://schemas.microsoft.com/office/powerpoint/2010/main" val="3398518164"/>
+      </p:ext>
+    </p:extLst>
+  </p:cSld>
+  <p:clrMapOvr>
+    <a:masterClrMapping/>
+  </p:clrMapOvr>
+</p:sld>
+</file>
+
+<file path=ppt/slides/slide38.xml><?xml version="1.0" encoding="utf-8"?>
+<p:sld xmlns:a="http://schemas.openxmlformats.org/drawingml/2006/main" xmlns:r="http://schemas.openxmlformats.org/officeDocument/2006/relationships" xmlns:p="http://schemas.openxmlformats.org/presentationml/2006/main">
+  <p:cSld>
+    <p:spTree>
+      <p:nvGrpSpPr>
+        <p:cNvPr id="1" name=""/>
+        <p:cNvGrpSpPr/>
+        <p:nvPr/>
+      </p:nvGrpSpPr>
+      <p:grpSpPr>
+        <a:xfrm>
+          <a:off x="0" y="0"/>
+          <a:ext cx="0" cy="0"/>
+          <a:chOff x="0" y="0"/>
+          <a:chExt cx="0" cy="0"/>
+        </a:xfrm>
+      </p:grpSpPr>
+      <p:sp>
+        <p:nvSpPr>
+          <p:cNvPr id="4" name="Rectangle 3">
+            <a:extLst>
+              <a:ext uri="{FF2B5EF4-FFF2-40B4-BE49-F238E27FC236}">
+                <a16:creationId xmlns:a16="http://schemas.microsoft.com/office/drawing/2014/main" id="{A4A34817-5B44-493F-D622-8954BF1B2D0D}"/>
+              </a:ext>
+            </a:extLst>
+          </p:cNvPr>
+          <p:cNvSpPr/>
+          <p:nvPr/>
+        </p:nvSpPr>
+        <p:spPr>
+          <a:xfrm>
+            <a:off x="887725" y="712176"/>
+            <a:ext cx="7051729" cy="3481755"/>
+          </a:xfrm>
+          <a:prstGeom prst="rect">
+            <a:avLst/>
+          </a:prstGeom>
+          <a:noFill/>
+          <a:ln>
+            <a:noFill/>
+          </a:ln>
+        </p:spPr>
+        <p:style>
+          <a:lnRef idx="0">
+            <a:scrgbClr r="0" g="0" b="0"/>
+          </a:lnRef>
+          <a:fillRef idx="0">
+            <a:scrgbClr r="0" g="0" b="0"/>
+          </a:fillRef>
+          <a:effectRef idx="0">
+            <a:scrgbClr r="0" g="0" b="0"/>
+          </a:effectRef>
+          <a:fontRef idx="minor">
+            <a:schemeClr val="dk1"/>
+          </a:fontRef>
+        </p:style>
+        <p:txBody>
+          <a:bodyPr rtlCol="0" anchor="ctr"/>
+          <a:lstStyle/>
+          <a:p>
+            <a:r>
+              <a:rPr lang="en-US" b="1" dirty="0"/>
+              <a:t>Conditional indexing</a:t>
+            </a:r>
+          </a:p>
+          <a:p>
+            <a:r>
+              <a:rPr lang="en-US" b="1" dirty="0">
+                <a:solidFill>
+                  <a:srgbClr val="0070C0"/>
+                </a:solidFill>
+                <a:latin typeface="Consolas" panose="020B0609020204030204" pitchFamily="49" charset="0"/>
+              </a:rPr>
+              <a:t>x = </a:t>
+            </a:r>
+            <a:r>
+              <a:rPr lang="en-US" b="1" dirty="0" err="1">
+                <a:solidFill>
+                  <a:srgbClr val="0070C0"/>
+                </a:solidFill>
+                <a:latin typeface="Consolas" panose="020B0609020204030204" pitchFamily="49" charset="0"/>
+              </a:rPr>
+              <a:t>np.array</a:t>
+            </a:r>
+            <a:r>
+              <a:rPr lang="en-US" b="1" dirty="0">
+                <a:solidFill>
+                  <a:srgbClr val="0070C0"/>
+                </a:solidFill>
+                <a:latin typeface="Consolas" panose="020B0609020204030204" pitchFamily="49" charset="0"/>
+              </a:rPr>
+              <a:t>([1, 2, 3, 4, 5])</a:t>
+            </a:r>
+            <a:endParaRPr lang="en-US" b="1" dirty="0"/>
+          </a:p>
+          <a:p>
+            <a:endParaRPr lang="en-US" b="1" dirty="0">
+              <a:solidFill>
+                <a:srgbClr val="0070C0"/>
+              </a:solidFill>
+              <a:latin typeface="Consolas" panose="020B0609020204030204" pitchFamily="49" charset="0"/>
+            </a:endParaRPr>
+          </a:p>
+          <a:p>
+            <a:r>
+              <a:rPr lang="en-US" b="1" dirty="0">
+                <a:solidFill>
+                  <a:srgbClr val="0070C0"/>
+                </a:solidFill>
+                <a:latin typeface="Consolas" panose="020B0609020204030204" pitchFamily="49" charset="0"/>
+              </a:rPr>
+              <a:t>x[::2]</a:t>
+            </a:r>
+          </a:p>
+          <a:p>
+            <a:r>
+              <a:rPr lang="en-US" b="1" dirty="0" err="1">
+                <a:solidFill>
+                  <a:srgbClr val="0070C0"/>
+                </a:solidFill>
+                <a:latin typeface="Consolas" panose="020B0609020204030204" pitchFamily="49" charset="0"/>
+              </a:rPr>
+              <a:t>idx</a:t>
+            </a:r>
+            <a:r>
+              <a:rPr lang="en-US" b="1" dirty="0">
+                <a:solidFill>
+                  <a:srgbClr val="0070C0"/>
+                </a:solidFill>
+                <a:latin typeface="Consolas" panose="020B0609020204030204" pitchFamily="49" charset="0"/>
+              </a:rPr>
+              <a:t> = x &lt;= 3</a:t>
+            </a:r>
+          </a:p>
+          <a:p>
+            <a:r>
+              <a:rPr lang="en-US" b="1" dirty="0" err="1">
+                <a:solidFill>
+                  <a:srgbClr val="0070C0"/>
+                </a:solidFill>
+                <a:latin typeface="Consolas" panose="020B0609020204030204" pitchFamily="49" charset="0"/>
+              </a:rPr>
+              <a:t>idx</a:t>
+            </a:r>
+            <a:endParaRPr lang="en-US" b="1" dirty="0">
+              <a:solidFill>
+                <a:srgbClr val="0070C0"/>
+              </a:solidFill>
+              <a:latin typeface="Consolas" panose="020B0609020204030204" pitchFamily="49" charset="0"/>
+            </a:endParaRPr>
+          </a:p>
+          <a:p>
+            <a:endParaRPr lang="en-US" b="1" dirty="0">
+              <a:solidFill>
+                <a:srgbClr val="0070C0"/>
+              </a:solidFill>
+              <a:latin typeface="Consolas" panose="020B0609020204030204" pitchFamily="49" charset="0"/>
+            </a:endParaRPr>
+          </a:p>
+          <a:p>
+            <a:r>
+              <a:rPr lang="en-US" b="1" dirty="0">
+                <a:solidFill>
+                  <a:srgbClr val="0070C0"/>
+                </a:solidFill>
+                <a:latin typeface="Consolas" panose="020B0609020204030204" pitchFamily="49" charset="0"/>
+              </a:rPr>
+              <a:t>x[</a:t>
+            </a:r>
+            <a:r>
+              <a:rPr lang="en-US" b="1" dirty="0" err="1">
+                <a:solidFill>
+                  <a:srgbClr val="0070C0"/>
+                </a:solidFill>
+                <a:latin typeface="Consolas" panose="020B0609020204030204" pitchFamily="49" charset="0"/>
+              </a:rPr>
+              <a:t>idx</a:t>
+            </a:r>
+            <a:r>
+              <a:rPr lang="en-US" b="1" dirty="0">
+                <a:solidFill>
+                  <a:srgbClr val="0070C0"/>
+                </a:solidFill>
+                <a:latin typeface="Consolas" panose="020B0609020204030204" pitchFamily="49" charset="0"/>
+              </a:rPr>
+              <a:t>]</a:t>
+            </a:r>
+          </a:p>
+          <a:p>
+            <a:r>
+              <a:rPr lang="en-US" b="1" dirty="0">
+                <a:solidFill>
+                  <a:srgbClr val="0070C0"/>
+                </a:solidFill>
+                <a:latin typeface="Consolas" panose="020B0609020204030204" pitchFamily="49" charset="0"/>
+              </a:rPr>
+              <a:t>x[</a:t>
+            </a:r>
+            <a:r>
+              <a:rPr lang="en-US" b="1" dirty="0" err="1">
+                <a:solidFill>
+                  <a:srgbClr val="0070C0"/>
+                </a:solidFill>
+                <a:latin typeface="Consolas" panose="020B0609020204030204" pitchFamily="49" charset="0"/>
+              </a:rPr>
+              <a:t>idx</a:t>
+            </a:r>
+            <a:r>
+              <a:rPr lang="en-US" b="1" dirty="0">
+                <a:solidFill>
+                  <a:srgbClr val="0070C0"/>
+                </a:solidFill>
+                <a:latin typeface="Consolas" panose="020B0609020204030204" pitchFamily="49" charset="0"/>
+              </a:rPr>
+              <a:t>] = -1</a:t>
+            </a:r>
+          </a:p>
+          <a:p>
+            <a:r>
+              <a:rPr lang="en-US" b="1" dirty="0">
+                <a:solidFill>
+                  <a:srgbClr val="0070C0"/>
+                </a:solidFill>
+                <a:latin typeface="Consolas" panose="020B0609020204030204" pitchFamily="49" charset="0"/>
+              </a:rPr>
+              <a:t>x</a:t>
+            </a:r>
+          </a:p>
+        </p:txBody>
+      </p:sp>
+      <p:sp>
+        <p:nvSpPr>
+          <p:cNvPr id="3" name="Rectangle 2">
+            <a:extLst>
+              <a:ext uri="{FF2B5EF4-FFF2-40B4-BE49-F238E27FC236}">
+                <a16:creationId xmlns:a16="http://schemas.microsoft.com/office/drawing/2014/main" id="{4A9145F6-62DE-99CD-57F6-F9DD4C3F5350}"/>
+              </a:ext>
+            </a:extLst>
+          </p:cNvPr>
+          <p:cNvSpPr/>
+          <p:nvPr/>
+        </p:nvSpPr>
+        <p:spPr>
+          <a:xfrm>
+            <a:off x="0" y="0"/>
+            <a:ext cx="4544841" cy="519107"/>
+          </a:xfrm>
+          <a:prstGeom prst="rect">
+            <a:avLst/>
+          </a:prstGeom>
+          <a:solidFill>
+            <a:srgbClr val="002060"/>
+          </a:solidFill>
+          <a:ln>
+            <a:noFill/>
+          </a:ln>
+        </p:spPr>
+        <p:style>
+          <a:lnRef idx="0">
+            <a:scrgbClr r="0" g="0" b="0"/>
+          </a:lnRef>
+          <a:fillRef idx="0">
+            <a:scrgbClr r="0" g="0" b="0"/>
+          </a:fillRef>
+          <a:effectRef idx="0">
+            <a:scrgbClr r="0" g="0" b="0"/>
+          </a:effectRef>
+          <a:fontRef idx="minor">
+            <a:schemeClr val="dk1"/>
+          </a:fontRef>
+        </p:style>
+        <p:txBody>
+          <a:bodyPr rtlCol="0" anchor="ctr"/>
+          <a:lstStyle/>
+          <a:p>
+            <a:r>
+              <a:rPr lang="en-US" b="1" dirty="0">
+                <a:solidFill>
+                  <a:schemeClr val="bg1"/>
+                </a:solidFill>
+                <a:latin typeface="Consolas" panose="020B0609020204030204" pitchFamily="49" charset="0"/>
+              </a:rPr>
+              <a:t>Advanced Python</a:t>
+            </a:r>
+            <a:endParaRPr lang="en-US" dirty="0">
+              <a:solidFill>
+                <a:schemeClr val="bg1"/>
+              </a:solidFill>
+              <a:latin typeface="Consolas" panose="020B0609020204030204" pitchFamily="49" charset="0"/>
+            </a:endParaRPr>
+          </a:p>
+        </p:txBody>
+      </p:sp>
+    </p:spTree>
+    <p:extLst>
+      <p:ext uri="{BB962C8B-B14F-4D97-AF65-F5344CB8AC3E}">
+        <p14:creationId xmlns:p14="http://schemas.microsoft.com/office/powerpoint/2010/main" val="3736995456"/>
+      </p:ext>
+    </p:extLst>
+  </p:cSld>
+  <p:clrMapOvr>
+    <a:masterClrMapping/>
+  </p:clrMapOvr>
+</p:sld>
+</file>
+
+<file path=ppt/slides/slide39.xml><?xml version="1.0" encoding="utf-8"?>
+<p:sld xmlns:a="http://schemas.openxmlformats.org/drawingml/2006/main" xmlns:r="http://schemas.openxmlformats.org/officeDocument/2006/relationships" xmlns:p="http://schemas.openxmlformats.org/presentationml/2006/main">
+  <p:cSld>
+    <p:spTree>
+      <p:nvGrpSpPr>
+        <p:cNvPr id="1" name=""/>
+        <p:cNvGrpSpPr/>
+        <p:nvPr/>
+      </p:nvGrpSpPr>
+      <p:grpSpPr>
+        <a:xfrm>
+          <a:off x="0" y="0"/>
+          <a:ext cx="0" cy="0"/>
+          <a:chOff x="0" y="0"/>
+          <a:chExt cx="0" cy="0"/>
+        </a:xfrm>
+      </p:grpSpPr>
+      <p:sp>
+        <p:nvSpPr>
+          <p:cNvPr id="4" name="Rectangle 3">
+            <a:extLst>
+              <a:ext uri="{FF2B5EF4-FFF2-40B4-BE49-F238E27FC236}">
+                <a16:creationId xmlns:a16="http://schemas.microsoft.com/office/drawing/2014/main" id="{A4A34817-5B44-493F-D622-8954BF1B2D0D}"/>
+              </a:ext>
+            </a:extLst>
+          </p:cNvPr>
+          <p:cNvSpPr/>
+          <p:nvPr/>
+        </p:nvSpPr>
+        <p:spPr>
+          <a:xfrm>
+            <a:off x="887725" y="712177"/>
+            <a:ext cx="7051729" cy="5715000"/>
+          </a:xfrm>
+          <a:prstGeom prst="rect">
+            <a:avLst/>
+          </a:prstGeom>
+          <a:noFill/>
+          <a:ln>
+            <a:noFill/>
+          </a:ln>
+        </p:spPr>
+        <p:style>
+          <a:lnRef idx="0">
+            <a:scrgbClr r="0" g="0" b="0"/>
+          </a:lnRef>
+          <a:fillRef idx="0">
+            <a:scrgbClr r="0" g="0" b="0"/>
+          </a:fillRef>
+          <a:effectRef idx="0">
+            <a:scrgbClr r="0" g="0" b="0"/>
+          </a:effectRef>
+          <a:fontRef idx="minor">
+            <a:schemeClr val="dk1"/>
+          </a:fontRef>
+        </p:style>
+        <p:txBody>
+          <a:bodyPr rtlCol="0" anchor="ctr"/>
+          <a:lstStyle/>
+          <a:p>
+            <a:r>
+              <a:rPr lang="en-US" b="1" dirty="0"/>
+              <a:t>Operations and math</a:t>
+            </a:r>
+          </a:p>
+          <a:p>
+            <a:r>
+              <a:rPr lang="en-US" b="1" dirty="0" err="1">
+                <a:solidFill>
+                  <a:srgbClr val="0070C0"/>
+                </a:solidFill>
+                <a:latin typeface="Consolas" panose="020B0609020204030204" pitchFamily="49" charset="0"/>
+              </a:rPr>
+              <a:t>np.sum</a:t>
+            </a:r>
+            <a:r>
+              <a:rPr lang="en-US" b="1" dirty="0">
+                <a:solidFill>
+                  <a:srgbClr val="0070C0"/>
+                </a:solidFill>
+                <a:latin typeface="Consolas" panose="020B0609020204030204" pitchFamily="49" charset="0"/>
+              </a:rPr>
+              <a:t>(), </a:t>
+            </a:r>
+            <a:r>
+              <a:rPr lang="en-US" b="1" dirty="0" err="1">
+                <a:solidFill>
+                  <a:srgbClr val="0070C0"/>
+                </a:solidFill>
+                <a:latin typeface="Consolas" panose="020B0609020204030204" pitchFamily="49" charset="0"/>
+              </a:rPr>
+              <a:t>np.mean</a:t>
+            </a:r>
+            <a:r>
+              <a:rPr lang="en-US" b="1" dirty="0">
+                <a:solidFill>
+                  <a:srgbClr val="0070C0"/>
+                </a:solidFill>
+                <a:latin typeface="Consolas" panose="020B0609020204030204" pitchFamily="49" charset="0"/>
+              </a:rPr>
+              <a:t>(), </a:t>
+            </a:r>
+            <a:r>
+              <a:rPr lang="en-US" b="1" dirty="0" err="1">
+                <a:solidFill>
+                  <a:srgbClr val="0070C0"/>
+                </a:solidFill>
+                <a:latin typeface="Consolas" panose="020B0609020204030204" pitchFamily="49" charset="0"/>
+              </a:rPr>
+              <a:t>np.median</a:t>
+            </a:r>
+            <a:r>
+              <a:rPr lang="en-US" b="1" dirty="0">
+                <a:solidFill>
+                  <a:srgbClr val="0070C0"/>
+                </a:solidFill>
+                <a:latin typeface="Consolas" panose="020B0609020204030204" pitchFamily="49" charset="0"/>
+              </a:rPr>
+              <a:t>(), </a:t>
+            </a:r>
+            <a:r>
+              <a:rPr lang="en-US" b="1" dirty="0" err="1">
+                <a:solidFill>
+                  <a:srgbClr val="0070C0"/>
+                </a:solidFill>
+                <a:latin typeface="Consolas" panose="020B0609020204030204" pitchFamily="49" charset="0"/>
+              </a:rPr>
+              <a:t>np.diff</a:t>
+            </a:r>
+            <a:r>
+              <a:rPr lang="en-US" b="1" dirty="0">
+                <a:solidFill>
+                  <a:srgbClr val="0070C0"/>
+                </a:solidFill>
+                <a:latin typeface="Consolas" panose="020B0609020204030204" pitchFamily="49" charset="0"/>
+              </a:rPr>
+              <a:t>(), </a:t>
+            </a:r>
+            <a:r>
+              <a:rPr lang="en-US" b="1" dirty="0" err="1">
+                <a:solidFill>
+                  <a:srgbClr val="0070C0"/>
+                </a:solidFill>
+                <a:latin typeface="Consolas" panose="020B0609020204030204" pitchFamily="49" charset="0"/>
+              </a:rPr>
+              <a:t>np.std</a:t>
+            </a:r>
+            <a:r>
+              <a:rPr lang="en-US" b="1" dirty="0">
+                <a:solidFill>
+                  <a:srgbClr val="0070C0"/>
+                </a:solidFill>
+                <a:latin typeface="Consolas" panose="020B0609020204030204" pitchFamily="49" charset="0"/>
+              </a:rPr>
+              <a:t>()…</a:t>
+            </a:r>
+          </a:p>
+          <a:p>
+            <a:endParaRPr lang="en-US" b="1" dirty="0">
+              <a:solidFill>
+                <a:srgbClr val="0070C0"/>
+              </a:solidFill>
+              <a:latin typeface="Consolas" panose="020B0609020204030204" pitchFamily="49" charset="0"/>
+            </a:endParaRPr>
+          </a:p>
+          <a:p>
+            <a:pPr marL="285750" indent="-285750">
+              <a:buFont typeface="Wingdings" panose="05000000000000000000" pitchFamily="2" charset="2"/>
+              <a:buChar char="ü"/>
+            </a:pPr>
+            <a:r>
+              <a:rPr lang="en-US" dirty="0">
+                <a:solidFill>
+                  <a:schemeClr val="tx1"/>
+                </a:solidFill>
+              </a:rPr>
+              <a:t>Function or method</a:t>
+            </a:r>
+          </a:p>
+          <a:p>
+            <a:r>
+              <a:rPr lang="en-US" b="1" dirty="0" err="1">
+                <a:solidFill>
+                  <a:srgbClr val="0070C0"/>
+                </a:solidFill>
+                <a:latin typeface="Consolas" panose="020B0609020204030204" pitchFamily="49" charset="0"/>
+              </a:rPr>
+              <a:t>np.sum</a:t>
+            </a:r>
+            <a:r>
+              <a:rPr lang="en-US" b="1" dirty="0">
+                <a:solidFill>
+                  <a:srgbClr val="0070C0"/>
+                </a:solidFill>
+                <a:latin typeface="Consolas" panose="020B0609020204030204" pitchFamily="49" charset="0"/>
+              </a:rPr>
+              <a:t>() </a:t>
+            </a:r>
+            <a:r>
+              <a:rPr lang="en-US" b="1" dirty="0">
+                <a:solidFill>
+                  <a:srgbClr val="0070C0"/>
+                </a:solidFill>
+                <a:latin typeface="Consolas" panose="020B0609020204030204" pitchFamily="49" charset="0"/>
+                <a:sym typeface="Wingdings" panose="05000000000000000000" pitchFamily="2" charset="2"/>
+              </a:rPr>
+              <a:t></a:t>
+            </a:r>
+            <a:r>
+              <a:rPr lang="en-US" b="1" dirty="0">
+                <a:solidFill>
+                  <a:srgbClr val="0070C0"/>
+                </a:solidFill>
+                <a:latin typeface="Consolas" panose="020B0609020204030204" pitchFamily="49" charset="0"/>
+              </a:rPr>
+              <a:t> </a:t>
+            </a:r>
+            <a:r>
+              <a:rPr lang="en-US" b="1" dirty="0" err="1">
+                <a:solidFill>
+                  <a:srgbClr val="0070C0"/>
+                </a:solidFill>
+                <a:latin typeface="Consolas" panose="020B0609020204030204" pitchFamily="49" charset="0"/>
+              </a:rPr>
+              <a:t>x.sum</a:t>
+            </a:r>
+            <a:r>
+              <a:rPr lang="en-US" b="1" dirty="0">
+                <a:solidFill>
+                  <a:srgbClr val="0070C0"/>
+                </a:solidFill>
+                <a:latin typeface="Consolas" panose="020B0609020204030204" pitchFamily="49" charset="0"/>
+              </a:rPr>
+              <a:t>()</a:t>
+            </a:r>
+          </a:p>
+          <a:p>
+            <a:endParaRPr lang="en-US" b="1" dirty="0">
+              <a:solidFill>
+                <a:srgbClr val="0070C0"/>
+              </a:solidFill>
+              <a:latin typeface="Consolas" panose="020B0609020204030204" pitchFamily="49" charset="0"/>
+            </a:endParaRPr>
+          </a:p>
+          <a:p>
+            <a:pPr marL="285750" indent="-285750">
+              <a:buFont typeface="Wingdings" panose="05000000000000000000" pitchFamily="2" charset="2"/>
+              <a:buChar char="ü"/>
+            </a:pPr>
+            <a:r>
+              <a:rPr lang="en-US" dirty="0">
+                <a:solidFill>
+                  <a:schemeClr val="tx1"/>
+                </a:solidFill>
+              </a:rPr>
+              <a:t>Missing values</a:t>
+            </a:r>
+          </a:p>
+          <a:p>
+            <a:r>
+              <a:rPr lang="en-US" b="1" dirty="0" err="1">
+                <a:solidFill>
+                  <a:srgbClr val="0070C0"/>
+                </a:solidFill>
+                <a:latin typeface="Consolas" panose="020B0609020204030204" pitchFamily="49" charset="0"/>
+              </a:rPr>
+              <a:t>np.nan</a:t>
+            </a:r>
+            <a:r>
+              <a:rPr lang="en-US" b="1" dirty="0">
+                <a:solidFill>
+                  <a:srgbClr val="0070C0"/>
+                </a:solidFill>
+                <a:latin typeface="Consolas" panose="020B0609020204030204" pitchFamily="49" charset="0"/>
+              </a:rPr>
+              <a:t>()</a:t>
+            </a:r>
+          </a:p>
+          <a:p>
+            <a:endParaRPr lang="en-US" b="1" dirty="0"/>
+          </a:p>
+          <a:p>
+            <a:r>
+              <a:rPr lang="en-US" i="1" dirty="0">
+                <a:solidFill>
+                  <a:srgbClr val="0070C0"/>
+                </a:solidFill>
+              </a:rPr>
+              <a:t># Initialize vector</a:t>
+            </a:r>
+          </a:p>
+          <a:p>
+            <a:r>
+              <a:rPr lang="en-US" b="1" dirty="0">
+                <a:solidFill>
+                  <a:srgbClr val="0070C0"/>
+                </a:solidFill>
+                <a:latin typeface="Consolas" panose="020B0609020204030204" pitchFamily="49" charset="0"/>
+              </a:rPr>
+              <a:t>x = </a:t>
+            </a:r>
+            <a:r>
+              <a:rPr lang="en-US" b="1" dirty="0" err="1">
+                <a:solidFill>
+                  <a:srgbClr val="0070C0"/>
+                </a:solidFill>
+                <a:latin typeface="Consolas" panose="020B0609020204030204" pitchFamily="49" charset="0"/>
+              </a:rPr>
+              <a:t>np.array</a:t>
+            </a:r>
+            <a:r>
+              <a:rPr lang="en-US" b="1" dirty="0">
+                <a:solidFill>
+                  <a:srgbClr val="0070C0"/>
+                </a:solidFill>
+                <a:latin typeface="Consolas" panose="020B0609020204030204" pitchFamily="49" charset="0"/>
+              </a:rPr>
+              <a:t>([3, 5, </a:t>
+            </a:r>
+            <a:r>
+              <a:rPr lang="en-US" b="1" dirty="0" err="1">
+                <a:solidFill>
+                  <a:srgbClr val="0070C0"/>
+                </a:solidFill>
+                <a:latin typeface="Consolas" panose="020B0609020204030204" pitchFamily="49" charset="0"/>
+              </a:rPr>
+              <a:t>np.nan</a:t>
+            </a:r>
+            <a:r>
+              <a:rPr lang="en-US" b="1" dirty="0">
+                <a:solidFill>
+                  <a:srgbClr val="0070C0"/>
+                </a:solidFill>
+                <a:latin typeface="Consolas" panose="020B0609020204030204" pitchFamily="49" charset="0"/>
+              </a:rPr>
+              <a:t>, 3, 2])</a:t>
+            </a:r>
+          </a:p>
+          <a:p>
+            <a:r>
+              <a:rPr lang="en-US" b="1" dirty="0">
+                <a:solidFill>
+                  <a:srgbClr val="0070C0"/>
+                </a:solidFill>
+                <a:latin typeface="Consolas" panose="020B0609020204030204" pitchFamily="49" charset="0"/>
+              </a:rPr>
+              <a:t>np. mean(x)</a:t>
+            </a:r>
+          </a:p>
+          <a:p>
+            <a:endParaRPr lang="en-US" b="1" dirty="0">
+              <a:solidFill>
+                <a:srgbClr val="0070C0"/>
+              </a:solidFill>
+              <a:latin typeface="Consolas" panose="020B0609020204030204" pitchFamily="49" charset="0"/>
+            </a:endParaRPr>
+          </a:p>
+          <a:p>
+            <a:r>
+              <a:rPr lang="en-US" i="1" dirty="0">
+                <a:solidFill>
+                  <a:srgbClr val="0070C0"/>
+                </a:solidFill>
+                <a:latin typeface="Consolas" panose="020B0609020204030204" pitchFamily="49" charset="0"/>
+              </a:rPr>
+              <a:t># Solution 1: Filter out </a:t>
+            </a:r>
+            <a:r>
+              <a:rPr lang="en-US" i="1" dirty="0" err="1">
+                <a:solidFill>
+                  <a:srgbClr val="0070C0"/>
+                </a:solidFill>
+                <a:latin typeface="Consolas" panose="020B0609020204030204" pitchFamily="49" charset="0"/>
+              </a:rPr>
+              <a:t>NaNs</a:t>
+            </a:r>
+            <a:endParaRPr lang="en-US" i="1" dirty="0">
+              <a:solidFill>
+                <a:srgbClr val="0070C0"/>
+              </a:solidFill>
+              <a:latin typeface="Consolas" panose="020B0609020204030204" pitchFamily="49" charset="0"/>
+            </a:endParaRPr>
+          </a:p>
+          <a:p>
+            <a:r>
+              <a:rPr lang="en-US" b="1" dirty="0" err="1">
+                <a:solidFill>
+                  <a:srgbClr val="0070C0"/>
+                </a:solidFill>
+                <a:latin typeface="Consolas" panose="020B0609020204030204" pitchFamily="49" charset="0"/>
+              </a:rPr>
+              <a:t>np.isnan</a:t>
+            </a:r>
+            <a:r>
+              <a:rPr lang="en-US" b="1" dirty="0">
+                <a:solidFill>
+                  <a:srgbClr val="0070C0"/>
+                </a:solidFill>
+                <a:latin typeface="Consolas" panose="020B0609020204030204" pitchFamily="49" charset="0"/>
+              </a:rPr>
+              <a:t>(x)</a:t>
+            </a:r>
+          </a:p>
+          <a:p>
+            <a:r>
+              <a:rPr lang="en-US" b="1" dirty="0">
+                <a:solidFill>
+                  <a:srgbClr val="0070C0"/>
+                </a:solidFill>
+                <a:latin typeface="Consolas" panose="020B0609020204030204" pitchFamily="49" charset="0"/>
+              </a:rPr>
+              <a:t>x[~</a:t>
+            </a:r>
+            <a:r>
+              <a:rPr lang="en-US" b="1" dirty="0" err="1">
+                <a:solidFill>
+                  <a:srgbClr val="0070C0"/>
+                </a:solidFill>
+                <a:latin typeface="Consolas" panose="020B0609020204030204" pitchFamily="49" charset="0"/>
+              </a:rPr>
+              <a:t>np.isnan</a:t>
+            </a:r>
+            <a:r>
+              <a:rPr lang="en-US" b="1" dirty="0">
+                <a:solidFill>
+                  <a:srgbClr val="0070C0"/>
+                </a:solidFill>
+                <a:latin typeface="Consolas" panose="020B0609020204030204" pitchFamily="49" charset="0"/>
+              </a:rPr>
+              <a:t>(x)].mean()</a:t>
+            </a:r>
+          </a:p>
+          <a:p>
+            <a:endParaRPr lang="en-US" b="1" dirty="0">
+              <a:solidFill>
+                <a:srgbClr val="0070C0"/>
+              </a:solidFill>
+              <a:latin typeface="Consolas" panose="020B0609020204030204" pitchFamily="49" charset="0"/>
+            </a:endParaRPr>
+          </a:p>
+          <a:p>
+            <a:r>
+              <a:rPr lang="en-US" i="1" dirty="0">
+                <a:solidFill>
+                  <a:srgbClr val="0070C0"/>
+                </a:solidFill>
+                <a:latin typeface="Consolas" panose="020B0609020204030204" pitchFamily="49" charset="0"/>
+              </a:rPr>
+              <a:t># Solution 2: Nan-friendly functions</a:t>
+            </a:r>
+          </a:p>
+          <a:p>
+            <a:r>
+              <a:rPr lang="en-US" b="1" dirty="0" err="1">
+                <a:solidFill>
+                  <a:srgbClr val="0070C0"/>
+                </a:solidFill>
+                <a:latin typeface="Consolas" panose="020B0609020204030204" pitchFamily="49" charset="0"/>
+              </a:rPr>
+              <a:t>np.nanmean</a:t>
+            </a:r>
+            <a:r>
+              <a:rPr lang="en-US" b="1" dirty="0">
+                <a:solidFill>
+                  <a:srgbClr val="0070C0"/>
+                </a:solidFill>
+                <a:latin typeface="Consolas" panose="020B0609020204030204" pitchFamily="49" charset="0"/>
+              </a:rPr>
+              <a:t>(x)</a:t>
+            </a:r>
+          </a:p>
+        </p:txBody>
+      </p:sp>
+      <p:sp>
+        <p:nvSpPr>
+          <p:cNvPr id="3" name="Rectangle 2">
+            <a:extLst>
+              <a:ext uri="{FF2B5EF4-FFF2-40B4-BE49-F238E27FC236}">
+                <a16:creationId xmlns:a16="http://schemas.microsoft.com/office/drawing/2014/main" id="{4A9145F6-62DE-99CD-57F6-F9DD4C3F5350}"/>
+              </a:ext>
+            </a:extLst>
+          </p:cNvPr>
+          <p:cNvSpPr/>
+          <p:nvPr/>
+        </p:nvSpPr>
+        <p:spPr>
+          <a:xfrm>
+            <a:off x="0" y="0"/>
+            <a:ext cx="4544841" cy="519107"/>
+          </a:xfrm>
+          <a:prstGeom prst="rect">
+            <a:avLst/>
+          </a:prstGeom>
+          <a:solidFill>
+            <a:srgbClr val="002060"/>
+          </a:solidFill>
+          <a:ln>
+            <a:noFill/>
+          </a:ln>
+        </p:spPr>
+        <p:style>
+          <a:lnRef idx="0">
+            <a:scrgbClr r="0" g="0" b="0"/>
+          </a:lnRef>
+          <a:fillRef idx="0">
+            <a:scrgbClr r="0" g="0" b="0"/>
+          </a:fillRef>
+          <a:effectRef idx="0">
+            <a:scrgbClr r="0" g="0" b="0"/>
+          </a:effectRef>
+          <a:fontRef idx="minor">
+            <a:schemeClr val="dk1"/>
+          </a:fontRef>
+        </p:style>
+        <p:txBody>
+          <a:bodyPr rtlCol="0" anchor="ctr"/>
+          <a:lstStyle/>
+          <a:p>
+            <a:r>
+              <a:rPr lang="en-US" b="1" dirty="0">
+                <a:solidFill>
+                  <a:schemeClr val="bg1"/>
+                </a:solidFill>
+                <a:latin typeface="Consolas" panose="020B0609020204030204" pitchFamily="49" charset="0"/>
+              </a:rPr>
+              <a:t>Advanced Python</a:t>
+            </a:r>
+            <a:endParaRPr lang="en-US" dirty="0">
+              <a:solidFill>
+                <a:schemeClr val="bg1"/>
+              </a:solidFill>
+              <a:latin typeface="Consolas" panose="020B0609020204030204" pitchFamily="49" charset="0"/>
+            </a:endParaRPr>
+          </a:p>
+        </p:txBody>
+      </p:sp>
+    </p:spTree>
+    <p:extLst>
+      <p:ext uri="{BB962C8B-B14F-4D97-AF65-F5344CB8AC3E}">
+        <p14:creationId xmlns:p14="http://schemas.microsoft.com/office/powerpoint/2010/main" val="1452488567"/>
       </p:ext>
     </p:extLst>
   </p:cSld>
@@ -15645,7 +17340,7 @@
               <a:buChar char="•"/>
             </a:pPr>
             <a:r>
-              <a:rPr lang="en-US" sz="3200" strike="sngStrike" dirty="0"/>
+              <a:rPr lang="en-US" sz="3200" dirty="0"/>
               <a:t>Vectorization, profiling, …</a:t>
             </a:r>
           </a:p>
@@ -16382,6 +18077,727 @@
 </p:sld>
 </file>
 
+<file path=ppt/slides/slide40.xml><?xml version="1.0" encoding="utf-8"?>
+<p:sld xmlns:a="http://schemas.openxmlformats.org/drawingml/2006/main" xmlns:r="http://schemas.openxmlformats.org/officeDocument/2006/relationships" xmlns:p="http://schemas.openxmlformats.org/presentationml/2006/main">
+  <p:cSld>
+    <p:spTree>
+      <p:nvGrpSpPr>
+        <p:cNvPr id="1" name=""/>
+        <p:cNvGrpSpPr/>
+        <p:nvPr/>
+      </p:nvGrpSpPr>
+      <p:grpSpPr>
+        <a:xfrm>
+          <a:off x="0" y="0"/>
+          <a:ext cx="0" cy="0"/>
+          <a:chOff x="0" y="0"/>
+          <a:chExt cx="0" cy="0"/>
+        </a:xfrm>
+      </p:grpSpPr>
+      <p:sp>
+        <p:nvSpPr>
+          <p:cNvPr id="2" name="Rectangle 1">
+            <a:extLst>
+              <a:ext uri="{FF2B5EF4-FFF2-40B4-BE49-F238E27FC236}">
+                <a16:creationId xmlns:a16="http://schemas.microsoft.com/office/drawing/2014/main" id="{1E65629C-92D4-79A2-2F71-A4F6B6308EFF}"/>
+              </a:ext>
+            </a:extLst>
+          </p:cNvPr>
+          <p:cNvSpPr/>
+          <p:nvPr/>
+        </p:nvSpPr>
+        <p:spPr>
+          <a:xfrm>
+            <a:off x="873150" y="650630"/>
+            <a:ext cx="9769642" cy="6207369"/>
+          </a:xfrm>
+          <a:prstGeom prst="rect">
+            <a:avLst/>
+          </a:prstGeom>
+          <a:noFill/>
+          <a:ln>
+            <a:noFill/>
+          </a:ln>
+        </p:spPr>
+        <p:style>
+          <a:lnRef idx="0">
+            <a:scrgbClr r="0" g="0" b="0"/>
+          </a:lnRef>
+          <a:fillRef idx="0">
+            <a:scrgbClr r="0" g="0" b="0"/>
+          </a:fillRef>
+          <a:effectRef idx="0">
+            <a:scrgbClr r="0" g="0" b="0"/>
+          </a:effectRef>
+          <a:fontRef idx="minor">
+            <a:schemeClr val="dk1"/>
+          </a:fontRef>
+        </p:style>
+        <p:txBody>
+          <a:bodyPr rtlCol="0" anchor="ctr"/>
+          <a:lstStyle/>
+          <a:p>
+            <a:pPr marL="1143000" indent="-1143000">
+              <a:buFont typeface="Arial" panose="020B0604020202020204" pitchFamily="34" charset="0"/>
+              <a:buChar char="•"/>
+            </a:pPr>
+            <a:r>
+              <a:rPr lang="en-US" sz="2800" b="1" dirty="0"/>
+              <a:t>Goal: </a:t>
+            </a:r>
+            <a:r>
+              <a:rPr lang="en-US" sz="2800" dirty="0"/>
+              <a:t>Create a function that takes a vector, and replaces values that are &gt; or &lt; 3*SD by </a:t>
+            </a:r>
+            <a:r>
+              <a:rPr lang="en-US" sz="2800" dirty="0" err="1"/>
+              <a:t>NaN</a:t>
+            </a:r>
+            <a:endParaRPr lang="en-US" sz="2800" dirty="0"/>
+          </a:p>
+          <a:p>
+            <a:pPr marL="1143000" indent="-1143000">
+              <a:buFont typeface="Arial" panose="020B0604020202020204" pitchFamily="34" charset="0"/>
+              <a:buChar char="•"/>
+            </a:pPr>
+            <a:r>
+              <a:rPr lang="en-US" sz="2800" b="1" dirty="0"/>
+              <a:t>Expected:</a:t>
+            </a:r>
+          </a:p>
+          <a:p>
+            <a:endParaRPr lang="en-US" sz="2800" b="1" dirty="0"/>
+          </a:p>
+          <a:p>
+            <a:r>
+              <a:rPr lang="en-US" sz="2800" b="1" dirty="0">
+                <a:solidFill>
+                  <a:srgbClr val="0070C0"/>
+                </a:solidFill>
+                <a:latin typeface="Consolas" panose="020B0609020204030204" pitchFamily="49" charset="0"/>
+              </a:rPr>
+              <a:t>&gt;&gt;&gt; </a:t>
+            </a:r>
+            <a:r>
+              <a:rPr lang="en-US" sz="2800" b="1" dirty="0" err="1">
+                <a:solidFill>
+                  <a:srgbClr val="0070C0"/>
+                </a:solidFill>
+                <a:latin typeface="Consolas" panose="020B0609020204030204" pitchFamily="49" charset="0"/>
+              </a:rPr>
+              <a:t>drop_outlier</a:t>
+            </a:r>
+            <a:r>
+              <a:rPr lang="en-US" sz="2800" b="1" dirty="0">
+                <a:solidFill>
+                  <a:srgbClr val="0070C0"/>
+                </a:solidFill>
+                <a:latin typeface="Consolas" panose="020B0609020204030204" pitchFamily="49" charset="0"/>
+              </a:rPr>
+              <a:t>([2, 4, 3, 1, 2, 54, 2, -42])</a:t>
+            </a:r>
+          </a:p>
+          <a:p>
+            <a:r>
+              <a:rPr lang="en-US" sz="2800" b="1" dirty="0">
+                <a:solidFill>
+                  <a:srgbClr val="0070C0"/>
+                </a:solidFill>
+                <a:latin typeface="Consolas" panose="020B0609020204030204" pitchFamily="49" charset="0"/>
+              </a:rPr>
+              <a:t>[2, 4, 3, 1, 2, </a:t>
+            </a:r>
+            <a:r>
+              <a:rPr lang="en-US" sz="2800" b="1" dirty="0" err="1">
+                <a:solidFill>
+                  <a:srgbClr val="0070C0"/>
+                </a:solidFill>
+                <a:latin typeface="Consolas" panose="020B0609020204030204" pitchFamily="49" charset="0"/>
+              </a:rPr>
+              <a:t>np.nan</a:t>
+            </a:r>
+            <a:r>
+              <a:rPr lang="en-US" sz="2800" b="1" dirty="0">
+                <a:solidFill>
+                  <a:srgbClr val="0070C0"/>
+                </a:solidFill>
+                <a:latin typeface="Consolas" panose="020B0609020204030204" pitchFamily="49" charset="0"/>
+              </a:rPr>
+              <a:t>, 2, </a:t>
+            </a:r>
+            <a:r>
+              <a:rPr lang="en-US" sz="2800" b="1" dirty="0" err="1">
+                <a:solidFill>
+                  <a:srgbClr val="0070C0"/>
+                </a:solidFill>
+                <a:latin typeface="Consolas" panose="020B0609020204030204" pitchFamily="49" charset="0"/>
+              </a:rPr>
+              <a:t>np.nan</a:t>
+            </a:r>
+            <a:r>
+              <a:rPr lang="en-US" sz="2800" b="1" dirty="0">
+                <a:solidFill>
+                  <a:srgbClr val="0070C0"/>
+                </a:solidFill>
+                <a:latin typeface="Consolas" panose="020B0609020204030204" pitchFamily="49" charset="0"/>
+              </a:rPr>
+              <a:t>]</a:t>
+            </a:r>
+            <a:endParaRPr lang="en-US" sz="2800" dirty="0">
+              <a:solidFill>
+                <a:srgbClr val="0070C0"/>
+              </a:solidFill>
+              <a:latin typeface="Consolas" panose="020B0609020204030204" pitchFamily="49" charset="0"/>
+            </a:endParaRPr>
+          </a:p>
+        </p:txBody>
+      </p:sp>
+      <p:sp>
+        <p:nvSpPr>
+          <p:cNvPr id="5" name="Rectangle 4">
+            <a:extLst>
+              <a:ext uri="{FF2B5EF4-FFF2-40B4-BE49-F238E27FC236}">
+                <a16:creationId xmlns:a16="http://schemas.microsoft.com/office/drawing/2014/main" id="{F8891953-79C3-7A6D-1596-BD9DEC8BA58D}"/>
+              </a:ext>
+            </a:extLst>
+          </p:cNvPr>
+          <p:cNvSpPr/>
+          <p:nvPr/>
+        </p:nvSpPr>
+        <p:spPr>
+          <a:xfrm>
+            <a:off x="0" y="0"/>
+            <a:ext cx="4544841" cy="519107"/>
+          </a:xfrm>
+          <a:prstGeom prst="rect">
+            <a:avLst/>
+          </a:prstGeom>
+          <a:solidFill>
+            <a:schemeClr val="accent2"/>
+          </a:solidFill>
+          <a:ln>
+            <a:noFill/>
+          </a:ln>
+        </p:spPr>
+        <p:style>
+          <a:lnRef idx="0">
+            <a:scrgbClr r="0" g="0" b="0"/>
+          </a:lnRef>
+          <a:fillRef idx="0">
+            <a:scrgbClr r="0" g="0" b="0"/>
+          </a:fillRef>
+          <a:effectRef idx="0">
+            <a:scrgbClr r="0" g="0" b="0"/>
+          </a:effectRef>
+          <a:fontRef idx="minor">
+            <a:schemeClr val="dk1"/>
+          </a:fontRef>
+        </p:style>
+        <p:txBody>
+          <a:bodyPr rtlCol="0" anchor="ctr"/>
+          <a:lstStyle/>
+          <a:p>
+            <a:r>
+              <a:rPr lang="en-US" sz="2800" b="1" dirty="0" err="1">
+                <a:solidFill>
+                  <a:schemeClr val="bg1"/>
+                </a:solidFill>
+              </a:rPr>
+              <a:t>Exercice</a:t>
+            </a:r>
+            <a:r>
+              <a:rPr lang="en-US" sz="2800" b="1" dirty="0">
+                <a:solidFill>
+                  <a:schemeClr val="bg1"/>
+                </a:solidFill>
+              </a:rPr>
+              <a:t> time </a:t>
+            </a:r>
+            <a:r>
+              <a:rPr lang="en-US" sz="2800" b="1">
+                <a:solidFill>
+                  <a:schemeClr val="bg1"/>
+                </a:solidFill>
+              </a:rPr>
+              <a:t>💪 (15 </a:t>
+            </a:r>
+            <a:r>
+              <a:rPr lang="en-US" sz="2800" b="1" dirty="0">
+                <a:solidFill>
+                  <a:schemeClr val="bg1"/>
+                </a:solidFill>
+              </a:rPr>
+              <a:t>min)</a:t>
+            </a:r>
+            <a:endParaRPr lang="en-US" sz="2800" dirty="0">
+              <a:solidFill>
+                <a:schemeClr val="bg1"/>
+              </a:solidFill>
+            </a:endParaRPr>
+          </a:p>
+        </p:txBody>
+      </p:sp>
+    </p:spTree>
+    <p:extLst>
+      <p:ext uri="{BB962C8B-B14F-4D97-AF65-F5344CB8AC3E}">
+        <p14:creationId xmlns:p14="http://schemas.microsoft.com/office/powerpoint/2010/main" val="2409843601"/>
+      </p:ext>
+    </p:extLst>
+  </p:cSld>
+  <p:clrMapOvr>
+    <a:masterClrMapping/>
+  </p:clrMapOvr>
+</p:sld>
+</file>
+
+<file path=ppt/slides/slide41.xml><?xml version="1.0" encoding="utf-8"?>
+<p:sld xmlns:a="http://schemas.openxmlformats.org/drawingml/2006/main" xmlns:r="http://schemas.openxmlformats.org/officeDocument/2006/relationships" xmlns:p="http://schemas.openxmlformats.org/presentationml/2006/main">
+  <p:cSld>
+    <p:spTree>
+      <p:nvGrpSpPr>
+        <p:cNvPr id="1" name=""/>
+        <p:cNvGrpSpPr/>
+        <p:nvPr/>
+      </p:nvGrpSpPr>
+      <p:grpSpPr>
+        <a:xfrm>
+          <a:off x="0" y="0"/>
+          <a:ext cx="0" cy="0"/>
+          <a:chOff x="0" y="0"/>
+          <a:chExt cx="0" cy="0"/>
+        </a:xfrm>
+      </p:grpSpPr>
+      <p:sp>
+        <p:nvSpPr>
+          <p:cNvPr id="4" name="Rectangle 3">
+            <a:extLst>
+              <a:ext uri="{FF2B5EF4-FFF2-40B4-BE49-F238E27FC236}">
+                <a16:creationId xmlns:a16="http://schemas.microsoft.com/office/drawing/2014/main" id="{A4A34817-5B44-493F-D622-8954BF1B2D0D}"/>
+              </a:ext>
+            </a:extLst>
+          </p:cNvPr>
+          <p:cNvSpPr/>
+          <p:nvPr/>
+        </p:nvSpPr>
+        <p:spPr>
+          <a:xfrm>
+            <a:off x="404148" y="151256"/>
+            <a:ext cx="8499220" cy="6706744"/>
+          </a:xfrm>
+          <a:prstGeom prst="rect">
+            <a:avLst/>
+          </a:prstGeom>
+          <a:noFill/>
+          <a:ln>
+            <a:noFill/>
+          </a:ln>
+        </p:spPr>
+        <p:style>
+          <a:lnRef idx="0">
+            <a:scrgbClr r="0" g="0" b="0"/>
+          </a:lnRef>
+          <a:fillRef idx="0">
+            <a:scrgbClr r="0" g="0" b="0"/>
+          </a:fillRef>
+          <a:effectRef idx="0">
+            <a:scrgbClr r="0" g="0" b="0"/>
+          </a:effectRef>
+          <a:fontRef idx="minor">
+            <a:schemeClr val="dk1"/>
+          </a:fontRef>
+        </p:style>
+        <p:txBody>
+          <a:bodyPr rtlCol="0" anchor="ctr"/>
+          <a:lstStyle/>
+          <a:p>
+            <a:endParaRPr lang="en-US" b="1" dirty="0"/>
+          </a:p>
+          <a:p>
+            <a:endParaRPr lang="en-US" b="1" dirty="0"/>
+          </a:p>
+          <a:p>
+            <a:r>
+              <a:rPr lang="en-US" b="1" dirty="0" err="1"/>
+              <a:t>Dataframes</a:t>
+            </a:r>
+            <a:endParaRPr lang="en-US" b="1" dirty="0"/>
+          </a:p>
+          <a:p>
+            <a:r>
+              <a:rPr lang="en-US" b="1" dirty="0">
+                <a:solidFill>
+                  <a:srgbClr val="0070C0"/>
+                </a:solidFill>
+                <a:latin typeface="Consolas" panose="020B0609020204030204" pitchFamily="49" charset="0"/>
+              </a:rPr>
+              <a:t>list1 = [1, 2, 3]</a:t>
+            </a:r>
+            <a:endParaRPr lang="en-US" b="1" dirty="0"/>
+          </a:p>
+        </p:txBody>
+      </p:sp>
+      <p:sp>
+        <p:nvSpPr>
+          <p:cNvPr id="3" name="Rectangle 2">
+            <a:extLst>
+              <a:ext uri="{FF2B5EF4-FFF2-40B4-BE49-F238E27FC236}">
+                <a16:creationId xmlns:a16="http://schemas.microsoft.com/office/drawing/2014/main" id="{4A9145F6-62DE-99CD-57F6-F9DD4C3F5350}"/>
+              </a:ext>
+            </a:extLst>
+          </p:cNvPr>
+          <p:cNvSpPr/>
+          <p:nvPr/>
+        </p:nvSpPr>
+        <p:spPr>
+          <a:xfrm>
+            <a:off x="0" y="0"/>
+            <a:ext cx="4544841" cy="519107"/>
+          </a:xfrm>
+          <a:prstGeom prst="rect">
+            <a:avLst/>
+          </a:prstGeom>
+          <a:solidFill>
+            <a:srgbClr val="002060"/>
+          </a:solidFill>
+          <a:ln>
+            <a:noFill/>
+          </a:ln>
+        </p:spPr>
+        <p:style>
+          <a:lnRef idx="0">
+            <a:scrgbClr r="0" g="0" b="0"/>
+          </a:lnRef>
+          <a:fillRef idx="0">
+            <a:scrgbClr r="0" g="0" b="0"/>
+          </a:fillRef>
+          <a:effectRef idx="0">
+            <a:scrgbClr r="0" g="0" b="0"/>
+          </a:effectRef>
+          <a:fontRef idx="minor">
+            <a:schemeClr val="dk1"/>
+          </a:fontRef>
+        </p:style>
+        <p:txBody>
+          <a:bodyPr rtlCol="0" anchor="ctr"/>
+          <a:lstStyle/>
+          <a:p>
+            <a:r>
+              <a:rPr lang="en-US" b="1" dirty="0">
+                <a:solidFill>
+                  <a:schemeClr val="bg1"/>
+                </a:solidFill>
+                <a:latin typeface="Consolas" panose="020B0609020204030204" pitchFamily="49" charset="0"/>
+              </a:rPr>
+              <a:t>Advanced Python</a:t>
+            </a:r>
+            <a:endParaRPr lang="en-US" dirty="0">
+              <a:solidFill>
+                <a:schemeClr val="bg1"/>
+              </a:solidFill>
+              <a:latin typeface="Consolas" panose="020B0609020204030204" pitchFamily="49" charset="0"/>
+            </a:endParaRPr>
+          </a:p>
+        </p:txBody>
+      </p:sp>
+    </p:spTree>
+    <p:extLst>
+      <p:ext uri="{BB962C8B-B14F-4D97-AF65-F5344CB8AC3E}">
+        <p14:creationId xmlns:p14="http://schemas.microsoft.com/office/powerpoint/2010/main" val="1342660826"/>
+      </p:ext>
+    </p:extLst>
+  </p:cSld>
+  <p:clrMapOvr>
+    <a:masterClrMapping/>
+  </p:clrMapOvr>
+</p:sld>
+</file>
+
+<file path=ppt/slides/slide42.xml><?xml version="1.0" encoding="utf-8"?>
+<p:sld xmlns:a="http://schemas.openxmlformats.org/drawingml/2006/main" xmlns:r="http://schemas.openxmlformats.org/officeDocument/2006/relationships" xmlns:p="http://schemas.openxmlformats.org/presentationml/2006/main">
+  <p:cSld>
+    <p:spTree>
+      <p:nvGrpSpPr>
+        <p:cNvPr id="1" name=""/>
+        <p:cNvGrpSpPr/>
+        <p:nvPr/>
+      </p:nvGrpSpPr>
+      <p:grpSpPr>
+        <a:xfrm>
+          <a:off x="0" y="0"/>
+          <a:ext cx="0" cy="0"/>
+          <a:chOff x="0" y="0"/>
+          <a:chExt cx="0" cy="0"/>
+        </a:xfrm>
+      </p:grpSpPr>
+    </p:spTree>
+    <p:extLst>
+      <p:ext uri="{BB962C8B-B14F-4D97-AF65-F5344CB8AC3E}">
+        <p14:creationId xmlns:p14="http://schemas.microsoft.com/office/powerpoint/2010/main" val="85624481"/>
+      </p:ext>
+    </p:extLst>
+  </p:cSld>
+  <p:clrMapOvr>
+    <a:masterClrMapping/>
+  </p:clrMapOvr>
+</p:sld>
+</file>
+
+<file path=ppt/slides/slide43.xml><?xml version="1.0" encoding="utf-8"?>
+<p:sld xmlns:a="http://schemas.openxmlformats.org/drawingml/2006/main" xmlns:r="http://schemas.openxmlformats.org/officeDocument/2006/relationships" xmlns:p="http://schemas.openxmlformats.org/presentationml/2006/main">
+  <p:cSld>
+    <p:spTree>
+      <p:nvGrpSpPr>
+        <p:cNvPr id="1" name=""/>
+        <p:cNvGrpSpPr/>
+        <p:nvPr/>
+      </p:nvGrpSpPr>
+      <p:grpSpPr>
+        <a:xfrm>
+          <a:off x="0" y="0"/>
+          <a:ext cx="0" cy="0"/>
+          <a:chOff x="0" y="0"/>
+          <a:chExt cx="0" cy="0"/>
+        </a:xfrm>
+      </p:grpSpPr>
+      <p:sp>
+        <p:nvSpPr>
+          <p:cNvPr id="2" name="Rectangle 1">
+            <a:extLst>
+              <a:ext uri="{FF2B5EF4-FFF2-40B4-BE49-F238E27FC236}">
+                <a16:creationId xmlns:a16="http://schemas.microsoft.com/office/drawing/2014/main" id="{1E65629C-92D4-79A2-2F71-A4F6B6308EFF}"/>
+              </a:ext>
+            </a:extLst>
+          </p:cNvPr>
+          <p:cNvSpPr/>
+          <p:nvPr/>
+        </p:nvSpPr>
+        <p:spPr>
+          <a:xfrm>
+            <a:off x="0" y="0"/>
+            <a:ext cx="12192000" cy="6858000"/>
+          </a:xfrm>
+          <a:prstGeom prst="rect">
+            <a:avLst/>
+          </a:prstGeom>
+          <a:noFill/>
+          <a:ln>
+            <a:noFill/>
+          </a:ln>
+        </p:spPr>
+        <p:style>
+          <a:lnRef idx="0">
+            <a:scrgbClr r="0" g="0" b="0"/>
+          </a:lnRef>
+          <a:fillRef idx="0">
+            <a:scrgbClr r="0" g="0" b="0"/>
+          </a:fillRef>
+          <a:effectRef idx="0">
+            <a:scrgbClr r="0" g="0" b="0"/>
+          </a:effectRef>
+          <a:fontRef idx="minor">
+            <a:schemeClr val="dk1"/>
+          </a:fontRef>
+        </p:style>
+        <p:txBody>
+          <a:bodyPr rtlCol="0" anchor="ctr"/>
+          <a:lstStyle/>
+          <a:p>
+            <a:pPr algn="ctr"/>
+            <a:r>
+              <a:rPr lang="fr-FR" sz="9600" b="1" dirty="0"/>
+              <a:t>GitHub</a:t>
+            </a:r>
+            <a:endParaRPr lang="en-US" sz="9600" b="1" dirty="0"/>
+          </a:p>
+        </p:txBody>
+      </p:sp>
+    </p:spTree>
+    <p:extLst>
+      <p:ext uri="{BB962C8B-B14F-4D97-AF65-F5344CB8AC3E}">
+        <p14:creationId xmlns:p14="http://schemas.microsoft.com/office/powerpoint/2010/main" val="2748079366"/>
+      </p:ext>
+    </p:extLst>
+  </p:cSld>
+  <p:clrMapOvr>
+    <a:masterClrMapping/>
+  </p:clrMapOvr>
+</p:sld>
+</file>
+
+<file path=ppt/slides/slide44.xml><?xml version="1.0" encoding="utf-8"?>
+<p:sld xmlns:a="http://schemas.openxmlformats.org/drawingml/2006/main" xmlns:r="http://schemas.openxmlformats.org/officeDocument/2006/relationships" xmlns:p="http://schemas.openxmlformats.org/presentationml/2006/main">
+  <p:cSld>
+    <p:spTree>
+      <p:nvGrpSpPr>
+        <p:cNvPr id="1" name=""/>
+        <p:cNvGrpSpPr/>
+        <p:nvPr/>
+      </p:nvGrpSpPr>
+      <p:grpSpPr>
+        <a:xfrm>
+          <a:off x="0" y="0"/>
+          <a:ext cx="0" cy="0"/>
+          <a:chOff x="0" y="0"/>
+          <a:chExt cx="0" cy="0"/>
+        </a:xfrm>
+      </p:grpSpPr>
+      <p:sp>
+        <p:nvSpPr>
+          <p:cNvPr id="2" name="Rectangle 1">
+            <a:extLst>
+              <a:ext uri="{FF2B5EF4-FFF2-40B4-BE49-F238E27FC236}">
+                <a16:creationId xmlns:a16="http://schemas.microsoft.com/office/drawing/2014/main" id="{1E65629C-92D4-79A2-2F71-A4F6B6308EFF}"/>
+              </a:ext>
+            </a:extLst>
+          </p:cNvPr>
+          <p:cNvSpPr/>
+          <p:nvPr/>
+        </p:nvSpPr>
+        <p:spPr>
+          <a:xfrm>
+            <a:off x="0" y="0"/>
+            <a:ext cx="12192000" cy="6858000"/>
+          </a:xfrm>
+          <a:prstGeom prst="rect">
+            <a:avLst/>
+          </a:prstGeom>
+          <a:noFill/>
+          <a:ln>
+            <a:noFill/>
+          </a:ln>
+        </p:spPr>
+        <p:style>
+          <a:lnRef idx="0">
+            <a:scrgbClr r="0" g="0" b="0"/>
+          </a:lnRef>
+          <a:fillRef idx="0">
+            <a:scrgbClr r="0" g="0" b="0"/>
+          </a:fillRef>
+          <a:effectRef idx="0">
+            <a:scrgbClr r="0" g="0" b="0"/>
+          </a:effectRef>
+          <a:fontRef idx="minor">
+            <a:schemeClr val="dk1"/>
+          </a:fontRef>
+        </p:style>
+        <p:txBody>
+          <a:bodyPr rtlCol="0" anchor="ctr"/>
+          <a:lstStyle/>
+          <a:p>
+            <a:pPr marL="1143000" indent="-1143000">
+              <a:buFont typeface="Arial" panose="020B0604020202020204" pitchFamily="34" charset="0"/>
+              <a:buChar char="•"/>
+            </a:pPr>
+            <a:r>
+              <a:rPr lang="en-US" sz="4400" b="1" dirty="0"/>
+              <a:t>Goal: </a:t>
+            </a:r>
+            <a:r>
+              <a:rPr lang="en-US" sz="4400" dirty="0"/>
+              <a:t>Create a Pull Request (PR):</a:t>
+            </a:r>
+          </a:p>
+          <a:p>
+            <a:pPr marL="1143000" indent="-1143000" algn="ctr">
+              <a:buFont typeface="Wingdings" panose="05000000000000000000" pitchFamily="2" charset="2"/>
+              <a:buChar char="ü"/>
+            </a:pPr>
+            <a:endParaRPr lang="en-US" sz="4400" dirty="0"/>
+          </a:p>
+          <a:p>
+            <a:pPr marL="1143000" indent="-1143000">
+              <a:buFont typeface="Wingdings" panose="05000000000000000000" pitchFamily="2" charset="2"/>
+              <a:buChar char="ü"/>
+            </a:pPr>
+            <a:r>
+              <a:rPr lang="en-US" sz="3200" dirty="0"/>
+              <a:t>Delete the line that is assigned to you</a:t>
+            </a:r>
+          </a:p>
+        </p:txBody>
+      </p:sp>
+      <p:sp>
+        <p:nvSpPr>
+          <p:cNvPr id="5" name="Rectangle 4">
+            <a:extLst>
+              <a:ext uri="{FF2B5EF4-FFF2-40B4-BE49-F238E27FC236}">
+                <a16:creationId xmlns:a16="http://schemas.microsoft.com/office/drawing/2014/main" id="{F8891953-79C3-7A6D-1596-BD9DEC8BA58D}"/>
+              </a:ext>
+            </a:extLst>
+          </p:cNvPr>
+          <p:cNvSpPr/>
+          <p:nvPr/>
+        </p:nvSpPr>
+        <p:spPr>
+          <a:xfrm>
+            <a:off x="0" y="0"/>
+            <a:ext cx="4544841" cy="519107"/>
+          </a:xfrm>
+          <a:prstGeom prst="rect">
+            <a:avLst/>
+          </a:prstGeom>
+          <a:solidFill>
+            <a:schemeClr val="accent2"/>
+          </a:solidFill>
+          <a:ln>
+            <a:noFill/>
+          </a:ln>
+        </p:spPr>
+        <p:style>
+          <a:lnRef idx="0">
+            <a:scrgbClr r="0" g="0" b="0"/>
+          </a:lnRef>
+          <a:fillRef idx="0">
+            <a:scrgbClr r="0" g="0" b="0"/>
+          </a:fillRef>
+          <a:effectRef idx="0">
+            <a:scrgbClr r="0" g="0" b="0"/>
+          </a:effectRef>
+          <a:fontRef idx="minor">
+            <a:schemeClr val="dk1"/>
+          </a:fontRef>
+        </p:style>
+        <p:txBody>
+          <a:bodyPr rtlCol="0" anchor="ctr"/>
+          <a:lstStyle/>
+          <a:p>
+            <a:r>
+              <a:rPr lang="en-US" sz="2800" b="1" dirty="0" err="1">
+                <a:solidFill>
+                  <a:schemeClr val="bg1"/>
+                </a:solidFill>
+              </a:rPr>
+              <a:t>Exercice</a:t>
+            </a:r>
+            <a:r>
+              <a:rPr lang="en-US" sz="2800" b="1" dirty="0">
+                <a:solidFill>
+                  <a:schemeClr val="bg1"/>
+                </a:solidFill>
+              </a:rPr>
+              <a:t> time 💪 (10 min)</a:t>
+            </a:r>
+            <a:endParaRPr lang="en-US" sz="2800" dirty="0">
+              <a:solidFill>
+                <a:schemeClr val="bg1"/>
+              </a:solidFill>
+            </a:endParaRPr>
+          </a:p>
+        </p:txBody>
+      </p:sp>
+    </p:spTree>
+    <p:extLst>
+      <p:ext uri="{BB962C8B-B14F-4D97-AF65-F5344CB8AC3E}">
+        <p14:creationId xmlns:p14="http://schemas.microsoft.com/office/powerpoint/2010/main" val="2522118362"/>
+      </p:ext>
+    </p:extLst>
+  </p:cSld>
+  <p:clrMapOvr>
+    <a:masterClrMapping/>
+  </p:clrMapOvr>
+</p:sld>
+</file>
+
 <file path=ppt/slides/slide5.xml><?xml version="1.0" encoding="utf-8"?>
 <p:sld xmlns:a="http://schemas.openxmlformats.org/drawingml/2006/main" xmlns:r="http://schemas.openxmlformats.org/officeDocument/2006/relationships" xmlns:p="http://schemas.openxmlformats.org/presentationml/2006/main">
   <p:cSld>
@@ -16452,6 +18868,12 @@
             </a:r>
           </a:p>
           <a:p>
+            <a:r>
+              <a:rPr lang="en-US" dirty="0"/>
+              <a:t>9am – 2pm</a:t>
+            </a:r>
+          </a:p>
+          <a:p>
             <a:endParaRPr lang="en-US" dirty="0"/>
           </a:p>
           <a:p>
@@ -16789,106 +19211,6 @@
 </file>
 
 <file path=ppt/slides/slide6.xml><?xml version="1.0" encoding="utf-8"?>
-<p:sld xmlns:a="http://schemas.openxmlformats.org/drawingml/2006/main" xmlns:r="http://schemas.openxmlformats.org/officeDocument/2006/relationships" xmlns:p="http://schemas.openxmlformats.org/presentationml/2006/main">
-  <p:cSld>
-    <p:spTree>
-      <p:nvGrpSpPr>
-        <p:cNvPr id="1" name=""/>
-        <p:cNvGrpSpPr/>
-        <p:nvPr/>
-      </p:nvGrpSpPr>
-      <p:grpSpPr>
-        <a:xfrm>
-          <a:off x="0" y="0"/>
-          <a:ext cx="0" cy="0"/>
-          <a:chOff x="0" y="0"/>
-          <a:chExt cx="0" cy="0"/>
-        </a:xfrm>
-      </p:grpSpPr>
-      <p:sp>
-        <p:nvSpPr>
-          <p:cNvPr id="2" name="Rectangle 1">
-            <a:extLst>
-              <a:ext uri="{FF2B5EF4-FFF2-40B4-BE49-F238E27FC236}">
-                <a16:creationId xmlns:a16="http://schemas.microsoft.com/office/drawing/2014/main" id="{4301ED22-DFC3-5C2F-0005-E4257A0C3E26}"/>
-              </a:ext>
-            </a:extLst>
-          </p:cNvPr>
-          <p:cNvSpPr/>
-          <p:nvPr/>
-        </p:nvSpPr>
-        <p:spPr>
-          <a:xfrm>
-            <a:off x="1140823" y="348343"/>
-            <a:ext cx="6696891" cy="5982788"/>
-          </a:xfrm>
-          <a:prstGeom prst="rect">
-            <a:avLst/>
-          </a:prstGeom>
-          <a:noFill/>
-          <a:ln>
-            <a:noFill/>
-          </a:ln>
-        </p:spPr>
-        <p:style>
-          <a:lnRef idx="0">
-            <a:scrgbClr r="0" g="0" b="0"/>
-          </a:lnRef>
-          <a:fillRef idx="0">
-            <a:scrgbClr r="0" g="0" b="0"/>
-          </a:fillRef>
-          <a:effectRef idx="0">
-            <a:scrgbClr r="0" g="0" b="0"/>
-          </a:effectRef>
-          <a:fontRef idx="minor">
-            <a:schemeClr val="dk1"/>
-          </a:fontRef>
-        </p:style>
-        <p:txBody>
-          <a:bodyPr rtlCol="0" anchor="ctr"/>
-          <a:lstStyle/>
-          <a:p>
-            <a:r>
-              <a:rPr lang="en-US" b="1" dirty="0"/>
-              <a:t>Prerequisites</a:t>
-            </a:r>
-          </a:p>
-          <a:p>
-            <a:endParaRPr lang="en-US" dirty="0"/>
-          </a:p>
-          <a:p>
-            <a:pPr marL="285750" indent="-285750">
-              <a:buFont typeface="Arial" panose="020B0604020202020204" pitchFamily="34" charset="0"/>
-              <a:buChar char="•"/>
-            </a:pPr>
-            <a:r>
-              <a:rPr lang="en-US" dirty="0"/>
-              <a:t>Create a GitHub account</a:t>
-            </a:r>
-          </a:p>
-          <a:p>
-            <a:pPr marL="285750" indent="-285750">
-              <a:buFont typeface="Arial" panose="020B0604020202020204" pitchFamily="34" charset="0"/>
-              <a:buChar char="•"/>
-            </a:pPr>
-            <a:endParaRPr lang="en-US" dirty="0"/>
-          </a:p>
-        </p:txBody>
-      </p:sp>
-    </p:spTree>
-    <p:extLst>
-      <p:ext uri="{BB962C8B-B14F-4D97-AF65-F5344CB8AC3E}">
-        <p14:creationId xmlns:p14="http://schemas.microsoft.com/office/powerpoint/2010/main" val="267774761"/>
-      </p:ext>
-    </p:extLst>
-  </p:cSld>
-  <p:clrMapOvr>
-    <a:masterClrMapping/>
-  </p:clrMapOvr>
-</p:sld>
-</file>
-
-<file path=ppt/slides/slide7.xml><?xml version="1.0" encoding="utf-8"?>
 <p:sld xmlns:a="http://schemas.openxmlformats.org/drawingml/2006/main" xmlns:r="http://schemas.openxmlformats.org/officeDocument/2006/relationships" xmlns:p="http://schemas.openxmlformats.org/presentationml/2006/main">
   <p:cSld>
     <p:spTree>
@@ -16950,12 +19272,8 @@
           <a:p>
             <a:pPr algn="ctr"/>
             <a:r>
-              <a:rPr lang="en-US" sz="9600" b="1" dirty="0"/>
-              <a:t>Day 1</a:t>
-            </a:r>
-            <a:r>
-              <a:rPr lang="en-SG" sz="9600" b="1" dirty="0"/>
-              <a:t> - Morning</a:t>
+              <a:rPr lang="fr-FR" sz="9600" b="1" dirty="0"/>
+              <a:t>Basic Python</a:t>
             </a:r>
             <a:endParaRPr lang="en-US" sz="9600" b="1" dirty="0"/>
           </a:p>
@@ -16974,7 +19292,7 @@
 </p:sld>
 </file>
 
-<file path=ppt/slides/slide8.xml><?xml version="1.0" encoding="utf-8"?>
+<file path=ppt/slides/slide7.xml><?xml version="1.0" encoding="utf-8"?>
 <p:sld xmlns:a="http://schemas.openxmlformats.org/drawingml/2006/main" xmlns:r="http://schemas.openxmlformats.org/officeDocument/2006/relationships" xmlns:p="http://schemas.openxmlformats.org/presentationml/2006/main">
   <p:cSld>
     <p:spTree>
@@ -17196,7 +19514,7 @@
 </p:sld>
 </file>
 
-<file path=ppt/slides/slide9.xml><?xml version="1.0" encoding="utf-8"?>
+<file path=ppt/slides/slide8.xml><?xml version="1.0" encoding="utf-8"?>
 <p:sld xmlns:a="http://schemas.openxmlformats.org/drawingml/2006/main" xmlns:r="http://schemas.openxmlformats.org/officeDocument/2006/relationships" xmlns:p="http://schemas.openxmlformats.org/presentationml/2006/main">
   <p:cSld>
     <p:spTree>
@@ -17514,6 +19832,467 @@
     <p:extLst>
       <p:ext uri="{BB962C8B-B14F-4D97-AF65-F5344CB8AC3E}">
         <p14:creationId xmlns:p14="http://schemas.microsoft.com/office/powerpoint/2010/main" val="2132061664"/>
+      </p:ext>
+    </p:extLst>
+  </p:cSld>
+  <p:clrMapOvr>
+    <a:masterClrMapping/>
+  </p:clrMapOvr>
+</p:sld>
+</file>
+
+<file path=ppt/slides/slide9.xml><?xml version="1.0" encoding="utf-8"?>
+<p:sld xmlns:a="http://schemas.openxmlformats.org/drawingml/2006/main" xmlns:r="http://schemas.openxmlformats.org/officeDocument/2006/relationships" xmlns:p="http://schemas.openxmlformats.org/presentationml/2006/main">
+  <p:cSld>
+    <p:spTree>
+      <p:nvGrpSpPr>
+        <p:cNvPr id="1" name=""/>
+        <p:cNvGrpSpPr/>
+        <p:nvPr/>
+      </p:nvGrpSpPr>
+      <p:grpSpPr>
+        <a:xfrm>
+          <a:off x="0" y="0"/>
+          <a:ext cx="0" cy="0"/>
+          <a:chOff x="0" y="0"/>
+          <a:chExt cx="0" cy="0"/>
+        </a:xfrm>
+      </p:grpSpPr>
+      <p:sp>
+        <p:nvSpPr>
+          <p:cNvPr id="2" name="Rectangle 1">
+            <a:extLst>
+              <a:ext uri="{FF2B5EF4-FFF2-40B4-BE49-F238E27FC236}">
+                <a16:creationId xmlns:a16="http://schemas.microsoft.com/office/drawing/2014/main" id="{F176B8E9-D123-47A0-F68C-007A8D6B57E9}"/>
+              </a:ext>
+            </a:extLst>
+          </p:cNvPr>
+          <p:cNvSpPr/>
+          <p:nvPr/>
+        </p:nvSpPr>
+        <p:spPr>
+          <a:xfrm>
+            <a:off x="494026" y="422874"/>
+            <a:ext cx="5934091" cy="5982788"/>
+          </a:xfrm>
+          <a:prstGeom prst="rect">
+            <a:avLst/>
+          </a:prstGeom>
+          <a:noFill/>
+          <a:ln>
+            <a:noFill/>
+          </a:ln>
+        </p:spPr>
+        <p:style>
+          <a:lnRef idx="0">
+            <a:scrgbClr r="0" g="0" b="0"/>
+          </a:lnRef>
+          <a:fillRef idx="0">
+            <a:scrgbClr r="0" g="0" b="0"/>
+          </a:fillRef>
+          <a:effectRef idx="0">
+            <a:scrgbClr r="0" g="0" b="0"/>
+          </a:effectRef>
+          <a:fontRef idx="minor">
+            <a:schemeClr val="dk1"/>
+          </a:fontRef>
+        </p:style>
+        <p:txBody>
+          <a:bodyPr rtlCol="0" anchor="ctr"/>
+          <a:lstStyle/>
+          <a:p>
+            <a:r>
+              <a:rPr lang="en-US" sz="2800" b="1" dirty="0"/>
+              <a:t>Create your first script</a:t>
+            </a:r>
+          </a:p>
+          <a:p>
+            <a:endParaRPr lang="en-US" dirty="0"/>
+          </a:p>
+          <a:p>
+            <a:r>
+              <a:rPr lang="en-US" dirty="0"/>
+              <a:t>From </a:t>
+            </a:r>
+            <a:r>
+              <a:rPr lang="en-US" dirty="0" err="1"/>
+              <a:t>VScode</a:t>
+            </a:r>
+            <a:endParaRPr lang="en-US" dirty="0"/>
+          </a:p>
+          <a:p>
+            <a:pPr marL="285750" indent="-285750">
+              <a:buFont typeface="Wingdings" panose="05000000000000000000" pitchFamily="2" charset="2"/>
+              <a:buChar char="ü"/>
+            </a:pPr>
+            <a:r>
+              <a:rPr lang="en-US" dirty="0"/>
+              <a:t>New file -&gt; Python File -&gt; Save it somewhere (myscript.py)</a:t>
+            </a:r>
+          </a:p>
+          <a:p>
+            <a:endParaRPr lang="en-US" dirty="0"/>
+          </a:p>
+          <a:p>
+            <a:r>
+              <a:rPr lang="en-US" dirty="0"/>
+              <a:t>Edit first settings in </a:t>
+            </a:r>
+            <a:r>
+              <a:rPr lang="en-US" dirty="0" err="1"/>
+              <a:t>VScode</a:t>
+            </a:r>
+            <a:endParaRPr lang="en-US" dirty="0"/>
+          </a:p>
+          <a:p>
+            <a:pPr marL="285750" indent="-285750">
+              <a:buFont typeface="Wingdings" panose="05000000000000000000" pitchFamily="2" charset="2"/>
+              <a:buChar char="ü"/>
+            </a:pPr>
+            <a:r>
+              <a:rPr lang="en-US" dirty="0"/>
+              <a:t>Disable “Trust mode” on </a:t>
+            </a:r>
+            <a:r>
+              <a:rPr lang="en-US" dirty="0" err="1"/>
+              <a:t>Vscode</a:t>
+            </a:r>
+            <a:r>
+              <a:rPr lang="en-US" dirty="0"/>
+              <a:t> if need be</a:t>
+            </a:r>
+          </a:p>
+          <a:p>
+            <a:pPr marL="742950" lvl="1" indent="-285750">
+              <a:buFont typeface="Wingdings" panose="05000000000000000000" pitchFamily="2" charset="2"/>
+              <a:buChar char="Ø"/>
+            </a:pPr>
+            <a:r>
+              <a:rPr lang="en-US" dirty="0"/>
+              <a:t>Manage</a:t>
+            </a:r>
+          </a:p>
+          <a:p>
+            <a:pPr marL="742950" lvl="1" indent="-285750">
+              <a:buFont typeface="Wingdings" panose="05000000000000000000" pitchFamily="2" charset="2"/>
+              <a:buChar char="Ø"/>
+            </a:pPr>
+            <a:r>
+              <a:rPr lang="en-US" dirty="0"/>
+              <a:t>Configure your settings</a:t>
+            </a:r>
+          </a:p>
+          <a:p>
+            <a:pPr marL="742950" lvl="1" indent="-285750">
+              <a:buFont typeface="Wingdings" panose="05000000000000000000" pitchFamily="2" charset="2"/>
+              <a:buChar char="Ø"/>
+            </a:pPr>
+            <a:r>
+              <a:rPr lang="en-US" dirty="0"/>
+              <a:t>Untick Trust: Enabled</a:t>
+            </a:r>
+          </a:p>
+          <a:p>
+            <a:pPr marL="742950" lvl="1" indent="-285750">
+              <a:buFont typeface="Wingdings" panose="05000000000000000000" pitchFamily="2" charset="2"/>
+              <a:buChar char="Ø"/>
+            </a:pPr>
+            <a:r>
+              <a:rPr lang="en-US" dirty="0"/>
+              <a:t>Restart</a:t>
+            </a:r>
+          </a:p>
+          <a:p>
+            <a:pPr marL="342900" indent="-342900">
+              <a:buFont typeface="Wingdings" panose="05000000000000000000" pitchFamily="2" charset="2"/>
+              <a:buChar char="ü"/>
+            </a:pPr>
+            <a:r>
+              <a:rPr lang="en-US" dirty="0"/>
+              <a:t>See the change in settings</a:t>
+            </a:r>
+          </a:p>
+          <a:p>
+            <a:pPr marL="800100" lvl="1" indent="-342900">
+              <a:buFont typeface="Wingdings" panose="05000000000000000000" pitchFamily="2" charset="2"/>
+              <a:buChar char="Ø"/>
+            </a:pPr>
+            <a:r>
+              <a:rPr lang="en-US" dirty="0"/>
+              <a:t>View  -&gt; Command Palette -&gt; “Settings” </a:t>
+            </a:r>
+          </a:p>
+          <a:p>
+            <a:pPr marL="800100" lvl="1" indent="-342900">
+              <a:buFont typeface="Wingdings" panose="05000000000000000000" pitchFamily="2" charset="2"/>
+              <a:buChar char="Ø"/>
+            </a:pPr>
+            <a:r>
+              <a:rPr lang="en-US" dirty="0"/>
+              <a:t>Open Settings (JSON)</a:t>
+            </a:r>
+          </a:p>
+          <a:p>
+            <a:pPr marL="800100" lvl="1" indent="-342900">
+              <a:buFont typeface="Wingdings" panose="05000000000000000000" pitchFamily="2" charset="2"/>
+              <a:buChar char="Ø"/>
+            </a:pPr>
+            <a:r>
+              <a:rPr lang="en-US" dirty="0"/>
+              <a:t>Settings in </a:t>
+            </a:r>
+            <a:r>
+              <a:rPr lang="en-US" dirty="0" err="1"/>
+              <a:t>VSCode</a:t>
+            </a:r>
+            <a:r>
+              <a:rPr lang="en-US" dirty="0"/>
+              <a:t> are just a file! Can be shared, copy-pasted, etc.</a:t>
+            </a:r>
+          </a:p>
+          <a:p>
+            <a:pPr marL="285750" indent="-285750">
+              <a:buFont typeface="Wingdings" panose="05000000000000000000" pitchFamily="2" charset="2"/>
+              <a:buChar char="ü"/>
+            </a:pPr>
+            <a:endParaRPr lang="en-US" dirty="0"/>
+          </a:p>
+          <a:p>
+            <a:pPr marL="285750" indent="-285750">
+              <a:buFont typeface="Arial" panose="020B0604020202020204" pitchFamily="34" charset="0"/>
+              <a:buChar char="•"/>
+            </a:pPr>
+            <a:endParaRPr lang="en-US" dirty="0"/>
+          </a:p>
+        </p:txBody>
+      </p:sp>
+      <p:pic>
+        <p:nvPicPr>
+          <p:cNvPr id="4" name="Picture 3">
+            <a:extLst>
+              <a:ext uri="{FF2B5EF4-FFF2-40B4-BE49-F238E27FC236}">
+                <a16:creationId xmlns:a16="http://schemas.microsoft.com/office/drawing/2014/main" id="{2A8318D4-67AF-265D-51BA-A50C40FE8931}"/>
+              </a:ext>
+            </a:extLst>
+          </p:cNvPr>
+          <p:cNvPicPr>
+            <a:picLocks noChangeAspect="1"/>
+          </p:cNvPicPr>
+          <p:nvPr/>
+        </p:nvPicPr>
+        <p:blipFill>
+          <a:blip r:embed="rId2"/>
+          <a:stretch>
+            <a:fillRect/>
+          </a:stretch>
+        </p:blipFill>
+        <p:spPr>
+          <a:xfrm>
+            <a:off x="7091016" y="422874"/>
+            <a:ext cx="4759998" cy="2406741"/>
+          </a:xfrm>
+          <a:prstGeom prst="rect">
+            <a:avLst/>
+          </a:prstGeom>
+          <a:ln>
+            <a:noFill/>
+          </a:ln>
+          <a:effectLst>
+            <a:outerShdw blurRad="292100" dist="139700" dir="2700000" algn="tl" rotWithShape="0">
+              <a:srgbClr val="333333">
+                <a:alpha val="65000"/>
+              </a:srgbClr>
+            </a:outerShdw>
+          </a:effectLst>
+        </p:spPr>
+      </p:pic>
+      <p:pic>
+        <p:nvPicPr>
+          <p:cNvPr id="6" name="Picture 5">
+            <a:extLst>
+              <a:ext uri="{FF2B5EF4-FFF2-40B4-BE49-F238E27FC236}">
+                <a16:creationId xmlns:a16="http://schemas.microsoft.com/office/drawing/2014/main" id="{6CC54432-D2E9-5B35-0CF0-1BBA09282E73}"/>
+              </a:ext>
+            </a:extLst>
+          </p:cNvPr>
+          <p:cNvPicPr>
+            <a:picLocks noChangeAspect="1"/>
+          </p:cNvPicPr>
+          <p:nvPr/>
+        </p:nvPicPr>
+        <p:blipFill>
+          <a:blip r:embed="rId3"/>
+          <a:stretch>
+            <a:fillRect/>
+          </a:stretch>
+        </p:blipFill>
+        <p:spPr>
+          <a:xfrm>
+            <a:off x="6503507" y="1492757"/>
+            <a:ext cx="5347507" cy="2913444"/>
+          </a:xfrm>
+          <a:prstGeom prst="rect">
+            <a:avLst/>
+          </a:prstGeom>
+          <a:ln>
+            <a:noFill/>
+          </a:ln>
+          <a:effectLst>
+            <a:outerShdw blurRad="292100" dist="139700" dir="2700000" algn="tl" rotWithShape="0">
+              <a:srgbClr val="333333">
+                <a:alpha val="65000"/>
+              </a:srgbClr>
+            </a:outerShdw>
+          </a:effectLst>
+        </p:spPr>
+      </p:pic>
+      <p:pic>
+        <p:nvPicPr>
+          <p:cNvPr id="12" name="Picture 11">
+            <a:extLst>
+              <a:ext uri="{FF2B5EF4-FFF2-40B4-BE49-F238E27FC236}">
+                <a16:creationId xmlns:a16="http://schemas.microsoft.com/office/drawing/2014/main" id="{26503B64-A8ED-CE30-BE83-3C2E90384561}"/>
+              </a:ext>
+            </a:extLst>
+          </p:cNvPr>
+          <p:cNvPicPr>
+            <a:picLocks noChangeAspect="1"/>
+          </p:cNvPicPr>
+          <p:nvPr/>
+        </p:nvPicPr>
+        <p:blipFill>
+          <a:blip r:embed="rId4"/>
+          <a:stretch>
+            <a:fillRect/>
+          </a:stretch>
+        </p:blipFill>
+        <p:spPr>
+          <a:xfrm>
+            <a:off x="6198340" y="2346990"/>
+            <a:ext cx="5652674" cy="2913444"/>
+          </a:xfrm>
+          <a:prstGeom prst="rect">
+            <a:avLst/>
+          </a:prstGeom>
+          <a:ln>
+            <a:noFill/>
+          </a:ln>
+          <a:effectLst>
+            <a:outerShdw blurRad="292100" dist="139700" dir="2700000" algn="tl" rotWithShape="0">
+              <a:srgbClr val="333333">
+                <a:alpha val="65000"/>
+              </a:srgbClr>
+            </a:outerShdw>
+          </a:effectLst>
+        </p:spPr>
+      </p:pic>
+      <p:pic>
+        <p:nvPicPr>
+          <p:cNvPr id="14" name="Picture 13">
+            <a:extLst>
+              <a:ext uri="{FF2B5EF4-FFF2-40B4-BE49-F238E27FC236}">
+                <a16:creationId xmlns:a16="http://schemas.microsoft.com/office/drawing/2014/main" id="{E84F84BE-BE6C-B4F4-133E-AB92A76043AD}"/>
+              </a:ext>
+            </a:extLst>
+          </p:cNvPr>
+          <p:cNvPicPr>
+            <a:picLocks noChangeAspect="1"/>
+          </p:cNvPicPr>
+          <p:nvPr/>
+        </p:nvPicPr>
+        <p:blipFill>
+          <a:blip r:embed="rId5"/>
+          <a:stretch>
+            <a:fillRect/>
+          </a:stretch>
+        </p:blipFill>
+        <p:spPr>
+          <a:xfrm>
+            <a:off x="7323757" y="3876255"/>
+            <a:ext cx="4069433" cy="2133785"/>
+          </a:xfrm>
+          <a:prstGeom prst="rect">
+            <a:avLst/>
+          </a:prstGeom>
+          <a:ln>
+            <a:noFill/>
+          </a:ln>
+          <a:effectLst>
+            <a:outerShdw blurRad="292100" dist="139700" dir="2700000" algn="tl" rotWithShape="0">
+              <a:srgbClr val="333333">
+                <a:alpha val="65000"/>
+              </a:srgbClr>
+            </a:outerShdw>
+          </a:effectLst>
+        </p:spPr>
+      </p:pic>
+      <p:sp>
+        <p:nvSpPr>
+          <p:cNvPr id="15" name="Rectangle 14">
+            <a:extLst>
+              <a:ext uri="{FF2B5EF4-FFF2-40B4-BE49-F238E27FC236}">
+                <a16:creationId xmlns:a16="http://schemas.microsoft.com/office/drawing/2014/main" id="{3A4DBC44-43D1-F606-21D5-EA7A4AA9EF60}"/>
+              </a:ext>
+            </a:extLst>
+          </p:cNvPr>
+          <p:cNvSpPr/>
+          <p:nvPr/>
+        </p:nvSpPr>
+        <p:spPr>
+          <a:xfrm>
+            <a:off x="0" y="0"/>
+            <a:ext cx="4544841" cy="519107"/>
+          </a:xfrm>
+          <a:prstGeom prst="rect">
+            <a:avLst/>
+          </a:prstGeom>
+          <a:solidFill>
+            <a:srgbClr val="002060"/>
+          </a:solidFill>
+          <a:ln>
+            <a:noFill/>
+          </a:ln>
+        </p:spPr>
+        <p:style>
+          <a:lnRef idx="0">
+            <a:scrgbClr r="0" g="0" b="0"/>
+          </a:lnRef>
+          <a:fillRef idx="0">
+            <a:scrgbClr r="0" g="0" b="0"/>
+          </a:fillRef>
+          <a:effectRef idx="0">
+            <a:scrgbClr r="0" g="0" b="0"/>
+          </a:effectRef>
+          <a:fontRef idx="minor">
+            <a:schemeClr val="dk1"/>
+          </a:fontRef>
+        </p:style>
+        <p:txBody>
+          <a:bodyPr rtlCol="0" anchor="ctr"/>
+          <a:lstStyle/>
+          <a:p>
+            <a:r>
+              <a:rPr lang="en-US" b="1" dirty="0">
+                <a:solidFill>
+                  <a:schemeClr val="bg1"/>
+                </a:solidFill>
+                <a:latin typeface="Consolas" panose="020B0609020204030204" pitchFamily="49" charset="0"/>
+              </a:rPr>
+              <a:t>Setting-up Python</a:t>
+            </a:r>
+            <a:endParaRPr lang="en-US" dirty="0">
+              <a:solidFill>
+                <a:schemeClr val="bg1"/>
+              </a:solidFill>
+              <a:latin typeface="Consolas" panose="020B0609020204030204" pitchFamily="49" charset="0"/>
+            </a:endParaRPr>
+          </a:p>
+        </p:txBody>
+      </p:sp>
+    </p:spTree>
+    <p:extLst>
+      <p:ext uri="{BB962C8B-B14F-4D97-AF65-F5344CB8AC3E}">
+        <p14:creationId xmlns:p14="http://schemas.microsoft.com/office/powerpoint/2010/main" val="3574428862"/>
       </p:ext>
     </p:extLst>
   </p:cSld>

--- a/Python/2022_Zurich/AdvancedPython_2022.pptx
+++ b/Python/2022_Zurich/AdvancedPython_2022.pptx
@@ -5,7 +5,7 @@
     <p:sldMasterId id="2147483648" r:id="rId1"/>
   </p:sldMasterIdLst>
   <p:notesMasterIdLst>
-    <p:notesMasterId r:id="rId46"/>
+    <p:notesMasterId r:id="rId45"/>
   </p:notesMasterIdLst>
   <p:sldIdLst>
     <p:sldId id="256" r:id="rId2"/>
@@ -49,9 +49,8 @@
     <p:sldId id="305" r:id="rId40"/>
     <p:sldId id="307" r:id="rId41"/>
     <p:sldId id="304" r:id="rId42"/>
-    <p:sldId id="276" r:id="rId43"/>
-    <p:sldId id="300" r:id="rId44"/>
-    <p:sldId id="284" r:id="rId45"/>
+    <p:sldId id="300" r:id="rId43"/>
+    <p:sldId id="284" r:id="rId44"/>
   </p:sldIdLst>
   <p:sldSz cx="12192000" cy="6858000"/>
   <p:notesSz cx="6858000" cy="9144000"/>
@@ -18311,23 +18310,7 @@
                   <a:schemeClr val="bg1"/>
                 </a:solidFill>
               </a:rPr>
-              <a:t> time </a:t>
-            </a:r>
-            <a:r>
-              <a:rPr lang="en-US" sz="2800" b="1">
-                <a:solidFill>
-                  <a:schemeClr val="bg1"/>
-                </a:solidFill>
-              </a:rPr>
-              <a:t>💪 (15 </a:t>
-            </a:r>
-            <a:r>
-              <a:rPr lang="en-US" sz="2800" b="1" dirty="0">
-                <a:solidFill>
-                  <a:schemeClr val="bg1"/>
-                </a:solidFill>
-              </a:rPr>
-              <a:t>min)</a:t>
+              <a:t> time 💪 (15 min)</a:t>
             </a:r>
             <a:endParaRPr lang="en-US" sz="2800" dirty="0">
               <a:solidFill>
@@ -18529,36 +18512,6 @@
           <a:chExt cx="0" cy="0"/>
         </a:xfrm>
       </p:grpSpPr>
-    </p:spTree>
-    <p:extLst>
-      <p:ext uri="{BB962C8B-B14F-4D97-AF65-F5344CB8AC3E}">
-        <p14:creationId xmlns:p14="http://schemas.microsoft.com/office/powerpoint/2010/main" val="85624481"/>
-      </p:ext>
-    </p:extLst>
-  </p:cSld>
-  <p:clrMapOvr>
-    <a:masterClrMapping/>
-  </p:clrMapOvr>
-</p:sld>
-</file>
-
-<file path=ppt/slides/slide43.xml><?xml version="1.0" encoding="utf-8"?>
-<p:sld xmlns:a="http://schemas.openxmlformats.org/drawingml/2006/main" xmlns:r="http://schemas.openxmlformats.org/officeDocument/2006/relationships" xmlns:p="http://schemas.openxmlformats.org/presentationml/2006/main">
-  <p:cSld>
-    <p:spTree>
-      <p:nvGrpSpPr>
-        <p:cNvPr id="1" name=""/>
-        <p:cNvGrpSpPr/>
-        <p:nvPr/>
-      </p:nvGrpSpPr>
-      <p:grpSpPr>
-        <a:xfrm>
-          <a:off x="0" y="0"/>
-          <a:ext cx="0" cy="0"/>
-          <a:chOff x="0" y="0"/>
-          <a:chExt cx="0" cy="0"/>
-        </a:xfrm>
-      </p:grpSpPr>
       <p:sp>
         <p:nvSpPr>
           <p:cNvPr id="2" name="Rectangle 1">
@@ -18624,7 +18577,7 @@
 </p:sld>
 </file>
 
-<file path=ppt/slides/slide44.xml><?xml version="1.0" encoding="utf-8"?>
+<file path=ppt/slides/slide43.xml><?xml version="1.0" encoding="utf-8"?>
 <p:sld xmlns:a="http://schemas.openxmlformats.org/drawingml/2006/main" xmlns:r="http://schemas.openxmlformats.org/officeDocument/2006/relationships" xmlns:p="http://schemas.openxmlformats.org/presentationml/2006/main">
   <p:cSld>
     <p:spTree>

--- a/Python/2022_Zurich/AdvancedPython_2022.pptx
+++ b/Python/2022_Zurich/AdvancedPython_2022.pptx
@@ -5,7 +5,7 @@
     <p:sldMasterId id="2147483648" r:id="rId1"/>
   </p:sldMasterIdLst>
   <p:notesMasterIdLst>
-    <p:notesMasterId r:id="rId45"/>
+    <p:notesMasterId r:id="rId60"/>
   </p:notesMasterIdLst>
   <p:sldIdLst>
     <p:sldId id="256" r:id="rId2"/>
@@ -49,8 +49,23 @@
     <p:sldId id="305" r:id="rId40"/>
     <p:sldId id="307" r:id="rId41"/>
     <p:sldId id="304" r:id="rId42"/>
-    <p:sldId id="300" r:id="rId43"/>
-    <p:sldId id="284" r:id="rId44"/>
+    <p:sldId id="311" r:id="rId43"/>
+    <p:sldId id="308" r:id="rId44"/>
+    <p:sldId id="309" r:id="rId45"/>
+    <p:sldId id="313" r:id="rId46"/>
+    <p:sldId id="300" r:id="rId47"/>
+    <p:sldId id="314" r:id="rId48"/>
+    <p:sldId id="284" r:id="rId49"/>
+    <p:sldId id="319" r:id="rId50"/>
+    <p:sldId id="318" r:id="rId51"/>
+    <p:sldId id="317" r:id="rId52"/>
+    <p:sldId id="320" r:id="rId53"/>
+    <p:sldId id="310" r:id="rId54"/>
+    <p:sldId id="321" r:id="rId55"/>
+    <p:sldId id="322" r:id="rId56"/>
+    <p:sldId id="315" r:id="rId57"/>
+    <p:sldId id="323" r:id="rId58"/>
+    <p:sldId id="312" r:id="rId59"/>
   </p:sldIdLst>
   <p:sldSz cx="12192000" cy="6858000"/>
   <p:notesSz cx="6858000" cy="9144000"/>
@@ -239,7 +254,7 @@
           <a:p>
             <a:fld id="{8A46ECD4-0474-4E45-8AB6-E638CB57F567}" type="datetimeFigureOut">
               <a:rPr lang="en-GB" smtClean="0"/>
-              <a:t>05/07/2022</a:t>
+              <a:t>06/07/2022</a:t>
             </a:fld>
             <a:endParaRPr lang="en-GB"/>
           </a:p>
@@ -2066,6 +2081,258 @@
 </p:notes>
 </file>
 
+<file path=ppt/notesSlides/notesSlide3.xml><?xml version="1.0" encoding="utf-8"?>
+<p:notes xmlns:a="http://schemas.openxmlformats.org/drawingml/2006/main" xmlns:r="http://schemas.openxmlformats.org/officeDocument/2006/relationships" xmlns:p="http://schemas.openxmlformats.org/presentationml/2006/main">
+  <p:cSld>
+    <p:spTree>
+      <p:nvGrpSpPr>
+        <p:cNvPr id="1" name=""/>
+        <p:cNvGrpSpPr/>
+        <p:nvPr/>
+      </p:nvGrpSpPr>
+      <p:grpSpPr>
+        <a:xfrm>
+          <a:off x="0" y="0"/>
+          <a:ext cx="0" cy="0"/>
+          <a:chOff x="0" y="0"/>
+          <a:chExt cx="0" cy="0"/>
+        </a:xfrm>
+      </p:grpSpPr>
+      <p:sp>
+        <p:nvSpPr>
+          <p:cNvPr id="2" name="Slide Image Placeholder 1"/>
+          <p:cNvSpPr>
+            <a:spLocks noGrp="1" noRot="1" noChangeAspect="1"/>
+          </p:cNvSpPr>
+          <p:nvPr>
+            <p:ph type="sldImg"/>
+          </p:nvPr>
+        </p:nvSpPr>
+        <p:spPr/>
+      </p:sp>
+      <p:sp>
+        <p:nvSpPr>
+          <p:cNvPr id="3" name="Notes Placeholder 2"/>
+          <p:cNvSpPr>
+            <a:spLocks noGrp="1"/>
+          </p:cNvSpPr>
+          <p:nvPr>
+            <p:ph type="body" idx="1"/>
+          </p:nvPr>
+        </p:nvSpPr>
+        <p:spPr/>
+        <p:txBody>
+          <a:bodyPr/>
+          <a:lstStyle/>
+          <a:p>
+            <a:endParaRPr lang="en-GB" dirty="0"/>
+          </a:p>
+        </p:txBody>
+      </p:sp>
+      <p:sp>
+        <p:nvSpPr>
+          <p:cNvPr id="4" name="Slide Number Placeholder 3"/>
+          <p:cNvSpPr>
+            <a:spLocks noGrp="1"/>
+          </p:cNvSpPr>
+          <p:nvPr>
+            <p:ph type="sldNum" sz="quarter" idx="5"/>
+          </p:nvPr>
+        </p:nvSpPr>
+        <p:spPr/>
+        <p:txBody>
+          <a:bodyPr/>
+          <a:lstStyle/>
+          <a:p>
+            <a:fld id="{ACC4256A-F9CA-4E25-AE2B-D4B2F3A4A757}" type="slidenum">
+              <a:rPr lang="en-GB" smtClean="0"/>
+              <a:t>43</a:t>
+            </a:fld>
+            <a:endParaRPr lang="en-GB"/>
+          </a:p>
+        </p:txBody>
+      </p:sp>
+    </p:spTree>
+    <p:extLst>
+      <p:ext uri="{BB962C8B-B14F-4D97-AF65-F5344CB8AC3E}">
+        <p14:creationId xmlns:p14="http://schemas.microsoft.com/office/powerpoint/2010/main" val="397140929"/>
+      </p:ext>
+    </p:extLst>
+  </p:cSld>
+  <p:clrMapOvr>
+    <a:masterClrMapping/>
+  </p:clrMapOvr>
+</p:notes>
+</file>
+
+<file path=ppt/notesSlides/notesSlide4.xml><?xml version="1.0" encoding="utf-8"?>
+<p:notes xmlns:a="http://schemas.openxmlformats.org/drawingml/2006/main" xmlns:r="http://schemas.openxmlformats.org/officeDocument/2006/relationships" xmlns:p="http://schemas.openxmlformats.org/presentationml/2006/main">
+  <p:cSld>
+    <p:spTree>
+      <p:nvGrpSpPr>
+        <p:cNvPr id="1" name=""/>
+        <p:cNvGrpSpPr/>
+        <p:nvPr/>
+      </p:nvGrpSpPr>
+      <p:grpSpPr>
+        <a:xfrm>
+          <a:off x="0" y="0"/>
+          <a:ext cx="0" cy="0"/>
+          <a:chOff x="0" y="0"/>
+          <a:chExt cx="0" cy="0"/>
+        </a:xfrm>
+      </p:grpSpPr>
+      <p:sp>
+        <p:nvSpPr>
+          <p:cNvPr id="2" name="Slide Image Placeholder 1"/>
+          <p:cNvSpPr>
+            <a:spLocks noGrp="1" noRot="1" noChangeAspect="1"/>
+          </p:cNvSpPr>
+          <p:nvPr>
+            <p:ph type="sldImg"/>
+          </p:nvPr>
+        </p:nvSpPr>
+        <p:spPr/>
+      </p:sp>
+      <p:sp>
+        <p:nvSpPr>
+          <p:cNvPr id="3" name="Notes Placeholder 2"/>
+          <p:cNvSpPr>
+            <a:spLocks noGrp="1"/>
+          </p:cNvSpPr>
+          <p:nvPr>
+            <p:ph type="body" idx="1"/>
+          </p:nvPr>
+        </p:nvSpPr>
+        <p:spPr/>
+        <p:txBody>
+          <a:bodyPr/>
+          <a:lstStyle/>
+          <a:p>
+            <a:endParaRPr lang="en-GB" dirty="0"/>
+          </a:p>
+        </p:txBody>
+      </p:sp>
+      <p:sp>
+        <p:nvSpPr>
+          <p:cNvPr id="4" name="Slide Number Placeholder 3"/>
+          <p:cNvSpPr>
+            <a:spLocks noGrp="1"/>
+          </p:cNvSpPr>
+          <p:nvPr>
+            <p:ph type="sldNum" sz="quarter" idx="5"/>
+          </p:nvPr>
+        </p:nvSpPr>
+        <p:spPr/>
+        <p:txBody>
+          <a:bodyPr/>
+          <a:lstStyle/>
+          <a:p>
+            <a:fld id="{ACC4256A-F9CA-4E25-AE2B-D4B2F3A4A757}" type="slidenum">
+              <a:rPr lang="en-GB" smtClean="0"/>
+              <a:t>48</a:t>
+            </a:fld>
+            <a:endParaRPr lang="en-GB"/>
+          </a:p>
+        </p:txBody>
+      </p:sp>
+    </p:spTree>
+    <p:extLst>
+      <p:ext uri="{BB962C8B-B14F-4D97-AF65-F5344CB8AC3E}">
+        <p14:creationId xmlns:p14="http://schemas.microsoft.com/office/powerpoint/2010/main" val="2333367604"/>
+      </p:ext>
+    </p:extLst>
+  </p:cSld>
+  <p:clrMapOvr>
+    <a:masterClrMapping/>
+  </p:clrMapOvr>
+</p:notes>
+</file>
+
+<file path=ppt/notesSlides/notesSlide5.xml><?xml version="1.0" encoding="utf-8"?>
+<p:notes xmlns:a="http://schemas.openxmlformats.org/drawingml/2006/main" xmlns:r="http://schemas.openxmlformats.org/officeDocument/2006/relationships" xmlns:p="http://schemas.openxmlformats.org/presentationml/2006/main">
+  <p:cSld>
+    <p:spTree>
+      <p:nvGrpSpPr>
+        <p:cNvPr id="1" name=""/>
+        <p:cNvGrpSpPr/>
+        <p:nvPr/>
+      </p:nvGrpSpPr>
+      <p:grpSpPr>
+        <a:xfrm>
+          <a:off x="0" y="0"/>
+          <a:ext cx="0" cy="0"/>
+          <a:chOff x="0" y="0"/>
+          <a:chExt cx="0" cy="0"/>
+        </a:xfrm>
+      </p:grpSpPr>
+      <p:sp>
+        <p:nvSpPr>
+          <p:cNvPr id="2" name="Slide Image Placeholder 1"/>
+          <p:cNvSpPr>
+            <a:spLocks noGrp="1" noRot="1" noChangeAspect="1"/>
+          </p:cNvSpPr>
+          <p:nvPr>
+            <p:ph type="sldImg"/>
+          </p:nvPr>
+        </p:nvSpPr>
+        <p:spPr/>
+      </p:sp>
+      <p:sp>
+        <p:nvSpPr>
+          <p:cNvPr id="3" name="Notes Placeholder 2"/>
+          <p:cNvSpPr>
+            <a:spLocks noGrp="1"/>
+          </p:cNvSpPr>
+          <p:nvPr>
+            <p:ph type="body" idx="1"/>
+          </p:nvPr>
+        </p:nvSpPr>
+        <p:spPr/>
+        <p:txBody>
+          <a:bodyPr/>
+          <a:lstStyle/>
+          <a:p>
+            <a:endParaRPr lang="en-GB" dirty="0"/>
+          </a:p>
+        </p:txBody>
+      </p:sp>
+      <p:sp>
+        <p:nvSpPr>
+          <p:cNvPr id="4" name="Slide Number Placeholder 3"/>
+          <p:cNvSpPr>
+            <a:spLocks noGrp="1"/>
+          </p:cNvSpPr>
+          <p:nvPr>
+            <p:ph type="sldNum" sz="quarter" idx="5"/>
+          </p:nvPr>
+        </p:nvSpPr>
+        <p:spPr/>
+        <p:txBody>
+          <a:bodyPr/>
+          <a:lstStyle/>
+          <a:p>
+            <a:fld id="{ACC4256A-F9CA-4E25-AE2B-D4B2F3A4A757}" type="slidenum">
+              <a:rPr lang="en-GB" smtClean="0"/>
+              <a:t>49</a:t>
+            </a:fld>
+            <a:endParaRPr lang="en-GB"/>
+          </a:p>
+        </p:txBody>
+      </p:sp>
+    </p:spTree>
+    <p:extLst>
+      <p:ext uri="{BB962C8B-B14F-4D97-AF65-F5344CB8AC3E}">
+        <p14:creationId xmlns:p14="http://schemas.microsoft.com/office/powerpoint/2010/main" val="3021142107"/>
+      </p:ext>
+    </p:extLst>
+  </p:cSld>
+  <p:clrMapOvr>
+    <a:masterClrMapping/>
+  </p:clrMapOvr>
+</p:notes>
+</file>
+
 <file path=ppt/slideLayouts/slideLayout1.xml><?xml version="1.0" encoding="utf-8"?>
 <p:sldLayout xmlns:a="http://schemas.openxmlformats.org/drawingml/2006/main" xmlns:r="http://schemas.openxmlformats.org/officeDocument/2006/relationships" xmlns:p="http://schemas.openxmlformats.org/presentationml/2006/main" type="title" preserve="1">
   <p:cSld name="Title Slide">
@@ -2215,7 +2482,7 @@
           <a:p>
             <a:fld id="{774CB66A-7407-4136-A082-0671BF129C72}" type="datetimeFigureOut">
               <a:rPr lang="en-SG" smtClean="0"/>
-              <a:t>5/7/2022</a:t>
+              <a:t>6/7/2022</a:t>
             </a:fld>
             <a:endParaRPr lang="en-SG"/>
           </a:p>
@@ -2415,7 +2682,7 @@
           <a:p>
             <a:fld id="{774CB66A-7407-4136-A082-0671BF129C72}" type="datetimeFigureOut">
               <a:rPr lang="en-SG" smtClean="0"/>
-              <a:t>5/7/2022</a:t>
+              <a:t>6/7/2022</a:t>
             </a:fld>
             <a:endParaRPr lang="en-SG"/>
           </a:p>
@@ -2625,7 +2892,7 @@
           <a:p>
             <a:fld id="{774CB66A-7407-4136-A082-0671BF129C72}" type="datetimeFigureOut">
               <a:rPr lang="en-SG" smtClean="0"/>
-              <a:t>5/7/2022</a:t>
+              <a:t>6/7/2022</a:t>
             </a:fld>
             <a:endParaRPr lang="en-SG"/>
           </a:p>
@@ -2825,7 +3092,7 @@
           <a:p>
             <a:fld id="{774CB66A-7407-4136-A082-0671BF129C72}" type="datetimeFigureOut">
               <a:rPr lang="en-SG" smtClean="0"/>
-              <a:t>5/7/2022</a:t>
+              <a:t>6/7/2022</a:t>
             </a:fld>
             <a:endParaRPr lang="en-SG"/>
           </a:p>
@@ -3101,7 +3368,7 @@
           <a:p>
             <a:fld id="{774CB66A-7407-4136-A082-0671BF129C72}" type="datetimeFigureOut">
               <a:rPr lang="en-SG" smtClean="0"/>
-              <a:t>5/7/2022</a:t>
+              <a:t>6/7/2022</a:t>
             </a:fld>
             <a:endParaRPr lang="en-SG"/>
           </a:p>
@@ -3369,7 +3636,7 @@
           <a:p>
             <a:fld id="{774CB66A-7407-4136-A082-0671BF129C72}" type="datetimeFigureOut">
               <a:rPr lang="en-SG" smtClean="0"/>
-              <a:t>5/7/2022</a:t>
+              <a:t>6/7/2022</a:t>
             </a:fld>
             <a:endParaRPr lang="en-SG"/>
           </a:p>
@@ -3784,7 +4051,7 @@
           <a:p>
             <a:fld id="{774CB66A-7407-4136-A082-0671BF129C72}" type="datetimeFigureOut">
               <a:rPr lang="en-SG" smtClean="0"/>
-              <a:t>5/7/2022</a:t>
+              <a:t>6/7/2022</a:t>
             </a:fld>
             <a:endParaRPr lang="en-SG"/>
           </a:p>
@@ -3926,7 +4193,7 @@
           <a:p>
             <a:fld id="{774CB66A-7407-4136-A082-0671BF129C72}" type="datetimeFigureOut">
               <a:rPr lang="en-SG" smtClean="0"/>
-              <a:t>5/7/2022</a:t>
+              <a:t>6/7/2022</a:t>
             </a:fld>
             <a:endParaRPr lang="en-SG"/>
           </a:p>
@@ -4039,7 +4306,7 @@
           <a:p>
             <a:fld id="{774CB66A-7407-4136-A082-0671BF129C72}" type="datetimeFigureOut">
               <a:rPr lang="en-SG" smtClean="0"/>
-              <a:t>5/7/2022</a:t>
+              <a:t>6/7/2022</a:t>
             </a:fld>
             <a:endParaRPr lang="en-SG"/>
           </a:p>
@@ -4352,7 +4619,7 @@
           <a:p>
             <a:fld id="{774CB66A-7407-4136-A082-0671BF129C72}" type="datetimeFigureOut">
               <a:rPr lang="en-SG" smtClean="0"/>
-              <a:t>5/7/2022</a:t>
+              <a:t>6/7/2022</a:t>
             </a:fld>
             <a:endParaRPr lang="en-SG"/>
           </a:p>
@@ -4641,7 +4908,7 @@
           <a:p>
             <a:fld id="{774CB66A-7407-4136-A082-0671BF129C72}" type="datetimeFigureOut">
               <a:rPr lang="en-SG" smtClean="0"/>
-              <a:t>5/7/2022</a:t>
+              <a:t>6/7/2022</a:t>
             </a:fld>
             <a:endParaRPr lang="en-SG"/>
           </a:p>
@@ -4884,7 +5151,7 @@
           <a:p>
             <a:fld id="{774CB66A-7407-4136-A082-0671BF129C72}" type="datetimeFigureOut">
               <a:rPr lang="en-SG" smtClean="0"/>
-              <a:t>5/7/2022</a:t>
+              <a:t>6/7/2022</a:t>
             </a:fld>
             <a:endParaRPr lang="en-SG"/>
           </a:p>
@@ -5331,8 +5598,8 @@
         </p:nvSpPr>
         <p:spPr>
           <a:xfrm>
-            <a:off x="7464614" y="1857179"/>
-            <a:ext cx="4503866" cy="3143641"/>
+            <a:off x="7652750" y="1329640"/>
+            <a:ext cx="4939984" cy="2943421"/>
           </a:xfrm>
           <a:prstGeom prst="rect">
             <a:avLst/>
@@ -5354,7 +5621,7 @@
         </p:style>
         <p:txBody>
           <a:bodyPr vert="horz" lIns="91440" tIns="45720" rIns="91440" bIns="45720" rtlCol="0" anchor="b">
-            <a:normAutofit fontScale="92500" lnSpcReduction="10000"/>
+            <a:normAutofit fontScale="92500" lnSpcReduction="20000"/>
           </a:bodyPr>
           <a:lstStyle/>
           <a:p>
@@ -5705,6 +5972,165 @@
               <a:solidFill>
                 <a:schemeClr val="tx1"/>
               </a:solidFill>
+            </a:endParaRPr>
+          </a:p>
+        </p:txBody>
+      </p:sp>
+      <p:sp>
+        <p:nvSpPr>
+          <p:cNvPr id="7" name="TextBox 6">
+            <a:extLst>
+              <a:ext uri="{FF2B5EF4-FFF2-40B4-BE49-F238E27FC236}">
+                <a16:creationId xmlns:a16="http://schemas.microsoft.com/office/drawing/2014/main" id="{5A918F12-95A6-20BE-E921-D900E64C229A}"/>
+              </a:ext>
+            </a:extLst>
+          </p:cNvPr>
+          <p:cNvSpPr txBox="1"/>
+          <p:nvPr/>
+        </p:nvSpPr>
+        <p:spPr>
+          <a:xfrm>
+            <a:off x="6847841" y="5528360"/>
+            <a:ext cx="5344159" cy="994118"/>
+          </a:xfrm>
+          <a:prstGeom prst="rect">
+            <a:avLst/>
+          </a:prstGeom>
+          <a:noFill/>
+        </p:spPr>
+        <p:txBody>
+          <a:bodyPr wrap="square">
+            <a:spAutoFit/>
+          </a:bodyPr>
+          <a:lstStyle/>
+          <a:p>
+            <a:pPr>
+              <a:lnSpc>
+                <a:spcPct val="90000"/>
+              </a:lnSpc>
+              <a:spcBef>
+                <a:spcPct val="0"/>
+              </a:spcBef>
+              <a:spcAft>
+                <a:spcPts val="600"/>
+              </a:spcAft>
+            </a:pPr>
+            <a:r>
+              <a:rPr lang="en-US" sz="1800" b="1" dirty="0">
+                <a:solidFill>
+                  <a:schemeClr val="tx1"/>
+                </a:solidFill>
+                <a:ea typeface="+mj-ea"/>
+                <a:cs typeface="+mj-cs"/>
+              </a:rPr>
+              <a:t>Prerequisites</a:t>
+            </a:r>
+          </a:p>
+          <a:p>
+            <a:pPr marL="457200" indent="-457200">
+              <a:lnSpc>
+                <a:spcPct val="90000"/>
+              </a:lnSpc>
+              <a:spcBef>
+                <a:spcPct val="0"/>
+              </a:spcBef>
+              <a:spcAft>
+                <a:spcPts val="600"/>
+              </a:spcAft>
+              <a:buFont typeface="Wingdings" panose="05000000000000000000" pitchFamily="2" charset="2"/>
+              <a:buChar char="ü"/>
+            </a:pPr>
+            <a:r>
+              <a:rPr lang="en-US" sz="1800" dirty="0">
+                <a:solidFill>
+                  <a:schemeClr val="tx1"/>
+                </a:solidFill>
+                <a:ea typeface="+mj-ea"/>
+                <a:cs typeface="+mj-cs"/>
+              </a:rPr>
+              <a:t>Create a </a:t>
+            </a:r>
+            <a:r>
+              <a:rPr lang="en-US" sz="1800" b="1" dirty="0">
+                <a:solidFill>
+                  <a:schemeClr val="tx1"/>
+                </a:solidFill>
+                <a:ea typeface="+mj-ea"/>
+                <a:cs typeface="+mj-cs"/>
+              </a:rPr>
+              <a:t>GitHub</a:t>
+            </a:r>
+            <a:r>
+              <a:rPr lang="en-US" sz="1800" dirty="0">
+                <a:solidFill>
+                  <a:schemeClr val="tx1"/>
+                </a:solidFill>
+                <a:ea typeface="+mj-ea"/>
+                <a:cs typeface="+mj-cs"/>
+              </a:rPr>
+              <a:t> account</a:t>
+            </a:r>
+          </a:p>
+          <a:p>
+            <a:pPr marL="457200" indent="-457200">
+              <a:lnSpc>
+                <a:spcPct val="90000"/>
+              </a:lnSpc>
+              <a:spcBef>
+                <a:spcPct val="0"/>
+              </a:spcBef>
+              <a:spcAft>
+                <a:spcPts val="600"/>
+              </a:spcAft>
+              <a:buFont typeface="Wingdings" panose="05000000000000000000" pitchFamily="2" charset="2"/>
+              <a:buChar char="ü"/>
+            </a:pPr>
+            <a:r>
+              <a:rPr lang="en-US" sz="1800" dirty="0">
+                <a:solidFill>
+                  <a:schemeClr val="tx1"/>
+                </a:solidFill>
+                <a:ea typeface="+mj-ea"/>
+                <a:cs typeface="+mj-cs"/>
+              </a:rPr>
+              <a:t>Install </a:t>
+            </a:r>
+            <a:r>
+              <a:rPr lang="en-US" sz="1800" b="1" dirty="0">
+                <a:solidFill>
+                  <a:schemeClr val="tx1"/>
+                </a:solidFill>
+                <a:ea typeface="+mj-ea"/>
+                <a:cs typeface="+mj-cs"/>
+              </a:rPr>
+              <a:t>git</a:t>
+            </a:r>
+            <a:r>
+              <a:rPr lang="en-US" sz="1800" dirty="0">
+                <a:solidFill>
+                  <a:schemeClr val="tx1"/>
+                </a:solidFill>
+                <a:ea typeface="+mj-ea"/>
+                <a:cs typeface="+mj-cs"/>
+              </a:rPr>
+              <a:t> -&gt; </a:t>
+            </a:r>
+            <a:r>
+              <a:rPr lang="en-US" sz="1800" i="1" dirty="0">
+                <a:solidFill>
+                  <a:schemeClr val="tx1"/>
+                </a:solidFill>
+                <a:ea typeface="+mj-ea"/>
+                <a:cs typeface="+mj-cs"/>
+              </a:rPr>
+              <a:t>https://git-scm.com/download</a:t>
+            </a:r>
+            <a:endParaRPr lang="en-US" sz="1800" dirty="0">
+              <a:solidFill>
+                <a:schemeClr val="tx1"/>
+              </a:solidFill>
+              <a:ea typeface="+mj-ea"/>
+              <a:cs typeface="+mj-cs"/>
             </a:endParaRPr>
           </a:p>
         </p:txBody>
@@ -7525,7 +7951,7 @@
                   <a:schemeClr val="bg1"/>
                 </a:solidFill>
               </a:rPr>
-              <a:t> time 💪 (5 min)</a:t>
+              <a:t> 1 💪 (5 min)</a:t>
             </a:r>
             <a:endParaRPr lang="en-US" sz="2800" dirty="0">
               <a:solidFill>
@@ -8064,7 +8490,7 @@
         </p:blipFill>
         <p:spPr bwMode="auto">
           <a:xfrm>
-            <a:off x="8231915" y="0"/>
+            <a:off x="8152785" y="519107"/>
             <a:ext cx="3960085" cy="2288944"/>
           </a:xfrm>
           <a:prstGeom prst="rect">
@@ -8256,7 +8682,7 @@
                   <a:schemeClr val="bg1"/>
                 </a:solidFill>
               </a:rPr>
-              <a:t> time 💪 (8 min)</a:t>
+              <a:t> 2 💪 (8 min)</a:t>
             </a:r>
             <a:endParaRPr lang="en-US" sz="2800" dirty="0">
               <a:solidFill>
@@ -8832,7 +9258,7 @@
                   <a:schemeClr val="bg1"/>
                 </a:solidFill>
               </a:rPr>
-              <a:t> time 💪 (10 min)</a:t>
+              <a:t> 3 💪 (10 min)</a:t>
             </a:r>
             <a:endParaRPr lang="en-US" sz="2800" dirty="0">
               <a:solidFill>
@@ -9124,6 +9550,26 @@
             </a:r>
           </a:p>
           <a:p>
+            <a:r>
+              <a:rPr lang="fr-FR" dirty="0" err="1">
+                <a:solidFill>
+                  <a:srgbClr val="0070C0"/>
+                </a:solidFill>
+                <a:latin typeface="Consolas" panose="020B0609020204030204" pitchFamily="49" charset="0"/>
+              </a:rPr>
+              <a:t>mylist</a:t>
+            </a:r>
+            <a:r>
+              <a:rPr lang="fr-FR" dirty="0">
+                <a:solidFill>
+                  <a:srgbClr val="0070C0"/>
+                </a:solidFill>
+                <a:latin typeface="Consolas" panose="020B0609020204030204" pitchFamily="49" charset="0"/>
+              </a:rPr>
+              <a:t>[0:2]</a:t>
+            </a:r>
+          </a:p>
+          <a:p>
             <a:endParaRPr lang="fr-FR" dirty="0">
               <a:solidFill>
                 <a:srgbClr val="0070C0"/>
@@ -9480,8 +9926,12 @@
               <a:buChar char="•"/>
             </a:pPr>
             <a:r>
-              <a:rPr lang="en-US" sz="2000" dirty="0"/>
-              <a:t>Real-time feedback (pace, pauses, issues…)</a:t>
+              <a:rPr lang="en-US" sz="2000" dirty="0">
+                <a:solidFill>
+                  <a:srgbClr val="0070C0"/>
+                </a:solidFill>
+              </a:rPr>
+              <a:t>https://github.com/DominiqueMakowski/teaching/</a:t>
             </a:r>
           </a:p>
           <a:p>
@@ -9489,12 +9939,9 @@
               <a:buFont typeface="Arial" panose="020B0604020202020204" pitchFamily="34" charset="0"/>
               <a:buChar char="•"/>
             </a:pPr>
-            <a:endParaRPr lang="en-US" sz="2000" dirty="0"/>
-          </a:p>
-          <a:p>
-            <a:r>
-              <a:rPr lang="en-US" sz="2000" b="1" dirty="0"/>
-              <a:t>Prerequisites</a:t>
+            <a:r>
+              <a:rPr lang="en-US" sz="2000" dirty="0"/>
+              <a:t>Real-time feedback (pace, pauses, issues…)</a:t>
             </a:r>
           </a:p>
           <a:p>
@@ -9502,10 +9949,7 @@
               <a:buFont typeface="Arial" panose="020B0604020202020204" pitchFamily="34" charset="0"/>
               <a:buChar char="•"/>
             </a:pPr>
-            <a:r>
-              <a:rPr lang="en-US" sz="2000" dirty="0"/>
-              <a:t>Create a GitHub account</a:t>
-            </a:r>
+            <a:endParaRPr lang="en-US" sz="2000" dirty="0"/>
           </a:p>
           <a:p>
             <a:endParaRPr lang="en-US" sz="2000" b="1" dirty="0"/>
@@ -9744,7 +10188,7 @@
                                         <p:tgtEl>
                                           <p:spTgt spid="2">
                                             <p:txEl>
-                                              <p:pRg st="8" end="8"/>
+                                              <p:pRg st="7" end="7"/>
                                             </p:txEl>
                                           </p:spTgt>
                                         </p:tgtEl>
@@ -9762,7 +10206,7 @@
                                         <p:tgtEl>
                                           <p:spTgt spid="2">
                                             <p:txEl>
-                                              <p:pRg st="8" end="8"/>
+                                              <p:pRg st="7" end="7"/>
                                             </p:txEl>
                                           </p:spTgt>
                                         </p:tgtEl>
@@ -9805,7 +10249,7 @@
                                         <p:tgtEl>
                                           <p:spTgt spid="2">
                                             <p:txEl>
-                                              <p:pRg st="9" end="9"/>
+                                              <p:pRg st="8" end="8"/>
                                             </p:txEl>
                                           </p:spTgt>
                                         </p:tgtEl>
@@ -9823,7 +10267,7 @@
                                         <p:tgtEl>
                                           <p:spTgt spid="2">
                                             <p:txEl>
-                                              <p:pRg st="9" end="9"/>
+                                              <p:pRg st="8" end="8"/>
                                             </p:txEl>
                                           </p:spTgt>
                                         </p:tgtEl>
@@ -9866,7 +10310,7 @@
                                         <p:tgtEl>
                                           <p:spTgt spid="2">
                                             <p:txEl>
-                                              <p:pRg st="10" end="10"/>
+                                              <p:pRg st="9" end="9"/>
                                             </p:txEl>
                                           </p:spTgt>
                                         </p:tgtEl>
@@ -9884,7 +10328,7 @@
                                         <p:tgtEl>
                                           <p:spTgt spid="2">
                                             <p:txEl>
-                                              <p:pRg st="10" end="10"/>
+                                              <p:pRg st="9" end="9"/>
                                             </p:txEl>
                                           </p:spTgt>
                                         </p:tgtEl>
@@ -9927,7 +10371,7 @@
                                         <p:tgtEl>
                                           <p:spTgt spid="2">
                                             <p:txEl>
-                                              <p:pRg st="11" end="11"/>
+                                              <p:pRg st="10" end="10"/>
                                             </p:txEl>
                                           </p:spTgt>
                                         </p:tgtEl>
@@ -9945,7 +10389,7 @@
                                         <p:tgtEl>
                                           <p:spTgt spid="2">
                                             <p:txEl>
-                                              <p:pRg st="11" end="11"/>
+                                              <p:pRg st="10" end="10"/>
                                             </p:txEl>
                                           </p:spTgt>
                                         </p:tgtEl>
@@ -10268,7 +10712,7 @@
                   <a:schemeClr val="bg1"/>
                 </a:solidFill>
               </a:rPr>
-              <a:t> time 💪 (1 min)</a:t>
+              <a:t> 4 💪 (1 min)</a:t>
             </a:r>
             <a:endParaRPr lang="en-US" sz="2800" dirty="0">
               <a:solidFill>
@@ -11012,7 +11456,7 @@
                   <a:schemeClr val="bg1"/>
                 </a:solidFill>
               </a:rPr>
-              <a:t> time 💪 (10 min)</a:t>
+              <a:t> 5 💪 (10 min)</a:t>
             </a:r>
             <a:endParaRPr lang="en-US" sz="2800" dirty="0">
               <a:solidFill>
@@ -11772,13 +12216,6 @@
             </a:r>
           </a:p>
           <a:p>
-            <a:endParaRPr lang="fr-FR" dirty="0">
-              <a:solidFill>
-                <a:schemeClr val="tx1"/>
-              </a:solidFill>
-            </a:endParaRPr>
-          </a:p>
-          <a:p>
             <a:r>
               <a:rPr lang="en-US" dirty="0">
                 <a:solidFill>
@@ -12234,7 +12671,115 @@
                 </a:solidFill>
                 <a:latin typeface="Consolas" panose="020B0609020204030204" pitchFamily="49" charset="0"/>
               </a:rPr>
-              <a:t> = [“x”, “y”, “z”]</a:t>
+              <a:t> = [</a:t>
+            </a:r>
+            <a:r>
+              <a:rPr lang="fr-FR" dirty="0">
+                <a:solidFill>
+                  <a:srgbClr val="0070C0"/>
+                </a:solidFill>
+                <a:latin typeface="Consolas" panose="020B0609020204030204" pitchFamily="49" charset="0"/>
+              </a:rPr>
+              <a:t>"</a:t>
+            </a:r>
+            <a:r>
+              <a:rPr lang="en-US" dirty="0">
+                <a:solidFill>
+                  <a:srgbClr val="0070C0"/>
+                </a:solidFill>
+                <a:latin typeface="Consolas" panose="020B0609020204030204" pitchFamily="49" charset="0"/>
+              </a:rPr>
+              <a:t>x</a:t>
+            </a:r>
+            <a:r>
+              <a:rPr lang="fr-FR" dirty="0">
+                <a:solidFill>
+                  <a:srgbClr val="0070C0"/>
+                </a:solidFill>
+                <a:latin typeface="Consolas" panose="020B0609020204030204" pitchFamily="49" charset="0"/>
+              </a:rPr>
+              <a:t>"</a:t>
+            </a:r>
+            <a:r>
+              <a:rPr lang="en-US" dirty="0">
+                <a:solidFill>
+                  <a:srgbClr val="0070C0"/>
+                </a:solidFill>
+                <a:latin typeface="Consolas" panose="020B0609020204030204" pitchFamily="49" charset="0"/>
+              </a:rPr>
+              <a:t>, </a:t>
+            </a:r>
+            <a:r>
+              <a:rPr lang="fr-FR" dirty="0">
+                <a:solidFill>
+                  <a:srgbClr val="0070C0"/>
+                </a:solidFill>
+                <a:latin typeface="Consolas" panose="020B0609020204030204" pitchFamily="49" charset="0"/>
+              </a:rPr>
+              <a:t>"</a:t>
+            </a:r>
+            <a:r>
+              <a:rPr lang="en-US" dirty="0">
+                <a:solidFill>
+                  <a:srgbClr val="0070C0"/>
+                </a:solidFill>
+                <a:latin typeface="Consolas" panose="020B0609020204030204" pitchFamily="49" charset="0"/>
+              </a:rPr>
+              <a:t>y</a:t>
+            </a:r>
+            <a:r>
+              <a:rPr lang="fr-FR" dirty="0">
+                <a:solidFill>
+                  <a:srgbClr val="0070C0"/>
+                </a:solidFill>
+                <a:latin typeface="Consolas" panose="020B0609020204030204" pitchFamily="49" charset="0"/>
+              </a:rPr>
+              <a:t>"</a:t>
+            </a:r>
+            <a:r>
+              <a:rPr lang="en-US" dirty="0">
+                <a:solidFill>
+                  <a:srgbClr val="0070C0"/>
+                </a:solidFill>
+                <a:latin typeface="Consolas" panose="020B0609020204030204" pitchFamily="49" charset="0"/>
+              </a:rPr>
+              <a:t>, </a:t>
+            </a:r>
+            <a:r>
+              <a:rPr lang="fr-FR" dirty="0">
+                <a:solidFill>
+                  <a:srgbClr val="0070C0"/>
+                </a:solidFill>
+                <a:latin typeface="Consolas" panose="020B0609020204030204" pitchFamily="49" charset="0"/>
+              </a:rPr>
+              <a:t>"</a:t>
+            </a:r>
+            <a:r>
+              <a:rPr lang="en-US" dirty="0">
+                <a:solidFill>
+                  <a:srgbClr val="0070C0"/>
+                </a:solidFill>
+                <a:latin typeface="Consolas" panose="020B0609020204030204" pitchFamily="49" charset="0"/>
+              </a:rPr>
+              <a:t>z</a:t>
+            </a:r>
+            <a:r>
+              <a:rPr lang="fr-FR" dirty="0">
+                <a:solidFill>
+                  <a:srgbClr val="0070C0"/>
+                </a:solidFill>
+                <a:latin typeface="Consolas" panose="020B0609020204030204" pitchFamily="49" charset="0"/>
+              </a:rPr>
+              <a:t>"</a:t>
+            </a:r>
+            <a:r>
+              <a:rPr lang="en-US" dirty="0">
+                <a:solidFill>
+                  <a:srgbClr val="0070C0"/>
+                </a:solidFill>
+                <a:latin typeface="Consolas" panose="020B0609020204030204" pitchFamily="49" charset="0"/>
+              </a:rPr>
+              <a:t>]</a:t>
             </a:r>
           </a:p>
           <a:p>
@@ -12254,7 +12799,43 @@
                 </a:solidFill>
                 <a:latin typeface="Consolas" panose="020B0609020204030204" pitchFamily="49" charset="0"/>
               </a:rPr>
-              <a:t>(“y”)</a:t>
+              <a:t>(</a:t>
+            </a:r>
+            <a:r>
+              <a:rPr lang="fr-FR" dirty="0">
+                <a:solidFill>
+                  <a:srgbClr val="0070C0"/>
+                </a:solidFill>
+                <a:latin typeface="Consolas" panose="020B0609020204030204" pitchFamily="49" charset="0"/>
+              </a:rPr>
+              <a:t>"</a:t>
+            </a:r>
+            <a:r>
+              <a:rPr lang="en-US" dirty="0">
+                <a:solidFill>
+                  <a:srgbClr val="0070C0"/>
+                </a:solidFill>
+                <a:latin typeface="Consolas" panose="020B0609020204030204" pitchFamily="49" charset="0"/>
+              </a:rPr>
+              <a:t>y</a:t>
+            </a:r>
+            <a:r>
+              <a:rPr lang="fr-FR" dirty="0">
+                <a:solidFill>
+                  <a:srgbClr val="0070C0"/>
+                </a:solidFill>
+                <a:latin typeface="Consolas" panose="020B0609020204030204" pitchFamily="49" charset="0"/>
+              </a:rPr>
+              <a:t>"</a:t>
+            </a:r>
+            <a:r>
+              <a:rPr lang="en-US" dirty="0">
+                <a:solidFill>
+                  <a:srgbClr val="0070C0"/>
+                </a:solidFill>
+                <a:latin typeface="Consolas" panose="020B0609020204030204" pitchFamily="49" charset="0"/>
+              </a:rPr>
+              <a:t>)</a:t>
             </a:r>
           </a:p>
         </p:txBody>
@@ -12586,7 +13167,7 @@
                   <a:schemeClr val="bg1"/>
                 </a:solidFill>
               </a:rPr>
-              <a:t> time 💪 (15 min)</a:t>
+              <a:t> 6 💪 (15 min)</a:t>
             </a:r>
             <a:endParaRPr lang="en-US" sz="2800" dirty="0">
               <a:solidFill>
@@ -13168,7 +13749,7 @@
                   <a:schemeClr val="bg1"/>
                 </a:solidFill>
               </a:rPr>
-              <a:t> time 💪 (10 min)</a:t>
+              <a:t> 7 💪 (10 min)</a:t>
             </a:r>
             <a:endParaRPr lang="en-US" sz="2800" dirty="0">
               <a:solidFill>
@@ -13803,7 +14384,7 @@
                   <a:schemeClr val="bg1"/>
                 </a:solidFill>
               </a:rPr>
-              <a:t> time 💪 (10 min)</a:t>
+              <a:t> 8 💪 (10 min)</a:t>
             </a:r>
             <a:endParaRPr lang="en-US" sz="2800" dirty="0">
               <a:solidFill>
@@ -15171,7 +15752,7 @@
                   <a:schemeClr val="bg1"/>
                 </a:solidFill>
               </a:rPr>
-              <a:t> time 💪 (5 min)</a:t>
+              <a:t> 9 💪 (5 min)</a:t>
             </a:r>
             <a:endParaRPr lang="en-US" sz="2800" dirty="0">
               <a:solidFill>
@@ -15470,7 +16051,7 @@
                   <a:schemeClr val="bg1"/>
                 </a:solidFill>
               </a:rPr>
-              <a:t> time 💪 (5 min)</a:t>
+              <a:t> 10 💪 (5 min)</a:t>
             </a:r>
             <a:endParaRPr lang="en-US" sz="2800" dirty="0">
               <a:solidFill>
@@ -16311,7 +16892,7 @@
                   <a:schemeClr val="bg1"/>
                 </a:solidFill>
               </a:rPr>
-              <a:t> time 💪 (5 min)</a:t>
+              <a:t> 11 💪 (5 min)</a:t>
             </a:r>
             <a:endParaRPr lang="en-US" sz="2800" dirty="0">
               <a:solidFill>
@@ -18144,6 +18725,12 @@
               <a:rPr lang="en-US" sz="2800" b="1" dirty="0"/>
               <a:t>Goal: </a:t>
             </a:r>
+          </a:p>
+          <a:p>
+            <a:pPr marL="1143000" indent="-1143000">
+              <a:buFont typeface="Wingdings" panose="05000000000000000000" pitchFamily="2" charset="2"/>
+              <a:buChar char="ü"/>
+            </a:pPr>
             <a:r>
               <a:rPr lang="en-US" sz="2800" dirty="0"/>
               <a:t>Create a function that takes a vector, and replaces values that are &gt; or &lt; 3*SD by </a:t>
@@ -18153,6 +18740,16 @@
               <a:t>NaN</a:t>
             </a:r>
             <a:endParaRPr lang="en-US" sz="2800" dirty="0"/>
+          </a:p>
+          <a:p>
+            <a:pPr marL="1143000" indent="-1143000">
+              <a:buFont typeface="Wingdings" panose="05000000000000000000" pitchFamily="2" charset="2"/>
+              <a:buChar char="ü"/>
+            </a:pPr>
+            <a:r>
+              <a:rPr lang="en-US" sz="2800" dirty="0"/>
+              <a:t>Another function that returns a string with the mean, SD, and the number of outliers</a:t>
+            </a:r>
           </a:p>
           <a:p>
             <a:pPr marL="1143000" indent="-1143000">
@@ -18200,7 +18797,7 @@
             <a:r>
               <a:rPr lang="en-US" sz="2800" b="1" dirty="0">
                 <a:solidFill>
-                  <a:srgbClr val="0070C0"/>
+                  <a:srgbClr val="002060"/>
                 </a:solidFill>
                 <a:latin typeface="Consolas" panose="020B0609020204030204" pitchFamily="49" charset="0"/>
               </a:rPr>
@@ -18209,7 +18806,7 @@
             <a:r>
               <a:rPr lang="en-US" sz="2800" b="1" dirty="0" err="1">
                 <a:solidFill>
-                  <a:srgbClr val="0070C0"/>
+                  <a:srgbClr val="002060"/>
                 </a:solidFill>
                 <a:latin typeface="Consolas" panose="020B0609020204030204" pitchFamily="49" charset="0"/>
               </a:rPr>
@@ -18218,7 +18815,7 @@
             <a:r>
               <a:rPr lang="en-US" sz="2800" b="1" dirty="0">
                 <a:solidFill>
-                  <a:srgbClr val="0070C0"/>
+                  <a:srgbClr val="002060"/>
                 </a:solidFill>
                 <a:latin typeface="Consolas" panose="020B0609020204030204" pitchFamily="49" charset="0"/>
               </a:rPr>
@@ -18227,7 +18824,7 @@
             <a:r>
               <a:rPr lang="en-US" sz="2800" b="1" dirty="0" err="1">
                 <a:solidFill>
-                  <a:srgbClr val="0070C0"/>
+                  <a:srgbClr val="002060"/>
                 </a:solidFill>
                 <a:latin typeface="Consolas" panose="020B0609020204030204" pitchFamily="49" charset="0"/>
               </a:rPr>
@@ -18236,15 +18833,103 @@
             <a:r>
               <a:rPr lang="en-US" sz="2800" b="1" dirty="0">
                 <a:solidFill>
-                  <a:srgbClr val="0070C0"/>
+                  <a:srgbClr val="002060"/>
                 </a:solidFill>
                 <a:latin typeface="Consolas" panose="020B0609020204030204" pitchFamily="49" charset="0"/>
               </a:rPr>
               <a:t>]</a:t>
+            </a:r>
+          </a:p>
+          <a:p>
+            <a:r>
+              <a:rPr lang="en-US" sz="2800" b="1" dirty="0">
+                <a:solidFill>
+                  <a:srgbClr val="0070C0"/>
+                </a:solidFill>
+                <a:latin typeface="Consolas" panose="020B0609020204030204" pitchFamily="49" charset="0"/>
+              </a:rPr>
+              <a:t>&gt;&gt;&gt; describe([2, 4, 3, 1, 2, </a:t>
+            </a:r>
+            <a:r>
+              <a:rPr lang="en-US" sz="2800" b="1" dirty="0" err="1">
+                <a:solidFill>
+                  <a:srgbClr val="0070C0"/>
+                </a:solidFill>
+                <a:latin typeface="Consolas" panose="020B0609020204030204" pitchFamily="49" charset="0"/>
+              </a:rPr>
+              <a:t>np.nan</a:t>
+            </a:r>
+            <a:r>
+              <a:rPr lang="en-US" sz="2800" b="1" dirty="0">
+                <a:solidFill>
+                  <a:srgbClr val="0070C0"/>
+                </a:solidFill>
+                <a:latin typeface="Consolas" panose="020B0609020204030204" pitchFamily="49" charset="0"/>
+              </a:rPr>
+              <a:t>, 2, </a:t>
+            </a:r>
+            <a:r>
+              <a:rPr lang="en-US" sz="2800" b="1" dirty="0" err="1">
+                <a:solidFill>
+                  <a:srgbClr val="0070C0"/>
+                </a:solidFill>
+                <a:latin typeface="Consolas" panose="020B0609020204030204" pitchFamily="49" charset="0"/>
+              </a:rPr>
+              <a:t>np.nan</a:t>
+            </a:r>
+            <a:r>
+              <a:rPr lang="en-US" sz="2800" b="1" dirty="0">
+                <a:solidFill>
+                  <a:srgbClr val="0070C0"/>
+                </a:solidFill>
+                <a:latin typeface="Consolas" panose="020B0609020204030204" pitchFamily="49" charset="0"/>
+              </a:rPr>
+              <a:t>])</a:t>
+            </a:r>
+          </a:p>
+          <a:p>
+            <a:r>
+              <a:rPr lang="en-US" sz="2800" b="1" dirty="0">
+                <a:solidFill>
+                  <a:srgbClr val="002060"/>
+                </a:solidFill>
+                <a:latin typeface="Consolas" panose="020B0609020204030204" pitchFamily="49" charset="0"/>
+              </a:rPr>
+              <a:t>“2.33 +- 0.94, 2 outliers”</a:t>
+            </a:r>
+          </a:p>
+          <a:p>
+            <a:endParaRPr lang="en-US" sz="2800" b="1" dirty="0">
+              <a:solidFill>
+                <a:srgbClr val="002060"/>
+              </a:solidFill>
+              <a:latin typeface="Consolas" panose="020B0609020204030204" pitchFamily="49" charset="0"/>
+            </a:endParaRPr>
+          </a:p>
+          <a:p>
+            <a:r>
+              <a:rPr lang="en-US" sz="2800" b="1" dirty="0"/>
+              <a:t>Hint: </a:t>
+            </a:r>
+            <a:r>
+              <a:rPr lang="en-US" sz="2800" b="1" dirty="0" err="1">
+                <a:solidFill>
+                  <a:srgbClr val="0070C0"/>
+                </a:solidFill>
+              </a:rPr>
+              <a:t>np.round</a:t>
+            </a:r>
+            <a:r>
+              <a:rPr lang="en-US" sz="2800" b="1" dirty="0">
+                <a:solidFill>
+                  <a:srgbClr val="0070C0"/>
+                </a:solidFill>
+              </a:rPr>
+              <a:t>(x, 2)</a:t>
             </a:r>
             <a:endParaRPr lang="en-US" sz="2800" dirty="0">
               <a:solidFill>
-                <a:srgbClr val="0070C0"/>
+                <a:srgbClr val="002060"/>
               </a:solidFill>
               <a:latin typeface="Consolas" panose="020B0609020204030204" pitchFamily="49" charset="0"/>
             </a:endParaRPr>
@@ -18310,7 +18995,7 @@
                   <a:schemeClr val="bg1"/>
                 </a:solidFill>
               </a:rPr>
-              <a:t> time 💪 (15 min)</a:t>
+              <a:t> 12 💪 (15 min)</a:t>
             </a:r>
             <a:endParaRPr lang="en-US" sz="2800" dirty="0">
               <a:solidFill>
@@ -18393,12 +19078,6 @@
           <a:bodyPr rtlCol="0" anchor="ctr"/>
           <a:lstStyle/>
           <a:p>
-            <a:endParaRPr lang="en-US" b="1" dirty="0"/>
-          </a:p>
-          <a:p>
-            <a:endParaRPr lang="en-US" b="1" dirty="0"/>
-          </a:p>
-          <a:p>
             <a:r>
               <a:rPr lang="en-US" b="1" dirty="0" err="1"/>
               <a:t>Dataframes</a:t>
@@ -18406,16 +19085,258 @@
             <a:endParaRPr lang="en-US" b="1" dirty="0"/>
           </a:p>
           <a:p>
+            <a:pPr marL="285750" indent="-285750">
+              <a:buFont typeface="Arial" panose="020B0604020202020204" pitchFamily="34" charset="0"/>
+              <a:buChar char="•"/>
+            </a:pPr>
+            <a:r>
+              <a:rPr lang="en-US" dirty="0" err="1">
+                <a:solidFill>
+                  <a:schemeClr val="tx1"/>
+                </a:solidFill>
+              </a:rPr>
+              <a:t>Dataframes</a:t>
+            </a:r>
+            <a:r>
+              <a:rPr lang="en-US" dirty="0">
+                <a:solidFill>
+                  <a:schemeClr val="tx1"/>
+                </a:solidFill>
+              </a:rPr>
+              <a:t> are “tables” (± 2D “matrix”)</a:t>
+            </a:r>
+          </a:p>
+          <a:p>
+            <a:pPr marL="285750" indent="-285750">
+              <a:buFont typeface="Arial" panose="020B0604020202020204" pitchFamily="34" charset="0"/>
+              <a:buChar char="•"/>
+            </a:pPr>
+            <a:r>
+              <a:rPr lang="en-US" dirty="0">
+                <a:solidFill>
+                  <a:schemeClr val="tx1"/>
+                </a:solidFill>
+              </a:rPr>
+              <a:t>Multiple types (difference with Arrays)</a:t>
+            </a:r>
+          </a:p>
+          <a:p>
+            <a:pPr marL="285750" indent="-285750">
+              <a:buFont typeface="Arial" panose="020B0604020202020204" pitchFamily="34" charset="0"/>
+              <a:buChar char="•"/>
+            </a:pPr>
+            <a:r>
+              <a:rPr lang="en-US" dirty="0">
+                <a:solidFill>
+                  <a:schemeClr val="tx1"/>
+                </a:solidFill>
+              </a:rPr>
+              <a:t>They have (named) </a:t>
+            </a:r>
+            <a:r>
+              <a:rPr lang="en-US" u="sng" dirty="0">
+                <a:solidFill>
+                  <a:schemeClr val="tx1"/>
+                </a:solidFill>
+              </a:rPr>
+              <a:t>columns</a:t>
+            </a:r>
+            <a:r>
+              <a:rPr lang="en-US" dirty="0">
+                <a:solidFill>
+                  <a:schemeClr val="tx1"/>
+                </a:solidFill>
+              </a:rPr>
+              <a:t> and </a:t>
+            </a:r>
+            <a:r>
+              <a:rPr lang="en-US" u="sng" dirty="0">
+                <a:solidFill>
+                  <a:schemeClr val="tx1"/>
+                </a:solidFill>
+              </a:rPr>
+              <a:t>rows</a:t>
+            </a:r>
+          </a:p>
+          <a:p>
+            <a:pPr marL="285750" indent="-285750">
+              <a:buFont typeface="Arial" panose="020B0604020202020204" pitchFamily="34" charset="0"/>
+              <a:buChar char="•"/>
+            </a:pPr>
+            <a:r>
+              <a:rPr lang="en-US" dirty="0">
+                <a:solidFill>
+                  <a:schemeClr val="tx1"/>
+                </a:solidFill>
+              </a:rPr>
+              <a:t>Implemented in the </a:t>
+            </a:r>
             <a:r>
               <a:rPr lang="en-US" b="1" dirty="0">
                 <a:solidFill>
-                  <a:srgbClr val="0070C0"/>
-                </a:solidFill>
-                <a:latin typeface="Consolas" panose="020B0609020204030204" pitchFamily="49" charset="0"/>
-              </a:rPr>
-              <a:t>list1 = [1, 2, 3]</a:t>
-            </a:r>
-            <a:endParaRPr lang="en-US" b="1" dirty="0"/>
+                  <a:schemeClr val="tx1"/>
+                </a:solidFill>
+              </a:rPr>
+              <a:t>pandas </a:t>
+            </a:r>
+            <a:r>
+              <a:rPr lang="en-US" dirty="0">
+                <a:solidFill>
+                  <a:schemeClr val="tx1"/>
+                </a:solidFill>
+              </a:rPr>
+              <a:t>package</a:t>
+            </a:r>
+          </a:p>
+          <a:p>
+            <a:pPr marL="285750" indent="-285750">
+              <a:buFont typeface="Arial" panose="020B0604020202020204" pitchFamily="34" charset="0"/>
+              <a:buChar char="•"/>
+            </a:pPr>
+            <a:endParaRPr lang="en-US" dirty="0">
+              <a:solidFill>
+                <a:schemeClr val="tx1"/>
+              </a:solidFill>
+            </a:endParaRPr>
+          </a:p>
+          <a:p>
+            <a:r>
+              <a:rPr lang="pt-BR" dirty="0">
+                <a:solidFill>
+                  <a:srgbClr val="0070C0"/>
+                </a:solidFill>
+              </a:rPr>
+              <a:t>import pandas as pd</a:t>
+            </a:r>
+          </a:p>
+          <a:p>
+            <a:endParaRPr lang="pt-BR" dirty="0">
+              <a:solidFill>
+                <a:srgbClr val="0070C0"/>
+              </a:solidFill>
+            </a:endParaRPr>
+          </a:p>
+          <a:p>
+            <a:r>
+              <a:rPr lang="pt-BR" dirty="0">
+                <a:solidFill>
+                  <a:srgbClr val="0070C0"/>
+                </a:solidFill>
+              </a:rPr>
+              <a:t>data = {"x1": [1, 2, 3], "x2": [6, 5, 4], "x3": ["A", "A", "B"]}</a:t>
+            </a:r>
+          </a:p>
+          <a:p>
+            <a:r>
+              <a:rPr lang="pt-BR" dirty="0">
+                <a:solidFill>
+                  <a:srgbClr val="0070C0"/>
+                </a:solidFill>
+              </a:rPr>
+              <a:t>data = pd.DataFrame(data)</a:t>
+            </a:r>
+          </a:p>
+          <a:p>
+            <a:r>
+              <a:rPr lang="pt-BR" dirty="0">
+                <a:solidFill>
+                  <a:srgbClr val="0070C0"/>
+                </a:solidFill>
+              </a:rPr>
+              <a:t>data</a:t>
+            </a:r>
+          </a:p>
+          <a:p>
+            <a:endParaRPr lang="pt-BR" dirty="0">
+              <a:solidFill>
+                <a:srgbClr val="0070C0"/>
+              </a:solidFill>
+            </a:endParaRPr>
+          </a:p>
+          <a:p>
+            <a:r>
+              <a:rPr lang="en-US" b="1" dirty="0"/>
+              <a:t>Select cols</a:t>
+            </a:r>
+          </a:p>
+          <a:p>
+            <a:r>
+              <a:rPr lang="pt-BR" dirty="0">
+                <a:solidFill>
+                  <a:srgbClr val="0070C0"/>
+                </a:solidFill>
+              </a:rPr>
+              <a:t>data["x1"]</a:t>
+            </a:r>
+          </a:p>
+          <a:p>
+            <a:pPr marL="285750" indent="-285750">
+              <a:buFont typeface="Arial" panose="020B0604020202020204" pitchFamily="34" charset="0"/>
+              <a:buChar char="•"/>
+            </a:pPr>
+            <a:r>
+              <a:rPr lang="pt-BR" dirty="0">
+                <a:solidFill>
+                  <a:schemeClr val="tx1"/>
+                </a:solidFill>
+              </a:rPr>
+              <a:t>Note: returns a </a:t>
+            </a:r>
+            <a:r>
+              <a:rPr lang="pt-BR" u="sng" dirty="0">
+                <a:solidFill>
+                  <a:schemeClr val="tx1"/>
+                </a:solidFill>
+              </a:rPr>
+              <a:t>Series</a:t>
+            </a:r>
+            <a:r>
+              <a:rPr lang="pt-BR" dirty="0">
+                <a:solidFill>
+                  <a:schemeClr val="tx1"/>
+                </a:solidFill>
+              </a:rPr>
+              <a:t>, can be converted to </a:t>
+            </a:r>
+            <a:r>
+              <a:rPr lang="pt-BR" u="sng" dirty="0">
+                <a:solidFill>
+                  <a:schemeClr val="tx1"/>
+                </a:solidFill>
+              </a:rPr>
+              <a:t>vector</a:t>
+            </a:r>
+            <a:r>
+              <a:rPr lang="pt-BR" dirty="0">
+                <a:solidFill>
+                  <a:schemeClr val="tx1"/>
+                </a:solidFill>
+              </a:rPr>
+              <a:t> with </a:t>
+            </a:r>
+            <a:r>
+              <a:rPr lang="pt-BR" b="1" dirty="0">
+                <a:solidFill>
+                  <a:srgbClr val="0070C0"/>
+                </a:solidFill>
+              </a:rPr>
+              <a:t>data["x1"].values</a:t>
+            </a:r>
+          </a:p>
+          <a:p>
+            <a:r>
+              <a:rPr lang="pt-BR" dirty="0">
+                <a:solidFill>
+                  <a:srgbClr val="0070C0"/>
+                </a:solidFill>
+              </a:rPr>
+              <a:t>data[["x1", "x2"]]</a:t>
+            </a:r>
+            <a:endParaRPr lang="pt-BR" b="1" dirty="0">
+              <a:solidFill>
+                <a:schemeClr val="tx1"/>
+              </a:solidFill>
+            </a:endParaRPr>
           </a:p>
         </p:txBody>
       </p:sp>
@@ -18482,6 +19403,36 @@
           </a:p>
         </p:txBody>
       </p:sp>
+      <p:pic>
+        <p:nvPicPr>
+          <p:cNvPr id="5" name="Picture 4">
+            <a:extLst>
+              <a:ext uri="{FF2B5EF4-FFF2-40B4-BE49-F238E27FC236}">
+                <a16:creationId xmlns:a16="http://schemas.microsoft.com/office/drawing/2014/main" id="{0E88E537-7BE7-19DB-605C-83B83B7EF82C}"/>
+              </a:ext>
+            </a:extLst>
+          </p:cNvPr>
+          <p:cNvPicPr>
+            <a:picLocks noChangeAspect="1"/>
+          </p:cNvPicPr>
+          <p:nvPr/>
+        </p:nvPicPr>
+        <p:blipFill>
+          <a:blip r:embed="rId2"/>
+          <a:stretch>
+            <a:fillRect/>
+          </a:stretch>
+        </p:blipFill>
+        <p:spPr>
+          <a:xfrm>
+            <a:off x="8065015" y="1909596"/>
+            <a:ext cx="3514453" cy="2475397"/>
+          </a:xfrm>
+          <a:prstGeom prst="rect">
+            <a:avLst/>
+          </a:prstGeom>
+        </p:spPr>
+      </p:pic>
     </p:spTree>
     <p:extLst>
       <p:ext uri="{BB962C8B-B14F-4D97-AF65-F5344CB8AC3E}">
@@ -18496,6 +19447,1625 @@
 </file>
 
 <file path=ppt/slides/slide42.xml><?xml version="1.0" encoding="utf-8"?>
+<p:sld xmlns:a="http://schemas.openxmlformats.org/drawingml/2006/main" xmlns:r="http://schemas.openxmlformats.org/officeDocument/2006/relationships" xmlns:p="http://schemas.openxmlformats.org/presentationml/2006/main">
+  <p:cSld>
+    <p:spTree>
+      <p:nvGrpSpPr>
+        <p:cNvPr id="1" name=""/>
+        <p:cNvGrpSpPr/>
+        <p:nvPr/>
+      </p:nvGrpSpPr>
+      <p:grpSpPr>
+        <a:xfrm>
+          <a:off x="0" y="0"/>
+          <a:ext cx="0" cy="0"/>
+          <a:chOff x="0" y="0"/>
+          <a:chExt cx="0" cy="0"/>
+        </a:xfrm>
+      </p:grpSpPr>
+      <p:sp>
+        <p:nvSpPr>
+          <p:cNvPr id="4" name="Rectangle 3">
+            <a:extLst>
+              <a:ext uri="{FF2B5EF4-FFF2-40B4-BE49-F238E27FC236}">
+                <a16:creationId xmlns:a16="http://schemas.microsoft.com/office/drawing/2014/main" id="{A4A34817-5B44-493F-D622-8954BF1B2D0D}"/>
+              </a:ext>
+            </a:extLst>
+          </p:cNvPr>
+          <p:cNvSpPr/>
+          <p:nvPr/>
+        </p:nvSpPr>
+        <p:spPr>
+          <a:xfrm>
+            <a:off x="404148" y="151256"/>
+            <a:ext cx="8499220" cy="6706744"/>
+          </a:xfrm>
+          <a:prstGeom prst="rect">
+            <a:avLst/>
+          </a:prstGeom>
+          <a:noFill/>
+          <a:ln>
+            <a:noFill/>
+          </a:ln>
+        </p:spPr>
+        <p:style>
+          <a:lnRef idx="0">
+            <a:scrgbClr r="0" g="0" b="0"/>
+          </a:lnRef>
+          <a:fillRef idx="0">
+            <a:scrgbClr r="0" g="0" b="0"/>
+          </a:fillRef>
+          <a:effectRef idx="0">
+            <a:scrgbClr r="0" g="0" b="0"/>
+          </a:effectRef>
+          <a:fontRef idx="minor">
+            <a:schemeClr val="dk1"/>
+          </a:fontRef>
+        </p:style>
+        <p:txBody>
+          <a:bodyPr rtlCol="0" anchor="ctr"/>
+          <a:lstStyle/>
+          <a:p>
+            <a:r>
+              <a:rPr lang="pt-BR" b="1" dirty="0">
+                <a:solidFill>
+                  <a:schemeClr val="tx1"/>
+                </a:solidFill>
+              </a:rPr>
+              <a:t>Select rows (filtering)</a:t>
+            </a:r>
+          </a:p>
+          <a:p>
+            <a:pPr marL="285750" indent="-285750">
+              <a:buFont typeface="Arial" panose="020B0604020202020204" pitchFamily="34" charset="0"/>
+              <a:buChar char="•"/>
+            </a:pPr>
+            <a:r>
+              <a:rPr lang="en-US" dirty="0">
+                <a:solidFill>
+                  <a:schemeClr val="tx1"/>
+                </a:solidFill>
+              </a:rPr>
+              <a:t>Row names = </a:t>
+            </a:r>
+            <a:r>
+              <a:rPr lang="en-US" u="sng" dirty="0">
+                <a:solidFill>
+                  <a:schemeClr val="tx1"/>
+                </a:solidFill>
+              </a:rPr>
+              <a:t>index</a:t>
+            </a:r>
+          </a:p>
+          <a:p>
+            <a:pPr marL="285750" indent="-285750">
+              <a:buFont typeface="Arial" panose="020B0604020202020204" pitchFamily="34" charset="0"/>
+              <a:buChar char="•"/>
+            </a:pPr>
+            <a:r>
+              <a:rPr lang="en-US" dirty="0">
+                <a:solidFill>
+                  <a:schemeClr val="tx1"/>
+                </a:solidFill>
+              </a:rPr>
+              <a:t>Can be modified (or reset)</a:t>
+            </a:r>
+          </a:p>
+          <a:p>
+            <a:r>
+              <a:rPr lang="en-US" dirty="0" err="1">
+                <a:solidFill>
+                  <a:srgbClr val="0070C0"/>
+                </a:solidFill>
+              </a:rPr>
+              <a:t>data.index</a:t>
+            </a:r>
+            <a:r>
+              <a:rPr lang="en-US" dirty="0">
+                <a:solidFill>
+                  <a:srgbClr val="0070C0"/>
+                </a:solidFill>
+              </a:rPr>
+              <a:t> = [2, 3, 4]</a:t>
+            </a:r>
+          </a:p>
+          <a:p>
+            <a:r>
+              <a:rPr lang="en-US" dirty="0">
+                <a:solidFill>
+                  <a:srgbClr val="0070C0"/>
+                </a:solidFill>
+              </a:rPr>
+              <a:t>data</a:t>
+            </a:r>
+          </a:p>
+          <a:p>
+            <a:endParaRPr lang="en-US" dirty="0">
+              <a:solidFill>
+                <a:srgbClr val="0070C0"/>
+              </a:solidFill>
+            </a:endParaRPr>
+          </a:p>
+          <a:p>
+            <a:pPr marL="285750" indent="-285750">
+              <a:buFont typeface="Arial" panose="020B0604020202020204" pitchFamily="34" charset="0"/>
+              <a:buChar char="•"/>
+            </a:pPr>
+            <a:r>
+              <a:rPr lang="en-US" dirty="0">
+                <a:solidFill>
+                  <a:schemeClr val="tx1"/>
+                </a:solidFill>
+              </a:rPr>
+              <a:t>Need to “loc” (location) to filter</a:t>
+            </a:r>
+          </a:p>
+          <a:p>
+            <a:r>
+              <a:rPr lang="it-IT" dirty="0">
+                <a:solidFill>
+                  <a:srgbClr val="0070C0"/>
+                </a:solidFill>
+              </a:rPr>
+              <a:t>data.loc[data["x1"] &gt;= 2]</a:t>
+            </a:r>
+          </a:p>
+          <a:p>
+            <a:r>
+              <a:rPr lang="en-US" dirty="0" err="1">
+                <a:solidFill>
+                  <a:srgbClr val="0070C0"/>
+                </a:solidFill>
+              </a:rPr>
+              <a:t>data.loc</a:t>
+            </a:r>
+            <a:r>
+              <a:rPr lang="en-US" dirty="0">
+                <a:solidFill>
+                  <a:srgbClr val="0070C0"/>
+                </a:solidFill>
+              </a:rPr>
+              <a:t>[0:2]</a:t>
+            </a:r>
+          </a:p>
+          <a:p>
+            <a:endParaRPr lang="en-US" u="sng" dirty="0">
+              <a:solidFill>
+                <a:schemeClr val="tx1"/>
+              </a:solidFill>
+            </a:endParaRPr>
+          </a:p>
+          <a:p>
+            <a:pPr marL="285750" indent="-285750">
+              <a:buFont typeface="Arial" panose="020B0604020202020204" pitchFamily="34" charset="0"/>
+              <a:buChar char="•"/>
+            </a:pPr>
+            <a:r>
+              <a:rPr lang="en-US" dirty="0">
+                <a:solidFill>
+                  <a:schemeClr val="tx1"/>
+                </a:solidFill>
+              </a:rPr>
+              <a:t>Need to “</a:t>
+            </a:r>
+            <a:r>
+              <a:rPr lang="en-US" dirty="0" err="1">
+                <a:solidFill>
+                  <a:schemeClr val="tx1"/>
+                </a:solidFill>
+              </a:rPr>
+              <a:t>iloc</a:t>
+            </a:r>
+            <a:r>
+              <a:rPr lang="en-US" dirty="0">
+                <a:solidFill>
+                  <a:schemeClr val="tx1"/>
+                </a:solidFill>
+              </a:rPr>
+              <a:t>” (index-based location) to select by index</a:t>
+            </a:r>
+          </a:p>
+          <a:p>
+            <a:r>
+              <a:rPr lang="en-US" dirty="0" err="1">
+                <a:solidFill>
+                  <a:srgbClr val="0070C0"/>
+                </a:solidFill>
+              </a:rPr>
+              <a:t>data.iloc</a:t>
+            </a:r>
+            <a:r>
+              <a:rPr lang="en-US" dirty="0">
+                <a:solidFill>
+                  <a:srgbClr val="0070C0"/>
+                </a:solidFill>
+              </a:rPr>
+              <a:t>[0:2]</a:t>
+            </a:r>
+          </a:p>
+          <a:p>
+            <a:endParaRPr lang="en-US" dirty="0">
+              <a:solidFill>
+                <a:srgbClr val="0070C0"/>
+              </a:solidFill>
+            </a:endParaRPr>
+          </a:p>
+          <a:p>
+            <a:endParaRPr lang="pt-BR" b="1" dirty="0">
+              <a:solidFill>
+                <a:schemeClr val="tx1"/>
+              </a:solidFill>
+            </a:endParaRPr>
+          </a:p>
+        </p:txBody>
+      </p:sp>
+      <p:sp>
+        <p:nvSpPr>
+          <p:cNvPr id="3" name="Rectangle 2">
+            <a:extLst>
+              <a:ext uri="{FF2B5EF4-FFF2-40B4-BE49-F238E27FC236}">
+                <a16:creationId xmlns:a16="http://schemas.microsoft.com/office/drawing/2014/main" id="{4A9145F6-62DE-99CD-57F6-F9DD4C3F5350}"/>
+              </a:ext>
+            </a:extLst>
+          </p:cNvPr>
+          <p:cNvSpPr/>
+          <p:nvPr/>
+        </p:nvSpPr>
+        <p:spPr>
+          <a:xfrm>
+            <a:off x="0" y="0"/>
+            <a:ext cx="4544841" cy="519107"/>
+          </a:xfrm>
+          <a:prstGeom prst="rect">
+            <a:avLst/>
+          </a:prstGeom>
+          <a:solidFill>
+            <a:srgbClr val="002060"/>
+          </a:solidFill>
+          <a:ln>
+            <a:noFill/>
+          </a:ln>
+        </p:spPr>
+        <p:style>
+          <a:lnRef idx="0">
+            <a:scrgbClr r="0" g="0" b="0"/>
+          </a:lnRef>
+          <a:fillRef idx="0">
+            <a:scrgbClr r="0" g="0" b="0"/>
+          </a:fillRef>
+          <a:effectRef idx="0">
+            <a:scrgbClr r="0" g="0" b="0"/>
+          </a:effectRef>
+          <a:fontRef idx="minor">
+            <a:schemeClr val="dk1"/>
+          </a:fontRef>
+        </p:style>
+        <p:txBody>
+          <a:bodyPr rtlCol="0" anchor="ctr"/>
+          <a:lstStyle/>
+          <a:p>
+            <a:r>
+              <a:rPr lang="en-US" b="1" dirty="0">
+                <a:solidFill>
+                  <a:schemeClr val="bg1"/>
+                </a:solidFill>
+                <a:latin typeface="Consolas" panose="020B0609020204030204" pitchFamily="49" charset="0"/>
+              </a:rPr>
+              <a:t>Advanced Python</a:t>
+            </a:r>
+            <a:endParaRPr lang="en-US" dirty="0">
+              <a:solidFill>
+                <a:schemeClr val="bg1"/>
+              </a:solidFill>
+              <a:latin typeface="Consolas" panose="020B0609020204030204" pitchFamily="49" charset="0"/>
+            </a:endParaRPr>
+          </a:p>
+        </p:txBody>
+      </p:sp>
+      <p:pic>
+        <p:nvPicPr>
+          <p:cNvPr id="5" name="Picture 4">
+            <a:extLst>
+              <a:ext uri="{FF2B5EF4-FFF2-40B4-BE49-F238E27FC236}">
+                <a16:creationId xmlns:a16="http://schemas.microsoft.com/office/drawing/2014/main" id="{029722CA-32B0-F80D-9F2E-21D38048D128}"/>
+              </a:ext>
+            </a:extLst>
+          </p:cNvPr>
+          <p:cNvPicPr>
+            <a:picLocks noChangeAspect="1"/>
+          </p:cNvPicPr>
+          <p:nvPr/>
+        </p:nvPicPr>
+        <p:blipFill>
+          <a:blip r:embed="rId2"/>
+          <a:stretch>
+            <a:fillRect/>
+          </a:stretch>
+        </p:blipFill>
+        <p:spPr>
+          <a:xfrm>
+            <a:off x="8035238" y="1005751"/>
+            <a:ext cx="2544555" cy="2157339"/>
+          </a:xfrm>
+          <a:prstGeom prst="rect">
+            <a:avLst/>
+          </a:prstGeom>
+        </p:spPr>
+      </p:pic>
+    </p:spTree>
+    <p:extLst>
+      <p:ext uri="{BB962C8B-B14F-4D97-AF65-F5344CB8AC3E}">
+        <p14:creationId xmlns:p14="http://schemas.microsoft.com/office/powerpoint/2010/main" val="25329884"/>
+      </p:ext>
+    </p:extLst>
+  </p:cSld>
+  <p:clrMapOvr>
+    <a:masterClrMapping/>
+  </p:clrMapOvr>
+</p:sld>
+</file>
+
+<file path=ppt/slides/slide43.xml><?xml version="1.0" encoding="utf-8"?>
+<p:sld xmlns:a="http://schemas.openxmlformats.org/drawingml/2006/main" xmlns:r="http://schemas.openxmlformats.org/officeDocument/2006/relationships" xmlns:p="http://schemas.openxmlformats.org/presentationml/2006/main">
+  <p:cSld>
+    <p:spTree>
+      <p:nvGrpSpPr>
+        <p:cNvPr id="1" name=""/>
+        <p:cNvGrpSpPr/>
+        <p:nvPr/>
+      </p:nvGrpSpPr>
+      <p:grpSpPr>
+        <a:xfrm>
+          <a:off x="0" y="0"/>
+          <a:ext cx="0" cy="0"/>
+          <a:chOff x="0" y="0"/>
+          <a:chExt cx="0" cy="0"/>
+        </a:xfrm>
+      </p:grpSpPr>
+      <p:sp>
+        <p:nvSpPr>
+          <p:cNvPr id="4" name="Rectangle 3">
+            <a:extLst>
+              <a:ext uri="{FF2B5EF4-FFF2-40B4-BE49-F238E27FC236}">
+                <a16:creationId xmlns:a16="http://schemas.microsoft.com/office/drawing/2014/main" id="{A4A34817-5B44-493F-D622-8954BF1B2D0D}"/>
+              </a:ext>
+            </a:extLst>
+          </p:cNvPr>
+          <p:cNvSpPr/>
+          <p:nvPr/>
+        </p:nvSpPr>
+        <p:spPr>
+          <a:xfrm>
+            <a:off x="404147" y="151256"/>
+            <a:ext cx="10032321" cy="6706744"/>
+          </a:xfrm>
+          <a:prstGeom prst="rect">
+            <a:avLst/>
+          </a:prstGeom>
+          <a:noFill/>
+          <a:ln>
+            <a:noFill/>
+          </a:ln>
+        </p:spPr>
+        <p:style>
+          <a:lnRef idx="0">
+            <a:scrgbClr r="0" g="0" b="0"/>
+          </a:lnRef>
+          <a:fillRef idx="0">
+            <a:scrgbClr r="0" g="0" b="0"/>
+          </a:fillRef>
+          <a:effectRef idx="0">
+            <a:scrgbClr r="0" g="0" b="0"/>
+          </a:effectRef>
+          <a:fontRef idx="minor">
+            <a:schemeClr val="dk1"/>
+          </a:fontRef>
+        </p:style>
+        <p:txBody>
+          <a:bodyPr rtlCol="0" anchor="ctr"/>
+          <a:lstStyle/>
+          <a:p>
+            <a:r>
+              <a:rPr lang="en-US" b="1" dirty="0"/>
+              <a:t>Data Reading</a:t>
+            </a:r>
+          </a:p>
+          <a:p>
+            <a:pPr marL="285750" indent="-285750">
+              <a:buFont typeface="Arial" panose="020B0604020202020204" pitchFamily="34" charset="0"/>
+              <a:buChar char="•"/>
+            </a:pPr>
+            <a:r>
+              <a:rPr lang="en-US" dirty="0">
+                <a:hlinkClick r:id="rId3"/>
+              </a:rPr>
+              <a:t>https://github.com/DominiqueMakowski/teaching/blob/master/Python/2022_Zurich</a:t>
+            </a:r>
+            <a:endParaRPr lang="en-US" dirty="0"/>
+          </a:p>
+          <a:p>
+            <a:pPr marL="285750" indent="-285750">
+              <a:buFont typeface="Arial" panose="020B0604020202020204" pitchFamily="34" charset="0"/>
+              <a:buChar char="•"/>
+            </a:pPr>
+            <a:r>
+              <a:rPr lang="en-US" dirty="0"/>
+              <a:t>Open “iris.csv”</a:t>
+            </a:r>
+          </a:p>
+          <a:p>
+            <a:pPr marL="285750" indent="-285750">
+              <a:buFont typeface="Arial" panose="020B0604020202020204" pitchFamily="34" charset="0"/>
+              <a:buChar char="•"/>
+            </a:pPr>
+            <a:r>
+              <a:rPr lang="en-US" dirty="0"/>
+              <a:t>Click “raw”</a:t>
+            </a:r>
+          </a:p>
+          <a:p>
+            <a:pPr marL="285750" indent="-285750">
+              <a:buFont typeface="Arial" panose="020B0604020202020204" pitchFamily="34" charset="0"/>
+              <a:buChar char="•"/>
+            </a:pPr>
+            <a:r>
+              <a:rPr lang="en-US" dirty="0"/>
+              <a:t>Right-click and download</a:t>
+            </a:r>
+          </a:p>
+          <a:p>
+            <a:endParaRPr lang="en-US" b="1" dirty="0"/>
+          </a:p>
+          <a:p>
+            <a:r>
+              <a:rPr lang="en-US" b="1" dirty="0" err="1">
+                <a:solidFill>
+                  <a:srgbClr val="0070C0"/>
+                </a:solidFill>
+                <a:latin typeface="Consolas" panose="020B0609020204030204" pitchFamily="49" charset="0"/>
+              </a:rPr>
+              <a:t>df</a:t>
+            </a:r>
+            <a:r>
+              <a:rPr lang="en-US" b="1" dirty="0">
+                <a:solidFill>
+                  <a:srgbClr val="0070C0"/>
+                </a:solidFill>
+                <a:latin typeface="Consolas" panose="020B0609020204030204" pitchFamily="49" charset="0"/>
+              </a:rPr>
+              <a:t> = </a:t>
+            </a:r>
+            <a:r>
+              <a:rPr lang="en-US" b="1" dirty="0" err="1">
+                <a:solidFill>
+                  <a:srgbClr val="0070C0"/>
+                </a:solidFill>
+                <a:latin typeface="Consolas" panose="020B0609020204030204" pitchFamily="49" charset="0"/>
+              </a:rPr>
+              <a:t>pd.read_csv</a:t>
+            </a:r>
+            <a:r>
+              <a:rPr lang="en-US" b="1" dirty="0">
+                <a:solidFill>
+                  <a:srgbClr val="0070C0"/>
+                </a:solidFill>
+                <a:latin typeface="Consolas" panose="020B0609020204030204" pitchFamily="49" charset="0"/>
+              </a:rPr>
+              <a:t>("iris.csv")</a:t>
+            </a:r>
+          </a:p>
+          <a:p>
+            <a:r>
+              <a:rPr lang="en-US" b="1" dirty="0" err="1">
+                <a:solidFill>
+                  <a:srgbClr val="0070C0"/>
+                </a:solidFill>
+                <a:latin typeface="Consolas" panose="020B0609020204030204" pitchFamily="49" charset="0"/>
+              </a:rPr>
+              <a:t>df.head</a:t>
+            </a:r>
+            <a:r>
+              <a:rPr lang="en-US" b="1" dirty="0">
+                <a:solidFill>
+                  <a:srgbClr val="0070C0"/>
+                </a:solidFill>
+                <a:latin typeface="Consolas" panose="020B0609020204030204" pitchFamily="49" charset="0"/>
+              </a:rPr>
+              <a:t>()</a:t>
+            </a:r>
+          </a:p>
+          <a:p>
+            <a:endParaRPr lang="en-US" b="1" dirty="0">
+              <a:solidFill>
+                <a:srgbClr val="0070C0"/>
+              </a:solidFill>
+            </a:endParaRPr>
+          </a:p>
+          <a:p>
+            <a:r>
+              <a:rPr lang="en-US" b="1" dirty="0" err="1">
+                <a:solidFill>
+                  <a:srgbClr val="0070C0"/>
+                </a:solidFill>
+                <a:latin typeface="Consolas" panose="020B0609020204030204" pitchFamily="49" charset="0"/>
+              </a:rPr>
+              <a:t>df.describe</a:t>
+            </a:r>
+            <a:r>
+              <a:rPr lang="en-US" b="1" dirty="0">
+                <a:solidFill>
+                  <a:srgbClr val="0070C0"/>
+                </a:solidFill>
+                <a:latin typeface="Consolas" panose="020B0609020204030204" pitchFamily="49" charset="0"/>
+              </a:rPr>
+              <a:t>()</a:t>
+            </a:r>
+          </a:p>
+          <a:p>
+            <a:r>
+              <a:rPr lang="en-US" b="1" dirty="0" err="1">
+                <a:solidFill>
+                  <a:srgbClr val="0070C0"/>
+                </a:solidFill>
+                <a:latin typeface="Consolas" panose="020B0609020204030204" pitchFamily="49" charset="0"/>
+              </a:rPr>
+              <a:t>df</a:t>
+            </a:r>
+            <a:r>
+              <a:rPr lang="en-US" b="1" dirty="0">
+                <a:solidFill>
+                  <a:srgbClr val="0070C0"/>
+                </a:solidFill>
+                <a:latin typeface="Consolas" panose="020B0609020204030204" pitchFamily="49" charset="0"/>
+              </a:rPr>
+              <a:t>[“Species”].describe()</a:t>
+            </a:r>
+          </a:p>
+          <a:p>
+            <a:endParaRPr lang="en-US" b="1" dirty="0"/>
+          </a:p>
+          <a:p>
+            <a:r>
+              <a:rPr lang="en-US" b="1" dirty="0"/>
+              <a:t>Plotting</a:t>
+            </a:r>
+          </a:p>
+          <a:p>
+            <a:r>
+              <a:rPr lang="en-US" b="1" dirty="0" err="1">
+                <a:solidFill>
+                  <a:srgbClr val="0070C0"/>
+                </a:solidFill>
+                <a:latin typeface="Consolas" panose="020B0609020204030204" pitchFamily="49" charset="0"/>
+              </a:rPr>
+              <a:t>df.plot.hist</a:t>
+            </a:r>
+            <a:r>
+              <a:rPr lang="en-US" b="1" dirty="0">
+                <a:solidFill>
+                  <a:srgbClr val="0070C0"/>
+                </a:solidFill>
+                <a:latin typeface="Consolas" panose="020B0609020204030204" pitchFamily="49" charset="0"/>
+              </a:rPr>
+              <a:t>(subplots=True)</a:t>
+            </a:r>
+          </a:p>
+          <a:p>
+            <a:r>
+              <a:rPr lang="en-US" b="1" dirty="0" err="1">
+                <a:solidFill>
+                  <a:srgbClr val="0070C0"/>
+                </a:solidFill>
+                <a:latin typeface="Consolas" panose="020B0609020204030204" pitchFamily="49" charset="0"/>
+              </a:rPr>
+              <a:t>df.plot.scatter</a:t>
+            </a:r>
+            <a:r>
+              <a:rPr lang="en-US" b="1" dirty="0">
+                <a:solidFill>
+                  <a:srgbClr val="0070C0"/>
+                </a:solidFill>
+                <a:latin typeface="Consolas" panose="020B0609020204030204" pitchFamily="49" charset="0"/>
+              </a:rPr>
+              <a:t>(x="</a:t>
+            </a:r>
+            <a:r>
+              <a:rPr lang="en-US" b="1" dirty="0" err="1">
+                <a:solidFill>
+                  <a:srgbClr val="0070C0"/>
+                </a:solidFill>
+                <a:latin typeface="Consolas" panose="020B0609020204030204" pitchFamily="49" charset="0"/>
+              </a:rPr>
+              <a:t>Petal.Length</a:t>
+            </a:r>
+            <a:r>
+              <a:rPr lang="en-US" b="1" dirty="0">
+                <a:solidFill>
+                  <a:srgbClr val="0070C0"/>
+                </a:solidFill>
+                <a:latin typeface="Consolas" panose="020B0609020204030204" pitchFamily="49" charset="0"/>
+              </a:rPr>
+              <a:t>", y="</a:t>
+            </a:r>
+            <a:r>
+              <a:rPr lang="en-US" b="1" dirty="0" err="1">
+                <a:solidFill>
+                  <a:srgbClr val="0070C0"/>
+                </a:solidFill>
+                <a:latin typeface="Consolas" panose="020B0609020204030204" pitchFamily="49" charset="0"/>
+              </a:rPr>
+              <a:t>Sepal.Width</a:t>
+            </a:r>
+            <a:r>
+              <a:rPr lang="en-US" b="1" dirty="0">
+                <a:solidFill>
+                  <a:srgbClr val="0070C0"/>
+                </a:solidFill>
+                <a:latin typeface="Consolas" panose="020B0609020204030204" pitchFamily="49" charset="0"/>
+              </a:rPr>
+              <a:t>")</a:t>
+            </a:r>
+          </a:p>
+          <a:p>
+            <a:endParaRPr lang="en-US" dirty="0">
+              <a:solidFill>
+                <a:schemeClr val="tx1"/>
+              </a:solidFill>
+            </a:endParaRPr>
+          </a:p>
+          <a:p>
+            <a:pPr marL="285750" indent="-285750">
+              <a:buFont typeface="Wingdings" panose="05000000000000000000" pitchFamily="2" charset="2"/>
+              <a:buChar char="ü"/>
+            </a:pPr>
+            <a:r>
+              <a:rPr lang="en-US" dirty="0">
+                <a:solidFill>
+                  <a:schemeClr val="tx1"/>
+                </a:solidFill>
+              </a:rPr>
+              <a:t>Plotting uses matplotlib as a backend</a:t>
+            </a:r>
+          </a:p>
+          <a:p>
+            <a:pPr marL="285750" indent="-285750">
+              <a:buFont typeface="Wingdings" panose="05000000000000000000" pitchFamily="2" charset="2"/>
+              <a:buChar char="ü"/>
+            </a:pPr>
+            <a:r>
+              <a:rPr lang="en-US" dirty="0">
+                <a:solidFill>
+                  <a:schemeClr val="tx1"/>
+                </a:solidFill>
+              </a:rPr>
+              <a:t>A statistics-friendly </a:t>
+            </a:r>
+            <a:r>
+              <a:rPr lang="en-US" dirty="0" err="1">
+                <a:solidFill>
+                  <a:schemeClr val="tx1"/>
+                </a:solidFill>
+              </a:rPr>
+              <a:t>alterantive</a:t>
+            </a:r>
+            <a:r>
+              <a:rPr lang="en-US" dirty="0">
+                <a:solidFill>
+                  <a:schemeClr val="tx1"/>
+                </a:solidFill>
+              </a:rPr>
+              <a:t> is </a:t>
+            </a:r>
+            <a:r>
+              <a:rPr lang="en-US" b="1" dirty="0">
+                <a:solidFill>
+                  <a:schemeClr val="tx1"/>
+                </a:solidFill>
+              </a:rPr>
+              <a:t>seaborn</a:t>
+            </a:r>
+            <a:endParaRPr lang="en-US" dirty="0">
+              <a:solidFill>
+                <a:schemeClr val="tx1"/>
+              </a:solidFill>
+            </a:endParaRPr>
+          </a:p>
+        </p:txBody>
+      </p:sp>
+      <p:sp>
+        <p:nvSpPr>
+          <p:cNvPr id="3" name="Rectangle 2">
+            <a:extLst>
+              <a:ext uri="{FF2B5EF4-FFF2-40B4-BE49-F238E27FC236}">
+                <a16:creationId xmlns:a16="http://schemas.microsoft.com/office/drawing/2014/main" id="{4A9145F6-62DE-99CD-57F6-F9DD4C3F5350}"/>
+              </a:ext>
+            </a:extLst>
+          </p:cNvPr>
+          <p:cNvSpPr/>
+          <p:nvPr/>
+        </p:nvSpPr>
+        <p:spPr>
+          <a:xfrm>
+            <a:off x="0" y="0"/>
+            <a:ext cx="4544841" cy="519107"/>
+          </a:xfrm>
+          <a:prstGeom prst="rect">
+            <a:avLst/>
+          </a:prstGeom>
+          <a:solidFill>
+            <a:srgbClr val="002060"/>
+          </a:solidFill>
+          <a:ln>
+            <a:noFill/>
+          </a:ln>
+        </p:spPr>
+        <p:style>
+          <a:lnRef idx="0">
+            <a:scrgbClr r="0" g="0" b="0"/>
+          </a:lnRef>
+          <a:fillRef idx="0">
+            <a:scrgbClr r="0" g="0" b="0"/>
+          </a:fillRef>
+          <a:effectRef idx="0">
+            <a:scrgbClr r="0" g="0" b="0"/>
+          </a:effectRef>
+          <a:fontRef idx="minor">
+            <a:schemeClr val="dk1"/>
+          </a:fontRef>
+        </p:style>
+        <p:txBody>
+          <a:bodyPr rtlCol="0" anchor="ctr"/>
+          <a:lstStyle/>
+          <a:p>
+            <a:r>
+              <a:rPr lang="en-US" b="1" dirty="0">
+                <a:solidFill>
+                  <a:schemeClr val="bg1"/>
+                </a:solidFill>
+                <a:latin typeface="Consolas" panose="020B0609020204030204" pitchFamily="49" charset="0"/>
+              </a:rPr>
+              <a:t>Advanced Python</a:t>
+            </a:r>
+            <a:endParaRPr lang="en-US" dirty="0">
+              <a:solidFill>
+                <a:schemeClr val="bg1"/>
+              </a:solidFill>
+              <a:latin typeface="Consolas" panose="020B0609020204030204" pitchFamily="49" charset="0"/>
+            </a:endParaRPr>
+          </a:p>
+        </p:txBody>
+      </p:sp>
+      <p:pic>
+        <p:nvPicPr>
+          <p:cNvPr id="5" name="Picture 4">
+            <a:extLst>
+              <a:ext uri="{FF2B5EF4-FFF2-40B4-BE49-F238E27FC236}">
+                <a16:creationId xmlns:a16="http://schemas.microsoft.com/office/drawing/2014/main" id="{80608CEB-C276-C843-4C6D-92B08D96DD20}"/>
+              </a:ext>
+            </a:extLst>
+          </p:cNvPr>
+          <p:cNvPicPr>
+            <a:picLocks noChangeAspect="1"/>
+          </p:cNvPicPr>
+          <p:nvPr/>
+        </p:nvPicPr>
+        <p:blipFill>
+          <a:blip r:embed="rId4"/>
+          <a:stretch>
+            <a:fillRect/>
+          </a:stretch>
+        </p:blipFill>
+        <p:spPr>
+          <a:xfrm>
+            <a:off x="7108768" y="2195054"/>
+            <a:ext cx="4679085" cy="2133785"/>
+          </a:xfrm>
+          <a:prstGeom prst="rect">
+            <a:avLst/>
+          </a:prstGeom>
+        </p:spPr>
+      </p:pic>
+      <p:pic>
+        <p:nvPicPr>
+          <p:cNvPr id="7" name="Picture 6">
+            <a:extLst>
+              <a:ext uri="{FF2B5EF4-FFF2-40B4-BE49-F238E27FC236}">
+                <a16:creationId xmlns:a16="http://schemas.microsoft.com/office/drawing/2014/main" id="{664A08ED-4489-774A-0A65-68AC74A2B08F}"/>
+              </a:ext>
+            </a:extLst>
+          </p:cNvPr>
+          <p:cNvPicPr>
+            <a:picLocks noChangeAspect="1"/>
+          </p:cNvPicPr>
+          <p:nvPr/>
+        </p:nvPicPr>
+        <p:blipFill>
+          <a:blip r:embed="rId5"/>
+          <a:stretch>
+            <a:fillRect/>
+          </a:stretch>
+        </p:blipFill>
+        <p:spPr>
+          <a:xfrm>
+            <a:off x="7640516" y="4480095"/>
+            <a:ext cx="3262701" cy="2151860"/>
+          </a:xfrm>
+          <a:prstGeom prst="rect">
+            <a:avLst/>
+          </a:prstGeom>
+        </p:spPr>
+      </p:pic>
+    </p:spTree>
+    <p:extLst>
+      <p:ext uri="{BB962C8B-B14F-4D97-AF65-F5344CB8AC3E}">
+        <p14:creationId xmlns:p14="http://schemas.microsoft.com/office/powerpoint/2010/main" val="1289462469"/>
+      </p:ext>
+    </p:extLst>
+  </p:cSld>
+  <p:clrMapOvr>
+    <a:masterClrMapping/>
+  </p:clrMapOvr>
+</p:sld>
+</file>
+
+<file path=ppt/slides/slide44.xml><?xml version="1.0" encoding="utf-8"?>
+<p:sld xmlns:a="http://schemas.openxmlformats.org/drawingml/2006/main" xmlns:r="http://schemas.openxmlformats.org/officeDocument/2006/relationships" xmlns:p="http://schemas.openxmlformats.org/presentationml/2006/main">
+  <p:cSld>
+    <p:spTree>
+      <p:nvGrpSpPr>
+        <p:cNvPr id="1" name=""/>
+        <p:cNvGrpSpPr/>
+        <p:nvPr/>
+      </p:nvGrpSpPr>
+      <p:grpSpPr>
+        <a:xfrm>
+          <a:off x="0" y="0"/>
+          <a:ext cx="0" cy="0"/>
+          <a:chOff x="0" y="0"/>
+          <a:chExt cx="0" cy="0"/>
+        </a:xfrm>
+      </p:grpSpPr>
+      <p:sp>
+        <p:nvSpPr>
+          <p:cNvPr id="4" name="Rectangle 3">
+            <a:extLst>
+              <a:ext uri="{FF2B5EF4-FFF2-40B4-BE49-F238E27FC236}">
+                <a16:creationId xmlns:a16="http://schemas.microsoft.com/office/drawing/2014/main" id="{A4A34817-5B44-493F-D622-8954BF1B2D0D}"/>
+              </a:ext>
+            </a:extLst>
+          </p:cNvPr>
+          <p:cNvSpPr/>
+          <p:nvPr/>
+        </p:nvSpPr>
+        <p:spPr>
+          <a:xfrm>
+            <a:off x="246185" y="1582614"/>
+            <a:ext cx="10339753" cy="5275385"/>
+          </a:xfrm>
+          <a:prstGeom prst="rect">
+            <a:avLst/>
+          </a:prstGeom>
+          <a:noFill/>
+          <a:ln>
+            <a:noFill/>
+          </a:ln>
+        </p:spPr>
+        <p:style>
+          <a:lnRef idx="0">
+            <a:scrgbClr r="0" g="0" b="0"/>
+          </a:lnRef>
+          <a:fillRef idx="0">
+            <a:scrgbClr r="0" g="0" b="0"/>
+          </a:fillRef>
+          <a:effectRef idx="0">
+            <a:scrgbClr r="0" g="0" b="0"/>
+          </a:effectRef>
+          <a:fontRef idx="minor">
+            <a:schemeClr val="dk1"/>
+          </a:fontRef>
+        </p:style>
+        <p:txBody>
+          <a:bodyPr rtlCol="0" anchor="ctr"/>
+          <a:lstStyle/>
+          <a:p>
+            <a:r>
+              <a:rPr lang="en-US" b="1" dirty="0"/>
+              <a:t>Statistics</a:t>
+            </a:r>
+          </a:p>
+          <a:p>
+            <a:pPr marL="285750" indent="-285750">
+              <a:buFont typeface="Arial" panose="020B0604020202020204" pitchFamily="34" charset="0"/>
+              <a:buChar char="•"/>
+            </a:pPr>
+            <a:r>
+              <a:rPr lang="en-US" b="1" dirty="0"/>
+              <a:t>scikit-learn</a:t>
+            </a:r>
+            <a:r>
+              <a:rPr lang="en-US" dirty="0"/>
+              <a:t> (</a:t>
+            </a:r>
+            <a:r>
+              <a:rPr lang="en-US" dirty="0" err="1"/>
+              <a:t>sklearn</a:t>
+            </a:r>
+            <a:r>
+              <a:rPr lang="en-US" dirty="0"/>
+              <a:t>): machine-learning oriented</a:t>
+            </a:r>
+          </a:p>
+          <a:p>
+            <a:pPr marL="285750" indent="-285750">
+              <a:buFont typeface="Arial" panose="020B0604020202020204" pitchFamily="34" charset="0"/>
+              <a:buChar char="•"/>
+            </a:pPr>
+            <a:r>
+              <a:rPr lang="en-US" b="1" dirty="0" err="1"/>
+              <a:t>statsmodels</a:t>
+            </a:r>
+            <a:r>
+              <a:rPr lang="en-US" dirty="0"/>
+              <a:t>: R-like approach</a:t>
+            </a:r>
+          </a:p>
+          <a:p>
+            <a:pPr marL="285750" indent="-285750">
+              <a:buFont typeface="Arial" panose="020B0604020202020204" pitchFamily="34" charset="0"/>
+              <a:buChar char="•"/>
+            </a:pPr>
+            <a:endParaRPr lang="en-US" dirty="0"/>
+          </a:p>
+          <a:p>
+            <a:pPr marL="285750" indent="-285750">
+              <a:buFont typeface="Arial" panose="020B0604020202020204" pitchFamily="34" charset="0"/>
+              <a:buChar char="•"/>
+            </a:pPr>
+            <a:endParaRPr lang="en-US" dirty="0"/>
+          </a:p>
+          <a:p>
+            <a:r>
+              <a:rPr lang="en-US" dirty="0">
+                <a:solidFill>
+                  <a:srgbClr val="0070C0"/>
+                </a:solidFill>
+                <a:latin typeface="Consolas" panose="020B0609020204030204" pitchFamily="49" charset="0"/>
+              </a:rPr>
+              <a:t>import </a:t>
+            </a:r>
+            <a:r>
+              <a:rPr lang="en-US" dirty="0" err="1">
+                <a:solidFill>
+                  <a:srgbClr val="0070C0"/>
+                </a:solidFill>
+                <a:latin typeface="Consolas" panose="020B0609020204030204" pitchFamily="49" charset="0"/>
+              </a:rPr>
+              <a:t>statsmodels.api</a:t>
+            </a:r>
+            <a:r>
+              <a:rPr lang="en-US" dirty="0">
+                <a:solidFill>
+                  <a:srgbClr val="0070C0"/>
+                </a:solidFill>
+                <a:latin typeface="Consolas" panose="020B0609020204030204" pitchFamily="49" charset="0"/>
+              </a:rPr>
+              <a:t> as </a:t>
+            </a:r>
+            <a:r>
+              <a:rPr lang="en-US" dirty="0" err="1">
+                <a:solidFill>
+                  <a:srgbClr val="0070C0"/>
+                </a:solidFill>
+                <a:latin typeface="Consolas" panose="020B0609020204030204" pitchFamily="49" charset="0"/>
+              </a:rPr>
+              <a:t>sm</a:t>
+            </a:r>
+            <a:endParaRPr lang="en-US" dirty="0">
+              <a:solidFill>
+                <a:srgbClr val="0070C0"/>
+              </a:solidFill>
+              <a:latin typeface="Consolas" panose="020B0609020204030204" pitchFamily="49" charset="0"/>
+            </a:endParaRPr>
+          </a:p>
+          <a:p>
+            <a:r>
+              <a:rPr lang="en-US" dirty="0">
+                <a:solidFill>
+                  <a:srgbClr val="0070C0"/>
+                </a:solidFill>
+                <a:latin typeface="Consolas" panose="020B0609020204030204" pitchFamily="49" charset="0"/>
+              </a:rPr>
+              <a:t>import </a:t>
+            </a:r>
+            <a:r>
+              <a:rPr lang="en-US" dirty="0" err="1">
+                <a:solidFill>
+                  <a:srgbClr val="0070C0"/>
+                </a:solidFill>
+                <a:latin typeface="Consolas" panose="020B0609020204030204" pitchFamily="49" charset="0"/>
+              </a:rPr>
+              <a:t>statsmodels.formula.api</a:t>
+            </a:r>
+            <a:r>
+              <a:rPr lang="en-US" dirty="0">
+                <a:solidFill>
+                  <a:srgbClr val="0070C0"/>
+                </a:solidFill>
+                <a:latin typeface="Consolas" panose="020B0609020204030204" pitchFamily="49" charset="0"/>
+              </a:rPr>
+              <a:t> as </a:t>
+            </a:r>
+            <a:r>
+              <a:rPr lang="en-US" dirty="0" err="1">
+                <a:solidFill>
+                  <a:srgbClr val="0070C0"/>
+                </a:solidFill>
+                <a:latin typeface="Consolas" panose="020B0609020204030204" pitchFamily="49" charset="0"/>
+              </a:rPr>
+              <a:t>smf</a:t>
+            </a:r>
+            <a:endParaRPr lang="en-US" dirty="0">
+              <a:solidFill>
+                <a:srgbClr val="0070C0"/>
+              </a:solidFill>
+              <a:latin typeface="Consolas" panose="020B0609020204030204" pitchFamily="49" charset="0"/>
+            </a:endParaRPr>
+          </a:p>
+          <a:p>
+            <a:endParaRPr lang="en-US" dirty="0">
+              <a:solidFill>
+                <a:srgbClr val="0070C0"/>
+              </a:solidFill>
+              <a:latin typeface="Consolas" panose="020B0609020204030204" pitchFamily="49" charset="0"/>
+            </a:endParaRPr>
+          </a:p>
+          <a:p>
+            <a:r>
+              <a:rPr lang="en-US" dirty="0" err="1">
+                <a:solidFill>
+                  <a:srgbClr val="0070C0"/>
+                </a:solidFill>
+                <a:latin typeface="Consolas" panose="020B0609020204030204" pitchFamily="49" charset="0"/>
+              </a:rPr>
+              <a:t>df</a:t>
+            </a:r>
+            <a:r>
+              <a:rPr lang="en-US" dirty="0">
+                <a:solidFill>
+                  <a:srgbClr val="0070C0"/>
+                </a:solidFill>
+                <a:latin typeface="Consolas" panose="020B0609020204030204" pitchFamily="49" charset="0"/>
+              </a:rPr>
+              <a:t> = </a:t>
+            </a:r>
+            <a:r>
+              <a:rPr lang="en-US" dirty="0" err="1">
+                <a:solidFill>
+                  <a:srgbClr val="0070C0"/>
+                </a:solidFill>
+                <a:latin typeface="Consolas" panose="020B0609020204030204" pitchFamily="49" charset="0"/>
+              </a:rPr>
+              <a:t>pd.read_csv</a:t>
+            </a:r>
+            <a:r>
+              <a:rPr lang="en-US" dirty="0">
+                <a:solidFill>
+                  <a:srgbClr val="0070C0"/>
+                </a:solidFill>
+                <a:latin typeface="Consolas" panose="020B0609020204030204" pitchFamily="49" charset="0"/>
+              </a:rPr>
+              <a:t>("iris.csv")</a:t>
+            </a:r>
+          </a:p>
+          <a:p>
+            <a:endParaRPr lang="en-US" dirty="0">
+              <a:solidFill>
+                <a:srgbClr val="0070C0"/>
+              </a:solidFill>
+              <a:latin typeface="Consolas" panose="020B0609020204030204" pitchFamily="49" charset="0"/>
+            </a:endParaRPr>
+          </a:p>
+          <a:p>
+            <a:r>
+              <a:rPr lang="en-US" dirty="0" err="1">
+                <a:solidFill>
+                  <a:srgbClr val="0070C0"/>
+                </a:solidFill>
+                <a:latin typeface="Consolas" panose="020B0609020204030204" pitchFamily="49" charset="0"/>
+              </a:rPr>
+              <a:t>df.columns</a:t>
+            </a:r>
+            <a:r>
+              <a:rPr lang="en-US" dirty="0">
+                <a:solidFill>
+                  <a:srgbClr val="0070C0"/>
+                </a:solidFill>
+                <a:latin typeface="Consolas" panose="020B0609020204030204" pitchFamily="49" charset="0"/>
+              </a:rPr>
+              <a:t> = [</a:t>
+            </a:r>
+            <a:r>
+              <a:rPr lang="en-US" dirty="0" err="1">
+                <a:solidFill>
+                  <a:srgbClr val="0070C0"/>
+                </a:solidFill>
+                <a:latin typeface="Consolas" panose="020B0609020204030204" pitchFamily="49" charset="0"/>
+              </a:rPr>
+              <a:t>s.replace</a:t>
+            </a:r>
+            <a:r>
+              <a:rPr lang="en-US" dirty="0">
+                <a:solidFill>
+                  <a:srgbClr val="0070C0"/>
+                </a:solidFill>
+                <a:latin typeface="Consolas" panose="020B0609020204030204" pitchFamily="49" charset="0"/>
+              </a:rPr>
+              <a:t>(".", "_") for s in </a:t>
+            </a:r>
+            <a:r>
+              <a:rPr lang="en-US" dirty="0" err="1">
+                <a:solidFill>
+                  <a:srgbClr val="0070C0"/>
+                </a:solidFill>
+                <a:latin typeface="Consolas" panose="020B0609020204030204" pitchFamily="49" charset="0"/>
+              </a:rPr>
+              <a:t>df.columns</a:t>
+            </a:r>
+            <a:r>
+              <a:rPr lang="en-US" dirty="0">
+                <a:solidFill>
+                  <a:srgbClr val="0070C0"/>
+                </a:solidFill>
+                <a:latin typeface="Consolas" panose="020B0609020204030204" pitchFamily="49" charset="0"/>
+              </a:rPr>
+              <a:t>]</a:t>
+            </a:r>
+          </a:p>
+          <a:p>
+            <a:endParaRPr lang="en-US" dirty="0">
+              <a:solidFill>
+                <a:srgbClr val="0070C0"/>
+              </a:solidFill>
+              <a:latin typeface="Consolas" panose="020B0609020204030204" pitchFamily="49" charset="0"/>
+            </a:endParaRPr>
+          </a:p>
+          <a:p>
+            <a:r>
+              <a:rPr lang="en-US" dirty="0">
+                <a:solidFill>
+                  <a:srgbClr val="0070C0"/>
+                </a:solidFill>
+                <a:latin typeface="Consolas" panose="020B0609020204030204" pitchFamily="49" charset="0"/>
+              </a:rPr>
+              <a:t>results = </a:t>
+            </a:r>
+            <a:r>
+              <a:rPr lang="en-US" dirty="0" err="1">
+                <a:solidFill>
+                  <a:srgbClr val="0070C0"/>
+                </a:solidFill>
+                <a:latin typeface="Consolas" panose="020B0609020204030204" pitchFamily="49" charset="0"/>
+              </a:rPr>
+              <a:t>smf.ols</a:t>
+            </a:r>
+            <a:r>
+              <a:rPr lang="en-US" dirty="0">
+                <a:solidFill>
+                  <a:srgbClr val="0070C0"/>
+                </a:solidFill>
+                <a:latin typeface="Consolas" panose="020B0609020204030204" pitchFamily="49" charset="0"/>
+              </a:rPr>
+              <a:t>("</a:t>
+            </a:r>
+            <a:r>
+              <a:rPr lang="en-US" dirty="0" err="1">
+                <a:solidFill>
+                  <a:srgbClr val="0070C0"/>
+                </a:solidFill>
+                <a:latin typeface="Consolas" panose="020B0609020204030204" pitchFamily="49" charset="0"/>
+              </a:rPr>
+              <a:t>Sepal_Length</a:t>
+            </a:r>
+            <a:r>
+              <a:rPr lang="en-US" dirty="0">
+                <a:solidFill>
+                  <a:srgbClr val="0070C0"/>
+                </a:solidFill>
+                <a:latin typeface="Consolas" panose="020B0609020204030204" pitchFamily="49" charset="0"/>
+              </a:rPr>
+              <a:t> ~ </a:t>
+            </a:r>
+            <a:r>
+              <a:rPr lang="en-US" dirty="0" err="1">
+                <a:solidFill>
+                  <a:srgbClr val="0070C0"/>
+                </a:solidFill>
+                <a:latin typeface="Consolas" panose="020B0609020204030204" pitchFamily="49" charset="0"/>
+              </a:rPr>
+              <a:t>Petal_Length</a:t>
+            </a:r>
+            <a:r>
+              <a:rPr lang="en-US" dirty="0">
+                <a:solidFill>
+                  <a:srgbClr val="0070C0"/>
+                </a:solidFill>
+                <a:latin typeface="Consolas" panose="020B0609020204030204" pitchFamily="49" charset="0"/>
+              </a:rPr>
+              <a:t> * Species", data=</a:t>
+            </a:r>
+            <a:r>
+              <a:rPr lang="en-US" dirty="0" err="1">
+                <a:solidFill>
+                  <a:srgbClr val="0070C0"/>
+                </a:solidFill>
+                <a:latin typeface="Consolas" panose="020B0609020204030204" pitchFamily="49" charset="0"/>
+              </a:rPr>
+              <a:t>df</a:t>
+            </a:r>
+            <a:r>
+              <a:rPr lang="en-US" dirty="0">
+                <a:solidFill>
+                  <a:srgbClr val="0070C0"/>
+                </a:solidFill>
+                <a:latin typeface="Consolas" panose="020B0609020204030204" pitchFamily="49" charset="0"/>
+              </a:rPr>
+              <a:t>).fit()</a:t>
+            </a:r>
+          </a:p>
+          <a:p>
+            <a:r>
+              <a:rPr lang="en-US" dirty="0">
+                <a:solidFill>
+                  <a:srgbClr val="0070C0"/>
+                </a:solidFill>
+                <a:latin typeface="Consolas" panose="020B0609020204030204" pitchFamily="49" charset="0"/>
+              </a:rPr>
+              <a:t>print(</a:t>
+            </a:r>
+            <a:r>
+              <a:rPr lang="en-US" dirty="0" err="1">
+                <a:solidFill>
+                  <a:srgbClr val="0070C0"/>
+                </a:solidFill>
+                <a:latin typeface="Consolas" panose="020B0609020204030204" pitchFamily="49" charset="0"/>
+              </a:rPr>
+              <a:t>results.summary</a:t>
+            </a:r>
+            <a:r>
+              <a:rPr lang="en-US" dirty="0">
+                <a:solidFill>
+                  <a:srgbClr val="0070C0"/>
+                </a:solidFill>
+                <a:latin typeface="Consolas" panose="020B0609020204030204" pitchFamily="49" charset="0"/>
+              </a:rPr>
+              <a:t>())</a:t>
+            </a:r>
+          </a:p>
+        </p:txBody>
+      </p:sp>
+      <p:sp>
+        <p:nvSpPr>
+          <p:cNvPr id="3" name="Rectangle 2">
+            <a:extLst>
+              <a:ext uri="{FF2B5EF4-FFF2-40B4-BE49-F238E27FC236}">
+                <a16:creationId xmlns:a16="http://schemas.microsoft.com/office/drawing/2014/main" id="{4A9145F6-62DE-99CD-57F6-F9DD4C3F5350}"/>
+              </a:ext>
+            </a:extLst>
+          </p:cNvPr>
+          <p:cNvSpPr/>
+          <p:nvPr/>
+        </p:nvSpPr>
+        <p:spPr>
+          <a:xfrm>
+            <a:off x="0" y="0"/>
+            <a:ext cx="4544841" cy="519107"/>
+          </a:xfrm>
+          <a:prstGeom prst="rect">
+            <a:avLst/>
+          </a:prstGeom>
+          <a:solidFill>
+            <a:srgbClr val="002060"/>
+          </a:solidFill>
+          <a:ln>
+            <a:noFill/>
+          </a:ln>
+        </p:spPr>
+        <p:style>
+          <a:lnRef idx="0">
+            <a:scrgbClr r="0" g="0" b="0"/>
+          </a:lnRef>
+          <a:fillRef idx="0">
+            <a:scrgbClr r="0" g="0" b="0"/>
+          </a:fillRef>
+          <a:effectRef idx="0">
+            <a:scrgbClr r="0" g="0" b="0"/>
+          </a:effectRef>
+          <a:fontRef idx="minor">
+            <a:schemeClr val="dk1"/>
+          </a:fontRef>
+        </p:style>
+        <p:txBody>
+          <a:bodyPr rtlCol="0" anchor="ctr"/>
+          <a:lstStyle/>
+          <a:p>
+            <a:r>
+              <a:rPr lang="en-US" b="1" dirty="0">
+                <a:solidFill>
+                  <a:schemeClr val="bg1"/>
+                </a:solidFill>
+                <a:latin typeface="Consolas" panose="020B0609020204030204" pitchFamily="49" charset="0"/>
+              </a:rPr>
+              <a:t>Advanced Python</a:t>
+            </a:r>
+            <a:endParaRPr lang="en-US" dirty="0">
+              <a:solidFill>
+                <a:schemeClr val="bg1"/>
+              </a:solidFill>
+              <a:latin typeface="Consolas" panose="020B0609020204030204" pitchFamily="49" charset="0"/>
+            </a:endParaRPr>
+          </a:p>
+        </p:txBody>
+      </p:sp>
+      <p:pic>
+        <p:nvPicPr>
+          <p:cNvPr id="5" name="Picture 4">
+            <a:extLst>
+              <a:ext uri="{FF2B5EF4-FFF2-40B4-BE49-F238E27FC236}">
+                <a16:creationId xmlns:a16="http://schemas.microsoft.com/office/drawing/2014/main" id="{C732E798-1515-5C70-8356-6D36A6762188}"/>
+              </a:ext>
+            </a:extLst>
+          </p:cNvPr>
+          <p:cNvPicPr>
+            <a:picLocks noChangeAspect="1"/>
+          </p:cNvPicPr>
+          <p:nvPr/>
+        </p:nvPicPr>
+        <p:blipFill>
+          <a:blip r:embed="rId2"/>
+          <a:stretch>
+            <a:fillRect/>
+          </a:stretch>
+        </p:blipFill>
+        <p:spPr>
+          <a:xfrm>
+            <a:off x="5892959" y="1230922"/>
+            <a:ext cx="6035271" cy="3348253"/>
+          </a:xfrm>
+          <a:prstGeom prst="rect">
+            <a:avLst/>
+          </a:prstGeom>
+        </p:spPr>
+      </p:pic>
+    </p:spTree>
+    <p:extLst>
+      <p:ext uri="{BB962C8B-B14F-4D97-AF65-F5344CB8AC3E}">
+        <p14:creationId xmlns:p14="http://schemas.microsoft.com/office/powerpoint/2010/main" val="3396884586"/>
+      </p:ext>
+    </p:extLst>
+  </p:cSld>
+  <p:clrMapOvr>
+    <a:masterClrMapping/>
+  </p:clrMapOvr>
+</p:sld>
+</file>
+
+<file path=ppt/slides/slide45.xml><?xml version="1.0" encoding="utf-8"?>
+<p:sld xmlns:a="http://schemas.openxmlformats.org/drawingml/2006/main" xmlns:r="http://schemas.openxmlformats.org/officeDocument/2006/relationships" xmlns:p="http://schemas.openxmlformats.org/presentationml/2006/main">
+  <p:cSld>
+    <p:spTree>
+      <p:nvGrpSpPr>
+        <p:cNvPr id="1" name=""/>
+        <p:cNvGrpSpPr/>
+        <p:nvPr/>
+      </p:nvGrpSpPr>
+      <p:grpSpPr>
+        <a:xfrm>
+          <a:off x="0" y="0"/>
+          <a:ext cx="0" cy="0"/>
+          <a:chOff x="0" y="0"/>
+          <a:chExt cx="0" cy="0"/>
+        </a:xfrm>
+      </p:grpSpPr>
+      <p:sp>
+        <p:nvSpPr>
+          <p:cNvPr id="2" name="Rectangle 1">
+            <a:extLst>
+              <a:ext uri="{FF2B5EF4-FFF2-40B4-BE49-F238E27FC236}">
+                <a16:creationId xmlns:a16="http://schemas.microsoft.com/office/drawing/2014/main" id="{D49C5463-E394-42E9-C5E0-E7A788737112}"/>
+              </a:ext>
+            </a:extLst>
+          </p:cNvPr>
+          <p:cNvSpPr/>
+          <p:nvPr/>
+        </p:nvSpPr>
+        <p:spPr>
+          <a:xfrm>
+            <a:off x="0" y="0"/>
+            <a:ext cx="4544841" cy="519107"/>
+          </a:xfrm>
+          <a:prstGeom prst="rect">
+            <a:avLst/>
+          </a:prstGeom>
+          <a:solidFill>
+            <a:srgbClr val="002060"/>
+          </a:solidFill>
+          <a:ln>
+            <a:noFill/>
+          </a:ln>
+        </p:spPr>
+        <p:style>
+          <a:lnRef idx="0">
+            <a:scrgbClr r="0" g="0" b="0"/>
+          </a:lnRef>
+          <a:fillRef idx="0">
+            <a:scrgbClr r="0" g="0" b="0"/>
+          </a:fillRef>
+          <a:effectRef idx="0">
+            <a:scrgbClr r="0" g="0" b="0"/>
+          </a:effectRef>
+          <a:fontRef idx="minor">
+            <a:schemeClr val="dk1"/>
+          </a:fontRef>
+        </p:style>
+        <p:txBody>
+          <a:bodyPr rtlCol="0" anchor="ctr"/>
+          <a:lstStyle/>
+          <a:p>
+            <a:r>
+              <a:rPr lang="en-US" b="1" dirty="0">
+                <a:solidFill>
+                  <a:schemeClr val="bg1"/>
+                </a:solidFill>
+                <a:latin typeface="Consolas" panose="020B0609020204030204" pitchFamily="49" charset="0"/>
+              </a:rPr>
+              <a:t>Advanced Python</a:t>
+            </a:r>
+            <a:endParaRPr lang="en-US" dirty="0">
+              <a:solidFill>
+                <a:schemeClr val="bg1"/>
+              </a:solidFill>
+              <a:latin typeface="Consolas" panose="020B0609020204030204" pitchFamily="49" charset="0"/>
+            </a:endParaRPr>
+          </a:p>
+        </p:txBody>
+      </p:sp>
+      <p:sp>
+        <p:nvSpPr>
+          <p:cNvPr id="3" name="Rectangle 2">
+            <a:extLst>
+              <a:ext uri="{FF2B5EF4-FFF2-40B4-BE49-F238E27FC236}">
+                <a16:creationId xmlns:a16="http://schemas.microsoft.com/office/drawing/2014/main" id="{F5D1C075-FFB2-92A8-9111-2E31335F73AB}"/>
+              </a:ext>
+            </a:extLst>
+          </p:cNvPr>
+          <p:cNvSpPr/>
+          <p:nvPr/>
+        </p:nvSpPr>
+        <p:spPr>
+          <a:xfrm>
+            <a:off x="246185" y="1582615"/>
+            <a:ext cx="10339753" cy="1732086"/>
+          </a:xfrm>
+          <a:prstGeom prst="rect">
+            <a:avLst/>
+          </a:prstGeom>
+          <a:noFill/>
+          <a:ln>
+            <a:noFill/>
+          </a:ln>
+        </p:spPr>
+        <p:style>
+          <a:lnRef idx="0">
+            <a:scrgbClr r="0" g="0" b="0"/>
+          </a:lnRef>
+          <a:fillRef idx="0">
+            <a:scrgbClr r="0" g="0" b="0"/>
+          </a:fillRef>
+          <a:effectRef idx="0">
+            <a:scrgbClr r="0" g="0" b="0"/>
+          </a:effectRef>
+          <a:fontRef idx="minor">
+            <a:schemeClr val="dk1"/>
+          </a:fontRef>
+        </p:style>
+        <p:txBody>
+          <a:bodyPr rtlCol="0" anchor="ctr"/>
+          <a:lstStyle/>
+          <a:p>
+            <a:r>
+              <a:rPr lang="en-US" b="1" dirty="0"/>
+              <a:t>What to do from there?</a:t>
+            </a:r>
+          </a:p>
+          <a:p>
+            <a:pPr marL="285750" indent="-285750">
+              <a:buFont typeface="Arial" panose="020B0604020202020204" pitchFamily="34" charset="0"/>
+              <a:buChar char="•"/>
+            </a:pPr>
+            <a:r>
+              <a:rPr lang="en-US" dirty="0">
+                <a:solidFill>
+                  <a:schemeClr val="tx1"/>
+                </a:solidFill>
+              </a:rPr>
+              <a:t>Exploratory approach to Python: search, copy/paste &amp; try</a:t>
+            </a:r>
+          </a:p>
+          <a:p>
+            <a:pPr marL="285750" indent="-285750">
+              <a:buFont typeface="Arial" panose="020B0604020202020204" pitchFamily="34" charset="0"/>
+              <a:buChar char="•"/>
+            </a:pPr>
+            <a:r>
+              <a:rPr lang="en-US" dirty="0">
+                <a:solidFill>
+                  <a:schemeClr val="tx1"/>
+                </a:solidFill>
+              </a:rPr>
+              <a:t>Goal-driven learning + community-based learning</a:t>
+            </a:r>
+          </a:p>
+        </p:txBody>
+      </p:sp>
+      <p:pic>
+        <p:nvPicPr>
+          <p:cNvPr id="1026" name="Picture 2" descr="SHARING IS CARING AND CARING IS LOVE - Keep Calm and Posters Generator,  Maker For Free - KeepCalmAndPosters.com">
+            <a:extLst>
+              <a:ext uri="{FF2B5EF4-FFF2-40B4-BE49-F238E27FC236}">
+                <a16:creationId xmlns:a16="http://schemas.microsoft.com/office/drawing/2014/main" id="{1B70260A-18E4-1C4D-0D33-BAA799A786A5}"/>
+              </a:ext>
+            </a:extLst>
+          </p:cNvPr>
+          <p:cNvPicPr>
+            <a:picLocks noChangeAspect="1" noChangeArrowheads="1"/>
+          </p:cNvPicPr>
+          <p:nvPr/>
+        </p:nvPicPr>
+        <p:blipFill rotWithShape="1">
+          <a:blip r:embed="rId2">
+            <a:extLst>
+              <a:ext uri="{28A0092B-C50C-407E-A947-70E740481C1C}">
+                <a14:useLocalDpi xmlns:a14="http://schemas.microsoft.com/office/drawing/2010/main" val="0"/>
+              </a:ext>
+            </a:extLst>
+          </a:blip>
+          <a:srcRect b="45513"/>
+          <a:stretch/>
+        </p:blipFill>
+        <p:spPr bwMode="auto">
+          <a:xfrm>
+            <a:off x="6802315" y="1560634"/>
+            <a:ext cx="5143500" cy="3736731"/>
+          </a:xfrm>
+          <a:prstGeom prst="rect">
+            <a:avLst/>
+          </a:prstGeom>
+          <a:noFill/>
+          <a:extLst>
+            <a:ext uri="{909E8E84-426E-40DD-AFC4-6F175D3DCCD1}">
+              <a14:hiddenFill xmlns:a14="http://schemas.microsoft.com/office/drawing/2010/main">
+                <a:solidFill>
+                  <a:srgbClr val="FFFFFF"/>
+                </a:solidFill>
+              </a14:hiddenFill>
+            </a:ext>
+          </a:extLst>
+        </p:spPr>
+      </p:pic>
+    </p:spTree>
+    <p:extLst>
+      <p:ext uri="{BB962C8B-B14F-4D97-AF65-F5344CB8AC3E}">
+        <p14:creationId xmlns:p14="http://schemas.microsoft.com/office/powerpoint/2010/main" val="4092090268"/>
+      </p:ext>
+    </p:extLst>
+  </p:cSld>
+  <p:clrMapOvr>
+    <a:masterClrMapping/>
+  </p:clrMapOvr>
+</p:sld>
+</file>
+
+<file path=ppt/slides/slide46.xml><?xml version="1.0" encoding="utf-8"?>
 <p:sld xmlns:a="http://schemas.openxmlformats.org/drawingml/2006/main" xmlns:r="http://schemas.openxmlformats.org/officeDocument/2006/relationships" xmlns:p="http://schemas.openxmlformats.org/presentationml/2006/main">
   <p:cSld>
     <p:spTree>
@@ -18577,7 +21147,366 @@
 </p:sld>
 </file>
 
-<file path=ppt/slides/slide43.xml><?xml version="1.0" encoding="utf-8"?>
+<file path=ppt/slides/slide47.xml><?xml version="1.0" encoding="utf-8"?>
+<p:sld xmlns:a="http://schemas.openxmlformats.org/drawingml/2006/main" xmlns:r="http://schemas.openxmlformats.org/officeDocument/2006/relationships" xmlns:p="http://schemas.openxmlformats.org/presentationml/2006/main">
+  <p:cSld>
+    <p:spTree>
+      <p:nvGrpSpPr>
+        <p:cNvPr id="1" name=""/>
+        <p:cNvGrpSpPr/>
+        <p:nvPr/>
+      </p:nvGrpSpPr>
+      <p:grpSpPr>
+        <a:xfrm>
+          <a:off x="0" y="0"/>
+          <a:ext cx="0" cy="0"/>
+          <a:chOff x="0" y="0"/>
+          <a:chExt cx="0" cy="0"/>
+        </a:xfrm>
+      </p:grpSpPr>
+      <p:pic>
+        <p:nvPicPr>
+          <p:cNvPr id="3" name="Picture 2">
+            <a:extLst>
+              <a:ext uri="{FF2B5EF4-FFF2-40B4-BE49-F238E27FC236}">
+                <a16:creationId xmlns:a16="http://schemas.microsoft.com/office/drawing/2014/main" id="{355779C2-D076-F6FD-BCA2-F2ED4378BDCC}"/>
+              </a:ext>
+            </a:extLst>
+          </p:cNvPr>
+          <p:cNvPicPr>
+            <a:picLocks noChangeAspect="1"/>
+          </p:cNvPicPr>
+          <p:nvPr/>
+        </p:nvPicPr>
+        <p:blipFill>
+          <a:blip r:embed="rId2"/>
+          <a:stretch>
+            <a:fillRect/>
+          </a:stretch>
+        </p:blipFill>
+        <p:spPr>
+          <a:xfrm>
+            <a:off x="8243967" y="259553"/>
+            <a:ext cx="3314987" cy="2758679"/>
+          </a:xfrm>
+          <a:prstGeom prst="rect">
+            <a:avLst/>
+          </a:prstGeom>
+        </p:spPr>
+      </p:pic>
+      <p:sp>
+        <p:nvSpPr>
+          <p:cNvPr id="4" name="Rectangle 3">
+            <a:extLst>
+              <a:ext uri="{FF2B5EF4-FFF2-40B4-BE49-F238E27FC236}">
+                <a16:creationId xmlns:a16="http://schemas.microsoft.com/office/drawing/2014/main" id="{BF8FA3DB-D230-6BDD-9B1D-7C1BFEDFC352}"/>
+              </a:ext>
+            </a:extLst>
+          </p:cNvPr>
+          <p:cNvSpPr/>
+          <p:nvPr/>
+        </p:nvSpPr>
+        <p:spPr>
+          <a:xfrm>
+            <a:off x="412047" y="708658"/>
+            <a:ext cx="10339753" cy="3270740"/>
+          </a:xfrm>
+          <a:prstGeom prst="rect">
+            <a:avLst/>
+          </a:prstGeom>
+          <a:noFill/>
+          <a:ln>
+            <a:noFill/>
+          </a:ln>
+        </p:spPr>
+        <p:style>
+          <a:lnRef idx="0">
+            <a:scrgbClr r="0" g="0" b="0"/>
+          </a:lnRef>
+          <a:fillRef idx="0">
+            <a:scrgbClr r="0" g="0" b="0"/>
+          </a:fillRef>
+          <a:effectRef idx="0">
+            <a:scrgbClr r="0" g="0" b="0"/>
+          </a:effectRef>
+          <a:fontRef idx="minor">
+            <a:schemeClr val="dk1"/>
+          </a:fontRef>
+        </p:style>
+        <p:txBody>
+          <a:bodyPr rtlCol="0" anchor="ctr"/>
+          <a:lstStyle/>
+          <a:p>
+            <a:r>
+              <a:rPr lang="en-US" b="1" dirty="0"/>
+              <a:t>GitHub on </a:t>
+            </a:r>
+            <a:r>
+              <a:rPr lang="en-US" b="1" dirty="0" err="1"/>
+              <a:t>VScode</a:t>
+            </a:r>
+            <a:endParaRPr lang="en-US" b="1" dirty="0"/>
+          </a:p>
+          <a:p>
+            <a:pPr marL="285750" indent="-285750">
+              <a:buFont typeface="Arial" panose="020B0604020202020204" pitchFamily="34" charset="0"/>
+              <a:buChar char="•"/>
+            </a:pPr>
+            <a:r>
+              <a:rPr lang="en-US" dirty="0">
+                <a:solidFill>
+                  <a:schemeClr val="tx1"/>
+                </a:solidFill>
+              </a:rPr>
+              <a:t>Install git (</a:t>
+            </a:r>
+            <a:r>
+              <a:rPr lang="en-US" dirty="0">
+                <a:solidFill>
+                  <a:srgbClr val="0070C0"/>
+                </a:solidFill>
+              </a:rPr>
+              <a:t>https://git-scm.com/download</a:t>
+            </a:r>
+            <a:r>
+              <a:rPr lang="en-US" dirty="0">
+                <a:solidFill>
+                  <a:schemeClr val="tx1"/>
+                </a:solidFill>
+              </a:rPr>
+              <a:t>)</a:t>
+            </a:r>
+          </a:p>
+          <a:p>
+            <a:pPr marL="285750" indent="-285750">
+              <a:buFont typeface="Arial" panose="020B0604020202020204" pitchFamily="34" charset="0"/>
+              <a:buChar char="•"/>
+            </a:pPr>
+            <a:r>
+              <a:rPr lang="en-US" dirty="0">
+                <a:solidFill>
+                  <a:schemeClr val="tx1"/>
+                </a:solidFill>
+              </a:rPr>
+              <a:t>GitHub Pull Requests and Issues</a:t>
+            </a:r>
+          </a:p>
+          <a:p>
+            <a:pPr marL="285750" indent="-285750">
+              <a:buFont typeface="Arial" panose="020B0604020202020204" pitchFamily="34" charset="0"/>
+              <a:buChar char="•"/>
+            </a:pPr>
+            <a:r>
+              <a:rPr lang="en-US" dirty="0">
+                <a:solidFill>
+                  <a:schemeClr val="tx1"/>
+                </a:solidFill>
+              </a:rPr>
+              <a:t>Go to “Clone Repository” (clone from GitHub)</a:t>
+            </a:r>
+          </a:p>
+          <a:p>
+            <a:pPr marL="285750" indent="-285750">
+              <a:buFont typeface="Arial" panose="020B0604020202020204" pitchFamily="34" charset="0"/>
+              <a:buChar char="•"/>
+            </a:pPr>
+            <a:r>
+              <a:rPr lang="en-US" dirty="0">
+                <a:solidFill>
+                  <a:schemeClr val="tx1"/>
+                </a:solidFill>
+              </a:rPr>
+              <a:t>Sign in</a:t>
+            </a:r>
+          </a:p>
+          <a:p>
+            <a:pPr marL="285750" indent="-285750">
+              <a:buFont typeface="Arial" panose="020B0604020202020204" pitchFamily="34" charset="0"/>
+              <a:buChar char="•"/>
+            </a:pPr>
+            <a:endParaRPr lang="en-US" dirty="0">
+              <a:solidFill>
+                <a:schemeClr val="tx1"/>
+              </a:solidFill>
+            </a:endParaRPr>
+          </a:p>
+          <a:p>
+            <a:r>
+              <a:rPr lang="en-US" b="1" dirty="0">
+                <a:solidFill>
+                  <a:schemeClr val="tx1"/>
+                </a:solidFill>
+              </a:rPr>
+              <a:t>GitHub locally:</a:t>
+            </a:r>
+          </a:p>
+          <a:p>
+            <a:pPr marL="285750" indent="-285750">
+              <a:buFont typeface="Arial" panose="020B0604020202020204" pitchFamily="34" charset="0"/>
+              <a:buChar char="•"/>
+            </a:pPr>
+            <a:r>
+              <a:rPr lang="en-US" dirty="0">
+                <a:solidFill>
+                  <a:schemeClr val="tx1"/>
+                </a:solidFill>
+              </a:rPr>
+              <a:t>You can “clone” a repo </a:t>
+            </a:r>
+          </a:p>
+          <a:p>
+            <a:pPr marL="742950" lvl="1" indent="-285750">
+              <a:buFont typeface="Arial" panose="020B0604020202020204" pitchFamily="34" charset="0"/>
+              <a:buChar char="•"/>
+            </a:pPr>
+            <a:r>
+              <a:rPr lang="en-US" dirty="0">
+                <a:solidFill>
+                  <a:schemeClr val="tx1"/>
+                </a:solidFill>
+              </a:rPr>
+              <a:t>= download it from GitHub to your machine locally</a:t>
+            </a:r>
+          </a:p>
+        </p:txBody>
+      </p:sp>
+      <p:pic>
+        <p:nvPicPr>
+          <p:cNvPr id="6" name="Picture 5">
+            <a:extLst>
+              <a:ext uri="{FF2B5EF4-FFF2-40B4-BE49-F238E27FC236}">
+                <a16:creationId xmlns:a16="http://schemas.microsoft.com/office/drawing/2014/main" id="{4B10F46E-95DD-4546-28D1-B007806D5F04}"/>
+              </a:ext>
+            </a:extLst>
+          </p:cNvPr>
+          <p:cNvPicPr>
+            <a:picLocks noChangeAspect="1"/>
+          </p:cNvPicPr>
+          <p:nvPr/>
+        </p:nvPicPr>
+        <p:blipFill>
+          <a:blip r:embed="rId3"/>
+          <a:stretch>
+            <a:fillRect/>
+          </a:stretch>
+        </p:blipFill>
+        <p:spPr>
+          <a:xfrm>
+            <a:off x="8243967" y="3106294"/>
+            <a:ext cx="3535986" cy="975445"/>
+          </a:xfrm>
+          <a:prstGeom prst="rect">
+            <a:avLst/>
+          </a:prstGeom>
+        </p:spPr>
+      </p:pic>
+      <p:sp>
+        <p:nvSpPr>
+          <p:cNvPr id="7" name="Rectangle 6">
+            <a:extLst>
+              <a:ext uri="{FF2B5EF4-FFF2-40B4-BE49-F238E27FC236}">
+                <a16:creationId xmlns:a16="http://schemas.microsoft.com/office/drawing/2014/main" id="{C50903B8-9549-E718-B78D-A0EA7F6AC3BF}"/>
+              </a:ext>
+            </a:extLst>
+          </p:cNvPr>
+          <p:cNvSpPr/>
+          <p:nvPr/>
+        </p:nvSpPr>
+        <p:spPr>
+          <a:xfrm>
+            <a:off x="0" y="0"/>
+            <a:ext cx="4544841" cy="519107"/>
+          </a:xfrm>
+          <a:prstGeom prst="rect">
+            <a:avLst/>
+          </a:prstGeom>
+          <a:solidFill>
+            <a:srgbClr val="002060"/>
+          </a:solidFill>
+          <a:ln>
+            <a:noFill/>
+          </a:ln>
+        </p:spPr>
+        <p:style>
+          <a:lnRef idx="0">
+            <a:scrgbClr r="0" g="0" b="0"/>
+          </a:lnRef>
+          <a:fillRef idx="0">
+            <a:scrgbClr r="0" g="0" b="0"/>
+          </a:fillRef>
+          <a:effectRef idx="0">
+            <a:scrgbClr r="0" g="0" b="0"/>
+          </a:effectRef>
+          <a:fontRef idx="minor">
+            <a:schemeClr val="dk1"/>
+          </a:fontRef>
+        </p:style>
+        <p:txBody>
+          <a:bodyPr rtlCol="0" anchor="ctr"/>
+          <a:lstStyle/>
+          <a:p>
+            <a:r>
+              <a:rPr lang="en-US" b="1" dirty="0">
+                <a:solidFill>
+                  <a:schemeClr val="bg1"/>
+                </a:solidFill>
+                <a:latin typeface="Consolas" panose="020B0609020204030204" pitchFamily="49" charset="0"/>
+              </a:rPr>
+              <a:t>GitHub</a:t>
+            </a:r>
+            <a:endParaRPr lang="en-US" dirty="0">
+              <a:solidFill>
+                <a:schemeClr val="bg1"/>
+              </a:solidFill>
+              <a:latin typeface="Consolas" panose="020B0609020204030204" pitchFamily="49" charset="0"/>
+            </a:endParaRPr>
+          </a:p>
+        </p:txBody>
+      </p:sp>
+      <p:pic>
+        <p:nvPicPr>
+          <p:cNvPr id="9" name="Picture 8">
+            <a:extLst>
+              <a:ext uri="{FF2B5EF4-FFF2-40B4-BE49-F238E27FC236}">
+                <a16:creationId xmlns:a16="http://schemas.microsoft.com/office/drawing/2014/main" id="{5B74AD35-E937-59C0-9B2C-8E39798AFE34}"/>
+              </a:ext>
+            </a:extLst>
+          </p:cNvPr>
+          <p:cNvPicPr>
+            <a:picLocks noChangeAspect="1"/>
+          </p:cNvPicPr>
+          <p:nvPr/>
+        </p:nvPicPr>
+        <p:blipFill>
+          <a:blip r:embed="rId4"/>
+          <a:stretch>
+            <a:fillRect/>
+          </a:stretch>
+        </p:blipFill>
+        <p:spPr>
+          <a:xfrm>
+            <a:off x="983364" y="3847513"/>
+            <a:ext cx="2578112" cy="2876261"/>
+          </a:xfrm>
+          <a:prstGeom prst="rect">
+            <a:avLst/>
+          </a:prstGeom>
+        </p:spPr>
+      </p:pic>
+    </p:spTree>
+    <p:extLst>
+      <p:ext uri="{BB962C8B-B14F-4D97-AF65-F5344CB8AC3E}">
+        <p14:creationId xmlns:p14="http://schemas.microsoft.com/office/powerpoint/2010/main" val="2917701683"/>
+      </p:ext>
+    </p:extLst>
+  </p:cSld>
+  <p:clrMapOvr>
+    <a:masterClrMapping/>
+  </p:clrMapOvr>
+</p:sld>
+</file>
+
+<file path=ppt/slides/slide48.xml><?xml version="1.0" encoding="utf-8"?>
 <p:sld xmlns:a="http://schemas.openxmlformats.org/drawingml/2006/main" xmlns:r="http://schemas.openxmlformats.org/officeDocument/2006/relationships" xmlns:p="http://schemas.openxmlformats.org/presentationml/2006/main">
   <p:cSld>
     <p:spTree>
@@ -18608,8 +21537,8 @@
         </p:nvSpPr>
         <p:spPr>
           <a:xfrm>
-            <a:off x="0" y="0"/>
-            <a:ext cx="12192000" cy="6858000"/>
+            <a:off x="0" y="992259"/>
+            <a:ext cx="12192000" cy="2883877"/>
           </a:xfrm>
           <a:prstGeom prst="rect">
             <a:avLst/>
@@ -18647,8 +21576,54 @@
             </a:r>
             <a:r>
               <a:rPr lang="en-US" sz="4400" dirty="0"/>
-              <a:t>Create a Pull Request (PR):</a:t>
-            </a:r>
+              <a:t>Create and edit your own test repo</a:t>
+            </a:r>
+          </a:p>
+          <a:p>
+            <a:pPr marL="1143000" indent="-1143000">
+              <a:buFont typeface="+mj-lt"/>
+              <a:buAutoNum type="arabicPeriod"/>
+            </a:pPr>
+            <a:endParaRPr lang="en-US" sz="2400" dirty="0"/>
+          </a:p>
+          <a:p>
+            <a:pPr marL="1143000" indent="-1143000">
+              <a:buFont typeface="+mj-lt"/>
+              <a:buAutoNum type="arabicPeriod"/>
+            </a:pPr>
+            <a:r>
+              <a:rPr lang="en-US" sz="2400" dirty="0"/>
+              <a:t>Create a new repo called “</a:t>
+            </a:r>
+            <a:r>
+              <a:rPr lang="en-US" sz="2400" dirty="0" err="1"/>
+              <a:t>testrepo</a:t>
+            </a:r>
+            <a:r>
+              <a:rPr lang="en-US" sz="2400" dirty="0"/>
+              <a:t>” with a README file</a:t>
+            </a:r>
+          </a:p>
+          <a:p>
+            <a:pPr marL="1143000" indent="-1143000">
+              <a:buFont typeface="+mj-lt"/>
+              <a:buAutoNum type="arabicPeriod"/>
+            </a:pPr>
+            <a:r>
+              <a:rPr lang="en-US" sz="2400" dirty="0"/>
+              <a:t>Edit the file in the browser</a:t>
+            </a:r>
+          </a:p>
+          <a:p>
+            <a:pPr marL="1143000" indent="-1143000">
+              <a:buFont typeface="+mj-lt"/>
+              <a:buAutoNum type="arabicPeriod"/>
+            </a:pPr>
+            <a:r>
+              <a:rPr lang="en-US" sz="2400" dirty="0"/>
+              <a:t>Commit the change</a:t>
+            </a:r>
+            <a:endParaRPr lang="en-US" sz="4000" dirty="0"/>
           </a:p>
           <a:p>
             <a:pPr marL="1143000" indent="-1143000" algn="ctr">
@@ -18656,16 +21631,6 @@
               <a:buChar char="ü"/>
             </a:pPr>
             <a:endParaRPr lang="en-US" sz="4400" dirty="0"/>
-          </a:p>
-          <a:p>
-            <a:pPr marL="1143000" indent="-1143000">
-              <a:buFont typeface="Wingdings" panose="05000000000000000000" pitchFamily="2" charset="2"/>
-              <a:buChar char="ü"/>
-            </a:pPr>
-            <a:r>
-              <a:rPr lang="en-US" sz="3200" dirty="0"/>
-              <a:t>Delete the line that is assigned to you</a:t>
-            </a:r>
           </a:p>
         </p:txBody>
       </p:sp>
@@ -18728,7 +21693,7 @@
                   <a:schemeClr val="bg1"/>
                 </a:solidFill>
               </a:rPr>
-              <a:t> time 💪 (10 min)</a:t>
+              <a:t> time 💪 (2 min)</a:t>
             </a:r>
             <a:endParaRPr lang="en-US" sz="2800" dirty="0">
               <a:solidFill>
@@ -18738,10 +21703,521 @@
           </a:p>
         </p:txBody>
       </p:sp>
+      <p:pic>
+        <p:nvPicPr>
+          <p:cNvPr id="4" name="Picture 3">
+            <a:extLst>
+              <a:ext uri="{FF2B5EF4-FFF2-40B4-BE49-F238E27FC236}">
+                <a16:creationId xmlns:a16="http://schemas.microsoft.com/office/drawing/2014/main" id="{EE4BEEE6-B2E7-B4C3-76B1-4C9DBC9A8BA9}"/>
+              </a:ext>
+            </a:extLst>
+          </p:cNvPr>
+          <p:cNvPicPr>
+            <a:picLocks noChangeAspect="1"/>
+          </p:cNvPicPr>
+          <p:nvPr/>
+        </p:nvPicPr>
+        <p:blipFill>
+          <a:blip r:embed="rId3"/>
+          <a:stretch>
+            <a:fillRect/>
+          </a:stretch>
+        </p:blipFill>
+        <p:spPr>
+          <a:xfrm>
+            <a:off x="418659" y="3876136"/>
+            <a:ext cx="3406435" cy="2270957"/>
+          </a:xfrm>
+          <a:prstGeom prst="rect">
+            <a:avLst/>
+          </a:prstGeom>
+          <a:ln>
+            <a:noFill/>
+          </a:ln>
+          <a:effectLst>
+            <a:outerShdw blurRad="292100" dist="139700" dir="2700000" algn="tl" rotWithShape="0">
+              <a:srgbClr val="333333">
+                <a:alpha val="65000"/>
+              </a:srgbClr>
+            </a:outerShdw>
+          </a:effectLst>
+        </p:spPr>
+      </p:pic>
+      <p:pic>
+        <p:nvPicPr>
+          <p:cNvPr id="7" name="Picture 6">
+            <a:extLst>
+              <a:ext uri="{FF2B5EF4-FFF2-40B4-BE49-F238E27FC236}">
+                <a16:creationId xmlns:a16="http://schemas.microsoft.com/office/drawing/2014/main" id="{37C52F9E-79BE-8589-3190-AF28DAD466A5}"/>
+              </a:ext>
+            </a:extLst>
+          </p:cNvPr>
+          <p:cNvPicPr>
+            <a:picLocks noChangeAspect="1"/>
+          </p:cNvPicPr>
+          <p:nvPr/>
+        </p:nvPicPr>
+        <p:blipFill>
+          <a:blip r:embed="rId4"/>
+          <a:stretch>
+            <a:fillRect/>
+          </a:stretch>
+        </p:blipFill>
+        <p:spPr>
+          <a:xfrm>
+            <a:off x="4310986" y="3270738"/>
+            <a:ext cx="2688186" cy="3310124"/>
+          </a:xfrm>
+          <a:prstGeom prst="rect">
+            <a:avLst/>
+          </a:prstGeom>
+          <a:ln>
+            <a:noFill/>
+          </a:ln>
+          <a:effectLst>
+            <a:outerShdw blurRad="292100" dist="139700" dir="2700000" algn="tl" rotWithShape="0">
+              <a:srgbClr val="333333">
+                <a:alpha val="65000"/>
+              </a:srgbClr>
+            </a:outerShdw>
+          </a:effectLst>
+        </p:spPr>
+      </p:pic>
+      <p:pic>
+        <p:nvPicPr>
+          <p:cNvPr id="6" name="Picture 5">
+            <a:extLst>
+              <a:ext uri="{FF2B5EF4-FFF2-40B4-BE49-F238E27FC236}">
+                <a16:creationId xmlns:a16="http://schemas.microsoft.com/office/drawing/2014/main" id="{CFBEEB21-2AEC-29BD-18F3-662232F9F293}"/>
+              </a:ext>
+            </a:extLst>
+          </p:cNvPr>
+          <p:cNvPicPr>
+            <a:picLocks noChangeAspect="1"/>
+          </p:cNvPicPr>
+          <p:nvPr/>
+        </p:nvPicPr>
+        <p:blipFill>
+          <a:blip r:embed="rId5"/>
+          <a:stretch>
+            <a:fillRect/>
+          </a:stretch>
+        </p:blipFill>
+        <p:spPr>
+          <a:xfrm>
+            <a:off x="7290716" y="2495744"/>
+            <a:ext cx="4300310" cy="1380392"/>
+          </a:xfrm>
+          <a:prstGeom prst="rect">
+            <a:avLst/>
+          </a:prstGeom>
+          <a:ln>
+            <a:noFill/>
+          </a:ln>
+          <a:effectLst>
+            <a:outerShdw blurRad="292100" dist="139700" dir="2700000" algn="tl" rotWithShape="0">
+              <a:srgbClr val="333333">
+                <a:alpha val="65000"/>
+              </a:srgbClr>
+            </a:outerShdw>
+          </a:effectLst>
+        </p:spPr>
+      </p:pic>
+      <p:pic>
+        <p:nvPicPr>
+          <p:cNvPr id="10" name="Picture 9">
+            <a:extLst>
+              <a:ext uri="{FF2B5EF4-FFF2-40B4-BE49-F238E27FC236}">
+                <a16:creationId xmlns:a16="http://schemas.microsoft.com/office/drawing/2014/main" id="{83855BDA-F543-6A94-5384-51460B2231B4}"/>
+              </a:ext>
+            </a:extLst>
+          </p:cNvPr>
+          <p:cNvPicPr>
+            <a:picLocks noChangeAspect="1"/>
+          </p:cNvPicPr>
+          <p:nvPr/>
+        </p:nvPicPr>
+        <p:blipFill>
+          <a:blip r:embed="rId6"/>
+          <a:stretch>
+            <a:fillRect/>
+          </a:stretch>
+        </p:blipFill>
+        <p:spPr>
+          <a:xfrm>
+            <a:off x="7290716" y="4063666"/>
+            <a:ext cx="4392896" cy="2631909"/>
+          </a:xfrm>
+          <a:prstGeom prst="rect">
+            <a:avLst/>
+          </a:prstGeom>
+          <a:ln>
+            <a:noFill/>
+          </a:ln>
+          <a:effectLst>
+            <a:outerShdw blurRad="292100" dist="139700" dir="2700000" algn="tl" rotWithShape="0">
+              <a:srgbClr val="333333">
+                <a:alpha val="65000"/>
+              </a:srgbClr>
+            </a:outerShdw>
+          </a:effectLst>
+        </p:spPr>
+      </p:pic>
     </p:spTree>
     <p:extLst>
       <p:ext uri="{BB962C8B-B14F-4D97-AF65-F5344CB8AC3E}">
         <p14:creationId xmlns:p14="http://schemas.microsoft.com/office/powerpoint/2010/main" val="2522118362"/>
+      </p:ext>
+    </p:extLst>
+  </p:cSld>
+  <p:clrMapOvr>
+    <a:masterClrMapping/>
+  </p:clrMapOvr>
+</p:sld>
+</file>
+
+<file path=ppt/slides/slide49.xml><?xml version="1.0" encoding="utf-8"?>
+<p:sld xmlns:a="http://schemas.openxmlformats.org/drawingml/2006/main" xmlns:r="http://schemas.openxmlformats.org/officeDocument/2006/relationships" xmlns:p="http://schemas.openxmlformats.org/presentationml/2006/main">
+  <p:cSld>
+    <p:spTree>
+      <p:nvGrpSpPr>
+        <p:cNvPr id="1" name=""/>
+        <p:cNvGrpSpPr/>
+        <p:nvPr/>
+      </p:nvGrpSpPr>
+      <p:grpSpPr>
+        <a:xfrm>
+          <a:off x="0" y="0"/>
+          <a:ext cx="0" cy="0"/>
+          <a:chOff x="0" y="0"/>
+          <a:chExt cx="0" cy="0"/>
+        </a:xfrm>
+      </p:grpSpPr>
+      <p:sp>
+        <p:nvSpPr>
+          <p:cNvPr id="2" name="Rectangle 1">
+            <a:extLst>
+              <a:ext uri="{FF2B5EF4-FFF2-40B4-BE49-F238E27FC236}">
+                <a16:creationId xmlns:a16="http://schemas.microsoft.com/office/drawing/2014/main" id="{1E65629C-92D4-79A2-2F71-A4F6B6308EFF}"/>
+              </a:ext>
+            </a:extLst>
+          </p:cNvPr>
+          <p:cNvSpPr/>
+          <p:nvPr/>
+        </p:nvSpPr>
+        <p:spPr>
+          <a:xfrm>
+            <a:off x="0" y="992259"/>
+            <a:ext cx="12192000" cy="3526987"/>
+          </a:xfrm>
+          <a:prstGeom prst="rect">
+            <a:avLst/>
+          </a:prstGeom>
+          <a:noFill/>
+          <a:ln>
+            <a:noFill/>
+          </a:ln>
+        </p:spPr>
+        <p:style>
+          <a:lnRef idx="0">
+            <a:scrgbClr r="0" g="0" b="0"/>
+          </a:lnRef>
+          <a:fillRef idx="0">
+            <a:scrgbClr r="0" g="0" b="0"/>
+          </a:fillRef>
+          <a:effectRef idx="0">
+            <a:scrgbClr r="0" g="0" b="0"/>
+          </a:effectRef>
+          <a:fontRef idx="minor">
+            <a:schemeClr val="dk1"/>
+          </a:fontRef>
+        </p:style>
+        <p:txBody>
+          <a:bodyPr rtlCol="0" anchor="ctr"/>
+          <a:lstStyle/>
+          <a:p>
+            <a:pPr marL="1143000" indent="-1143000">
+              <a:buFont typeface="Arial" panose="020B0604020202020204" pitchFamily="34" charset="0"/>
+              <a:buChar char="•"/>
+            </a:pPr>
+            <a:r>
+              <a:rPr lang="en-US" sz="4400" b="1" dirty="0"/>
+              <a:t>Goal: </a:t>
+            </a:r>
+            <a:r>
+              <a:rPr lang="en-US" sz="4400" dirty="0"/>
+              <a:t>Create, clone and edit your own test repo</a:t>
+            </a:r>
+          </a:p>
+          <a:p>
+            <a:pPr marL="1143000" indent="-1143000">
+              <a:buFont typeface="+mj-lt"/>
+              <a:buAutoNum type="arabicPeriod"/>
+            </a:pPr>
+            <a:endParaRPr lang="en-US" sz="2400" dirty="0"/>
+          </a:p>
+          <a:p>
+            <a:pPr marL="1143000" indent="-1143000">
+              <a:buFont typeface="+mj-lt"/>
+              <a:buAutoNum type="arabicPeriod"/>
+            </a:pPr>
+            <a:r>
+              <a:rPr lang="en-US" sz="2400" dirty="0"/>
+              <a:t>Create a new repo called “</a:t>
+            </a:r>
+            <a:r>
+              <a:rPr lang="en-US" sz="2400" dirty="0" err="1"/>
+              <a:t>testrepo</a:t>
+            </a:r>
+            <a:r>
+              <a:rPr lang="en-US" sz="2400" dirty="0"/>
+              <a:t>” with a README file</a:t>
+            </a:r>
+          </a:p>
+          <a:p>
+            <a:pPr marL="1143000" indent="-1143000">
+              <a:buFont typeface="+mj-lt"/>
+              <a:buAutoNum type="arabicPeriod"/>
+            </a:pPr>
+            <a:r>
+              <a:rPr lang="en-US" sz="2400" dirty="0"/>
+              <a:t>Clone it from VS code, and save it somewhere (e.g., desktop)</a:t>
+            </a:r>
+          </a:p>
+          <a:p>
+            <a:pPr marL="1143000" indent="-1143000">
+              <a:buFont typeface="+mj-lt"/>
+              <a:buAutoNum type="arabicPeriod"/>
+            </a:pPr>
+            <a:r>
+              <a:rPr lang="en-US" sz="2400" dirty="0"/>
+              <a:t>Open the folder in </a:t>
+            </a:r>
+            <a:r>
+              <a:rPr lang="en-US" sz="2400" dirty="0" err="1"/>
+              <a:t>Vscode</a:t>
+            </a:r>
+            <a:endParaRPr lang="en-US" sz="2400" dirty="0"/>
+          </a:p>
+          <a:p>
+            <a:pPr marL="1143000" indent="-1143000">
+              <a:buFont typeface="+mj-lt"/>
+              <a:buAutoNum type="arabicPeriod"/>
+            </a:pPr>
+            <a:r>
+              <a:rPr lang="en-US" sz="2400" dirty="0"/>
+              <a:t>Edit the README locally</a:t>
+            </a:r>
+          </a:p>
+          <a:p>
+            <a:pPr marL="1143000" indent="-1143000">
+              <a:buFont typeface="+mj-lt"/>
+              <a:buAutoNum type="arabicPeriod"/>
+            </a:pPr>
+            <a:r>
+              <a:rPr lang="en-US" sz="2400" dirty="0"/>
+              <a:t>Commit</a:t>
+            </a:r>
+          </a:p>
+          <a:p>
+            <a:pPr marL="1143000" indent="-1143000">
+              <a:buFont typeface="+mj-lt"/>
+              <a:buAutoNum type="arabicPeriod"/>
+            </a:pPr>
+            <a:endParaRPr lang="en-US" sz="4000" dirty="0"/>
+          </a:p>
+          <a:p>
+            <a:pPr marL="1143000" indent="-1143000" algn="ctr">
+              <a:buFont typeface="Wingdings" panose="05000000000000000000" pitchFamily="2" charset="2"/>
+              <a:buChar char="ü"/>
+            </a:pPr>
+            <a:endParaRPr lang="en-US" sz="4400" dirty="0"/>
+          </a:p>
+        </p:txBody>
+      </p:sp>
+      <p:sp>
+        <p:nvSpPr>
+          <p:cNvPr id="5" name="Rectangle 4">
+            <a:extLst>
+              <a:ext uri="{FF2B5EF4-FFF2-40B4-BE49-F238E27FC236}">
+                <a16:creationId xmlns:a16="http://schemas.microsoft.com/office/drawing/2014/main" id="{F8891953-79C3-7A6D-1596-BD9DEC8BA58D}"/>
+              </a:ext>
+            </a:extLst>
+          </p:cNvPr>
+          <p:cNvSpPr/>
+          <p:nvPr/>
+        </p:nvSpPr>
+        <p:spPr>
+          <a:xfrm>
+            <a:off x="0" y="0"/>
+            <a:ext cx="4544841" cy="519107"/>
+          </a:xfrm>
+          <a:prstGeom prst="rect">
+            <a:avLst/>
+          </a:prstGeom>
+          <a:solidFill>
+            <a:schemeClr val="accent2"/>
+          </a:solidFill>
+          <a:ln>
+            <a:noFill/>
+          </a:ln>
+        </p:spPr>
+        <p:style>
+          <a:lnRef idx="0">
+            <a:scrgbClr r="0" g="0" b="0"/>
+          </a:lnRef>
+          <a:fillRef idx="0">
+            <a:scrgbClr r="0" g="0" b="0"/>
+          </a:fillRef>
+          <a:effectRef idx="0">
+            <a:scrgbClr r="0" g="0" b="0"/>
+          </a:effectRef>
+          <a:fontRef idx="minor">
+            <a:schemeClr val="dk1"/>
+          </a:fontRef>
+        </p:style>
+        <p:txBody>
+          <a:bodyPr rtlCol="0" anchor="ctr"/>
+          <a:lstStyle/>
+          <a:p>
+            <a:r>
+              <a:rPr lang="en-US" sz="2800" b="1" dirty="0" err="1">
+                <a:solidFill>
+                  <a:schemeClr val="bg1"/>
+                </a:solidFill>
+              </a:rPr>
+              <a:t>Exercice</a:t>
+            </a:r>
+            <a:r>
+              <a:rPr lang="en-US" sz="2800" b="1" dirty="0">
+                <a:solidFill>
+                  <a:schemeClr val="bg1"/>
+                </a:solidFill>
+              </a:rPr>
+              <a:t> time 💪 (2 min)</a:t>
+            </a:r>
+            <a:endParaRPr lang="en-US" sz="2800" dirty="0">
+              <a:solidFill>
+                <a:schemeClr val="bg1"/>
+              </a:solidFill>
+            </a:endParaRPr>
+          </a:p>
+        </p:txBody>
+      </p:sp>
+      <p:pic>
+        <p:nvPicPr>
+          <p:cNvPr id="4" name="Picture 3">
+            <a:extLst>
+              <a:ext uri="{FF2B5EF4-FFF2-40B4-BE49-F238E27FC236}">
+                <a16:creationId xmlns:a16="http://schemas.microsoft.com/office/drawing/2014/main" id="{EE4BEEE6-B2E7-B4C3-76B1-4C9DBC9A8BA9}"/>
+              </a:ext>
+            </a:extLst>
+          </p:cNvPr>
+          <p:cNvPicPr>
+            <a:picLocks noChangeAspect="1"/>
+          </p:cNvPicPr>
+          <p:nvPr/>
+        </p:nvPicPr>
+        <p:blipFill>
+          <a:blip r:embed="rId3"/>
+          <a:stretch>
+            <a:fillRect/>
+          </a:stretch>
+        </p:blipFill>
+        <p:spPr>
+          <a:xfrm>
+            <a:off x="418659" y="3876136"/>
+            <a:ext cx="3406435" cy="2270957"/>
+          </a:xfrm>
+          <a:prstGeom prst="rect">
+            <a:avLst/>
+          </a:prstGeom>
+          <a:ln>
+            <a:noFill/>
+          </a:ln>
+          <a:effectLst>
+            <a:outerShdw blurRad="292100" dist="139700" dir="2700000" algn="tl" rotWithShape="0">
+              <a:srgbClr val="333333">
+                <a:alpha val="65000"/>
+              </a:srgbClr>
+            </a:outerShdw>
+          </a:effectLst>
+        </p:spPr>
+      </p:pic>
+      <p:pic>
+        <p:nvPicPr>
+          <p:cNvPr id="7" name="Picture 6">
+            <a:extLst>
+              <a:ext uri="{FF2B5EF4-FFF2-40B4-BE49-F238E27FC236}">
+                <a16:creationId xmlns:a16="http://schemas.microsoft.com/office/drawing/2014/main" id="{37C52F9E-79BE-8589-3190-AF28DAD466A5}"/>
+              </a:ext>
+            </a:extLst>
+          </p:cNvPr>
+          <p:cNvPicPr>
+            <a:picLocks noChangeAspect="1"/>
+          </p:cNvPicPr>
+          <p:nvPr/>
+        </p:nvPicPr>
+        <p:blipFill>
+          <a:blip r:embed="rId4"/>
+          <a:stretch>
+            <a:fillRect/>
+          </a:stretch>
+        </p:blipFill>
+        <p:spPr>
+          <a:xfrm>
+            <a:off x="4310986" y="3270738"/>
+            <a:ext cx="2688186" cy="3310124"/>
+          </a:xfrm>
+          <a:prstGeom prst="rect">
+            <a:avLst/>
+          </a:prstGeom>
+          <a:ln>
+            <a:noFill/>
+          </a:ln>
+          <a:effectLst>
+            <a:outerShdw blurRad="292100" dist="139700" dir="2700000" algn="tl" rotWithShape="0">
+              <a:srgbClr val="333333">
+                <a:alpha val="65000"/>
+              </a:srgbClr>
+            </a:outerShdw>
+          </a:effectLst>
+        </p:spPr>
+      </p:pic>
+      <p:pic>
+        <p:nvPicPr>
+          <p:cNvPr id="9" name="Picture 8">
+            <a:extLst>
+              <a:ext uri="{FF2B5EF4-FFF2-40B4-BE49-F238E27FC236}">
+                <a16:creationId xmlns:a16="http://schemas.microsoft.com/office/drawing/2014/main" id="{F8B1229B-F1B6-9B65-D8C2-551A5B851E10}"/>
+              </a:ext>
+            </a:extLst>
+          </p:cNvPr>
+          <p:cNvPicPr>
+            <a:picLocks noChangeAspect="1"/>
+          </p:cNvPicPr>
+          <p:nvPr/>
+        </p:nvPicPr>
+        <p:blipFill>
+          <a:blip r:embed="rId5"/>
+          <a:stretch>
+            <a:fillRect/>
+          </a:stretch>
+        </p:blipFill>
+        <p:spPr>
+          <a:xfrm>
+            <a:off x="7954133" y="2883877"/>
+            <a:ext cx="3912552" cy="3721954"/>
+          </a:xfrm>
+          <a:prstGeom prst="rect">
+            <a:avLst/>
+          </a:prstGeom>
+        </p:spPr>
+      </p:pic>
+    </p:spTree>
+    <p:extLst>
+      <p:ext uri="{BB962C8B-B14F-4D97-AF65-F5344CB8AC3E}">
+        <p14:creationId xmlns:p14="http://schemas.microsoft.com/office/powerpoint/2010/main" val="1190758855"/>
       </p:ext>
     </p:extLst>
   </p:cSld>
@@ -19154,6 +22630,1568 @@
     <p:extLst>
       <p:ext uri="{BB962C8B-B14F-4D97-AF65-F5344CB8AC3E}">
         <p14:creationId xmlns:p14="http://schemas.microsoft.com/office/powerpoint/2010/main" val="2559116338"/>
+      </p:ext>
+    </p:extLst>
+  </p:cSld>
+  <p:clrMapOvr>
+    <a:masterClrMapping/>
+  </p:clrMapOvr>
+</p:sld>
+</file>
+
+<file path=ppt/slides/slide50.xml><?xml version="1.0" encoding="utf-8"?>
+<p:sld xmlns:a="http://schemas.openxmlformats.org/drawingml/2006/main" xmlns:r="http://schemas.openxmlformats.org/officeDocument/2006/relationships" xmlns:p="http://schemas.openxmlformats.org/presentationml/2006/main">
+  <p:cSld>
+    <p:spTree>
+      <p:nvGrpSpPr>
+        <p:cNvPr id="1" name=""/>
+        <p:cNvGrpSpPr/>
+        <p:nvPr/>
+      </p:nvGrpSpPr>
+      <p:grpSpPr>
+        <a:xfrm>
+          <a:off x="0" y="0"/>
+          <a:ext cx="0" cy="0"/>
+          <a:chOff x="0" y="0"/>
+          <a:chExt cx="0" cy="0"/>
+        </a:xfrm>
+      </p:grpSpPr>
+      <p:sp>
+        <p:nvSpPr>
+          <p:cNvPr id="4" name="Rectangle 3">
+            <a:extLst>
+              <a:ext uri="{FF2B5EF4-FFF2-40B4-BE49-F238E27FC236}">
+                <a16:creationId xmlns:a16="http://schemas.microsoft.com/office/drawing/2014/main" id="{BF8FA3DB-D230-6BDD-9B1D-7C1BFEDFC352}"/>
+              </a:ext>
+            </a:extLst>
+          </p:cNvPr>
+          <p:cNvSpPr/>
+          <p:nvPr/>
+        </p:nvSpPr>
+        <p:spPr>
+          <a:xfrm>
+            <a:off x="246185" y="1582614"/>
+            <a:ext cx="10339753" cy="3270740"/>
+          </a:xfrm>
+          <a:prstGeom prst="rect">
+            <a:avLst/>
+          </a:prstGeom>
+          <a:noFill/>
+          <a:ln>
+            <a:noFill/>
+          </a:ln>
+        </p:spPr>
+        <p:style>
+          <a:lnRef idx="0">
+            <a:scrgbClr r="0" g="0" b="0"/>
+          </a:lnRef>
+          <a:fillRef idx="0">
+            <a:scrgbClr r="0" g="0" b="0"/>
+          </a:fillRef>
+          <a:effectRef idx="0">
+            <a:scrgbClr r="0" g="0" b="0"/>
+          </a:effectRef>
+          <a:fontRef idx="minor">
+            <a:schemeClr val="dk1"/>
+          </a:fontRef>
+        </p:style>
+        <p:txBody>
+          <a:bodyPr rtlCol="0" anchor="ctr"/>
+          <a:lstStyle/>
+          <a:p>
+            <a:r>
+              <a:rPr lang="en-US" b="1" dirty="0">
+                <a:solidFill>
+                  <a:schemeClr val="tx1"/>
+                </a:solidFill>
+              </a:rPr>
+              <a:t>GitHub workflow:</a:t>
+            </a:r>
+          </a:p>
+          <a:p>
+            <a:pPr marL="285750" indent="-285750">
+              <a:buFont typeface="Arial" panose="020B0604020202020204" pitchFamily="34" charset="0"/>
+              <a:buChar char="•"/>
+            </a:pPr>
+            <a:r>
+              <a:rPr lang="en-US" dirty="0">
+                <a:solidFill>
+                  <a:schemeClr val="tx1"/>
+                </a:solidFill>
+              </a:rPr>
+              <a:t>If repo is not yours, you first “fork” it </a:t>
+            </a:r>
+          </a:p>
+          <a:p>
+            <a:pPr marL="742950" lvl="1" indent="-285750">
+              <a:buFont typeface="Arial" panose="020B0604020202020204" pitchFamily="34" charset="0"/>
+              <a:buChar char="•"/>
+            </a:pPr>
+            <a:r>
+              <a:rPr lang="en-US" dirty="0">
+                <a:solidFill>
+                  <a:schemeClr val="tx1"/>
+                </a:solidFill>
+              </a:rPr>
+              <a:t>(copy and create your own personal version)</a:t>
+            </a:r>
+          </a:p>
+          <a:p>
+            <a:pPr marL="285750" indent="-285750">
+              <a:buFont typeface="Arial" panose="020B0604020202020204" pitchFamily="34" charset="0"/>
+              <a:buChar char="•"/>
+            </a:pPr>
+            <a:r>
+              <a:rPr lang="en-US" dirty="0">
+                <a:solidFill>
+                  <a:schemeClr val="tx1"/>
+                </a:solidFill>
+              </a:rPr>
+              <a:t>You can then “clone” it locally</a:t>
+            </a:r>
+          </a:p>
+        </p:txBody>
+      </p:sp>
+      <p:sp>
+        <p:nvSpPr>
+          <p:cNvPr id="7" name="Rectangle 6">
+            <a:extLst>
+              <a:ext uri="{FF2B5EF4-FFF2-40B4-BE49-F238E27FC236}">
+                <a16:creationId xmlns:a16="http://schemas.microsoft.com/office/drawing/2014/main" id="{C50903B8-9549-E718-B78D-A0EA7F6AC3BF}"/>
+              </a:ext>
+            </a:extLst>
+          </p:cNvPr>
+          <p:cNvSpPr/>
+          <p:nvPr/>
+        </p:nvSpPr>
+        <p:spPr>
+          <a:xfrm>
+            <a:off x="0" y="0"/>
+            <a:ext cx="4544841" cy="519107"/>
+          </a:xfrm>
+          <a:prstGeom prst="rect">
+            <a:avLst/>
+          </a:prstGeom>
+          <a:solidFill>
+            <a:srgbClr val="002060"/>
+          </a:solidFill>
+          <a:ln>
+            <a:noFill/>
+          </a:ln>
+        </p:spPr>
+        <p:style>
+          <a:lnRef idx="0">
+            <a:scrgbClr r="0" g="0" b="0"/>
+          </a:lnRef>
+          <a:fillRef idx="0">
+            <a:scrgbClr r="0" g="0" b="0"/>
+          </a:fillRef>
+          <a:effectRef idx="0">
+            <a:scrgbClr r="0" g="0" b="0"/>
+          </a:effectRef>
+          <a:fontRef idx="minor">
+            <a:schemeClr val="dk1"/>
+          </a:fontRef>
+        </p:style>
+        <p:txBody>
+          <a:bodyPr rtlCol="0" anchor="ctr"/>
+          <a:lstStyle/>
+          <a:p>
+            <a:r>
+              <a:rPr lang="en-US" b="1" dirty="0">
+                <a:solidFill>
+                  <a:schemeClr val="bg1"/>
+                </a:solidFill>
+                <a:latin typeface="Consolas" panose="020B0609020204030204" pitchFamily="49" charset="0"/>
+              </a:rPr>
+              <a:t>GitHub</a:t>
+            </a:r>
+            <a:endParaRPr lang="en-US" dirty="0">
+              <a:solidFill>
+                <a:schemeClr val="bg1"/>
+              </a:solidFill>
+              <a:latin typeface="Consolas" panose="020B0609020204030204" pitchFamily="49" charset="0"/>
+            </a:endParaRPr>
+          </a:p>
+        </p:txBody>
+      </p:sp>
+      <p:pic>
+        <p:nvPicPr>
+          <p:cNvPr id="5" name="Picture 4">
+            <a:extLst>
+              <a:ext uri="{FF2B5EF4-FFF2-40B4-BE49-F238E27FC236}">
+                <a16:creationId xmlns:a16="http://schemas.microsoft.com/office/drawing/2014/main" id="{AEC7407F-12F1-2296-0524-6BC5E6B06300}"/>
+              </a:ext>
+            </a:extLst>
+          </p:cNvPr>
+          <p:cNvPicPr>
+            <a:picLocks noChangeAspect="1"/>
+          </p:cNvPicPr>
+          <p:nvPr/>
+        </p:nvPicPr>
+        <p:blipFill>
+          <a:blip r:embed="rId2"/>
+          <a:stretch>
+            <a:fillRect/>
+          </a:stretch>
+        </p:blipFill>
+        <p:spPr>
+          <a:xfrm>
+            <a:off x="6508745" y="1270434"/>
+            <a:ext cx="4625741" cy="1257409"/>
+          </a:xfrm>
+          <a:prstGeom prst="rect">
+            <a:avLst/>
+          </a:prstGeom>
+        </p:spPr>
+      </p:pic>
+    </p:spTree>
+    <p:extLst>
+      <p:ext uri="{BB962C8B-B14F-4D97-AF65-F5344CB8AC3E}">
+        <p14:creationId xmlns:p14="http://schemas.microsoft.com/office/powerpoint/2010/main" val="152523300"/>
+      </p:ext>
+    </p:extLst>
+  </p:cSld>
+  <p:clrMapOvr>
+    <a:masterClrMapping/>
+  </p:clrMapOvr>
+</p:sld>
+</file>
+
+<file path=ppt/slides/slide51.xml><?xml version="1.0" encoding="utf-8"?>
+<p:sld xmlns:a="http://schemas.openxmlformats.org/drawingml/2006/main" xmlns:r="http://schemas.openxmlformats.org/officeDocument/2006/relationships" xmlns:p="http://schemas.openxmlformats.org/presentationml/2006/main">
+  <p:cSld>
+    <p:spTree>
+      <p:nvGrpSpPr>
+        <p:cNvPr id="1" name=""/>
+        <p:cNvGrpSpPr/>
+        <p:nvPr/>
+      </p:nvGrpSpPr>
+      <p:grpSpPr>
+        <a:xfrm>
+          <a:off x="0" y="0"/>
+          <a:ext cx="0" cy="0"/>
+          <a:chOff x="0" y="0"/>
+          <a:chExt cx="0" cy="0"/>
+        </a:xfrm>
+      </p:grpSpPr>
+      <p:sp>
+        <p:nvSpPr>
+          <p:cNvPr id="2" name="Rectangle 1">
+            <a:extLst>
+              <a:ext uri="{FF2B5EF4-FFF2-40B4-BE49-F238E27FC236}">
+                <a16:creationId xmlns:a16="http://schemas.microsoft.com/office/drawing/2014/main" id="{1E65629C-92D4-79A2-2F71-A4F6B6308EFF}"/>
+              </a:ext>
+            </a:extLst>
+          </p:cNvPr>
+          <p:cNvSpPr/>
+          <p:nvPr/>
+        </p:nvSpPr>
+        <p:spPr>
+          <a:xfrm>
+            <a:off x="0" y="0"/>
+            <a:ext cx="12192000" cy="6858000"/>
+          </a:xfrm>
+          <a:prstGeom prst="rect">
+            <a:avLst/>
+          </a:prstGeom>
+          <a:noFill/>
+          <a:ln>
+            <a:noFill/>
+          </a:ln>
+        </p:spPr>
+        <p:style>
+          <a:lnRef idx="0">
+            <a:scrgbClr r="0" g="0" b="0"/>
+          </a:lnRef>
+          <a:fillRef idx="0">
+            <a:scrgbClr r="0" g="0" b="0"/>
+          </a:fillRef>
+          <a:effectRef idx="0">
+            <a:scrgbClr r="0" g="0" b="0"/>
+          </a:effectRef>
+          <a:fontRef idx="minor">
+            <a:schemeClr val="dk1"/>
+          </a:fontRef>
+        </p:style>
+        <p:txBody>
+          <a:bodyPr rtlCol="0" anchor="ctr"/>
+          <a:lstStyle/>
+          <a:p>
+            <a:pPr marL="1143000" indent="-1143000">
+              <a:buFont typeface="Arial" panose="020B0604020202020204" pitchFamily="34" charset="0"/>
+              <a:buChar char="•"/>
+            </a:pPr>
+            <a:r>
+              <a:rPr lang="en-US" sz="4400" b="1" dirty="0"/>
+              <a:t>Goal: </a:t>
+            </a:r>
+            <a:r>
+              <a:rPr lang="en-US" sz="4400" dirty="0"/>
+              <a:t>Create a Pull Request (PR):</a:t>
+            </a:r>
+          </a:p>
+          <a:p>
+            <a:pPr marL="1143000" indent="-1143000" algn="ctr">
+              <a:buFont typeface="Wingdings" panose="05000000000000000000" pitchFamily="2" charset="2"/>
+              <a:buChar char="ü"/>
+            </a:pPr>
+            <a:endParaRPr lang="en-US" sz="4400" dirty="0"/>
+          </a:p>
+          <a:p>
+            <a:pPr marL="1143000" indent="-1143000">
+              <a:buFont typeface="Wingdings" panose="05000000000000000000" pitchFamily="2" charset="2"/>
+              <a:buChar char="ü"/>
+            </a:pPr>
+            <a:r>
+              <a:rPr lang="en-US" sz="3200" dirty="0"/>
+              <a:t>Delete the line that is assigned to you</a:t>
+            </a:r>
+          </a:p>
+        </p:txBody>
+      </p:sp>
+      <p:sp>
+        <p:nvSpPr>
+          <p:cNvPr id="5" name="Rectangle 4">
+            <a:extLst>
+              <a:ext uri="{FF2B5EF4-FFF2-40B4-BE49-F238E27FC236}">
+                <a16:creationId xmlns:a16="http://schemas.microsoft.com/office/drawing/2014/main" id="{F8891953-79C3-7A6D-1596-BD9DEC8BA58D}"/>
+              </a:ext>
+            </a:extLst>
+          </p:cNvPr>
+          <p:cNvSpPr/>
+          <p:nvPr/>
+        </p:nvSpPr>
+        <p:spPr>
+          <a:xfrm>
+            <a:off x="0" y="0"/>
+            <a:ext cx="4544841" cy="519107"/>
+          </a:xfrm>
+          <a:prstGeom prst="rect">
+            <a:avLst/>
+          </a:prstGeom>
+          <a:solidFill>
+            <a:schemeClr val="accent2"/>
+          </a:solidFill>
+          <a:ln>
+            <a:noFill/>
+          </a:ln>
+        </p:spPr>
+        <p:style>
+          <a:lnRef idx="0">
+            <a:scrgbClr r="0" g="0" b="0"/>
+          </a:lnRef>
+          <a:fillRef idx="0">
+            <a:scrgbClr r="0" g="0" b="0"/>
+          </a:fillRef>
+          <a:effectRef idx="0">
+            <a:scrgbClr r="0" g="0" b="0"/>
+          </a:effectRef>
+          <a:fontRef idx="minor">
+            <a:schemeClr val="dk1"/>
+          </a:fontRef>
+        </p:style>
+        <p:txBody>
+          <a:bodyPr rtlCol="0" anchor="ctr"/>
+          <a:lstStyle/>
+          <a:p>
+            <a:r>
+              <a:rPr lang="en-US" sz="2800" b="1" dirty="0" err="1">
+                <a:solidFill>
+                  <a:schemeClr val="bg1"/>
+                </a:solidFill>
+              </a:rPr>
+              <a:t>Exercice</a:t>
+            </a:r>
+            <a:r>
+              <a:rPr lang="en-US" sz="2800" b="1" dirty="0">
+                <a:solidFill>
+                  <a:schemeClr val="bg1"/>
+                </a:solidFill>
+              </a:rPr>
+              <a:t> time 💪 (10 min)</a:t>
+            </a:r>
+            <a:endParaRPr lang="en-US" sz="2800" dirty="0">
+              <a:solidFill>
+                <a:schemeClr val="bg1"/>
+              </a:solidFill>
+            </a:endParaRPr>
+          </a:p>
+        </p:txBody>
+      </p:sp>
+    </p:spTree>
+    <p:extLst>
+      <p:ext uri="{BB962C8B-B14F-4D97-AF65-F5344CB8AC3E}">
+        <p14:creationId xmlns:p14="http://schemas.microsoft.com/office/powerpoint/2010/main" val="1437520504"/>
+      </p:ext>
+    </p:extLst>
+  </p:cSld>
+  <p:clrMapOvr>
+    <a:masterClrMapping/>
+  </p:clrMapOvr>
+</p:sld>
+</file>
+
+<file path=ppt/slides/slide52.xml><?xml version="1.0" encoding="utf-8"?>
+<p:sld xmlns:a="http://schemas.openxmlformats.org/drawingml/2006/main" xmlns:r="http://schemas.openxmlformats.org/officeDocument/2006/relationships" xmlns:p="http://schemas.openxmlformats.org/presentationml/2006/main">
+  <p:cSld>
+    <p:spTree>
+      <p:nvGrpSpPr>
+        <p:cNvPr id="1" name=""/>
+        <p:cNvGrpSpPr/>
+        <p:nvPr/>
+      </p:nvGrpSpPr>
+      <p:grpSpPr>
+        <a:xfrm>
+          <a:off x="0" y="0"/>
+          <a:ext cx="0" cy="0"/>
+          <a:chOff x="0" y="0"/>
+          <a:chExt cx="0" cy="0"/>
+        </a:xfrm>
+      </p:grpSpPr>
+      <p:sp>
+        <p:nvSpPr>
+          <p:cNvPr id="2" name="Rectangle 1">
+            <a:extLst>
+              <a:ext uri="{FF2B5EF4-FFF2-40B4-BE49-F238E27FC236}">
+                <a16:creationId xmlns:a16="http://schemas.microsoft.com/office/drawing/2014/main" id="{1E65629C-92D4-79A2-2F71-A4F6B6308EFF}"/>
+              </a:ext>
+            </a:extLst>
+          </p:cNvPr>
+          <p:cNvSpPr/>
+          <p:nvPr/>
+        </p:nvSpPr>
+        <p:spPr>
+          <a:xfrm>
+            <a:off x="0" y="0"/>
+            <a:ext cx="12192000" cy="6858000"/>
+          </a:xfrm>
+          <a:prstGeom prst="rect">
+            <a:avLst/>
+          </a:prstGeom>
+          <a:noFill/>
+          <a:ln>
+            <a:noFill/>
+          </a:ln>
+        </p:spPr>
+        <p:style>
+          <a:lnRef idx="0">
+            <a:scrgbClr r="0" g="0" b="0"/>
+          </a:lnRef>
+          <a:fillRef idx="0">
+            <a:scrgbClr r="0" g="0" b="0"/>
+          </a:fillRef>
+          <a:effectRef idx="0">
+            <a:scrgbClr r="0" g="0" b="0"/>
+          </a:effectRef>
+          <a:fontRef idx="minor">
+            <a:schemeClr val="dk1"/>
+          </a:fontRef>
+        </p:style>
+        <p:txBody>
+          <a:bodyPr rtlCol="0" anchor="ctr"/>
+          <a:lstStyle/>
+          <a:p>
+            <a:pPr marL="1143000" indent="-1143000">
+              <a:buFont typeface="Arial" panose="020B0604020202020204" pitchFamily="34" charset="0"/>
+              <a:buChar char="•"/>
+            </a:pPr>
+            <a:r>
+              <a:rPr lang="en-US" sz="4400" b="1" dirty="0"/>
+              <a:t>Goal: </a:t>
+            </a:r>
+            <a:r>
+              <a:rPr lang="en-US" sz="4400" dirty="0"/>
+              <a:t>Create another Pull Request (PR):</a:t>
+            </a:r>
+          </a:p>
+          <a:p>
+            <a:pPr marL="1143000" indent="-1143000" algn="ctr">
+              <a:buFont typeface="Wingdings" panose="05000000000000000000" pitchFamily="2" charset="2"/>
+              <a:buChar char="ü"/>
+            </a:pPr>
+            <a:endParaRPr lang="en-US" sz="4400" dirty="0"/>
+          </a:p>
+          <a:p>
+            <a:pPr marL="1143000" indent="-1143000">
+              <a:buFont typeface="Wingdings" panose="05000000000000000000" pitchFamily="2" charset="2"/>
+              <a:buChar char="ü"/>
+            </a:pPr>
+            <a:r>
+              <a:rPr lang="en-US" sz="3200" dirty="0"/>
+              <a:t>Add something to the README of the </a:t>
+            </a:r>
+            <a:r>
+              <a:rPr lang="en-US" sz="3200" dirty="0" err="1"/>
+              <a:t>testrepo</a:t>
+            </a:r>
+            <a:r>
+              <a:rPr lang="en-US" sz="3200" dirty="0"/>
+              <a:t> of another person</a:t>
+            </a:r>
+          </a:p>
+          <a:p>
+            <a:r>
+              <a:rPr lang="en-US" sz="3200" dirty="0">
+                <a:solidFill>
+                  <a:srgbClr val="0070C0"/>
+                </a:solidFill>
+              </a:rPr>
+              <a:t>Jasmin -&gt; Rebecca C. -&gt; Rebecca J. -&gt; Pascal -&gt; Sven -&gt; Zita -&gt; Carlo -&gt; Flora -&gt; </a:t>
+            </a:r>
+            <a:r>
+              <a:rPr lang="en-US" sz="3200" dirty="0" err="1">
+                <a:solidFill>
+                  <a:srgbClr val="0070C0"/>
+                </a:solidFill>
+              </a:rPr>
+              <a:t>Martyna</a:t>
+            </a:r>
+            <a:r>
+              <a:rPr lang="en-US" sz="3200" dirty="0">
+                <a:solidFill>
+                  <a:srgbClr val="0070C0"/>
+                </a:solidFill>
+              </a:rPr>
+              <a:t> -&gt; Nathalie -&gt; Ana Elisa -&gt; Lena -&gt; Georgia -&gt;</a:t>
+            </a:r>
+          </a:p>
+          <a:p>
+            <a:endParaRPr lang="en-US" sz="3200" dirty="0">
+              <a:solidFill>
+                <a:srgbClr val="0070C0"/>
+              </a:solidFill>
+            </a:endParaRPr>
+          </a:p>
+          <a:p>
+            <a:pPr marL="457200" indent="-457200">
+              <a:buFont typeface="Arial" panose="020B0604020202020204" pitchFamily="34" charset="0"/>
+              <a:buChar char="•"/>
+            </a:pPr>
+            <a:r>
+              <a:rPr lang="en-US" sz="3200" dirty="0">
+                <a:solidFill>
+                  <a:schemeClr val="tx1"/>
+                </a:solidFill>
+              </a:rPr>
+              <a:t>Breakout rooms for mutual help</a:t>
+            </a:r>
+          </a:p>
+          <a:p>
+            <a:pPr marL="1143000" indent="-1143000">
+              <a:buFont typeface="Wingdings" panose="05000000000000000000" pitchFamily="2" charset="2"/>
+              <a:buChar char="ü"/>
+            </a:pPr>
+            <a:endParaRPr lang="en-US" sz="3200" dirty="0"/>
+          </a:p>
+        </p:txBody>
+      </p:sp>
+      <p:sp>
+        <p:nvSpPr>
+          <p:cNvPr id="5" name="Rectangle 4">
+            <a:extLst>
+              <a:ext uri="{FF2B5EF4-FFF2-40B4-BE49-F238E27FC236}">
+                <a16:creationId xmlns:a16="http://schemas.microsoft.com/office/drawing/2014/main" id="{F8891953-79C3-7A6D-1596-BD9DEC8BA58D}"/>
+              </a:ext>
+            </a:extLst>
+          </p:cNvPr>
+          <p:cNvSpPr/>
+          <p:nvPr/>
+        </p:nvSpPr>
+        <p:spPr>
+          <a:xfrm>
+            <a:off x="0" y="0"/>
+            <a:ext cx="4544841" cy="519107"/>
+          </a:xfrm>
+          <a:prstGeom prst="rect">
+            <a:avLst/>
+          </a:prstGeom>
+          <a:solidFill>
+            <a:schemeClr val="accent2"/>
+          </a:solidFill>
+          <a:ln>
+            <a:noFill/>
+          </a:ln>
+        </p:spPr>
+        <p:style>
+          <a:lnRef idx="0">
+            <a:scrgbClr r="0" g="0" b="0"/>
+          </a:lnRef>
+          <a:fillRef idx="0">
+            <a:scrgbClr r="0" g="0" b="0"/>
+          </a:fillRef>
+          <a:effectRef idx="0">
+            <a:scrgbClr r="0" g="0" b="0"/>
+          </a:effectRef>
+          <a:fontRef idx="minor">
+            <a:schemeClr val="dk1"/>
+          </a:fontRef>
+        </p:style>
+        <p:txBody>
+          <a:bodyPr rtlCol="0" anchor="ctr"/>
+          <a:lstStyle/>
+          <a:p>
+            <a:r>
+              <a:rPr lang="en-US" sz="2800" b="1" dirty="0" err="1">
+                <a:solidFill>
+                  <a:schemeClr val="bg1"/>
+                </a:solidFill>
+              </a:rPr>
+              <a:t>Exercice</a:t>
+            </a:r>
+            <a:r>
+              <a:rPr lang="en-US" sz="2800" b="1" dirty="0">
+                <a:solidFill>
+                  <a:schemeClr val="bg1"/>
+                </a:solidFill>
+              </a:rPr>
+              <a:t> time 💪 (15 min)</a:t>
+            </a:r>
+            <a:endParaRPr lang="en-US" sz="2800" dirty="0">
+              <a:solidFill>
+                <a:schemeClr val="bg1"/>
+              </a:solidFill>
+            </a:endParaRPr>
+          </a:p>
+        </p:txBody>
+      </p:sp>
+    </p:spTree>
+    <p:extLst>
+      <p:ext uri="{BB962C8B-B14F-4D97-AF65-F5344CB8AC3E}">
+        <p14:creationId xmlns:p14="http://schemas.microsoft.com/office/powerpoint/2010/main" val="3559145640"/>
+      </p:ext>
+    </p:extLst>
+  </p:cSld>
+  <p:clrMapOvr>
+    <a:masterClrMapping/>
+  </p:clrMapOvr>
+</p:sld>
+</file>
+
+<file path=ppt/slides/slide53.xml><?xml version="1.0" encoding="utf-8"?>
+<p:sld xmlns:a="http://schemas.openxmlformats.org/drawingml/2006/main" xmlns:r="http://schemas.openxmlformats.org/officeDocument/2006/relationships" xmlns:p="http://schemas.openxmlformats.org/presentationml/2006/main">
+  <p:cSld>
+    <p:spTree>
+      <p:nvGrpSpPr>
+        <p:cNvPr id="1" name=""/>
+        <p:cNvGrpSpPr/>
+        <p:nvPr/>
+      </p:nvGrpSpPr>
+      <p:grpSpPr>
+        <a:xfrm>
+          <a:off x="0" y="0"/>
+          <a:ext cx="0" cy="0"/>
+          <a:chOff x="0" y="0"/>
+          <a:chExt cx="0" cy="0"/>
+        </a:xfrm>
+      </p:grpSpPr>
+      <p:sp>
+        <p:nvSpPr>
+          <p:cNvPr id="2" name="Rectangle 1">
+            <a:extLst>
+              <a:ext uri="{FF2B5EF4-FFF2-40B4-BE49-F238E27FC236}">
+                <a16:creationId xmlns:a16="http://schemas.microsoft.com/office/drawing/2014/main" id="{1E65629C-92D4-79A2-2F71-A4F6B6308EFF}"/>
+              </a:ext>
+            </a:extLst>
+          </p:cNvPr>
+          <p:cNvSpPr/>
+          <p:nvPr/>
+        </p:nvSpPr>
+        <p:spPr>
+          <a:xfrm>
+            <a:off x="0" y="0"/>
+            <a:ext cx="12192000" cy="6858000"/>
+          </a:xfrm>
+          <a:prstGeom prst="rect">
+            <a:avLst/>
+          </a:prstGeom>
+          <a:noFill/>
+          <a:ln>
+            <a:noFill/>
+          </a:ln>
+        </p:spPr>
+        <p:style>
+          <a:lnRef idx="0">
+            <a:scrgbClr r="0" g="0" b="0"/>
+          </a:lnRef>
+          <a:fillRef idx="0">
+            <a:scrgbClr r="0" g="0" b="0"/>
+          </a:fillRef>
+          <a:effectRef idx="0">
+            <a:scrgbClr r="0" g="0" b="0"/>
+          </a:effectRef>
+          <a:fontRef idx="minor">
+            <a:schemeClr val="dk1"/>
+          </a:fontRef>
+        </p:style>
+        <p:txBody>
+          <a:bodyPr rtlCol="0" anchor="ctr"/>
+          <a:lstStyle/>
+          <a:p>
+            <a:pPr algn="ctr"/>
+            <a:r>
+              <a:rPr lang="fr-FR" sz="9600" b="1" dirty="0"/>
+              <a:t>Signal </a:t>
+            </a:r>
+            <a:r>
+              <a:rPr lang="fr-FR" sz="9600" b="1" dirty="0" err="1"/>
+              <a:t>Processing</a:t>
+            </a:r>
+            <a:endParaRPr lang="fr-FR" sz="9600" b="1" dirty="0"/>
+          </a:p>
+          <a:p>
+            <a:pPr algn="ctr"/>
+            <a:r>
+              <a:rPr lang="fr-FR" sz="9600" b="1" dirty="0"/>
+              <a:t>&amp; </a:t>
+            </a:r>
+          </a:p>
+          <a:p>
+            <a:pPr algn="ctr"/>
+            <a:r>
+              <a:rPr lang="fr-FR" sz="9600" b="1" dirty="0" err="1"/>
+              <a:t>Jupyter</a:t>
+            </a:r>
+            <a:r>
+              <a:rPr lang="fr-FR" sz="9600" b="1" dirty="0"/>
+              <a:t> notebooks</a:t>
+            </a:r>
+            <a:endParaRPr lang="en-US" sz="9600" b="1" dirty="0"/>
+          </a:p>
+        </p:txBody>
+      </p:sp>
+    </p:spTree>
+    <p:extLst>
+      <p:ext uri="{BB962C8B-B14F-4D97-AF65-F5344CB8AC3E}">
+        <p14:creationId xmlns:p14="http://schemas.microsoft.com/office/powerpoint/2010/main" val="2986616116"/>
+      </p:ext>
+    </p:extLst>
+  </p:cSld>
+  <p:clrMapOvr>
+    <a:masterClrMapping/>
+  </p:clrMapOvr>
+</p:sld>
+</file>
+
+<file path=ppt/slides/slide54.xml><?xml version="1.0" encoding="utf-8"?>
+<p:sld xmlns:a="http://schemas.openxmlformats.org/drawingml/2006/main" xmlns:r="http://schemas.openxmlformats.org/officeDocument/2006/relationships" xmlns:p="http://schemas.openxmlformats.org/presentationml/2006/main">
+  <p:cSld>
+    <p:spTree>
+      <p:nvGrpSpPr>
+        <p:cNvPr id="1" name=""/>
+        <p:cNvGrpSpPr/>
+        <p:nvPr/>
+      </p:nvGrpSpPr>
+      <p:grpSpPr>
+        <a:xfrm>
+          <a:off x="0" y="0"/>
+          <a:ext cx="0" cy="0"/>
+          <a:chOff x="0" y="0"/>
+          <a:chExt cx="0" cy="0"/>
+        </a:xfrm>
+      </p:grpSpPr>
+      <p:sp>
+        <p:nvSpPr>
+          <p:cNvPr id="2" name="Rectangle 1">
+            <a:extLst>
+              <a:ext uri="{FF2B5EF4-FFF2-40B4-BE49-F238E27FC236}">
+                <a16:creationId xmlns:a16="http://schemas.microsoft.com/office/drawing/2014/main" id="{187051CB-134F-1B2A-F7FE-11DE411525A8}"/>
+              </a:ext>
+            </a:extLst>
+          </p:cNvPr>
+          <p:cNvSpPr/>
+          <p:nvPr/>
+        </p:nvSpPr>
+        <p:spPr>
+          <a:xfrm>
+            <a:off x="246185" y="1582614"/>
+            <a:ext cx="10339753" cy="3270740"/>
+          </a:xfrm>
+          <a:prstGeom prst="rect">
+            <a:avLst/>
+          </a:prstGeom>
+          <a:noFill/>
+          <a:ln>
+            <a:noFill/>
+          </a:ln>
+        </p:spPr>
+        <p:style>
+          <a:lnRef idx="0">
+            <a:scrgbClr r="0" g="0" b="0"/>
+          </a:lnRef>
+          <a:fillRef idx="0">
+            <a:scrgbClr r="0" g="0" b="0"/>
+          </a:fillRef>
+          <a:effectRef idx="0">
+            <a:scrgbClr r="0" g="0" b="0"/>
+          </a:effectRef>
+          <a:fontRef idx="minor">
+            <a:schemeClr val="dk1"/>
+          </a:fontRef>
+        </p:style>
+        <p:txBody>
+          <a:bodyPr rtlCol="0" anchor="ctr"/>
+          <a:lstStyle/>
+          <a:p>
+            <a:br>
+              <a:rPr lang="en-US" b="1" dirty="0">
+                <a:solidFill>
+                  <a:schemeClr val="tx1"/>
+                </a:solidFill>
+              </a:rPr>
+            </a:br>
+            <a:r>
+              <a:rPr lang="en-US" b="1" dirty="0">
+                <a:solidFill>
+                  <a:schemeClr val="tx1"/>
+                </a:solidFill>
+              </a:rPr>
+              <a:t>Create notebook:</a:t>
+            </a:r>
+          </a:p>
+          <a:p>
+            <a:pPr marL="285750" indent="-285750">
+              <a:buFont typeface="Arial" panose="020B0604020202020204" pitchFamily="34" charset="0"/>
+              <a:buChar char="•"/>
+            </a:pPr>
+            <a:r>
+              <a:rPr lang="en-US" dirty="0">
+                <a:solidFill>
+                  <a:schemeClr val="tx1"/>
+                </a:solidFill>
+              </a:rPr>
+              <a:t>New file -&gt; </a:t>
+            </a:r>
+            <a:r>
+              <a:rPr lang="en-US" dirty="0" err="1">
+                <a:solidFill>
+                  <a:schemeClr val="tx1"/>
+                </a:solidFill>
+              </a:rPr>
+              <a:t>Notebok</a:t>
+            </a:r>
+            <a:r>
+              <a:rPr lang="en-US" dirty="0">
+                <a:solidFill>
+                  <a:schemeClr val="tx1"/>
+                </a:solidFill>
+              </a:rPr>
+              <a:t> (*.</a:t>
+            </a:r>
+            <a:r>
+              <a:rPr lang="en-US" dirty="0" err="1">
+                <a:solidFill>
+                  <a:schemeClr val="tx1"/>
+                </a:solidFill>
+              </a:rPr>
+              <a:t>ipynb</a:t>
+            </a:r>
+            <a:r>
+              <a:rPr lang="en-US" dirty="0">
+                <a:solidFill>
+                  <a:schemeClr val="tx1"/>
+                </a:solidFill>
+              </a:rPr>
+              <a:t>)</a:t>
+            </a:r>
+          </a:p>
+          <a:p>
+            <a:pPr marL="285750" indent="-285750">
+              <a:buFont typeface="Arial" panose="020B0604020202020204" pitchFamily="34" charset="0"/>
+              <a:buChar char="•"/>
+            </a:pPr>
+            <a:r>
+              <a:rPr lang="en-US" dirty="0">
+                <a:solidFill>
+                  <a:schemeClr val="tx1"/>
+                </a:solidFill>
+              </a:rPr>
+              <a:t>Notebooks mix cells with text (in markdown) with code</a:t>
+            </a:r>
+          </a:p>
+          <a:p>
+            <a:pPr marL="285750" indent="-285750">
+              <a:buFont typeface="Arial" panose="020B0604020202020204" pitchFamily="34" charset="0"/>
+              <a:buChar char="•"/>
+            </a:pPr>
+            <a:endParaRPr lang="en-US" dirty="0">
+              <a:solidFill>
+                <a:schemeClr val="tx1"/>
+              </a:solidFill>
+            </a:endParaRPr>
+          </a:p>
+          <a:p>
+            <a:pPr marL="285750" indent="-285750">
+              <a:buFont typeface="Arial" panose="020B0604020202020204" pitchFamily="34" charset="0"/>
+              <a:buChar char="•"/>
+            </a:pPr>
+            <a:endParaRPr lang="en-US" dirty="0">
+              <a:solidFill>
+                <a:schemeClr val="tx1"/>
+              </a:solidFill>
+            </a:endParaRPr>
+          </a:p>
+        </p:txBody>
+      </p:sp>
+      <p:sp>
+        <p:nvSpPr>
+          <p:cNvPr id="3" name="Rectangle 2">
+            <a:extLst>
+              <a:ext uri="{FF2B5EF4-FFF2-40B4-BE49-F238E27FC236}">
+                <a16:creationId xmlns:a16="http://schemas.microsoft.com/office/drawing/2014/main" id="{61960D21-77E7-29A4-CB18-AD0146A829F3}"/>
+              </a:ext>
+            </a:extLst>
+          </p:cNvPr>
+          <p:cNvSpPr/>
+          <p:nvPr/>
+        </p:nvSpPr>
+        <p:spPr>
+          <a:xfrm>
+            <a:off x="0" y="0"/>
+            <a:ext cx="4544841" cy="519107"/>
+          </a:xfrm>
+          <a:prstGeom prst="rect">
+            <a:avLst/>
+          </a:prstGeom>
+          <a:solidFill>
+            <a:srgbClr val="002060"/>
+          </a:solidFill>
+          <a:ln>
+            <a:noFill/>
+          </a:ln>
+        </p:spPr>
+        <p:style>
+          <a:lnRef idx="0">
+            <a:scrgbClr r="0" g="0" b="0"/>
+          </a:lnRef>
+          <a:fillRef idx="0">
+            <a:scrgbClr r="0" g="0" b="0"/>
+          </a:fillRef>
+          <a:effectRef idx="0">
+            <a:scrgbClr r="0" g="0" b="0"/>
+          </a:effectRef>
+          <a:fontRef idx="minor">
+            <a:schemeClr val="dk1"/>
+          </a:fontRef>
+        </p:style>
+        <p:txBody>
+          <a:bodyPr rtlCol="0" anchor="ctr"/>
+          <a:lstStyle/>
+          <a:p>
+            <a:r>
+              <a:rPr lang="en-US" b="1" dirty="0" err="1">
+                <a:solidFill>
+                  <a:schemeClr val="bg1"/>
+                </a:solidFill>
+                <a:latin typeface="Consolas" panose="020B0609020204030204" pitchFamily="49" charset="0"/>
+              </a:rPr>
+              <a:t>Jupyter</a:t>
+            </a:r>
+            <a:endParaRPr lang="en-US" dirty="0">
+              <a:solidFill>
+                <a:schemeClr val="bg1"/>
+              </a:solidFill>
+              <a:latin typeface="Consolas" panose="020B0609020204030204" pitchFamily="49" charset="0"/>
+            </a:endParaRPr>
+          </a:p>
+        </p:txBody>
+      </p:sp>
+      <p:pic>
+        <p:nvPicPr>
+          <p:cNvPr id="5" name="Picture 4">
+            <a:extLst>
+              <a:ext uri="{FF2B5EF4-FFF2-40B4-BE49-F238E27FC236}">
+                <a16:creationId xmlns:a16="http://schemas.microsoft.com/office/drawing/2014/main" id="{BAC066D0-F665-D550-65D1-6C31DFA06602}"/>
+              </a:ext>
+            </a:extLst>
+          </p:cNvPr>
+          <p:cNvPicPr>
+            <a:picLocks noChangeAspect="1"/>
+          </p:cNvPicPr>
+          <p:nvPr/>
+        </p:nvPicPr>
+        <p:blipFill>
+          <a:blip r:embed="rId2"/>
+          <a:stretch>
+            <a:fillRect/>
+          </a:stretch>
+        </p:blipFill>
+        <p:spPr>
+          <a:xfrm>
+            <a:off x="7977700" y="411218"/>
+            <a:ext cx="3375953" cy="3017782"/>
+          </a:xfrm>
+          <a:prstGeom prst="rect">
+            <a:avLst/>
+          </a:prstGeom>
+        </p:spPr>
+      </p:pic>
+      <p:pic>
+        <p:nvPicPr>
+          <p:cNvPr id="7" name="Picture 6">
+            <a:extLst>
+              <a:ext uri="{FF2B5EF4-FFF2-40B4-BE49-F238E27FC236}">
+                <a16:creationId xmlns:a16="http://schemas.microsoft.com/office/drawing/2014/main" id="{493FAB71-7615-862A-B26E-3032BF9F5E02}"/>
+              </a:ext>
+            </a:extLst>
+          </p:cNvPr>
+          <p:cNvPicPr>
+            <a:picLocks noChangeAspect="1"/>
+          </p:cNvPicPr>
+          <p:nvPr/>
+        </p:nvPicPr>
+        <p:blipFill rotWithShape="1">
+          <a:blip r:embed="rId3"/>
+          <a:srcRect b="40994"/>
+          <a:stretch/>
+        </p:blipFill>
+        <p:spPr>
+          <a:xfrm>
+            <a:off x="7489978" y="3785447"/>
+            <a:ext cx="3863675" cy="2131414"/>
+          </a:xfrm>
+          <a:prstGeom prst="rect">
+            <a:avLst/>
+          </a:prstGeom>
+        </p:spPr>
+      </p:pic>
+    </p:spTree>
+    <p:extLst>
+      <p:ext uri="{BB962C8B-B14F-4D97-AF65-F5344CB8AC3E}">
+        <p14:creationId xmlns:p14="http://schemas.microsoft.com/office/powerpoint/2010/main" val="4154963472"/>
+      </p:ext>
+    </p:extLst>
+  </p:cSld>
+  <p:clrMapOvr>
+    <a:masterClrMapping/>
+  </p:clrMapOvr>
+</p:sld>
+</file>
+
+<file path=ppt/slides/slide55.xml><?xml version="1.0" encoding="utf-8"?>
+<p:sld xmlns:a="http://schemas.openxmlformats.org/drawingml/2006/main" xmlns:r="http://schemas.openxmlformats.org/officeDocument/2006/relationships" xmlns:p="http://schemas.openxmlformats.org/presentationml/2006/main">
+  <p:cSld>
+    <p:spTree>
+      <p:nvGrpSpPr>
+        <p:cNvPr id="1" name=""/>
+        <p:cNvGrpSpPr/>
+        <p:nvPr/>
+      </p:nvGrpSpPr>
+      <p:grpSpPr>
+        <a:xfrm>
+          <a:off x="0" y="0"/>
+          <a:ext cx="0" cy="0"/>
+          <a:chOff x="0" y="0"/>
+          <a:chExt cx="0" cy="0"/>
+        </a:xfrm>
+      </p:grpSpPr>
+      <p:sp>
+        <p:nvSpPr>
+          <p:cNvPr id="2" name="Rectangle 1">
+            <a:extLst>
+              <a:ext uri="{FF2B5EF4-FFF2-40B4-BE49-F238E27FC236}">
+                <a16:creationId xmlns:a16="http://schemas.microsoft.com/office/drawing/2014/main" id="{1E65629C-92D4-79A2-2F71-A4F6B6308EFF}"/>
+              </a:ext>
+            </a:extLst>
+          </p:cNvPr>
+          <p:cNvSpPr/>
+          <p:nvPr/>
+        </p:nvSpPr>
+        <p:spPr>
+          <a:xfrm>
+            <a:off x="0" y="0"/>
+            <a:ext cx="6180992" cy="6858000"/>
+          </a:xfrm>
+          <a:prstGeom prst="rect">
+            <a:avLst/>
+          </a:prstGeom>
+          <a:noFill/>
+          <a:ln>
+            <a:noFill/>
+          </a:ln>
+        </p:spPr>
+        <p:style>
+          <a:lnRef idx="0">
+            <a:scrgbClr r="0" g="0" b="0"/>
+          </a:lnRef>
+          <a:fillRef idx="0">
+            <a:scrgbClr r="0" g="0" b="0"/>
+          </a:fillRef>
+          <a:effectRef idx="0">
+            <a:scrgbClr r="0" g="0" b="0"/>
+          </a:effectRef>
+          <a:fontRef idx="minor">
+            <a:schemeClr val="dk1"/>
+          </a:fontRef>
+        </p:style>
+        <p:txBody>
+          <a:bodyPr rtlCol="0" anchor="ctr"/>
+          <a:lstStyle/>
+          <a:p>
+            <a:pPr marL="1143000" indent="-1143000">
+              <a:buFont typeface="Arial" panose="020B0604020202020204" pitchFamily="34" charset="0"/>
+              <a:buChar char="•"/>
+            </a:pPr>
+            <a:r>
+              <a:rPr lang="en-US" sz="4400" b="1" dirty="0"/>
+              <a:t>Goal: </a:t>
+            </a:r>
+          </a:p>
+          <a:p>
+            <a:pPr marL="1143000" indent="-1143000">
+              <a:buFont typeface="+mj-lt"/>
+              <a:buAutoNum type="arabicPeriod"/>
+            </a:pPr>
+            <a:r>
+              <a:rPr lang="en-US" sz="3200" dirty="0"/>
+              <a:t>Reproduce this notebook</a:t>
+            </a:r>
+          </a:p>
+          <a:p>
+            <a:pPr marL="1143000" indent="-1143000">
+              <a:buFont typeface="+mj-lt"/>
+              <a:buAutoNum type="arabicPeriod"/>
+            </a:pPr>
+            <a:r>
+              <a:rPr lang="en-US" sz="3200" dirty="0"/>
+              <a:t>Save it in your </a:t>
+            </a:r>
+            <a:r>
+              <a:rPr lang="en-US" sz="3200" i="1" dirty="0" err="1"/>
+              <a:t>testrepo</a:t>
+            </a:r>
+            <a:endParaRPr lang="en-US" sz="3200" i="1" dirty="0"/>
+          </a:p>
+          <a:p>
+            <a:pPr marL="1143000" indent="-1143000">
+              <a:buFont typeface="+mj-lt"/>
+              <a:buAutoNum type="arabicPeriod"/>
+            </a:pPr>
+            <a:r>
+              <a:rPr lang="en-US" sz="3200" dirty="0"/>
+              <a:t>Push it to GitHub</a:t>
+            </a:r>
+          </a:p>
+          <a:p>
+            <a:pPr marL="1143000" indent="-1143000">
+              <a:buFont typeface="+mj-lt"/>
+              <a:buAutoNum type="arabicPeriod"/>
+            </a:pPr>
+            <a:r>
+              <a:rPr lang="en-US" sz="3200" dirty="0"/>
+              <a:t>See how it renders on GH</a:t>
+            </a:r>
+            <a:endParaRPr lang="en-US" sz="2000" dirty="0"/>
+          </a:p>
+        </p:txBody>
+      </p:sp>
+      <p:sp>
+        <p:nvSpPr>
+          <p:cNvPr id="5" name="Rectangle 4">
+            <a:extLst>
+              <a:ext uri="{FF2B5EF4-FFF2-40B4-BE49-F238E27FC236}">
+                <a16:creationId xmlns:a16="http://schemas.microsoft.com/office/drawing/2014/main" id="{F8891953-79C3-7A6D-1596-BD9DEC8BA58D}"/>
+              </a:ext>
+            </a:extLst>
+          </p:cNvPr>
+          <p:cNvSpPr/>
+          <p:nvPr/>
+        </p:nvSpPr>
+        <p:spPr>
+          <a:xfrm>
+            <a:off x="0" y="0"/>
+            <a:ext cx="4544841" cy="519107"/>
+          </a:xfrm>
+          <a:prstGeom prst="rect">
+            <a:avLst/>
+          </a:prstGeom>
+          <a:solidFill>
+            <a:schemeClr val="accent2"/>
+          </a:solidFill>
+          <a:ln>
+            <a:noFill/>
+          </a:ln>
+        </p:spPr>
+        <p:style>
+          <a:lnRef idx="0">
+            <a:scrgbClr r="0" g="0" b="0"/>
+          </a:lnRef>
+          <a:fillRef idx="0">
+            <a:scrgbClr r="0" g="0" b="0"/>
+          </a:fillRef>
+          <a:effectRef idx="0">
+            <a:scrgbClr r="0" g="0" b="0"/>
+          </a:effectRef>
+          <a:fontRef idx="minor">
+            <a:schemeClr val="dk1"/>
+          </a:fontRef>
+        </p:style>
+        <p:txBody>
+          <a:bodyPr rtlCol="0" anchor="ctr"/>
+          <a:lstStyle/>
+          <a:p>
+            <a:r>
+              <a:rPr lang="en-US" sz="2800" b="1" dirty="0" err="1">
+                <a:solidFill>
+                  <a:schemeClr val="bg1"/>
+                </a:solidFill>
+              </a:rPr>
+              <a:t>Exercice</a:t>
+            </a:r>
+            <a:r>
+              <a:rPr lang="en-US" sz="2800" b="1" dirty="0">
+                <a:solidFill>
+                  <a:schemeClr val="bg1"/>
+                </a:solidFill>
+              </a:rPr>
+              <a:t> time 💪 (10 min)</a:t>
+            </a:r>
+            <a:endParaRPr lang="en-US" sz="2800" dirty="0">
+              <a:solidFill>
+                <a:schemeClr val="bg1"/>
+              </a:solidFill>
+            </a:endParaRPr>
+          </a:p>
+        </p:txBody>
+      </p:sp>
+      <p:pic>
+        <p:nvPicPr>
+          <p:cNvPr id="4" name="Picture 3">
+            <a:extLst>
+              <a:ext uri="{FF2B5EF4-FFF2-40B4-BE49-F238E27FC236}">
+                <a16:creationId xmlns:a16="http://schemas.microsoft.com/office/drawing/2014/main" id="{25C7F343-3D0C-3603-3116-B6DCE7D43D15}"/>
+              </a:ext>
+            </a:extLst>
+          </p:cNvPr>
+          <p:cNvPicPr>
+            <a:picLocks noChangeAspect="1"/>
+          </p:cNvPicPr>
+          <p:nvPr/>
+        </p:nvPicPr>
+        <p:blipFill>
+          <a:blip r:embed="rId2"/>
+          <a:stretch>
+            <a:fillRect/>
+          </a:stretch>
+        </p:blipFill>
+        <p:spPr>
+          <a:xfrm>
+            <a:off x="6614240" y="0"/>
+            <a:ext cx="5577760" cy="6858000"/>
+          </a:xfrm>
+          <a:prstGeom prst="rect">
+            <a:avLst/>
+          </a:prstGeom>
+        </p:spPr>
+      </p:pic>
+    </p:spTree>
+    <p:extLst>
+      <p:ext uri="{BB962C8B-B14F-4D97-AF65-F5344CB8AC3E}">
+        <p14:creationId xmlns:p14="http://schemas.microsoft.com/office/powerpoint/2010/main" val="1934035405"/>
+      </p:ext>
+    </p:extLst>
+  </p:cSld>
+  <p:clrMapOvr>
+    <a:masterClrMapping/>
+  </p:clrMapOvr>
+</p:sld>
+</file>
+
+<file path=ppt/slides/slide56.xml><?xml version="1.0" encoding="utf-8"?>
+<p:sld xmlns:a="http://schemas.openxmlformats.org/drawingml/2006/main" xmlns:r="http://schemas.openxmlformats.org/officeDocument/2006/relationships" xmlns:p="http://schemas.openxmlformats.org/presentationml/2006/main">
+  <p:cSld>
+    <p:spTree>
+      <p:nvGrpSpPr>
+        <p:cNvPr id="1" name=""/>
+        <p:cNvGrpSpPr/>
+        <p:nvPr/>
+      </p:nvGrpSpPr>
+      <p:grpSpPr>
+        <a:xfrm>
+          <a:off x="0" y="0"/>
+          <a:ext cx="0" cy="0"/>
+          <a:chOff x="0" y="0"/>
+          <a:chExt cx="0" cy="0"/>
+        </a:xfrm>
+      </p:grpSpPr>
+      <p:pic>
+        <p:nvPicPr>
+          <p:cNvPr id="5" name="Picture 4">
+            <a:extLst>
+              <a:ext uri="{FF2B5EF4-FFF2-40B4-BE49-F238E27FC236}">
+                <a16:creationId xmlns:a16="http://schemas.microsoft.com/office/drawing/2014/main" id="{B32B111F-A32E-3B76-A4E5-FB1CC2B400B3}"/>
+              </a:ext>
+            </a:extLst>
+          </p:cNvPr>
+          <p:cNvPicPr>
+            <a:picLocks noChangeAspect="1"/>
+          </p:cNvPicPr>
+          <p:nvPr/>
+        </p:nvPicPr>
+        <p:blipFill>
+          <a:blip r:embed="rId2"/>
+          <a:stretch>
+            <a:fillRect/>
+          </a:stretch>
+        </p:blipFill>
+        <p:spPr>
+          <a:xfrm>
+            <a:off x="0" y="0"/>
+            <a:ext cx="11069437" cy="6858000"/>
+          </a:xfrm>
+          <a:prstGeom prst="rect">
+            <a:avLst/>
+          </a:prstGeom>
+        </p:spPr>
+      </p:pic>
+    </p:spTree>
+    <p:extLst>
+      <p:ext uri="{BB962C8B-B14F-4D97-AF65-F5344CB8AC3E}">
+        <p14:creationId xmlns:p14="http://schemas.microsoft.com/office/powerpoint/2010/main" val="2676595360"/>
+      </p:ext>
+    </p:extLst>
+  </p:cSld>
+  <p:clrMapOvr>
+    <a:masterClrMapping/>
+  </p:clrMapOvr>
+</p:sld>
+</file>
+
+<file path=ppt/slides/slide57.xml><?xml version="1.0" encoding="utf-8"?>
+<p:sld xmlns:a="http://schemas.openxmlformats.org/drawingml/2006/main" xmlns:r="http://schemas.openxmlformats.org/officeDocument/2006/relationships" xmlns:p="http://schemas.openxmlformats.org/presentationml/2006/main">
+  <p:cSld>
+    <p:spTree>
+      <p:nvGrpSpPr>
+        <p:cNvPr id="1" name=""/>
+        <p:cNvGrpSpPr/>
+        <p:nvPr/>
+      </p:nvGrpSpPr>
+      <p:grpSpPr>
+        <a:xfrm>
+          <a:off x="0" y="0"/>
+          <a:ext cx="0" cy="0"/>
+          <a:chOff x="0" y="0"/>
+          <a:chExt cx="0" cy="0"/>
+        </a:xfrm>
+      </p:grpSpPr>
+      <p:sp>
+        <p:nvSpPr>
+          <p:cNvPr id="2" name="Rectangle 1">
+            <a:extLst>
+              <a:ext uri="{FF2B5EF4-FFF2-40B4-BE49-F238E27FC236}">
+                <a16:creationId xmlns:a16="http://schemas.microsoft.com/office/drawing/2014/main" id="{187051CB-134F-1B2A-F7FE-11DE411525A8}"/>
+              </a:ext>
+            </a:extLst>
+          </p:cNvPr>
+          <p:cNvSpPr/>
+          <p:nvPr/>
+        </p:nvSpPr>
+        <p:spPr>
+          <a:xfrm>
+            <a:off x="246185" y="1582614"/>
+            <a:ext cx="10339753" cy="3270740"/>
+          </a:xfrm>
+          <a:prstGeom prst="rect">
+            <a:avLst/>
+          </a:prstGeom>
+          <a:noFill/>
+          <a:ln>
+            <a:noFill/>
+          </a:ln>
+        </p:spPr>
+        <p:style>
+          <a:lnRef idx="0">
+            <a:scrgbClr r="0" g="0" b="0"/>
+          </a:lnRef>
+          <a:fillRef idx="0">
+            <a:scrgbClr r="0" g="0" b="0"/>
+          </a:fillRef>
+          <a:effectRef idx="0">
+            <a:scrgbClr r="0" g="0" b="0"/>
+          </a:effectRef>
+          <a:fontRef idx="minor">
+            <a:schemeClr val="dk1"/>
+          </a:fontRef>
+        </p:style>
+        <p:txBody>
+          <a:bodyPr rtlCol="0" anchor="ctr"/>
+          <a:lstStyle/>
+          <a:p>
+            <a:pPr marL="285750" indent="-285750">
+              <a:buFont typeface="Arial" panose="020B0604020202020204" pitchFamily="34" charset="0"/>
+              <a:buChar char="•"/>
+            </a:pPr>
+            <a:r>
+              <a:rPr lang="en-US" dirty="0">
+                <a:solidFill>
+                  <a:schemeClr val="tx1"/>
+                </a:solidFill>
+              </a:rPr>
+              <a:t>Notebooks can be great to communicate data analysis results, or for tutorials / examples </a:t>
+            </a:r>
+          </a:p>
+          <a:p>
+            <a:pPr marL="285750" indent="-285750">
+              <a:buFont typeface="Arial" panose="020B0604020202020204" pitchFamily="34" charset="0"/>
+              <a:buChar char="•"/>
+            </a:pPr>
+            <a:endParaRPr lang="en-US" dirty="0">
+              <a:solidFill>
+                <a:schemeClr val="tx1"/>
+              </a:solidFill>
+            </a:endParaRPr>
+          </a:p>
+        </p:txBody>
+      </p:sp>
+      <p:sp>
+        <p:nvSpPr>
+          <p:cNvPr id="3" name="Rectangle 2">
+            <a:extLst>
+              <a:ext uri="{FF2B5EF4-FFF2-40B4-BE49-F238E27FC236}">
+                <a16:creationId xmlns:a16="http://schemas.microsoft.com/office/drawing/2014/main" id="{61960D21-77E7-29A4-CB18-AD0146A829F3}"/>
+              </a:ext>
+            </a:extLst>
+          </p:cNvPr>
+          <p:cNvSpPr/>
+          <p:nvPr/>
+        </p:nvSpPr>
+        <p:spPr>
+          <a:xfrm>
+            <a:off x="0" y="0"/>
+            <a:ext cx="4544841" cy="519107"/>
+          </a:xfrm>
+          <a:prstGeom prst="rect">
+            <a:avLst/>
+          </a:prstGeom>
+          <a:solidFill>
+            <a:srgbClr val="002060"/>
+          </a:solidFill>
+          <a:ln>
+            <a:noFill/>
+          </a:ln>
+        </p:spPr>
+        <p:style>
+          <a:lnRef idx="0">
+            <a:scrgbClr r="0" g="0" b="0"/>
+          </a:lnRef>
+          <a:fillRef idx="0">
+            <a:scrgbClr r="0" g="0" b="0"/>
+          </a:fillRef>
+          <a:effectRef idx="0">
+            <a:scrgbClr r="0" g="0" b="0"/>
+          </a:effectRef>
+          <a:fontRef idx="minor">
+            <a:schemeClr val="dk1"/>
+          </a:fontRef>
+        </p:style>
+        <p:txBody>
+          <a:bodyPr rtlCol="0" anchor="ctr"/>
+          <a:lstStyle/>
+          <a:p>
+            <a:r>
+              <a:rPr lang="en-US" b="1" dirty="0" err="1">
+                <a:solidFill>
+                  <a:schemeClr val="bg1"/>
+                </a:solidFill>
+                <a:latin typeface="Consolas" panose="020B0609020204030204" pitchFamily="49" charset="0"/>
+              </a:rPr>
+              <a:t>Jupyter</a:t>
+            </a:r>
+            <a:endParaRPr lang="en-US" dirty="0">
+              <a:solidFill>
+                <a:schemeClr val="bg1"/>
+              </a:solidFill>
+              <a:latin typeface="Consolas" panose="020B0609020204030204" pitchFamily="49" charset="0"/>
+            </a:endParaRPr>
+          </a:p>
+        </p:txBody>
+      </p:sp>
+    </p:spTree>
+    <p:extLst>
+      <p:ext uri="{BB962C8B-B14F-4D97-AF65-F5344CB8AC3E}">
+        <p14:creationId xmlns:p14="http://schemas.microsoft.com/office/powerpoint/2010/main" val="3712460104"/>
+      </p:ext>
+    </p:extLst>
+  </p:cSld>
+  <p:clrMapOvr>
+    <a:masterClrMapping/>
+  </p:clrMapOvr>
+</p:sld>
+</file>
+
+<file path=ppt/slides/slide58.xml><?xml version="1.0" encoding="utf-8"?>
+<p:sld xmlns:a="http://schemas.openxmlformats.org/drawingml/2006/main" xmlns:r="http://schemas.openxmlformats.org/officeDocument/2006/relationships" xmlns:p="http://schemas.openxmlformats.org/presentationml/2006/main">
+  <p:cSld>
+    <p:spTree>
+      <p:nvGrpSpPr>
+        <p:cNvPr id="1" name=""/>
+        <p:cNvGrpSpPr/>
+        <p:nvPr/>
+      </p:nvGrpSpPr>
+      <p:grpSpPr>
+        <a:xfrm>
+          <a:off x="0" y="0"/>
+          <a:ext cx="0" cy="0"/>
+          <a:chOff x="0" y="0"/>
+          <a:chExt cx="0" cy="0"/>
+        </a:xfrm>
+      </p:grpSpPr>
+      <p:sp>
+        <p:nvSpPr>
+          <p:cNvPr id="2" name="Rectangle 1">
+            <a:extLst>
+              <a:ext uri="{FF2B5EF4-FFF2-40B4-BE49-F238E27FC236}">
+                <a16:creationId xmlns:a16="http://schemas.microsoft.com/office/drawing/2014/main" id="{1E65629C-92D4-79A2-2F71-A4F6B6308EFF}"/>
+              </a:ext>
+            </a:extLst>
+          </p:cNvPr>
+          <p:cNvSpPr/>
+          <p:nvPr/>
+        </p:nvSpPr>
+        <p:spPr>
+          <a:xfrm>
+            <a:off x="0" y="0"/>
+            <a:ext cx="12192000" cy="6858000"/>
+          </a:xfrm>
+          <a:prstGeom prst="rect">
+            <a:avLst/>
+          </a:prstGeom>
+          <a:noFill/>
+          <a:ln>
+            <a:noFill/>
+          </a:ln>
+        </p:spPr>
+        <p:style>
+          <a:lnRef idx="0">
+            <a:scrgbClr r="0" g="0" b="0"/>
+          </a:lnRef>
+          <a:fillRef idx="0">
+            <a:scrgbClr r="0" g="0" b="0"/>
+          </a:fillRef>
+          <a:effectRef idx="0">
+            <a:scrgbClr r="0" g="0" b="0"/>
+          </a:effectRef>
+          <a:fontRef idx="minor">
+            <a:schemeClr val="dk1"/>
+          </a:fontRef>
+        </p:style>
+        <p:txBody>
+          <a:bodyPr rtlCol="0" anchor="ctr"/>
+          <a:lstStyle/>
+          <a:p>
+            <a:pPr algn="ctr"/>
+            <a:r>
+              <a:rPr lang="fr-FR" sz="9600" b="1" dirty="0"/>
+              <a:t>Packaging</a:t>
+            </a:r>
+            <a:endParaRPr lang="en-US" sz="9600" b="1" dirty="0"/>
+          </a:p>
+        </p:txBody>
+      </p:sp>
+    </p:spTree>
+    <p:extLst>
+      <p:ext uri="{BB962C8B-B14F-4D97-AF65-F5344CB8AC3E}">
+        <p14:creationId xmlns:p14="http://schemas.microsoft.com/office/powerpoint/2010/main" val="4104376560"/>
       </p:ext>
     </p:extLst>
   </p:cSld>

--- a/Python/2022_Zurich/AdvancedPython_2022.pptx
+++ b/Python/2022_Zurich/AdvancedPython_2022.pptx
@@ -611,6 +611,174 @@
 </p:notes>
 </file>
 
+<file path=ppt/notesSlides/notesSlide10.xml><?xml version="1.0" encoding="utf-8"?>
+<p:notes xmlns:a="http://schemas.openxmlformats.org/drawingml/2006/main" xmlns:r="http://schemas.openxmlformats.org/officeDocument/2006/relationships" xmlns:p="http://schemas.openxmlformats.org/presentationml/2006/main">
+  <p:cSld>
+    <p:spTree>
+      <p:nvGrpSpPr>
+        <p:cNvPr id="1" name=""/>
+        <p:cNvGrpSpPr/>
+        <p:nvPr/>
+      </p:nvGrpSpPr>
+      <p:grpSpPr>
+        <a:xfrm>
+          <a:off x="0" y="0"/>
+          <a:ext cx="0" cy="0"/>
+          <a:chOff x="0" y="0"/>
+          <a:chExt cx="0" cy="0"/>
+        </a:xfrm>
+      </p:grpSpPr>
+      <p:sp>
+        <p:nvSpPr>
+          <p:cNvPr id="2" name="Slide Image Placeholder 1"/>
+          <p:cNvSpPr>
+            <a:spLocks noGrp="1" noRot="1" noChangeAspect="1"/>
+          </p:cNvSpPr>
+          <p:nvPr>
+            <p:ph type="sldImg"/>
+          </p:nvPr>
+        </p:nvSpPr>
+        <p:spPr/>
+      </p:sp>
+      <p:sp>
+        <p:nvSpPr>
+          <p:cNvPr id="3" name="Notes Placeholder 2"/>
+          <p:cNvSpPr>
+            <a:spLocks noGrp="1"/>
+          </p:cNvSpPr>
+          <p:nvPr>
+            <p:ph type="body" idx="1"/>
+          </p:nvPr>
+        </p:nvSpPr>
+        <p:spPr/>
+        <p:txBody>
+          <a:bodyPr/>
+          <a:lstStyle/>
+          <a:p>
+            <a:endParaRPr lang="en-GB" dirty="0"/>
+          </a:p>
+        </p:txBody>
+      </p:sp>
+      <p:sp>
+        <p:nvSpPr>
+          <p:cNvPr id="4" name="Slide Number Placeholder 3"/>
+          <p:cNvSpPr>
+            <a:spLocks noGrp="1"/>
+          </p:cNvSpPr>
+          <p:nvPr>
+            <p:ph type="sldNum" sz="quarter" idx="5"/>
+          </p:nvPr>
+        </p:nvSpPr>
+        <p:spPr/>
+        <p:txBody>
+          <a:bodyPr/>
+          <a:lstStyle/>
+          <a:p>
+            <a:fld id="{ACC4256A-F9CA-4E25-AE2B-D4B2F3A4A757}" type="slidenum">
+              <a:rPr lang="en-GB" smtClean="0"/>
+              <a:t>50</a:t>
+            </a:fld>
+            <a:endParaRPr lang="en-GB"/>
+          </a:p>
+        </p:txBody>
+      </p:sp>
+    </p:spTree>
+    <p:extLst>
+      <p:ext uri="{BB962C8B-B14F-4D97-AF65-F5344CB8AC3E}">
+        <p14:creationId xmlns:p14="http://schemas.microsoft.com/office/powerpoint/2010/main" val="2333367604"/>
+      </p:ext>
+    </p:extLst>
+  </p:cSld>
+  <p:clrMapOvr>
+    <a:masterClrMapping/>
+  </p:clrMapOvr>
+</p:notes>
+</file>
+
+<file path=ppt/notesSlides/notesSlide11.xml><?xml version="1.0" encoding="utf-8"?>
+<p:notes xmlns:a="http://schemas.openxmlformats.org/drawingml/2006/main" xmlns:r="http://schemas.openxmlformats.org/officeDocument/2006/relationships" xmlns:p="http://schemas.openxmlformats.org/presentationml/2006/main">
+  <p:cSld>
+    <p:spTree>
+      <p:nvGrpSpPr>
+        <p:cNvPr id="1" name=""/>
+        <p:cNvGrpSpPr/>
+        <p:nvPr/>
+      </p:nvGrpSpPr>
+      <p:grpSpPr>
+        <a:xfrm>
+          <a:off x="0" y="0"/>
+          <a:ext cx="0" cy="0"/>
+          <a:chOff x="0" y="0"/>
+          <a:chExt cx="0" cy="0"/>
+        </a:xfrm>
+      </p:grpSpPr>
+      <p:sp>
+        <p:nvSpPr>
+          <p:cNvPr id="2" name="Slide Image Placeholder 1"/>
+          <p:cNvSpPr>
+            <a:spLocks noGrp="1" noRot="1" noChangeAspect="1"/>
+          </p:cNvSpPr>
+          <p:nvPr>
+            <p:ph type="sldImg"/>
+          </p:nvPr>
+        </p:nvSpPr>
+        <p:spPr/>
+      </p:sp>
+      <p:sp>
+        <p:nvSpPr>
+          <p:cNvPr id="3" name="Notes Placeholder 2"/>
+          <p:cNvSpPr>
+            <a:spLocks noGrp="1"/>
+          </p:cNvSpPr>
+          <p:nvPr>
+            <p:ph type="body" idx="1"/>
+          </p:nvPr>
+        </p:nvSpPr>
+        <p:spPr/>
+        <p:txBody>
+          <a:bodyPr/>
+          <a:lstStyle/>
+          <a:p>
+            <a:endParaRPr lang="en-GB" dirty="0"/>
+          </a:p>
+        </p:txBody>
+      </p:sp>
+      <p:sp>
+        <p:nvSpPr>
+          <p:cNvPr id="4" name="Slide Number Placeholder 3"/>
+          <p:cNvSpPr>
+            <a:spLocks noGrp="1"/>
+          </p:cNvSpPr>
+          <p:nvPr>
+            <p:ph type="sldNum" sz="quarter" idx="5"/>
+          </p:nvPr>
+        </p:nvSpPr>
+        <p:spPr/>
+        <p:txBody>
+          <a:bodyPr/>
+          <a:lstStyle/>
+          <a:p>
+            <a:fld id="{ACC4256A-F9CA-4E25-AE2B-D4B2F3A4A757}" type="slidenum">
+              <a:rPr lang="en-GB" smtClean="0"/>
+              <a:t>51</a:t>
+            </a:fld>
+            <a:endParaRPr lang="en-GB"/>
+          </a:p>
+        </p:txBody>
+      </p:sp>
+    </p:spTree>
+    <p:extLst>
+      <p:ext uri="{BB962C8B-B14F-4D97-AF65-F5344CB8AC3E}">
+        <p14:creationId xmlns:p14="http://schemas.microsoft.com/office/powerpoint/2010/main" val="3021142107"/>
+      </p:ext>
+    </p:extLst>
+  </p:cSld>
+  <p:clrMapOvr>
+    <a:masterClrMapping/>
+  </p:clrMapOvr>
+</p:notes>
+</file>
+
 <file path=ppt/notesSlides/notesSlide2.xml><?xml version="1.0" encoding="utf-8"?>
 <p:notes xmlns:a="http://schemas.openxmlformats.org/drawingml/2006/main" xmlns:r="http://schemas.openxmlformats.org/officeDocument/2006/relationships" xmlns:p="http://schemas.openxmlformats.org/presentationml/2006/main">
   <p:cSld>
@@ -676,7 +844,7 @@
           <a:p>
             <a:fld id="{ACC4256A-F9CA-4E25-AE2B-D4B2F3A4A757}" type="slidenum">
               <a:rPr lang="en-GB" smtClean="0"/>
-              <a:t>9</a:t>
+              <a:t>8</a:t>
             </a:fld>
             <a:endParaRPr lang="en-GB"/>
           </a:p>
@@ -685,7 +853,7 @@
     </p:spTree>
     <p:extLst>
       <p:ext uri="{BB962C8B-B14F-4D97-AF65-F5344CB8AC3E}">
-        <p14:creationId xmlns:p14="http://schemas.microsoft.com/office/powerpoint/2010/main" val="983625457"/>
+        <p14:creationId xmlns:p14="http://schemas.microsoft.com/office/powerpoint/2010/main" val="185364250"/>
       </p:ext>
     </p:extLst>
   </p:cSld>
@@ -760,7 +928,7 @@
           <a:p>
             <a:fld id="{ACC4256A-F9CA-4E25-AE2B-D4B2F3A4A757}" type="slidenum">
               <a:rPr lang="en-GB" smtClean="0"/>
-              <a:t>11</a:t>
+              <a:t>9</a:t>
             </a:fld>
             <a:endParaRPr lang="en-GB"/>
           </a:p>
@@ -769,7 +937,7 @@
     </p:spTree>
     <p:extLst>
       <p:ext uri="{BB962C8B-B14F-4D97-AF65-F5344CB8AC3E}">
-        <p14:creationId xmlns:p14="http://schemas.microsoft.com/office/powerpoint/2010/main" val="1914469072"/>
+        <p14:creationId xmlns:p14="http://schemas.microsoft.com/office/powerpoint/2010/main" val="983625457"/>
       </p:ext>
     </p:extLst>
   </p:cSld>
@@ -844,7 +1012,7 @@
           <a:p>
             <a:fld id="{ACC4256A-F9CA-4E25-AE2B-D4B2F3A4A757}" type="slidenum">
               <a:rPr lang="en-GB" smtClean="0"/>
-              <a:t>21</a:t>
+              <a:t>11</a:t>
             </a:fld>
             <a:endParaRPr lang="en-GB"/>
           </a:p>
@@ -853,7 +1021,7 @@
     </p:spTree>
     <p:extLst>
       <p:ext uri="{BB962C8B-B14F-4D97-AF65-F5344CB8AC3E}">
-        <p14:creationId xmlns:p14="http://schemas.microsoft.com/office/powerpoint/2010/main" val="4171668899"/>
+        <p14:creationId xmlns:p14="http://schemas.microsoft.com/office/powerpoint/2010/main" val="1914469072"/>
       </p:ext>
     </p:extLst>
   </p:cSld>
@@ -907,1397 +1075,6 @@
           <a:bodyPr/>
           <a:lstStyle/>
           <a:p>
-            <a:r>
-              <a:rPr lang="en-GB" b="0" dirty="0">
-                <a:solidFill>
-                  <a:srgbClr val="9CDCFE"/>
-                </a:solidFill>
-                <a:effectLst/>
-                <a:latin typeface="Consolas" panose="020B0609020204030204" pitchFamily="49" charset="0"/>
-              </a:rPr>
-              <a:t>s</a:t>
-            </a:r>
-            <a:r>
-              <a:rPr lang="en-GB" b="0" dirty="0">
-                <a:solidFill>
-                  <a:srgbClr val="D4D4D4"/>
-                </a:solidFill>
-                <a:effectLst/>
-                <a:latin typeface="Consolas" panose="020B0609020204030204" pitchFamily="49" charset="0"/>
-              </a:rPr>
-              <a:t> = </a:t>
-            </a:r>
-            <a:r>
-              <a:rPr lang="en-GB" b="0" dirty="0">
-                <a:solidFill>
-                  <a:srgbClr val="CE9178"/>
-                </a:solidFill>
-                <a:effectLst/>
-                <a:latin typeface="Consolas" panose="020B0609020204030204" pitchFamily="49" charset="0"/>
-              </a:rPr>
-              <a:t>"Hello World"</a:t>
-            </a:r>
-            <a:endParaRPr lang="en-GB" b="0" dirty="0">
-              <a:solidFill>
-                <a:srgbClr val="D4D4D4"/>
-              </a:solidFill>
-              <a:effectLst/>
-              <a:latin typeface="Consolas" panose="020B0609020204030204" pitchFamily="49" charset="0"/>
-            </a:endParaRPr>
-          </a:p>
-          <a:p>
-            <a:r>
-              <a:rPr lang="en-GB" b="0" dirty="0">
-                <a:solidFill>
-                  <a:srgbClr val="569CD6"/>
-                </a:solidFill>
-                <a:effectLst/>
-                <a:latin typeface="Consolas" panose="020B0609020204030204" pitchFamily="49" charset="0"/>
-              </a:rPr>
-              <a:t>def</a:t>
-            </a:r>
-            <a:r>
-              <a:rPr lang="en-GB" b="0" dirty="0">
-                <a:solidFill>
-                  <a:srgbClr val="D4D4D4"/>
-                </a:solidFill>
-                <a:effectLst/>
-                <a:latin typeface="Consolas" panose="020B0609020204030204" pitchFamily="49" charset="0"/>
-              </a:rPr>
-              <a:t> </a:t>
-            </a:r>
-            <a:r>
-              <a:rPr lang="en-GB" b="0" dirty="0">
-                <a:solidFill>
-                  <a:srgbClr val="DCDCAA"/>
-                </a:solidFill>
-                <a:effectLst/>
-                <a:latin typeface="Consolas" panose="020B0609020204030204" pitchFamily="49" charset="0"/>
-              </a:rPr>
-              <a:t>encoder</a:t>
-            </a:r>
-            <a:r>
-              <a:rPr lang="en-GB" b="0" dirty="0">
-                <a:solidFill>
-                  <a:srgbClr val="D4D4D4"/>
-                </a:solidFill>
-                <a:effectLst/>
-                <a:latin typeface="Consolas" panose="020B0609020204030204" pitchFamily="49" charset="0"/>
-              </a:rPr>
-              <a:t>(</a:t>
-            </a:r>
-            <a:r>
-              <a:rPr lang="en-GB" b="0" dirty="0">
-                <a:solidFill>
-                  <a:srgbClr val="9CDCFE"/>
-                </a:solidFill>
-                <a:effectLst/>
-                <a:latin typeface="Consolas" panose="020B0609020204030204" pitchFamily="49" charset="0"/>
-              </a:rPr>
-              <a:t>sentence</a:t>
-            </a:r>
-            <a:r>
-              <a:rPr lang="en-GB" b="0" dirty="0">
-                <a:solidFill>
-                  <a:srgbClr val="D4D4D4"/>
-                </a:solidFill>
-                <a:effectLst/>
-                <a:latin typeface="Consolas" panose="020B0609020204030204" pitchFamily="49" charset="0"/>
-              </a:rPr>
-              <a:t>):</a:t>
-            </a:r>
-          </a:p>
-          <a:p>
-            <a:r>
-              <a:rPr lang="en-GB" b="0" dirty="0">
-                <a:solidFill>
-                  <a:srgbClr val="D4D4D4"/>
-                </a:solidFill>
-                <a:effectLst/>
-                <a:latin typeface="Consolas" panose="020B0609020204030204" pitchFamily="49" charset="0"/>
-              </a:rPr>
-              <a:t>    </a:t>
-            </a:r>
-            <a:r>
-              <a:rPr lang="en-GB" b="0" dirty="0">
-                <a:solidFill>
-                  <a:srgbClr val="6A9955"/>
-                </a:solidFill>
-                <a:effectLst/>
-                <a:latin typeface="Consolas" panose="020B0609020204030204" pitchFamily="49" charset="0"/>
-              </a:rPr>
-              <a:t># Initialize Encoded word</a:t>
-            </a:r>
-            <a:endParaRPr lang="en-GB" b="0" dirty="0">
-              <a:solidFill>
-                <a:srgbClr val="D4D4D4"/>
-              </a:solidFill>
-              <a:effectLst/>
-              <a:latin typeface="Consolas" panose="020B0609020204030204" pitchFamily="49" charset="0"/>
-            </a:endParaRPr>
-          </a:p>
-          <a:p>
-            <a:r>
-              <a:rPr lang="en-GB" b="0" dirty="0">
-                <a:solidFill>
-                  <a:srgbClr val="D4D4D4"/>
-                </a:solidFill>
-                <a:effectLst/>
-                <a:latin typeface="Consolas" panose="020B0609020204030204" pitchFamily="49" charset="0"/>
-              </a:rPr>
-              <a:t>    </a:t>
-            </a:r>
-            <a:r>
-              <a:rPr lang="en-GB" b="0" dirty="0">
-                <a:solidFill>
-                  <a:srgbClr val="9CDCFE"/>
-                </a:solidFill>
-                <a:effectLst/>
-                <a:latin typeface="Consolas" panose="020B0609020204030204" pitchFamily="49" charset="0"/>
-              </a:rPr>
-              <a:t>encoded</a:t>
-            </a:r>
-            <a:r>
-              <a:rPr lang="en-GB" b="0" dirty="0">
-                <a:solidFill>
-                  <a:srgbClr val="D4D4D4"/>
-                </a:solidFill>
-                <a:effectLst/>
-                <a:latin typeface="Consolas" panose="020B0609020204030204" pitchFamily="49" charset="0"/>
-              </a:rPr>
-              <a:t> = </a:t>
-            </a:r>
-            <a:r>
-              <a:rPr lang="en-GB" b="0" dirty="0">
-                <a:solidFill>
-                  <a:srgbClr val="CE9178"/>
-                </a:solidFill>
-                <a:effectLst/>
-                <a:latin typeface="Consolas" panose="020B0609020204030204" pitchFamily="49" charset="0"/>
-              </a:rPr>
-              <a:t>""</a:t>
-            </a:r>
-            <a:endParaRPr lang="en-GB" b="0" dirty="0">
-              <a:solidFill>
-                <a:srgbClr val="D4D4D4"/>
-              </a:solidFill>
-              <a:effectLst/>
-              <a:latin typeface="Consolas" panose="020B0609020204030204" pitchFamily="49" charset="0"/>
-            </a:endParaRPr>
-          </a:p>
-          <a:p>
-            <a:r>
-              <a:rPr lang="en-GB" b="0" dirty="0">
-                <a:solidFill>
-                  <a:srgbClr val="D4D4D4"/>
-                </a:solidFill>
-                <a:effectLst/>
-                <a:latin typeface="Consolas" panose="020B0609020204030204" pitchFamily="49" charset="0"/>
-              </a:rPr>
-              <a:t>    </a:t>
-            </a:r>
-            <a:r>
-              <a:rPr lang="en-GB" b="0" dirty="0">
-                <a:solidFill>
-                  <a:srgbClr val="6A9955"/>
-                </a:solidFill>
-                <a:effectLst/>
-                <a:latin typeface="Consolas" panose="020B0609020204030204" pitchFamily="49" charset="0"/>
-              </a:rPr>
-              <a:t># Defined alphabet</a:t>
-            </a:r>
-            <a:endParaRPr lang="en-GB" b="0" dirty="0">
-              <a:solidFill>
-                <a:srgbClr val="D4D4D4"/>
-              </a:solidFill>
-              <a:effectLst/>
-              <a:latin typeface="Consolas" panose="020B0609020204030204" pitchFamily="49" charset="0"/>
-            </a:endParaRPr>
-          </a:p>
-          <a:p>
-            <a:r>
-              <a:rPr lang="en-GB" b="0" dirty="0">
-                <a:solidFill>
-                  <a:srgbClr val="D4D4D4"/>
-                </a:solidFill>
-                <a:effectLst/>
-                <a:latin typeface="Consolas" panose="020B0609020204030204" pitchFamily="49" charset="0"/>
-              </a:rPr>
-              <a:t>    </a:t>
-            </a:r>
-            <a:r>
-              <a:rPr lang="en-GB" b="0" dirty="0">
-                <a:solidFill>
-                  <a:srgbClr val="9CDCFE"/>
-                </a:solidFill>
-                <a:effectLst/>
-                <a:latin typeface="Consolas" panose="020B0609020204030204" pitchFamily="49" charset="0"/>
-              </a:rPr>
-              <a:t>alphabet</a:t>
-            </a:r>
-            <a:r>
-              <a:rPr lang="en-GB" b="0" dirty="0">
-                <a:solidFill>
-                  <a:srgbClr val="D4D4D4"/>
-                </a:solidFill>
-                <a:effectLst/>
-                <a:latin typeface="Consolas" panose="020B0609020204030204" pitchFamily="49" charset="0"/>
-              </a:rPr>
-              <a:t> = [</a:t>
-            </a:r>
-            <a:r>
-              <a:rPr lang="en-GB" b="0" dirty="0">
-                <a:solidFill>
-                  <a:srgbClr val="CE9178"/>
-                </a:solidFill>
-                <a:effectLst/>
-                <a:latin typeface="Consolas" panose="020B0609020204030204" pitchFamily="49" charset="0"/>
-              </a:rPr>
-              <a:t>"a"</a:t>
-            </a:r>
-            <a:r>
-              <a:rPr lang="en-GB" b="0" dirty="0">
-                <a:solidFill>
-                  <a:srgbClr val="D4D4D4"/>
-                </a:solidFill>
-                <a:effectLst/>
-                <a:latin typeface="Consolas" panose="020B0609020204030204" pitchFamily="49" charset="0"/>
-              </a:rPr>
-              <a:t>, </a:t>
-            </a:r>
-            <a:r>
-              <a:rPr lang="en-GB" b="0" dirty="0">
-                <a:solidFill>
-                  <a:srgbClr val="CE9178"/>
-                </a:solidFill>
-                <a:effectLst/>
-                <a:latin typeface="Consolas" panose="020B0609020204030204" pitchFamily="49" charset="0"/>
-              </a:rPr>
-              <a:t>"b"</a:t>
-            </a:r>
-            <a:r>
-              <a:rPr lang="en-GB" b="0" dirty="0">
-                <a:solidFill>
-                  <a:srgbClr val="D4D4D4"/>
-                </a:solidFill>
-                <a:effectLst/>
-                <a:latin typeface="Consolas" panose="020B0609020204030204" pitchFamily="49" charset="0"/>
-              </a:rPr>
-              <a:t>, </a:t>
-            </a:r>
-            <a:r>
-              <a:rPr lang="en-GB" b="0" dirty="0">
-                <a:solidFill>
-                  <a:srgbClr val="CE9178"/>
-                </a:solidFill>
-                <a:effectLst/>
-                <a:latin typeface="Consolas" panose="020B0609020204030204" pitchFamily="49" charset="0"/>
-              </a:rPr>
-              <a:t>"c"</a:t>
-            </a:r>
-            <a:r>
-              <a:rPr lang="en-GB" b="0" dirty="0">
-                <a:solidFill>
-                  <a:srgbClr val="D4D4D4"/>
-                </a:solidFill>
-                <a:effectLst/>
-                <a:latin typeface="Consolas" panose="020B0609020204030204" pitchFamily="49" charset="0"/>
-              </a:rPr>
-              <a:t>, </a:t>
-            </a:r>
-            <a:r>
-              <a:rPr lang="en-GB" b="0" dirty="0">
-                <a:solidFill>
-                  <a:srgbClr val="CE9178"/>
-                </a:solidFill>
-                <a:effectLst/>
-                <a:latin typeface="Consolas" panose="020B0609020204030204" pitchFamily="49" charset="0"/>
-              </a:rPr>
-              <a:t>"d"</a:t>
-            </a:r>
-            <a:r>
-              <a:rPr lang="en-GB" b="0" dirty="0">
-                <a:solidFill>
-                  <a:srgbClr val="D4D4D4"/>
-                </a:solidFill>
-                <a:effectLst/>
-                <a:latin typeface="Consolas" panose="020B0609020204030204" pitchFamily="49" charset="0"/>
-              </a:rPr>
-              <a:t>, </a:t>
-            </a:r>
-            <a:r>
-              <a:rPr lang="en-GB" b="0" dirty="0">
-                <a:solidFill>
-                  <a:srgbClr val="CE9178"/>
-                </a:solidFill>
-                <a:effectLst/>
-                <a:latin typeface="Consolas" panose="020B0609020204030204" pitchFamily="49" charset="0"/>
-              </a:rPr>
-              <a:t>"e"</a:t>
-            </a:r>
-            <a:r>
-              <a:rPr lang="en-GB" b="0" dirty="0">
-                <a:solidFill>
-                  <a:srgbClr val="D4D4D4"/>
-                </a:solidFill>
-                <a:effectLst/>
-                <a:latin typeface="Consolas" panose="020B0609020204030204" pitchFamily="49" charset="0"/>
-              </a:rPr>
-              <a:t>, </a:t>
-            </a:r>
-            <a:r>
-              <a:rPr lang="en-GB" b="0" dirty="0">
-                <a:solidFill>
-                  <a:srgbClr val="CE9178"/>
-                </a:solidFill>
-                <a:effectLst/>
-                <a:latin typeface="Consolas" panose="020B0609020204030204" pitchFamily="49" charset="0"/>
-              </a:rPr>
-              <a:t>"f"</a:t>
-            </a:r>
-            <a:r>
-              <a:rPr lang="en-GB" b="0" dirty="0">
-                <a:solidFill>
-                  <a:srgbClr val="D4D4D4"/>
-                </a:solidFill>
-                <a:effectLst/>
-                <a:latin typeface="Consolas" panose="020B0609020204030204" pitchFamily="49" charset="0"/>
-              </a:rPr>
-              <a:t>, </a:t>
-            </a:r>
-            <a:r>
-              <a:rPr lang="en-GB" b="0" dirty="0">
-                <a:solidFill>
-                  <a:srgbClr val="CE9178"/>
-                </a:solidFill>
-                <a:effectLst/>
-                <a:latin typeface="Consolas" panose="020B0609020204030204" pitchFamily="49" charset="0"/>
-              </a:rPr>
-              <a:t>"g"</a:t>
-            </a:r>
-            <a:r>
-              <a:rPr lang="en-GB" b="0" dirty="0">
-                <a:solidFill>
-                  <a:srgbClr val="D4D4D4"/>
-                </a:solidFill>
-                <a:effectLst/>
-                <a:latin typeface="Consolas" panose="020B0609020204030204" pitchFamily="49" charset="0"/>
-              </a:rPr>
-              <a:t>, </a:t>
-            </a:r>
-            <a:r>
-              <a:rPr lang="en-GB" b="0" dirty="0">
-                <a:solidFill>
-                  <a:srgbClr val="CE9178"/>
-                </a:solidFill>
-                <a:effectLst/>
-                <a:latin typeface="Consolas" panose="020B0609020204030204" pitchFamily="49" charset="0"/>
-              </a:rPr>
-              <a:t>"h"</a:t>
-            </a:r>
-            <a:r>
-              <a:rPr lang="en-GB" b="0" dirty="0">
-                <a:solidFill>
-                  <a:srgbClr val="D4D4D4"/>
-                </a:solidFill>
-                <a:effectLst/>
-                <a:latin typeface="Consolas" panose="020B0609020204030204" pitchFamily="49" charset="0"/>
-              </a:rPr>
-              <a:t>, </a:t>
-            </a:r>
-            <a:r>
-              <a:rPr lang="en-GB" b="0" dirty="0">
-                <a:solidFill>
-                  <a:srgbClr val="CE9178"/>
-                </a:solidFill>
-                <a:effectLst/>
-                <a:latin typeface="Consolas" panose="020B0609020204030204" pitchFamily="49" charset="0"/>
-              </a:rPr>
-              <a:t>"</a:t>
-            </a:r>
-            <a:r>
-              <a:rPr lang="en-GB" b="0" dirty="0" err="1">
-                <a:solidFill>
-                  <a:srgbClr val="CE9178"/>
-                </a:solidFill>
-                <a:effectLst/>
-                <a:latin typeface="Consolas" panose="020B0609020204030204" pitchFamily="49" charset="0"/>
-              </a:rPr>
-              <a:t>i</a:t>
-            </a:r>
-            <a:r>
-              <a:rPr lang="en-GB" b="0" dirty="0">
-                <a:solidFill>
-                  <a:srgbClr val="CE9178"/>
-                </a:solidFill>
-                <a:effectLst/>
-                <a:latin typeface="Consolas" panose="020B0609020204030204" pitchFamily="49" charset="0"/>
-              </a:rPr>
-              <a:t>"</a:t>
-            </a:r>
-            <a:r>
-              <a:rPr lang="en-GB" b="0" dirty="0">
-                <a:solidFill>
-                  <a:srgbClr val="D4D4D4"/>
-                </a:solidFill>
-                <a:effectLst/>
-                <a:latin typeface="Consolas" panose="020B0609020204030204" pitchFamily="49" charset="0"/>
-              </a:rPr>
-              <a:t>, </a:t>
-            </a:r>
-            <a:r>
-              <a:rPr lang="en-GB" b="0" dirty="0">
-                <a:solidFill>
-                  <a:srgbClr val="CE9178"/>
-                </a:solidFill>
-                <a:effectLst/>
-                <a:latin typeface="Consolas" panose="020B0609020204030204" pitchFamily="49" charset="0"/>
-              </a:rPr>
-              <a:t>"j"</a:t>
-            </a:r>
-            <a:r>
-              <a:rPr lang="en-GB" b="0" dirty="0">
-                <a:solidFill>
-                  <a:srgbClr val="D4D4D4"/>
-                </a:solidFill>
-                <a:effectLst/>
-                <a:latin typeface="Consolas" panose="020B0609020204030204" pitchFamily="49" charset="0"/>
-              </a:rPr>
-              <a:t>, </a:t>
-            </a:r>
-            <a:r>
-              <a:rPr lang="en-GB" b="0" dirty="0">
-                <a:solidFill>
-                  <a:srgbClr val="CE9178"/>
-                </a:solidFill>
-                <a:effectLst/>
-                <a:latin typeface="Consolas" panose="020B0609020204030204" pitchFamily="49" charset="0"/>
-              </a:rPr>
-              <a:t>"k"</a:t>
-            </a:r>
-            <a:r>
-              <a:rPr lang="en-GB" b="0" dirty="0">
-                <a:solidFill>
-                  <a:srgbClr val="D4D4D4"/>
-                </a:solidFill>
-                <a:effectLst/>
-                <a:latin typeface="Consolas" panose="020B0609020204030204" pitchFamily="49" charset="0"/>
-              </a:rPr>
-              <a:t>, </a:t>
-            </a:r>
-            <a:r>
-              <a:rPr lang="en-GB" b="0" dirty="0">
-                <a:solidFill>
-                  <a:srgbClr val="CE9178"/>
-                </a:solidFill>
-                <a:effectLst/>
-                <a:latin typeface="Consolas" panose="020B0609020204030204" pitchFamily="49" charset="0"/>
-              </a:rPr>
-              <a:t>"l"</a:t>
-            </a:r>
-            <a:r>
-              <a:rPr lang="en-GB" b="0" dirty="0">
-                <a:solidFill>
-                  <a:srgbClr val="D4D4D4"/>
-                </a:solidFill>
-                <a:effectLst/>
-                <a:latin typeface="Consolas" panose="020B0609020204030204" pitchFamily="49" charset="0"/>
-              </a:rPr>
-              <a:t>, </a:t>
-            </a:r>
-            <a:r>
-              <a:rPr lang="en-GB" b="0" dirty="0">
-                <a:solidFill>
-                  <a:srgbClr val="CE9178"/>
-                </a:solidFill>
-                <a:effectLst/>
-                <a:latin typeface="Consolas" panose="020B0609020204030204" pitchFamily="49" charset="0"/>
-              </a:rPr>
-              <a:t>"m"</a:t>
-            </a:r>
-            <a:r>
-              <a:rPr lang="en-GB" b="0" dirty="0">
-                <a:solidFill>
-                  <a:srgbClr val="D4D4D4"/>
-                </a:solidFill>
-                <a:effectLst/>
-                <a:latin typeface="Consolas" panose="020B0609020204030204" pitchFamily="49" charset="0"/>
-              </a:rPr>
-              <a:t>, </a:t>
-            </a:r>
-            <a:r>
-              <a:rPr lang="en-GB" b="0" dirty="0">
-                <a:solidFill>
-                  <a:srgbClr val="CE9178"/>
-                </a:solidFill>
-                <a:effectLst/>
-                <a:latin typeface="Consolas" panose="020B0609020204030204" pitchFamily="49" charset="0"/>
-              </a:rPr>
-              <a:t>"n"</a:t>
-            </a:r>
-            <a:r>
-              <a:rPr lang="en-GB" b="0" dirty="0">
-                <a:solidFill>
-                  <a:srgbClr val="D4D4D4"/>
-                </a:solidFill>
-                <a:effectLst/>
-                <a:latin typeface="Consolas" panose="020B0609020204030204" pitchFamily="49" charset="0"/>
-              </a:rPr>
-              <a:t>, </a:t>
-            </a:r>
-            <a:r>
-              <a:rPr lang="en-GB" b="0" dirty="0">
-                <a:solidFill>
-                  <a:srgbClr val="CE9178"/>
-                </a:solidFill>
-                <a:effectLst/>
-                <a:latin typeface="Consolas" panose="020B0609020204030204" pitchFamily="49" charset="0"/>
-              </a:rPr>
-              <a:t>"o"</a:t>
-            </a:r>
-            <a:r>
-              <a:rPr lang="en-GB" b="0" dirty="0">
-                <a:solidFill>
-                  <a:srgbClr val="D4D4D4"/>
-                </a:solidFill>
-                <a:effectLst/>
-                <a:latin typeface="Consolas" panose="020B0609020204030204" pitchFamily="49" charset="0"/>
-              </a:rPr>
-              <a:t>, </a:t>
-            </a:r>
-            <a:r>
-              <a:rPr lang="en-GB" b="0" dirty="0">
-                <a:solidFill>
-                  <a:srgbClr val="CE9178"/>
-                </a:solidFill>
-                <a:effectLst/>
-                <a:latin typeface="Consolas" panose="020B0609020204030204" pitchFamily="49" charset="0"/>
-              </a:rPr>
-              <a:t>"p"</a:t>
-            </a:r>
-            <a:r>
-              <a:rPr lang="en-GB" b="0" dirty="0">
-                <a:solidFill>
-                  <a:srgbClr val="D4D4D4"/>
-                </a:solidFill>
-                <a:effectLst/>
-                <a:latin typeface="Consolas" panose="020B0609020204030204" pitchFamily="49" charset="0"/>
-              </a:rPr>
-              <a:t>, </a:t>
-            </a:r>
-            <a:r>
-              <a:rPr lang="en-GB" b="0" dirty="0">
-                <a:solidFill>
-                  <a:srgbClr val="CE9178"/>
-                </a:solidFill>
-                <a:effectLst/>
-                <a:latin typeface="Consolas" panose="020B0609020204030204" pitchFamily="49" charset="0"/>
-              </a:rPr>
-              <a:t>"q"</a:t>
-            </a:r>
-            <a:r>
-              <a:rPr lang="en-GB" b="0" dirty="0">
-                <a:solidFill>
-                  <a:srgbClr val="D4D4D4"/>
-                </a:solidFill>
-                <a:effectLst/>
-                <a:latin typeface="Consolas" panose="020B0609020204030204" pitchFamily="49" charset="0"/>
-              </a:rPr>
-              <a:t>, </a:t>
-            </a:r>
-            <a:r>
-              <a:rPr lang="en-GB" b="0" dirty="0">
-                <a:solidFill>
-                  <a:srgbClr val="CE9178"/>
-                </a:solidFill>
-                <a:effectLst/>
-                <a:latin typeface="Consolas" panose="020B0609020204030204" pitchFamily="49" charset="0"/>
-              </a:rPr>
-              <a:t>"r"</a:t>
-            </a:r>
-            <a:r>
-              <a:rPr lang="en-GB" b="0" dirty="0">
-                <a:solidFill>
-                  <a:srgbClr val="D4D4D4"/>
-                </a:solidFill>
-                <a:effectLst/>
-                <a:latin typeface="Consolas" panose="020B0609020204030204" pitchFamily="49" charset="0"/>
-              </a:rPr>
-              <a:t>, </a:t>
-            </a:r>
-            <a:r>
-              <a:rPr lang="en-GB" b="0" dirty="0">
-                <a:solidFill>
-                  <a:srgbClr val="CE9178"/>
-                </a:solidFill>
-                <a:effectLst/>
-                <a:latin typeface="Consolas" panose="020B0609020204030204" pitchFamily="49" charset="0"/>
-              </a:rPr>
-              <a:t>"s"</a:t>
-            </a:r>
-            <a:r>
-              <a:rPr lang="en-GB" b="0" dirty="0">
-                <a:solidFill>
-                  <a:srgbClr val="D4D4D4"/>
-                </a:solidFill>
-                <a:effectLst/>
-                <a:latin typeface="Consolas" panose="020B0609020204030204" pitchFamily="49" charset="0"/>
-              </a:rPr>
-              <a:t>, </a:t>
-            </a:r>
-            <a:r>
-              <a:rPr lang="en-GB" b="0" dirty="0">
-                <a:solidFill>
-                  <a:srgbClr val="CE9178"/>
-                </a:solidFill>
-                <a:effectLst/>
-                <a:latin typeface="Consolas" panose="020B0609020204030204" pitchFamily="49" charset="0"/>
-              </a:rPr>
-              <a:t>"t"</a:t>
-            </a:r>
-            <a:r>
-              <a:rPr lang="en-GB" b="0" dirty="0">
-                <a:solidFill>
-                  <a:srgbClr val="D4D4D4"/>
-                </a:solidFill>
-                <a:effectLst/>
-                <a:latin typeface="Consolas" panose="020B0609020204030204" pitchFamily="49" charset="0"/>
-              </a:rPr>
-              <a:t>, </a:t>
-            </a:r>
-            <a:r>
-              <a:rPr lang="en-GB" b="0" dirty="0">
-                <a:solidFill>
-                  <a:srgbClr val="CE9178"/>
-                </a:solidFill>
-                <a:effectLst/>
-                <a:latin typeface="Consolas" panose="020B0609020204030204" pitchFamily="49" charset="0"/>
-              </a:rPr>
-              <a:t>"u"</a:t>
-            </a:r>
-            <a:r>
-              <a:rPr lang="en-GB" b="0" dirty="0">
-                <a:solidFill>
-                  <a:srgbClr val="D4D4D4"/>
-                </a:solidFill>
-                <a:effectLst/>
-                <a:latin typeface="Consolas" panose="020B0609020204030204" pitchFamily="49" charset="0"/>
-              </a:rPr>
-              <a:t>, </a:t>
-            </a:r>
-            <a:r>
-              <a:rPr lang="en-GB" b="0" dirty="0">
-                <a:solidFill>
-                  <a:srgbClr val="CE9178"/>
-                </a:solidFill>
-                <a:effectLst/>
-                <a:latin typeface="Consolas" panose="020B0609020204030204" pitchFamily="49" charset="0"/>
-              </a:rPr>
-              <a:t>"v"</a:t>
-            </a:r>
-            <a:r>
-              <a:rPr lang="en-GB" b="0" dirty="0">
-                <a:solidFill>
-                  <a:srgbClr val="D4D4D4"/>
-                </a:solidFill>
-                <a:effectLst/>
-                <a:latin typeface="Consolas" panose="020B0609020204030204" pitchFamily="49" charset="0"/>
-              </a:rPr>
-              <a:t>, </a:t>
-            </a:r>
-            <a:r>
-              <a:rPr lang="en-GB" b="0" dirty="0">
-                <a:solidFill>
-                  <a:srgbClr val="CE9178"/>
-                </a:solidFill>
-                <a:effectLst/>
-                <a:latin typeface="Consolas" panose="020B0609020204030204" pitchFamily="49" charset="0"/>
-              </a:rPr>
-              <a:t>"w"</a:t>
-            </a:r>
-            <a:r>
-              <a:rPr lang="en-GB" b="0" dirty="0">
-                <a:solidFill>
-                  <a:srgbClr val="D4D4D4"/>
-                </a:solidFill>
-                <a:effectLst/>
-                <a:latin typeface="Consolas" panose="020B0609020204030204" pitchFamily="49" charset="0"/>
-              </a:rPr>
-              <a:t>, </a:t>
-            </a:r>
-            <a:r>
-              <a:rPr lang="en-GB" b="0" dirty="0">
-                <a:solidFill>
-                  <a:srgbClr val="CE9178"/>
-                </a:solidFill>
-                <a:effectLst/>
-                <a:latin typeface="Consolas" panose="020B0609020204030204" pitchFamily="49" charset="0"/>
-              </a:rPr>
-              <a:t>"x"</a:t>
-            </a:r>
-            <a:r>
-              <a:rPr lang="en-GB" b="0" dirty="0">
-                <a:solidFill>
-                  <a:srgbClr val="D4D4D4"/>
-                </a:solidFill>
-                <a:effectLst/>
-                <a:latin typeface="Consolas" panose="020B0609020204030204" pitchFamily="49" charset="0"/>
-              </a:rPr>
-              <a:t>, </a:t>
-            </a:r>
-            <a:r>
-              <a:rPr lang="en-GB" b="0" dirty="0">
-                <a:solidFill>
-                  <a:srgbClr val="CE9178"/>
-                </a:solidFill>
-                <a:effectLst/>
-                <a:latin typeface="Consolas" panose="020B0609020204030204" pitchFamily="49" charset="0"/>
-              </a:rPr>
-              <a:t>"y"</a:t>
-            </a:r>
-            <a:r>
-              <a:rPr lang="en-GB" b="0" dirty="0">
-                <a:solidFill>
-                  <a:srgbClr val="D4D4D4"/>
-                </a:solidFill>
-                <a:effectLst/>
-                <a:latin typeface="Consolas" panose="020B0609020204030204" pitchFamily="49" charset="0"/>
-              </a:rPr>
-              <a:t>, </a:t>
-            </a:r>
-            <a:r>
-              <a:rPr lang="en-GB" b="0" dirty="0">
-                <a:solidFill>
-                  <a:srgbClr val="CE9178"/>
-                </a:solidFill>
-                <a:effectLst/>
-                <a:latin typeface="Consolas" panose="020B0609020204030204" pitchFamily="49" charset="0"/>
-              </a:rPr>
-              <a:t>"z"</a:t>
-            </a:r>
-            <a:r>
-              <a:rPr lang="en-GB" b="0" dirty="0">
-                <a:solidFill>
-                  <a:srgbClr val="D4D4D4"/>
-                </a:solidFill>
-                <a:effectLst/>
-                <a:latin typeface="Consolas" panose="020B0609020204030204" pitchFamily="49" charset="0"/>
-              </a:rPr>
-              <a:t>]</a:t>
-            </a:r>
-          </a:p>
-          <a:p>
-            <a:r>
-              <a:rPr lang="en-GB" b="0" dirty="0">
-                <a:solidFill>
-                  <a:srgbClr val="D4D4D4"/>
-                </a:solidFill>
-                <a:effectLst/>
-                <a:latin typeface="Consolas" panose="020B0609020204030204" pitchFamily="49" charset="0"/>
-              </a:rPr>
-              <a:t>    </a:t>
-            </a:r>
-            <a:r>
-              <a:rPr lang="en-GB" b="0" dirty="0">
-                <a:solidFill>
-                  <a:srgbClr val="6A9955"/>
-                </a:solidFill>
-                <a:effectLst/>
-                <a:latin typeface="Consolas" panose="020B0609020204030204" pitchFamily="49" charset="0"/>
-              </a:rPr>
-              <a:t># Make sure it's lowercase</a:t>
-            </a:r>
-            <a:endParaRPr lang="en-GB" b="0" dirty="0">
-              <a:solidFill>
-                <a:srgbClr val="D4D4D4"/>
-              </a:solidFill>
-              <a:effectLst/>
-              <a:latin typeface="Consolas" panose="020B0609020204030204" pitchFamily="49" charset="0"/>
-            </a:endParaRPr>
-          </a:p>
-          <a:p>
-            <a:r>
-              <a:rPr lang="en-GB" b="0" dirty="0">
-                <a:solidFill>
-                  <a:srgbClr val="D4D4D4"/>
-                </a:solidFill>
-                <a:effectLst/>
-                <a:latin typeface="Consolas" panose="020B0609020204030204" pitchFamily="49" charset="0"/>
-              </a:rPr>
-              <a:t>    </a:t>
-            </a:r>
-            <a:r>
-              <a:rPr lang="en-GB" b="0" dirty="0">
-                <a:solidFill>
-                  <a:srgbClr val="9CDCFE"/>
-                </a:solidFill>
-                <a:effectLst/>
-                <a:latin typeface="Consolas" panose="020B0609020204030204" pitchFamily="49" charset="0"/>
-              </a:rPr>
-              <a:t>sentence</a:t>
-            </a:r>
-            <a:r>
-              <a:rPr lang="en-GB" b="0" dirty="0">
-                <a:solidFill>
-                  <a:srgbClr val="D4D4D4"/>
-                </a:solidFill>
-                <a:effectLst/>
-                <a:latin typeface="Consolas" panose="020B0609020204030204" pitchFamily="49" charset="0"/>
-              </a:rPr>
-              <a:t> = </a:t>
-            </a:r>
-            <a:r>
-              <a:rPr lang="en-GB" b="0" dirty="0" err="1">
-                <a:solidFill>
-                  <a:srgbClr val="9CDCFE"/>
-                </a:solidFill>
-                <a:effectLst/>
-                <a:latin typeface="Consolas" panose="020B0609020204030204" pitchFamily="49" charset="0"/>
-              </a:rPr>
-              <a:t>sentence</a:t>
-            </a:r>
-            <a:r>
-              <a:rPr lang="en-GB" b="0" dirty="0" err="1">
-                <a:solidFill>
-                  <a:srgbClr val="D4D4D4"/>
-                </a:solidFill>
-                <a:effectLst/>
-                <a:latin typeface="Consolas" panose="020B0609020204030204" pitchFamily="49" charset="0"/>
-              </a:rPr>
-              <a:t>.lower</a:t>
-            </a:r>
-            <a:r>
-              <a:rPr lang="en-GB" b="0" dirty="0">
-                <a:solidFill>
-                  <a:srgbClr val="D4D4D4"/>
-                </a:solidFill>
-                <a:effectLst/>
-                <a:latin typeface="Consolas" panose="020B0609020204030204" pitchFamily="49" charset="0"/>
-              </a:rPr>
-              <a:t>()</a:t>
-            </a:r>
-          </a:p>
-          <a:p>
-            <a:r>
-              <a:rPr lang="en-GB" b="0" dirty="0">
-                <a:solidFill>
-                  <a:srgbClr val="D4D4D4"/>
-                </a:solidFill>
-                <a:effectLst/>
-                <a:latin typeface="Consolas" panose="020B0609020204030204" pitchFamily="49" charset="0"/>
-              </a:rPr>
-              <a:t>    </a:t>
-            </a:r>
-            <a:r>
-              <a:rPr lang="en-GB" b="0" dirty="0">
-                <a:solidFill>
-                  <a:srgbClr val="C586C0"/>
-                </a:solidFill>
-                <a:effectLst/>
-                <a:latin typeface="Consolas" panose="020B0609020204030204" pitchFamily="49" charset="0"/>
-              </a:rPr>
-              <a:t>for</a:t>
-            </a:r>
-            <a:r>
-              <a:rPr lang="en-GB" b="0" dirty="0">
-                <a:solidFill>
-                  <a:srgbClr val="D4D4D4"/>
-                </a:solidFill>
-                <a:effectLst/>
-                <a:latin typeface="Consolas" panose="020B0609020204030204" pitchFamily="49" charset="0"/>
-              </a:rPr>
-              <a:t> </a:t>
-            </a:r>
-            <a:r>
-              <a:rPr lang="en-GB" b="0" dirty="0">
-                <a:solidFill>
-                  <a:srgbClr val="9CDCFE"/>
-                </a:solidFill>
-                <a:effectLst/>
-                <a:latin typeface="Consolas" panose="020B0609020204030204" pitchFamily="49" charset="0"/>
-              </a:rPr>
-              <a:t>l</a:t>
-            </a:r>
-            <a:r>
-              <a:rPr lang="en-GB" b="0" dirty="0">
-                <a:solidFill>
-                  <a:srgbClr val="D4D4D4"/>
-                </a:solidFill>
-                <a:effectLst/>
-                <a:latin typeface="Consolas" panose="020B0609020204030204" pitchFamily="49" charset="0"/>
-              </a:rPr>
-              <a:t> </a:t>
-            </a:r>
-            <a:r>
-              <a:rPr lang="en-GB" b="0" dirty="0">
-                <a:solidFill>
-                  <a:srgbClr val="C586C0"/>
-                </a:solidFill>
-                <a:effectLst/>
-                <a:latin typeface="Consolas" panose="020B0609020204030204" pitchFamily="49" charset="0"/>
-              </a:rPr>
-              <a:t>in</a:t>
-            </a:r>
-            <a:r>
-              <a:rPr lang="en-GB" b="0" dirty="0">
-                <a:solidFill>
-                  <a:srgbClr val="D4D4D4"/>
-                </a:solidFill>
-                <a:effectLst/>
-                <a:latin typeface="Consolas" panose="020B0609020204030204" pitchFamily="49" charset="0"/>
-              </a:rPr>
-              <a:t> </a:t>
-            </a:r>
-            <a:r>
-              <a:rPr lang="en-GB" b="0" dirty="0">
-                <a:solidFill>
-                  <a:srgbClr val="9CDCFE"/>
-                </a:solidFill>
-                <a:effectLst/>
-                <a:latin typeface="Consolas" panose="020B0609020204030204" pitchFamily="49" charset="0"/>
-              </a:rPr>
-              <a:t>sentence</a:t>
-            </a:r>
-            <a:r>
-              <a:rPr lang="en-GB" b="0" dirty="0">
-                <a:solidFill>
-                  <a:srgbClr val="D4D4D4"/>
-                </a:solidFill>
-                <a:effectLst/>
-                <a:latin typeface="Consolas" panose="020B0609020204030204" pitchFamily="49" charset="0"/>
-              </a:rPr>
-              <a:t>:</a:t>
-            </a:r>
-          </a:p>
-          <a:p>
-            <a:r>
-              <a:rPr lang="en-GB" b="0" dirty="0">
-                <a:solidFill>
-                  <a:srgbClr val="D4D4D4"/>
-                </a:solidFill>
-                <a:effectLst/>
-                <a:latin typeface="Consolas" panose="020B0609020204030204" pitchFamily="49" charset="0"/>
-              </a:rPr>
-              <a:t>        </a:t>
-            </a:r>
-            <a:r>
-              <a:rPr lang="en-GB" b="0" dirty="0">
-                <a:solidFill>
-                  <a:srgbClr val="C586C0"/>
-                </a:solidFill>
-                <a:effectLst/>
-                <a:latin typeface="Consolas" panose="020B0609020204030204" pitchFamily="49" charset="0"/>
-              </a:rPr>
-              <a:t>if</a:t>
-            </a:r>
-            <a:r>
-              <a:rPr lang="en-GB" b="0" dirty="0">
-                <a:solidFill>
-                  <a:srgbClr val="D4D4D4"/>
-                </a:solidFill>
-                <a:effectLst/>
-                <a:latin typeface="Consolas" panose="020B0609020204030204" pitchFamily="49" charset="0"/>
-              </a:rPr>
-              <a:t> </a:t>
-            </a:r>
-            <a:r>
-              <a:rPr lang="en-GB" b="0" dirty="0">
-                <a:solidFill>
-                  <a:srgbClr val="9CDCFE"/>
-                </a:solidFill>
-                <a:effectLst/>
-                <a:latin typeface="Consolas" panose="020B0609020204030204" pitchFamily="49" charset="0"/>
-              </a:rPr>
-              <a:t>l</a:t>
-            </a:r>
-            <a:r>
-              <a:rPr lang="en-GB" b="0" dirty="0">
-                <a:solidFill>
-                  <a:srgbClr val="D4D4D4"/>
-                </a:solidFill>
-                <a:effectLst/>
-                <a:latin typeface="Consolas" panose="020B0609020204030204" pitchFamily="49" charset="0"/>
-              </a:rPr>
-              <a:t> == </a:t>
-            </a:r>
-            <a:r>
-              <a:rPr lang="en-GB" b="0" dirty="0">
-                <a:solidFill>
-                  <a:srgbClr val="CE9178"/>
-                </a:solidFill>
-                <a:effectLst/>
-                <a:latin typeface="Consolas" panose="020B0609020204030204" pitchFamily="49" charset="0"/>
-              </a:rPr>
-              <a:t>" "</a:t>
-            </a:r>
-            <a:r>
-              <a:rPr lang="en-GB" b="0" dirty="0">
-                <a:solidFill>
-                  <a:srgbClr val="D4D4D4"/>
-                </a:solidFill>
-                <a:effectLst/>
-                <a:latin typeface="Consolas" panose="020B0609020204030204" pitchFamily="49" charset="0"/>
-              </a:rPr>
-              <a:t>:</a:t>
-            </a:r>
-          </a:p>
-          <a:p>
-            <a:r>
-              <a:rPr lang="en-GB" b="0" dirty="0">
-                <a:solidFill>
-                  <a:srgbClr val="D4D4D4"/>
-                </a:solidFill>
-                <a:effectLst/>
-                <a:latin typeface="Consolas" panose="020B0609020204030204" pitchFamily="49" charset="0"/>
-              </a:rPr>
-              <a:t>            </a:t>
-            </a:r>
-            <a:r>
-              <a:rPr lang="en-GB" b="0" dirty="0">
-                <a:solidFill>
-                  <a:srgbClr val="9CDCFE"/>
-                </a:solidFill>
-                <a:effectLst/>
-                <a:latin typeface="Consolas" panose="020B0609020204030204" pitchFamily="49" charset="0"/>
-              </a:rPr>
-              <a:t>encoded</a:t>
-            </a:r>
-            <a:r>
-              <a:rPr lang="en-GB" b="0" dirty="0">
-                <a:solidFill>
-                  <a:srgbClr val="D4D4D4"/>
-                </a:solidFill>
-                <a:effectLst/>
-                <a:latin typeface="Consolas" panose="020B0609020204030204" pitchFamily="49" charset="0"/>
-              </a:rPr>
-              <a:t> += </a:t>
-            </a:r>
-            <a:r>
-              <a:rPr lang="en-GB" b="0" dirty="0">
-                <a:solidFill>
-                  <a:srgbClr val="CE9178"/>
-                </a:solidFill>
-                <a:effectLst/>
-                <a:latin typeface="Consolas" panose="020B0609020204030204" pitchFamily="49" charset="0"/>
-              </a:rPr>
-              <a:t>" "</a:t>
-            </a:r>
-            <a:endParaRPr lang="en-GB" b="0" dirty="0">
-              <a:solidFill>
-                <a:srgbClr val="D4D4D4"/>
-              </a:solidFill>
-              <a:effectLst/>
-              <a:latin typeface="Consolas" panose="020B0609020204030204" pitchFamily="49" charset="0"/>
-            </a:endParaRPr>
-          </a:p>
-          <a:p>
-            <a:r>
-              <a:rPr lang="en-GB" b="0" dirty="0">
-                <a:solidFill>
-                  <a:srgbClr val="D4D4D4"/>
-                </a:solidFill>
-                <a:effectLst/>
-                <a:latin typeface="Consolas" panose="020B0609020204030204" pitchFamily="49" charset="0"/>
-              </a:rPr>
-              <a:t>        </a:t>
-            </a:r>
-            <a:r>
-              <a:rPr lang="en-GB" b="0" dirty="0">
-                <a:solidFill>
-                  <a:srgbClr val="C586C0"/>
-                </a:solidFill>
-                <a:effectLst/>
-                <a:latin typeface="Consolas" panose="020B0609020204030204" pitchFamily="49" charset="0"/>
-              </a:rPr>
-              <a:t>else</a:t>
-            </a:r>
-            <a:r>
-              <a:rPr lang="en-GB" b="0" dirty="0">
-                <a:solidFill>
-                  <a:srgbClr val="D4D4D4"/>
-                </a:solidFill>
-                <a:effectLst/>
-                <a:latin typeface="Consolas" panose="020B0609020204030204" pitchFamily="49" charset="0"/>
-              </a:rPr>
-              <a:t>:</a:t>
-            </a:r>
-          </a:p>
-          <a:p>
-            <a:r>
-              <a:rPr lang="en-GB" b="0" dirty="0">
-                <a:solidFill>
-                  <a:srgbClr val="D4D4D4"/>
-                </a:solidFill>
-                <a:effectLst/>
-                <a:latin typeface="Consolas" panose="020B0609020204030204" pitchFamily="49" charset="0"/>
-              </a:rPr>
-              <a:t>            </a:t>
-            </a:r>
-            <a:r>
-              <a:rPr lang="en-GB" b="0" dirty="0" err="1">
-                <a:solidFill>
-                  <a:srgbClr val="9CDCFE"/>
-                </a:solidFill>
-                <a:effectLst/>
-                <a:latin typeface="Consolas" panose="020B0609020204030204" pitchFamily="49" charset="0"/>
-              </a:rPr>
-              <a:t>idx</a:t>
-            </a:r>
-            <a:r>
-              <a:rPr lang="en-GB" b="0" dirty="0">
-                <a:solidFill>
-                  <a:srgbClr val="D4D4D4"/>
-                </a:solidFill>
-                <a:effectLst/>
-                <a:latin typeface="Consolas" panose="020B0609020204030204" pitchFamily="49" charset="0"/>
-              </a:rPr>
-              <a:t> = </a:t>
-            </a:r>
-            <a:r>
-              <a:rPr lang="en-GB" b="0" dirty="0" err="1">
-                <a:solidFill>
-                  <a:srgbClr val="9CDCFE"/>
-                </a:solidFill>
-                <a:effectLst/>
-                <a:latin typeface="Consolas" panose="020B0609020204030204" pitchFamily="49" charset="0"/>
-              </a:rPr>
-              <a:t>alphabet</a:t>
-            </a:r>
-            <a:r>
-              <a:rPr lang="en-GB" b="0" dirty="0" err="1">
-                <a:solidFill>
-                  <a:srgbClr val="D4D4D4"/>
-                </a:solidFill>
-                <a:effectLst/>
-                <a:latin typeface="Consolas" panose="020B0609020204030204" pitchFamily="49" charset="0"/>
-              </a:rPr>
-              <a:t>.</a:t>
-            </a:r>
-            <a:r>
-              <a:rPr lang="en-GB" b="0" dirty="0" err="1">
-                <a:solidFill>
-                  <a:srgbClr val="DCDCAA"/>
-                </a:solidFill>
-                <a:effectLst/>
-                <a:latin typeface="Consolas" panose="020B0609020204030204" pitchFamily="49" charset="0"/>
-              </a:rPr>
-              <a:t>index</a:t>
-            </a:r>
-            <a:r>
-              <a:rPr lang="en-GB" b="0" dirty="0">
-                <a:solidFill>
-                  <a:srgbClr val="D4D4D4"/>
-                </a:solidFill>
-                <a:effectLst/>
-                <a:latin typeface="Consolas" panose="020B0609020204030204" pitchFamily="49" charset="0"/>
-              </a:rPr>
-              <a:t>(</a:t>
-            </a:r>
-            <a:r>
-              <a:rPr lang="en-GB" b="0" dirty="0">
-                <a:solidFill>
-                  <a:srgbClr val="9CDCFE"/>
-                </a:solidFill>
-                <a:effectLst/>
-                <a:latin typeface="Consolas" panose="020B0609020204030204" pitchFamily="49" charset="0"/>
-              </a:rPr>
-              <a:t>l</a:t>
-            </a:r>
-            <a:r>
-              <a:rPr lang="en-GB" b="0" dirty="0">
-                <a:solidFill>
-                  <a:srgbClr val="D4D4D4"/>
-                </a:solidFill>
-                <a:effectLst/>
-                <a:latin typeface="Consolas" panose="020B0609020204030204" pitchFamily="49" charset="0"/>
-              </a:rPr>
-              <a:t>)</a:t>
-            </a:r>
-          </a:p>
-          <a:p>
-            <a:r>
-              <a:rPr lang="en-GB" b="0" dirty="0">
-                <a:solidFill>
-                  <a:srgbClr val="D4D4D4"/>
-                </a:solidFill>
-                <a:effectLst/>
-                <a:latin typeface="Consolas" panose="020B0609020204030204" pitchFamily="49" charset="0"/>
-              </a:rPr>
-              <a:t>            </a:t>
-            </a:r>
-            <a:r>
-              <a:rPr lang="en-GB" b="0" dirty="0">
-                <a:solidFill>
-                  <a:srgbClr val="9CDCFE"/>
-                </a:solidFill>
-                <a:effectLst/>
-                <a:latin typeface="Consolas" panose="020B0609020204030204" pitchFamily="49" charset="0"/>
-              </a:rPr>
-              <a:t>encoded</a:t>
-            </a:r>
-            <a:r>
-              <a:rPr lang="en-GB" b="0" dirty="0">
-                <a:solidFill>
-                  <a:srgbClr val="D4D4D4"/>
-                </a:solidFill>
-                <a:effectLst/>
-                <a:latin typeface="Consolas" panose="020B0609020204030204" pitchFamily="49" charset="0"/>
-              </a:rPr>
-              <a:t> += </a:t>
-            </a:r>
-            <a:r>
-              <a:rPr lang="en-GB" b="0" dirty="0">
-                <a:solidFill>
-                  <a:srgbClr val="9CDCFE"/>
-                </a:solidFill>
-                <a:effectLst/>
-                <a:latin typeface="Consolas" panose="020B0609020204030204" pitchFamily="49" charset="0"/>
-              </a:rPr>
-              <a:t>alphabet</a:t>
-            </a:r>
-            <a:r>
-              <a:rPr lang="en-GB" b="0" dirty="0">
-                <a:solidFill>
-                  <a:srgbClr val="D4D4D4"/>
-                </a:solidFill>
-                <a:effectLst/>
-                <a:latin typeface="Consolas" panose="020B0609020204030204" pitchFamily="49" charset="0"/>
-              </a:rPr>
-              <a:t>[</a:t>
-            </a:r>
-            <a:r>
-              <a:rPr lang="en-GB" b="0" dirty="0" err="1">
-                <a:solidFill>
-                  <a:srgbClr val="9CDCFE"/>
-                </a:solidFill>
-                <a:effectLst/>
-                <a:latin typeface="Consolas" panose="020B0609020204030204" pitchFamily="49" charset="0"/>
-              </a:rPr>
-              <a:t>idx</a:t>
-            </a:r>
-            <a:r>
-              <a:rPr lang="en-GB" b="0" dirty="0">
-                <a:solidFill>
-                  <a:srgbClr val="D4D4D4"/>
-                </a:solidFill>
-                <a:effectLst/>
-                <a:latin typeface="Consolas" panose="020B0609020204030204" pitchFamily="49" charset="0"/>
-              </a:rPr>
-              <a:t> + </a:t>
-            </a:r>
-            <a:r>
-              <a:rPr lang="en-GB" b="0" dirty="0">
-                <a:solidFill>
-                  <a:srgbClr val="B5CEA8"/>
-                </a:solidFill>
-                <a:effectLst/>
-                <a:latin typeface="Consolas" panose="020B0609020204030204" pitchFamily="49" charset="0"/>
-              </a:rPr>
-              <a:t>1</a:t>
-            </a:r>
-            <a:r>
-              <a:rPr lang="en-GB" b="0" dirty="0">
-                <a:solidFill>
-                  <a:srgbClr val="D4D4D4"/>
-                </a:solidFill>
-                <a:effectLst/>
-                <a:latin typeface="Consolas" panose="020B0609020204030204" pitchFamily="49" charset="0"/>
-              </a:rPr>
-              <a:t>]</a:t>
-            </a:r>
-          </a:p>
-          <a:p>
-            <a:r>
-              <a:rPr lang="en-GB" b="0" dirty="0">
-                <a:solidFill>
-                  <a:srgbClr val="D4D4D4"/>
-                </a:solidFill>
-                <a:effectLst/>
-                <a:latin typeface="Consolas" panose="020B0609020204030204" pitchFamily="49" charset="0"/>
-              </a:rPr>
-              <a:t>    </a:t>
-            </a:r>
-            <a:r>
-              <a:rPr lang="en-GB" b="0" dirty="0">
-                <a:solidFill>
-                  <a:srgbClr val="C586C0"/>
-                </a:solidFill>
-                <a:effectLst/>
-                <a:latin typeface="Consolas" panose="020B0609020204030204" pitchFamily="49" charset="0"/>
-              </a:rPr>
-              <a:t>return</a:t>
-            </a:r>
-            <a:r>
-              <a:rPr lang="en-GB" b="0" dirty="0">
-                <a:solidFill>
-                  <a:srgbClr val="D4D4D4"/>
-                </a:solidFill>
-                <a:effectLst/>
-                <a:latin typeface="Consolas" panose="020B0609020204030204" pitchFamily="49" charset="0"/>
-              </a:rPr>
-              <a:t> </a:t>
-            </a:r>
-            <a:r>
-              <a:rPr lang="en-GB" b="0" dirty="0">
-                <a:solidFill>
-                  <a:srgbClr val="9CDCFE"/>
-                </a:solidFill>
-                <a:effectLst/>
-                <a:latin typeface="Consolas" panose="020B0609020204030204" pitchFamily="49" charset="0"/>
-              </a:rPr>
-              <a:t>encoded</a:t>
-            </a:r>
-            <a:endParaRPr lang="en-GB" b="0" dirty="0">
-              <a:solidFill>
-                <a:srgbClr val="D4D4D4"/>
-              </a:solidFill>
-              <a:effectLst/>
-              <a:latin typeface="Consolas" panose="020B0609020204030204" pitchFamily="49" charset="0"/>
-            </a:endParaRPr>
-          </a:p>
-          <a:p>
-            <a:r>
-              <a:rPr lang="en-GB" b="0" dirty="0">
-                <a:solidFill>
-                  <a:srgbClr val="DCDCAA"/>
-                </a:solidFill>
-                <a:effectLst/>
-                <a:latin typeface="Consolas" panose="020B0609020204030204" pitchFamily="49" charset="0"/>
-              </a:rPr>
-              <a:t>encoder</a:t>
-            </a:r>
-            <a:r>
-              <a:rPr lang="en-GB" b="0" dirty="0">
-                <a:solidFill>
-                  <a:srgbClr val="D4D4D4"/>
-                </a:solidFill>
-                <a:effectLst/>
-                <a:latin typeface="Consolas" panose="020B0609020204030204" pitchFamily="49" charset="0"/>
-              </a:rPr>
-              <a:t>(</a:t>
-            </a:r>
-            <a:r>
-              <a:rPr lang="en-GB" b="0" dirty="0">
-                <a:solidFill>
-                  <a:srgbClr val="9CDCFE"/>
-                </a:solidFill>
-                <a:effectLst/>
-                <a:latin typeface="Consolas" panose="020B0609020204030204" pitchFamily="49" charset="0"/>
-              </a:rPr>
-              <a:t>s</a:t>
-            </a:r>
-            <a:r>
-              <a:rPr lang="en-GB" b="0" dirty="0">
-                <a:solidFill>
-                  <a:srgbClr val="D4D4D4"/>
-                </a:solidFill>
-                <a:effectLst/>
-                <a:latin typeface="Consolas" panose="020B0609020204030204" pitchFamily="49" charset="0"/>
-              </a:rPr>
-              <a:t>)</a:t>
-            </a:r>
-          </a:p>
-          <a:p>
             <a:endParaRPr lang="en-GB" dirty="0"/>
           </a:p>
         </p:txBody>
@@ -2319,7 +1096,7 @@
           <a:p>
             <a:fld id="{ACC4256A-F9CA-4E25-AE2B-D4B2F3A4A757}" type="slidenum">
               <a:rPr lang="en-GB" smtClean="0"/>
-              <a:t>27</a:t>
+              <a:t>13</a:t>
             </a:fld>
             <a:endParaRPr lang="en-GB"/>
           </a:p>
@@ -2328,7 +1105,7 @@
     </p:spTree>
     <p:extLst>
       <p:ext uri="{BB962C8B-B14F-4D97-AF65-F5344CB8AC3E}">
-        <p14:creationId xmlns:p14="http://schemas.microsoft.com/office/powerpoint/2010/main" val="878667025"/>
+        <p14:creationId xmlns:p14="http://schemas.microsoft.com/office/powerpoint/2010/main" val="413533199"/>
       </p:ext>
     </p:extLst>
   </p:cSld>
@@ -2403,7 +1180,7 @@
           <a:p>
             <a:fld id="{ACC4256A-F9CA-4E25-AE2B-D4B2F3A4A757}" type="slidenum">
               <a:rPr lang="en-GB" smtClean="0"/>
-              <a:t>45</a:t>
+              <a:t>18</a:t>
             </a:fld>
             <a:endParaRPr lang="en-GB"/>
           </a:p>
@@ -2412,7 +1189,7 @@
     </p:spTree>
     <p:extLst>
       <p:ext uri="{BB962C8B-B14F-4D97-AF65-F5344CB8AC3E}">
-        <p14:creationId xmlns:p14="http://schemas.microsoft.com/office/powerpoint/2010/main" val="397140929"/>
+        <p14:creationId xmlns:p14="http://schemas.microsoft.com/office/powerpoint/2010/main" val="3271177626"/>
       </p:ext>
     </p:extLst>
   </p:cSld>
@@ -2487,7 +1264,7 @@
           <a:p>
             <a:fld id="{ACC4256A-F9CA-4E25-AE2B-D4B2F3A4A757}" type="slidenum">
               <a:rPr lang="en-GB" smtClean="0"/>
-              <a:t>50</a:t>
+              <a:t>21</a:t>
             </a:fld>
             <a:endParaRPr lang="en-GB"/>
           </a:p>
@@ -2496,7 +1273,7 @@
     </p:spTree>
     <p:extLst>
       <p:ext uri="{BB962C8B-B14F-4D97-AF65-F5344CB8AC3E}">
-        <p14:creationId xmlns:p14="http://schemas.microsoft.com/office/powerpoint/2010/main" val="2333367604"/>
+        <p14:creationId xmlns:p14="http://schemas.microsoft.com/office/powerpoint/2010/main" val="4171668899"/>
       </p:ext>
     </p:extLst>
   </p:cSld>
@@ -2550,6 +1327,1397 @@
           <a:bodyPr/>
           <a:lstStyle/>
           <a:p>
+            <a:r>
+              <a:rPr lang="en-GB" b="0" dirty="0">
+                <a:solidFill>
+                  <a:srgbClr val="9CDCFE"/>
+                </a:solidFill>
+                <a:effectLst/>
+                <a:latin typeface="Consolas" panose="020B0609020204030204" pitchFamily="49" charset="0"/>
+              </a:rPr>
+              <a:t>s</a:t>
+            </a:r>
+            <a:r>
+              <a:rPr lang="en-GB" b="0" dirty="0">
+                <a:solidFill>
+                  <a:srgbClr val="D4D4D4"/>
+                </a:solidFill>
+                <a:effectLst/>
+                <a:latin typeface="Consolas" panose="020B0609020204030204" pitchFamily="49" charset="0"/>
+              </a:rPr>
+              <a:t> = </a:t>
+            </a:r>
+            <a:r>
+              <a:rPr lang="en-GB" b="0" dirty="0">
+                <a:solidFill>
+                  <a:srgbClr val="CE9178"/>
+                </a:solidFill>
+                <a:effectLst/>
+                <a:latin typeface="Consolas" panose="020B0609020204030204" pitchFamily="49" charset="0"/>
+              </a:rPr>
+              <a:t>"Hello World"</a:t>
+            </a:r>
+            <a:endParaRPr lang="en-GB" b="0" dirty="0">
+              <a:solidFill>
+                <a:srgbClr val="D4D4D4"/>
+              </a:solidFill>
+              <a:effectLst/>
+              <a:latin typeface="Consolas" panose="020B0609020204030204" pitchFamily="49" charset="0"/>
+            </a:endParaRPr>
+          </a:p>
+          <a:p>
+            <a:r>
+              <a:rPr lang="en-GB" b="0" dirty="0">
+                <a:solidFill>
+                  <a:srgbClr val="569CD6"/>
+                </a:solidFill>
+                <a:effectLst/>
+                <a:latin typeface="Consolas" panose="020B0609020204030204" pitchFamily="49" charset="0"/>
+              </a:rPr>
+              <a:t>def</a:t>
+            </a:r>
+            <a:r>
+              <a:rPr lang="en-GB" b="0" dirty="0">
+                <a:solidFill>
+                  <a:srgbClr val="D4D4D4"/>
+                </a:solidFill>
+                <a:effectLst/>
+                <a:latin typeface="Consolas" panose="020B0609020204030204" pitchFamily="49" charset="0"/>
+              </a:rPr>
+              <a:t> </a:t>
+            </a:r>
+            <a:r>
+              <a:rPr lang="en-GB" b="0" dirty="0">
+                <a:solidFill>
+                  <a:srgbClr val="DCDCAA"/>
+                </a:solidFill>
+                <a:effectLst/>
+                <a:latin typeface="Consolas" panose="020B0609020204030204" pitchFamily="49" charset="0"/>
+              </a:rPr>
+              <a:t>encoder</a:t>
+            </a:r>
+            <a:r>
+              <a:rPr lang="en-GB" b="0" dirty="0">
+                <a:solidFill>
+                  <a:srgbClr val="D4D4D4"/>
+                </a:solidFill>
+                <a:effectLst/>
+                <a:latin typeface="Consolas" panose="020B0609020204030204" pitchFamily="49" charset="0"/>
+              </a:rPr>
+              <a:t>(</a:t>
+            </a:r>
+            <a:r>
+              <a:rPr lang="en-GB" b="0" dirty="0">
+                <a:solidFill>
+                  <a:srgbClr val="9CDCFE"/>
+                </a:solidFill>
+                <a:effectLst/>
+                <a:latin typeface="Consolas" panose="020B0609020204030204" pitchFamily="49" charset="0"/>
+              </a:rPr>
+              <a:t>sentence</a:t>
+            </a:r>
+            <a:r>
+              <a:rPr lang="en-GB" b="0" dirty="0">
+                <a:solidFill>
+                  <a:srgbClr val="D4D4D4"/>
+                </a:solidFill>
+                <a:effectLst/>
+                <a:latin typeface="Consolas" panose="020B0609020204030204" pitchFamily="49" charset="0"/>
+              </a:rPr>
+              <a:t>):</a:t>
+            </a:r>
+          </a:p>
+          <a:p>
+            <a:r>
+              <a:rPr lang="en-GB" b="0" dirty="0">
+                <a:solidFill>
+                  <a:srgbClr val="D4D4D4"/>
+                </a:solidFill>
+                <a:effectLst/>
+                <a:latin typeface="Consolas" panose="020B0609020204030204" pitchFamily="49" charset="0"/>
+              </a:rPr>
+              <a:t>    </a:t>
+            </a:r>
+            <a:r>
+              <a:rPr lang="en-GB" b="0" dirty="0">
+                <a:solidFill>
+                  <a:srgbClr val="6A9955"/>
+                </a:solidFill>
+                <a:effectLst/>
+                <a:latin typeface="Consolas" panose="020B0609020204030204" pitchFamily="49" charset="0"/>
+              </a:rPr>
+              <a:t># Initialize Encoded word</a:t>
+            </a:r>
+            <a:endParaRPr lang="en-GB" b="0" dirty="0">
+              <a:solidFill>
+                <a:srgbClr val="D4D4D4"/>
+              </a:solidFill>
+              <a:effectLst/>
+              <a:latin typeface="Consolas" panose="020B0609020204030204" pitchFamily="49" charset="0"/>
+            </a:endParaRPr>
+          </a:p>
+          <a:p>
+            <a:r>
+              <a:rPr lang="en-GB" b="0" dirty="0">
+                <a:solidFill>
+                  <a:srgbClr val="D4D4D4"/>
+                </a:solidFill>
+                <a:effectLst/>
+                <a:latin typeface="Consolas" panose="020B0609020204030204" pitchFamily="49" charset="0"/>
+              </a:rPr>
+              <a:t>    </a:t>
+            </a:r>
+            <a:r>
+              <a:rPr lang="en-GB" b="0" dirty="0">
+                <a:solidFill>
+                  <a:srgbClr val="9CDCFE"/>
+                </a:solidFill>
+                <a:effectLst/>
+                <a:latin typeface="Consolas" panose="020B0609020204030204" pitchFamily="49" charset="0"/>
+              </a:rPr>
+              <a:t>encoded</a:t>
+            </a:r>
+            <a:r>
+              <a:rPr lang="en-GB" b="0" dirty="0">
+                <a:solidFill>
+                  <a:srgbClr val="D4D4D4"/>
+                </a:solidFill>
+                <a:effectLst/>
+                <a:latin typeface="Consolas" panose="020B0609020204030204" pitchFamily="49" charset="0"/>
+              </a:rPr>
+              <a:t> = </a:t>
+            </a:r>
+            <a:r>
+              <a:rPr lang="en-GB" b="0" dirty="0">
+                <a:solidFill>
+                  <a:srgbClr val="CE9178"/>
+                </a:solidFill>
+                <a:effectLst/>
+                <a:latin typeface="Consolas" panose="020B0609020204030204" pitchFamily="49" charset="0"/>
+              </a:rPr>
+              <a:t>""</a:t>
+            </a:r>
+            <a:endParaRPr lang="en-GB" b="0" dirty="0">
+              <a:solidFill>
+                <a:srgbClr val="D4D4D4"/>
+              </a:solidFill>
+              <a:effectLst/>
+              <a:latin typeface="Consolas" panose="020B0609020204030204" pitchFamily="49" charset="0"/>
+            </a:endParaRPr>
+          </a:p>
+          <a:p>
+            <a:r>
+              <a:rPr lang="en-GB" b="0" dirty="0">
+                <a:solidFill>
+                  <a:srgbClr val="D4D4D4"/>
+                </a:solidFill>
+                <a:effectLst/>
+                <a:latin typeface="Consolas" panose="020B0609020204030204" pitchFamily="49" charset="0"/>
+              </a:rPr>
+              <a:t>    </a:t>
+            </a:r>
+            <a:r>
+              <a:rPr lang="en-GB" b="0" dirty="0">
+                <a:solidFill>
+                  <a:srgbClr val="6A9955"/>
+                </a:solidFill>
+                <a:effectLst/>
+                <a:latin typeface="Consolas" panose="020B0609020204030204" pitchFamily="49" charset="0"/>
+              </a:rPr>
+              <a:t># Defined alphabet</a:t>
+            </a:r>
+            <a:endParaRPr lang="en-GB" b="0" dirty="0">
+              <a:solidFill>
+                <a:srgbClr val="D4D4D4"/>
+              </a:solidFill>
+              <a:effectLst/>
+              <a:latin typeface="Consolas" panose="020B0609020204030204" pitchFamily="49" charset="0"/>
+            </a:endParaRPr>
+          </a:p>
+          <a:p>
+            <a:r>
+              <a:rPr lang="en-GB" b="0" dirty="0">
+                <a:solidFill>
+                  <a:srgbClr val="D4D4D4"/>
+                </a:solidFill>
+                <a:effectLst/>
+                <a:latin typeface="Consolas" panose="020B0609020204030204" pitchFamily="49" charset="0"/>
+              </a:rPr>
+              <a:t>    </a:t>
+            </a:r>
+            <a:r>
+              <a:rPr lang="en-GB" b="0" dirty="0">
+                <a:solidFill>
+                  <a:srgbClr val="9CDCFE"/>
+                </a:solidFill>
+                <a:effectLst/>
+                <a:latin typeface="Consolas" panose="020B0609020204030204" pitchFamily="49" charset="0"/>
+              </a:rPr>
+              <a:t>alphabet</a:t>
+            </a:r>
+            <a:r>
+              <a:rPr lang="en-GB" b="0" dirty="0">
+                <a:solidFill>
+                  <a:srgbClr val="D4D4D4"/>
+                </a:solidFill>
+                <a:effectLst/>
+                <a:latin typeface="Consolas" panose="020B0609020204030204" pitchFamily="49" charset="0"/>
+              </a:rPr>
+              <a:t> = [</a:t>
+            </a:r>
+            <a:r>
+              <a:rPr lang="en-GB" b="0" dirty="0">
+                <a:solidFill>
+                  <a:srgbClr val="CE9178"/>
+                </a:solidFill>
+                <a:effectLst/>
+                <a:latin typeface="Consolas" panose="020B0609020204030204" pitchFamily="49" charset="0"/>
+              </a:rPr>
+              <a:t>"a"</a:t>
+            </a:r>
+            <a:r>
+              <a:rPr lang="en-GB" b="0" dirty="0">
+                <a:solidFill>
+                  <a:srgbClr val="D4D4D4"/>
+                </a:solidFill>
+                <a:effectLst/>
+                <a:latin typeface="Consolas" panose="020B0609020204030204" pitchFamily="49" charset="0"/>
+              </a:rPr>
+              <a:t>, </a:t>
+            </a:r>
+            <a:r>
+              <a:rPr lang="en-GB" b="0" dirty="0">
+                <a:solidFill>
+                  <a:srgbClr val="CE9178"/>
+                </a:solidFill>
+                <a:effectLst/>
+                <a:latin typeface="Consolas" panose="020B0609020204030204" pitchFamily="49" charset="0"/>
+              </a:rPr>
+              <a:t>"b"</a:t>
+            </a:r>
+            <a:r>
+              <a:rPr lang="en-GB" b="0" dirty="0">
+                <a:solidFill>
+                  <a:srgbClr val="D4D4D4"/>
+                </a:solidFill>
+                <a:effectLst/>
+                <a:latin typeface="Consolas" panose="020B0609020204030204" pitchFamily="49" charset="0"/>
+              </a:rPr>
+              <a:t>, </a:t>
+            </a:r>
+            <a:r>
+              <a:rPr lang="en-GB" b="0" dirty="0">
+                <a:solidFill>
+                  <a:srgbClr val="CE9178"/>
+                </a:solidFill>
+                <a:effectLst/>
+                <a:latin typeface="Consolas" panose="020B0609020204030204" pitchFamily="49" charset="0"/>
+              </a:rPr>
+              <a:t>"c"</a:t>
+            </a:r>
+            <a:r>
+              <a:rPr lang="en-GB" b="0" dirty="0">
+                <a:solidFill>
+                  <a:srgbClr val="D4D4D4"/>
+                </a:solidFill>
+                <a:effectLst/>
+                <a:latin typeface="Consolas" panose="020B0609020204030204" pitchFamily="49" charset="0"/>
+              </a:rPr>
+              <a:t>, </a:t>
+            </a:r>
+            <a:r>
+              <a:rPr lang="en-GB" b="0" dirty="0">
+                <a:solidFill>
+                  <a:srgbClr val="CE9178"/>
+                </a:solidFill>
+                <a:effectLst/>
+                <a:latin typeface="Consolas" panose="020B0609020204030204" pitchFamily="49" charset="0"/>
+              </a:rPr>
+              <a:t>"d"</a:t>
+            </a:r>
+            <a:r>
+              <a:rPr lang="en-GB" b="0" dirty="0">
+                <a:solidFill>
+                  <a:srgbClr val="D4D4D4"/>
+                </a:solidFill>
+                <a:effectLst/>
+                <a:latin typeface="Consolas" panose="020B0609020204030204" pitchFamily="49" charset="0"/>
+              </a:rPr>
+              <a:t>, </a:t>
+            </a:r>
+            <a:r>
+              <a:rPr lang="en-GB" b="0" dirty="0">
+                <a:solidFill>
+                  <a:srgbClr val="CE9178"/>
+                </a:solidFill>
+                <a:effectLst/>
+                <a:latin typeface="Consolas" panose="020B0609020204030204" pitchFamily="49" charset="0"/>
+              </a:rPr>
+              <a:t>"e"</a:t>
+            </a:r>
+            <a:r>
+              <a:rPr lang="en-GB" b="0" dirty="0">
+                <a:solidFill>
+                  <a:srgbClr val="D4D4D4"/>
+                </a:solidFill>
+                <a:effectLst/>
+                <a:latin typeface="Consolas" panose="020B0609020204030204" pitchFamily="49" charset="0"/>
+              </a:rPr>
+              <a:t>, </a:t>
+            </a:r>
+            <a:r>
+              <a:rPr lang="en-GB" b="0" dirty="0">
+                <a:solidFill>
+                  <a:srgbClr val="CE9178"/>
+                </a:solidFill>
+                <a:effectLst/>
+                <a:latin typeface="Consolas" panose="020B0609020204030204" pitchFamily="49" charset="0"/>
+              </a:rPr>
+              <a:t>"f"</a:t>
+            </a:r>
+            <a:r>
+              <a:rPr lang="en-GB" b="0" dirty="0">
+                <a:solidFill>
+                  <a:srgbClr val="D4D4D4"/>
+                </a:solidFill>
+                <a:effectLst/>
+                <a:latin typeface="Consolas" panose="020B0609020204030204" pitchFamily="49" charset="0"/>
+              </a:rPr>
+              <a:t>, </a:t>
+            </a:r>
+            <a:r>
+              <a:rPr lang="en-GB" b="0" dirty="0">
+                <a:solidFill>
+                  <a:srgbClr val="CE9178"/>
+                </a:solidFill>
+                <a:effectLst/>
+                <a:latin typeface="Consolas" panose="020B0609020204030204" pitchFamily="49" charset="0"/>
+              </a:rPr>
+              <a:t>"g"</a:t>
+            </a:r>
+            <a:r>
+              <a:rPr lang="en-GB" b="0" dirty="0">
+                <a:solidFill>
+                  <a:srgbClr val="D4D4D4"/>
+                </a:solidFill>
+                <a:effectLst/>
+                <a:latin typeface="Consolas" panose="020B0609020204030204" pitchFamily="49" charset="0"/>
+              </a:rPr>
+              <a:t>, </a:t>
+            </a:r>
+            <a:r>
+              <a:rPr lang="en-GB" b="0" dirty="0">
+                <a:solidFill>
+                  <a:srgbClr val="CE9178"/>
+                </a:solidFill>
+                <a:effectLst/>
+                <a:latin typeface="Consolas" panose="020B0609020204030204" pitchFamily="49" charset="0"/>
+              </a:rPr>
+              <a:t>"h"</a:t>
+            </a:r>
+            <a:r>
+              <a:rPr lang="en-GB" b="0" dirty="0">
+                <a:solidFill>
+                  <a:srgbClr val="D4D4D4"/>
+                </a:solidFill>
+                <a:effectLst/>
+                <a:latin typeface="Consolas" panose="020B0609020204030204" pitchFamily="49" charset="0"/>
+              </a:rPr>
+              <a:t>, </a:t>
+            </a:r>
+            <a:r>
+              <a:rPr lang="en-GB" b="0" dirty="0">
+                <a:solidFill>
+                  <a:srgbClr val="CE9178"/>
+                </a:solidFill>
+                <a:effectLst/>
+                <a:latin typeface="Consolas" panose="020B0609020204030204" pitchFamily="49" charset="0"/>
+              </a:rPr>
+              <a:t>"</a:t>
+            </a:r>
+            <a:r>
+              <a:rPr lang="en-GB" b="0" dirty="0" err="1">
+                <a:solidFill>
+                  <a:srgbClr val="CE9178"/>
+                </a:solidFill>
+                <a:effectLst/>
+                <a:latin typeface="Consolas" panose="020B0609020204030204" pitchFamily="49" charset="0"/>
+              </a:rPr>
+              <a:t>i</a:t>
+            </a:r>
+            <a:r>
+              <a:rPr lang="en-GB" b="0" dirty="0">
+                <a:solidFill>
+                  <a:srgbClr val="CE9178"/>
+                </a:solidFill>
+                <a:effectLst/>
+                <a:latin typeface="Consolas" panose="020B0609020204030204" pitchFamily="49" charset="0"/>
+              </a:rPr>
+              <a:t>"</a:t>
+            </a:r>
+            <a:r>
+              <a:rPr lang="en-GB" b="0" dirty="0">
+                <a:solidFill>
+                  <a:srgbClr val="D4D4D4"/>
+                </a:solidFill>
+                <a:effectLst/>
+                <a:latin typeface="Consolas" panose="020B0609020204030204" pitchFamily="49" charset="0"/>
+              </a:rPr>
+              <a:t>, </a:t>
+            </a:r>
+            <a:r>
+              <a:rPr lang="en-GB" b="0" dirty="0">
+                <a:solidFill>
+                  <a:srgbClr val="CE9178"/>
+                </a:solidFill>
+                <a:effectLst/>
+                <a:latin typeface="Consolas" panose="020B0609020204030204" pitchFamily="49" charset="0"/>
+              </a:rPr>
+              <a:t>"j"</a:t>
+            </a:r>
+            <a:r>
+              <a:rPr lang="en-GB" b="0" dirty="0">
+                <a:solidFill>
+                  <a:srgbClr val="D4D4D4"/>
+                </a:solidFill>
+                <a:effectLst/>
+                <a:latin typeface="Consolas" panose="020B0609020204030204" pitchFamily="49" charset="0"/>
+              </a:rPr>
+              <a:t>, </a:t>
+            </a:r>
+            <a:r>
+              <a:rPr lang="en-GB" b="0" dirty="0">
+                <a:solidFill>
+                  <a:srgbClr val="CE9178"/>
+                </a:solidFill>
+                <a:effectLst/>
+                <a:latin typeface="Consolas" panose="020B0609020204030204" pitchFamily="49" charset="0"/>
+              </a:rPr>
+              <a:t>"k"</a:t>
+            </a:r>
+            <a:r>
+              <a:rPr lang="en-GB" b="0" dirty="0">
+                <a:solidFill>
+                  <a:srgbClr val="D4D4D4"/>
+                </a:solidFill>
+                <a:effectLst/>
+                <a:latin typeface="Consolas" panose="020B0609020204030204" pitchFamily="49" charset="0"/>
+              </a:rPr>
+              <a:t>, </a:t>
+            </a:r>
+            <a:r>
+              <a:rPr lang="en-GB" b="0" dirty="0">
+                <a:solidFill>
+                  <a:srgbClr val="CE9178"/>
+                </a:solidFill>
+                <a:effectLst/>
+                <a:latin typeface="Consolas" panose="020B0609020204030204" pitchFamily="49" charset="0"/>
+              </a:rPr>
+              <a:t>"l"</a:t>
+            </a:r>
+            <a:r>
+              <a:rPr lang="en-GB" b="0" dirty="0">
+                <a:solidFill>
+                  <a:srgbClr val="D4D4D4"/>
+                </a:solidFill>
+                <a:effectLst/>
+                <a:latin typeface="Consolas" panose="020B0609020204030204" pitchFamily="49" charset="0"/>
+              </a:rPr>
+              <a:t>, </a:t>
+            </a:r>
+            <a:r>
+              <a:rPr lang="en-GB" b="0" dirty="0">
+                <a:solidFill>
+                  <a:srgbClr val="CE9178"/>
+                </a:solidFill>
+                <a:effectLst/>
+                <a:latin typeface="Consolas" panose="020B0609020204030204" pitchFamily="49" charset="0"/>
+              </a:rPr>
+              <a:t>"m"</a:t>
+            </a:r>
+            <a:r>
+              <a:rPr lang="en-GB" b="0" dirty="0">
+                <a:solidFill>
+                  <a:srgbClr val="D4D4D4"/>
+                </a:solidFill>
+                <a:effectLst/>
+                <a:latin typeface="Consolas" panose="020B0609020204030204" pitchFamily="49" charset="0"/>
+              </a:rPr>
+              <a:t>, </a:t>
+            </a:r>
+            <a:r>
+              <a:rPr lang="en-GB" b="0" dirty="0">
+                <a:solidFill>
+                  <a:srgbClr val="CE9178"/>
+                </a:solidFill>
+                <a:effectLst/>
+                <a:latin typeface="Consolas" panose="020B0609020204030204" pitchFamily="49" charset="0"/>
+              </a:rPr>
+              <a:t>"n"</a:t>
+            </a:r>
+            <a:r>
+              <a:rPr lang="en-GB" b="0" dirty="0">
+                <a:solidFill>
+                  <a:srgbClr val="D4D4D4"/>
+                </a:solidFill>
+                <a:effectLst/>
+                <a:latin typeface="Consolas" panose="020B0609020204030204" pitchFamily="49" charset="0"/>
+              </a:rPr>
+              <a:t>, </a:t>
+            </a:r>
+            <a:r>
+              <a:rPr lang="en-GB" b="0" dirty="0">
+                <a:solidFill>
+                  <a:srgbClr val="CE9178"/>
+                </a:solidFill>
+                <a:effectLst/>
+                <a:latin typeface="Consolas" panose="020B0609020204030204" pitchFamily="49" charset="0"/>
+              </a:rPr>
+              <a:t>"o"</a:t>
+            </a:r>
+            <a:r>
+              <a:rPr lang="en-GB" b="0" dirty="0">
+                <a:solidFill>
+                  <a:srgbClr val="D4D4D4"/>
+                </a:solidFill>
+                <a:effectLst/>
+                <a:latin typeface="Consolas" panose="020B0609020204030204" pitchFamily="49" charset="0"/>
+              </a:rPr>
+              <a:t>, </a:t>
+            </a:r>
+            <a:r>
+              <a:rPr lang="en-GB" b="0" dirty="0">
+                <a:solidFill>
+                  <a:srgbClr val="CE9178"/>
+                </a:solidFill>
+                <a:effectLst/>
+                <a:latin typeface="Consolas" panose="020B0609020204030204" pitchFamily="49" charset="0"/>
+              </a:rPr>
+              <a:t>"p"</a:t>
+            </a:r>
+            <a:r>
+              <a:rPr lang="en-GB" b="0" dirty="0">
+                <a:solidFill>
+                  <a:srgbClr val="D4D4D4"/>
+                </a:solidFill>
+                <a:effectLst/>
+                <a:latin typeface="Consolas" panose="020B0609020204030204" pitchFamily="49" charset="0"/>
+              </a:rPr>
+              <a:t>, </a:t>
+            </a:r>
+            <a:r>
+              <a:rPr lang="en-GB" b="0" dirty="0">
+                <a:solidFill>
+                  <a:srgbClr val="CE9178"/>
+                </a:solidFill>
+                <a:effectLst/>
+                <a:latin typeface="Consolas" panose="020B0609020204030204" pitchFamily="49" charset="0"/>
+              </a:rPr>
+              <a:t>"q"</a:t>
+            </a:r>
+            <a:r>
+              <a:rPr lang="en-GB" b="0" dirty="0">
+                <a:solidFill>
+                  <a:srgbClr val="D4D4D4"/>
+                </a:solidFill>
+                <a:effectLst/>
+                <a:latin typeface="Consolas" panose="020B0609020204030204" pitchFamily="49" charset="0"/>
+              </a:rPr>
+              <a:t>, </a:t>
+            </a:r>
+            <a:r>
+              <a:rPr lang="en-GB" b="0" dirty="0">
+                <a:solidFill>
+                  <a:srgbClr val="CE9178"/>
+                </a:solidFill>
+                <a:effectLst/>
+                <a:latin typeface="Consolas" panose="020B0609020204030204" pitchFamily="49" charset="0"/>
+              </a:rPr>
+              <a:t>"r"</a:t>
+            </a:r>
+            <a:r>
+              <a:rPr lang="en-GB" b="0" dirty="0">
+                <a:solidFill>
+                  <a:srgbClr val="D4D4D4"/>
+                </a:solidFill>
+                <a:effectLst/>
+                <a:latin typeface="Consolas" panose="020B0609020204030204" pitchFamily="49" charset="0"/>
+              </a:rPr>
+              <a:t>, </a:t>
+            </a:r>
+            <a:r>
+              <a:rPr lang="en-GB" b="0" dirty="0">
+                <a:solidFill>
+                  <a:srgbClr val="CE9178"/>
+                </a:solidFill>
+                <a:effectLst/>
+                <a:latin typeface="Consolas" panose="020B0609020204030204" pitchFamily="49" charset="0"/>
+              </a:rPr>
+              <a:t>"s"</a:t>
+            </a:r>
+            <a:r>
+              <a:rPr lang="en-GB" b="0" dirty="0">
+                <a:solidFill>
+                  <a:srgbClr val="D4D4D4"/>
+                </a:solidFill>
+                <a:effectLst/>
+                <a:latin typeface="Consolas" panose="020B0609020204030204" pitchFamily="49" charset="0"/>
+              </a:rPr>
+              <a:t>, </a:t>
+            </a:r>
+            <a:r>
+              <a:rPr lang="en-GB" b="0" dirty="0">
+                <a:solidFill>
+                  <a:srgbClr val="CE9178"/>
+                </a:solidFill>
+                <a:effectLst/>
+                <a:latin typeface="Consolas" panose="020B0609020204030204" pitchFamily="49" charset="0"/>
+              </a:rPr>
+              <a:t>"t"</a:t>
+            </a:r>
+            <a:r>
+              <a:rPr lang="en-GB" b="0" dirty="0">
+                <a:solidFill>
+                  <a:srgbClr val="D4D4D4"/>
+                </a:solidFill>
+                <a:effectLst/>
+                <a:latin typeface="Consolas" panose="020B0609020204030204" pitchFamily="49" charset="0"/>
+              </a:rPr>
+              <a:t>, </a:t>
+            </a:r>
+            <a:r>
+              <a:rPr lang="en-GB" b="0" dirty="0">
+                <a:solidFill>
+                  <a:srgbClr val="CE9178"/>
+                </a:solidFill>
+                <a:effectLst/>
+                <a:latin typeface="Consolas" panose="020B0609020204030204" pitchFamily="49" charset="0"/>
+              </a:rPr>
+              <a:t>"u"</a:t>
+            </a:r>
+            <a:r>
+              <a:rPr lang="en-GB" b="0" dirty="0">
+                <a:solidFill>
+                  <a:srgbClr val="D4D4D4"/>
+                </a:solidFill>
+                <a:effectLst/>
+                <a:latin typeface="Consolas" panose="020B0609020204030204" pitchFamily="49" charset="0"/>
+              </a:rPr>
+              <a:t>, </a:t>
+            </a:r>
+            <a:r>
+              <a:rPr lang="en-GB" b="0" dirty="0">
+                <a:solidFill>
+                  <a:srgbClr val="CE9178"/>
+                </a:solidFill>
+                <a:effectLst/>
+                <a:latin typeface="Consolas" panose="020B0609020204030204" pitchFamily="49" charset="0"/>
+              </a:rPr>
+              <a:t>"v"</a:t>
+            </a:r>
+            <a:r>
+              <a:rPr lang="en-GB" b="0" dirty="0">
+                <a:solidFill>
+                  <a:srgbClr val="D4D4D4"/>
+                </a:solidFill>
+                <a:effectLst/>
+                <a:latin typeface="Consolas" panose="020B0609020204030204" pitchFamily="49" charset="0"/>
+              </a:rPr>
+              <a:t>, </a:t>
+            </a:r>
+            <a:r>
+              <a:rPr lang="en-GB" b="0" dirty="0">
+                <a:solidFill>
+                  <a:srgbClr val="CE9178"/>
+                </a:solidFill>
+                <a:effectLst/>
+                <a:latin typeface="Consolas" panose="020B0609020204030204" pitchFamily="49" charset="0"/>
+              </a:rPr>
+              <a:t>"w"</a:t>
+            </a:r>
+            <a:r>
+              <a:rPr lang="en-GB" b="0" dirty="0">
+                <a:solidFill>
+                  <a:srgbClr val="D4D4D4"/>
+                </a:solidFill>
+                <a:effectLst/>
+                <a:latin typeface="Consolas" panose="020B0609020204030204" pitchFamily="49" charset="0"/>
+              </a:rPr>
+              <a:t>, </a:t>
+            </a:r>
+            <a:r>
+              <a:rPr lang="en-GB" b="0" dirty="0">
+                <a:solidFill>
+                  <a:srgbClr val="CE9178"/>
+                </a:solidFill>
+                <a:effectLst/>
+                <a:latin typeface="Consolas" panose="020B0609020204030204" pitchFamily="49" charset="0"/>
+              </a:rPr>
+              <a:t>"x"</a:t>
+            </a:r>
+            <a:r>
+              <a:rPr lang="en-GB" b="0" dirty="0">
+                <a:solidFill>
+                  <a:srgbClr val="D4D4D4"/>
+                </a:solidFill>
+                <a:effectLst/>
+                <a:latin typeface="Consolas" panose="020B0609020204030204" pitchFamily="49" charset="0"/>
+              </a:rPr>
+              <a:t>, </a:t>
+            </a:r>
+            <a:r>
+              <a:rPr lang="en-GB" b="0" dirty="0">
+                <a:solidFill>
+                  <a:srgbClr val="CE9178"/>
+                </a:solidFill>
+                <a:effectLst/>
+                <a:latin typeface="Consolas" panose="020B0609020204030204" pitchFamily="49" charset="0"/>
+              </a:rPr>
+              <a:t>"y"</a:t>
+            </a:r>
+            <a:r>
+              <a:rPr lang="en-GB" b="0" dirty="0">
+                <a:solidFill>
+                  <a:srgbClr val="D4D4D4"/>
+                </a:solidFill>
+                <a:effectLst/>
+                <a:latin typeface="Consolas" panose="020B0609020204030204" pitchFamily="49" charset="0"/>
+              </a:rPr>
+              <a:t>, </a:t>
+            </a:r>
+            <a:r>
+              <a:rPr lang="en-GB" b="0" dirty="0">
+                <a:solidFill>
+                  <a:srgbClr val="CE9178"/>
+                </a:solidFill>
+                <a:effectLst/>
+                <a:latin typeface="Consolas" panose="020B0609020204030204" pitchFamily="49" charset="0"/>
+              </a:rPr>
+              <a:t>"z"</a:t>
+            </a:r>
+            <a:r>
+              <a:rPr lang="en-GB" b="0" dirty="0">
+                <a:solidFill>
+                  <a:srgbClr val="D4D4D4"/>
+                </a:solidFill>
+                <a:effectLst/>
+                <a:latin typeface="Consolas" panose="020B0609020204030204" pitchFamily="49" charset="0"/>
+              </a:rPr>
+              <a:t>]</a:t>
+            </a:r>
+          </a:p>
+          <a:p>
+            <a:r>
+              <a:rPr lang="en-GB" b="0" dirty="0">
+                <a:solidFill>
+                  <a:srgbClr val="D4D4D4"/>
+                </a:solidFill>
+                <a:effectLst/>
+                <a:latin typeface="Consolas" panose="020B0609020204030204" pitchFamily="49" charset="0"/>
+              </a:rPr>
+              <a:t>    </a:t>
+            </a:r>
+            <a:r>
+              <a:rPr lang="en-GB" b="0" dirty="0">
+                <a:solidFill>
+                  <a:srgbClr val="6A9955"/>
+                </a:solidFill>
+                <a:effectLst/>
+                <a:latin typeface="Consolas" panose="020B0609020204030204" pitchFamily="49" charset="0"/>
+              </a:rPr>
+              <a:t># Make sure it's lowercase</a:t>
+            </a:r>
+            <a:endParaRPr lang="en-GB" b="0" dirty="0">
+              <a:solidFill>
+                <a:srgbClr val="D4D4D4"/>
+              </a:solidFill>
+              <a:effectLst/>
+              <a:latin typeface="Consolas" panose="020B0609020204030204" pitchFamily="49" charset="0"/>
+            </a:endParaRPr>
+          </a:p>
+          <a:p>
+            <a:r>
+              <a:rPr lang="en-GB" b="0" dirty="0">
+                <a:solidFill>
+                  <a:srgbClr val="D4D4D4"/>
+                </a:solidFill>
+                <a:effectLst/>
+                <a:latin typeface="Consolas" panose="020B0609020204030204" pitchFamily="49" charset="0"/>
+              </a:rPr>
+              <a:t>    </a:t>
+            </a:r>
+            <a:r>
+              <a:rPr lang="en-GB" b="0" dirty="0">
+                <a:solidFill>
+                  <a:srgbClr val="9CDCFE"/>
+                </a:solidFill>
+                <a:effectLst/>
+                <a:latin typeface="Consolas" panose="020B0609020204030204" pitchFamily="49" charset="0"/>
+              </a:rPr>
+              <a:t>sentence</a:t>
+            </a:r>
+            <a:r>
+              <a:rPr lang="en-GB" b="0" dirty="0">
+                <a:solidFill>
+                  <a:srgbClr val="D4D4D4"/>
+                </a:solidFill>
+                <a:effectLst/>
+                <a:latin typeface="Consolas" panose="020B0609020204030204" pitchFamily="49" charset="0"/>
+              </a:rPr>
+              <a:t> = </a:t>
+            </a:r>
+            <a:r>
+              <a:rPr lang="en-GB" b="0" dirty="0" err="1">
+                <a:solidFill>
+                  <a:srgbClr val="9CDCFE"/>
+                </a:solidFill>
+                <a:effectLst/>
+                <a:latin typeface="Consolas" panose="020B0609020204030204" pitchFamily="49" charset="0"/>
+              </a:rPr>
+              <a:t>sentence</a:t>
+            </a:r>
+            <a:r>
+              <a:rPr lang="en-GB" b="0" dirty="0" err="1">
+                <a:solidFill>
+                  <a:srgbClr val="D4D4D4"/>
+                </a:solidFill>
+                <a:effectLst/>
+                <a:latin typeface="Consolas" panose="020B0609020204030204" pitchFamily="49" charset="0"/>
+              </a:rPr>
+              <a:t>.lower</a:t>
+            </a:r>
+            <a:r>
+              <a:rPr lang="en-GB" b="0" dirty="0">
+                <a:solidFill>
+                  <a:srgbClr val="D4D4D4"/>
+                </a:solidFill>
+                <a:effectLst/>
+                <a:latin typeface="Consolas" panose="020B0609020204030204" pitchFamily="49" charset="0"/>
+              </a:rPr>
+              <a:t>()</a:t>
+            </a:r>
+          </a:p>
+          <a:p>
+            <a:r>
+              <a:rPr lang="en-GB" b="0" dirty="0">
+                <a:solidFill>
+                  <a:srgbClr val="D4D4D4"/>
+                </a:solidFill>
+                <a:effectLst/>
+                <a:latin typeface="Consolas" panose="020B0609020204030204" pitchFamily="49" charset="0"/>
+              </a:rPr>
+              <a:t>    </a:t>
+            </a:r>
+            <a:r>
+              <a:rPr lang="en-GB" b="0" dirty="0">
+                <a:solidFill>
+                  <a:srgbClr val="C586C0"/>
+                </a:solidFill>
+                <a:effectLst/>
+                <a:latin typeface="Consolas" panose="020B0609020204030204" pitchFamily="49" charset="0"/>
+              </a:rPr>
+              <a:t>for</a:t>
+            </a:r>
+            <a:r>
+              <a:rPr lang="en-GB" b="0" dirty="0">
+                <a:solidFill>
+                  <a:srgbClr val="D4D4D4"/>
+                </a:solidFill>
+                <a:effectLst/>
+                <a:latin typeface="Consolas" panose="020B0609020204030204" pitchFamily="49" charset="0"/>
+              </a:rPr>
+              <a:t> </a:t>
+            </a:r>
+            <a:r>
+              <a:rPr lang="en-GB" b="0" dirty="0">
+                <a:solidFill>
+                  <a:srgbClr val="9CDCFE"/>
+                </a:solidFill>
+                <a:effectLst/>
+                <a:latin typeface="Consolas" panose="020B0609020204030204" pitchFamily="49" charset="0"/>
+              </a:rPr>
+              <a:t>l</a:t>
+            </a:r>
+            <a:r>
+              <a:rPr lang="en-GB" b="0" dirty="0">
+                <a:solidFill>
+                  <a:srgbClr val="D4D4D4"/>
+                </a:solidFill>
+                <a:effectLst/>
+                <a:latin typeface="Consolas" panose="020B0609020204030204" pitchFamily="49" charset="0"/>
+              </a:rPr>
+              <a:t> </a:t>
+            </a:r>
+            <a:r>
+              <a:rPr lang="en-GB" b="0" dirty="0">
+                <a:solidFill>
+                  <a:srgbClr val="C586C0"/>
+                </a:solidFill>
+                <a:effectLst/>
+                <a:latin typeface="Consolas" panose="020B0609020204030204" pitchFamily="49" charset="0"/>
+              </a:rPr>
+              <a:t>in</a:t>
+            </a:r>
+            <a:r>
+              <a:rPr lang="en-GB" b="0" dirty="0">
+                <a:solidFill>
+                  <a:srgbClr val="D4D4D4"/>
+                </a:solidFill>
+                <a:effectLst/>
+                <a:latin typeface="Consolas" panose="020B0609020204030204" pitchFamily="49" charset="0"/>
+              </a:rPr>
+              <a:t> </a:t>
+            </a:r>
+            <a:r>
+              <a:rPr lang="en-GB" b="0" dirty="0">
+                <a:solidFill>
+                  <a:srgbClr val="9CDCFE"/>
+                </a:solidFill>
+                <a:effectLst/>
+                <a:latin typeface="Consolas" panose="020B0609020204030204" pitchFamily="49" charset="0"/>
+              </a:rPr>
+              <a:t>sentence</a:t>
+            </a:r>
+            <a:r>
+              <a:rPr lang="en-GB" b="0" dirty="0">
+                <a:solidFill>
+                  <a:srgbClr val="D4D4D4"/>
+                </a:solidFill>
+                <a:effectLst/>
+                <a:latin typeface="Consolas" panose="020B0609020204030204" pitchFamily="49" charset="0"/>
+              </a:rPr>
+              <a:t>:</a:t>
+            </a:r>
+          </a:p>
+          <a:p>
+            <a:r>
+              <a:rPr lang="en-GB" b="0" dirty="0">
+                <a:solidFill>
+                  <a:srgbClr val="D4D4D4"/>
+                </a:solidFill>
+                <a:effectLst/>
+                <a:latin typeface="Consolas" panose="020B0609020204030204" pitchFamily="49" charset="0"/>
+              </a:rPr>
+              <a:t>        </a:t>
+            </a:r>
+            <a:r>
+              <a:rPr lang="en-GB" b="0" dirty="0">
+                <a:solidFill>
+                  <a:srgbClr val="C586C0"/>
+                </a:solidFill>
+                <a:effectLst/>
+                <a:latin typeface="Consolas" panose="020B0609020204030204" pitchFamily="49" charset="0"/>
+              </a:rPr>
+              <a:t>if</a:t>
+            </a:r>
+            <a:r>
+              <a:rPr lang="en-GB" b="0" dirty="0">
+                <a:solidFill>
+                  <a:srgbClr val="D4D4D4"/>
+                </a:solidFill>
+                <a:effectLst/>
+                <a:latin typeface="Consolas" panose="020B0609020204030204" pitchFamily="49" charset="0"/>
+              </a:rPr>
+              <a:t> </a:t>
+            </a:r>
+            <a:r>
+              <a:rPr lang="en-GB" b="0" dirty="0">
+                <a:solidFill>
+                  <a:srgbClr val="9CDCFE"/>
+                </a:solidFill>
+                <a:effectLst/>
+                <a:latin typeface="Consolas" panose="020B0609020204030204" pitchFamily="49" charset="0"/>
+              </a:rPr>
+              <a:t>l</a:t>
+            </a:r>
+            <a:r>
+              <a:rPr lang="en-GB" b="0" dirty="0">
+                <a:solidFill>
+                  <a:srgbClr val="D4D4D4"/>
+                </a:solidFill>
+                <a:effectLst/>
+                <a:latin typeface="Consolas" panose="020B0609020204030204" pitchFamily="49" charset="0"/>
+              </a:rPr>
+              <a:t> == </a:t>
+            </a:r>
+            <a:r>
+              <a:rPr lang="en-GB" b="0" dirty="0">
+                <a:solidFill>
+                  <a:srgbClr val="CE9178"/>
+                </a:solidFill>
+                <a:effectLst/>
+                <a:latin typeface="Consolas" panose="020B0609020204030204" pitchFamily="49" charset="0"/>
+              </a:rPr>
+              <a:t>" "</a:t>
+            </a:r>
+            <a:r>
+              <a:rPr lang="en-GB" b="0" dirty="0">
+                <a:solidFill>
+                  <a:srgbClr val="D4D4D4"/>
+                </a:solidFill>
+                <a:effectLst/>
+                <a:latin typeface="Consolas" panose="020B0609020204030204" pitchFamily="49" charset="0"/>
+              </a:rPr>
+              <a:t>:</a:t>
+            </a:r>
+          </a:p>
+          <a:p>
+            <a:r>
+              <a:rPr lang="en-GB" b="0" dirty="0">
+                <a:solidFill>
+                  <a:srgbClr val="D4D4D4"/>
+                </a:solidFill>
+                <a:effectLst/>
+                <a:latin typeface="Consolas" panose="020B0609020204030204" pitchFamily="49" charset="0"/>
+              </a:rPr>
+              <a:t>            </a:t>
+            </a:r>
+            <a:r>
+              <a:rPr lang="en-GB" b="0" dirty="0">
+                <a:solidFill>
+                  <a:srgbClr val="9CDCFE"/>
+                </a:solidFill>
+                <a:effectLst/>
+                <a:latin typeface="Consolas" panose="020B0609020204030204" pitchFamily="49" charset="0"/>
+              </a:rPr>
+              <a:t>encoded</a:t>
+            </a:r>
+            <a:r>
+              <a:rPr lang="en-GB" b="0" dirty="0">
+                <a:solidFill>
+                  <a:srgbClr val="D4D4D4"/>
+                </a:solidFill>
+                <a:effectLst/>
+                <a:latin typeface="Consolas" panose="020B0609020204030204" pitchFamily="49" charset="0"/>
+              </a:rPr>
+              <a:t> += </a:t>
+            </a:r>
+            <a:r>
+              <a:rPr lang="en-GB" b="0" dirty="0">
+                <a:solidFill>
+                  <a:srgbClr val="CE9178"/>
+                </a:solidFill>
+                <a:effectLst/>
+                <a:latin typeface="Consolas" panose="020B0609020204030204" pitchFamily="49" charset="0"/>
+              </a:rPr>
+              <a:t>" "</a:t>
+            </a:r>
+            <a:endParaRPr lang="en-GB" b="0" dirty="0">
+              <a:solidFill>
+                <a:srgbClr val="D4D4D4"/>
+              </a:solidFill>
+              <a:effectLst/>
+              <a:latin typeface="Consolas" panose="020B0609020204030204" pitchFamily="49" charset="0"/>
+            </a:endParaRPr>
+          </a:p>
+          <a:p>
+            <a:r>
+              <a:rPr lang="en-GB" b="0" dirty="0">
+                <a:solidFill>
+                  <a:srgbClr val="D4D4D4"/>
+                </a:solidFill>
+                <a:effectLst/>
+                <a:latin typeface="Consolas" panose="020B0609020204030204" pitchFamily="49" charset="0"/>
+              </a:rPr>
+              <a:t>        </a:t>
+            </a:r>
+            <a:r>
+              <a:rPr lang="en-GB" b="0" dirty="0">
+                <a:solidFill>
+                  <a:srgbClr val="C586C0"/>
+                </a:solidFill>
+                <a:effectLst/>
+                <a:latin typeface="Consolas" panose="020B0609020204030204" pitchFamily="49" charset="0"/>
+              </a:rPr>
+              <a:t>else</a:t>
+            </a:r>
+            <a:r>
+              <a:rPr lang="en-GB" b="0" dirty="0">
+                <a:solidFill>
+                  <a:srgbClr val="D4D4D4"/>
+                </a:solidFill>
+                <a:effectLst/>
+                <a:latin typeface="Consolas" panose="020B0609020204030204" pitchFamily="49" charset="0"/>
+              </a:rPr>
+              <a:t>:</a:t>
+            </a:r>
+          </a:p>
+          <a:p>
+            <a:r>
+              <a:rPr lang="en-GB" b="0" dirty="0">
+                <a:solidFill>
+                  <a:srgbClr val="D4D4D4"/>
+                </a:solidFill>
+                <a:effectLst/>
+                <a:latin typeface="Consolas" panose="020B0609020204030204" pitchFamily="49" charset="0"/>
+              </a:rPr>
+              <a:t>            </a:t>
+            </a:r>
+            <a:r>
+              <a:rPr lang="en-GB" b="0" dirty="0" err="1">
+                <a:solidFill>
+                  <a:srgbClr val="9CDCFE"/>
+                </a:solidFill>
+                <a:effectLst/>
+                <a:latin typeface="Consolas" panose="020B0609020204030204" pitchFamily="49" charset="0"/>
+              </a:rPr>
+              <a:t>idx</a:t>
+            </a:r>
+            <a:r>
+              <a:rPr lang="en-GB" b="0" dirty="0">
+                <a:solidFill>
+                  <a:srgbClr val="D4D4D4"/>
+                </a:solidFill>
+                <a:effectLst/>
+                <a:latin typeface="Consolas" panose="020B0609020204030204" pitchFamily="49" charset="0"/>
+              </a:rPr>
+              <a:t> = </a:t>
+            </a:r>
+            <a:r>
+              <a:rPr lang="en-GB" b="0" dirty="0" err="1">
+                <a:solidFill>
+                  <a:srgbClr val="9CDCFE"/>
+                </a:solidFill>
+                <a:effectLst/>
+                <a:latin typeface="Consolas" panose="020B0609020204030204" pitchFamily="49" charset="0"/>
+              </a:rPr>
+              <a:t>alphabet</a:t>
+            </a:r>
+            <a:r>
+              <a:rPr lang="en-GB" b="0" dirty="0" err="1">
+                <a:solidFill>
+                  <a:srgbClr val="D4D4D4"/>
+                </a:solidFill>
+                <a:effectLst/>
+                <a:latin typeface="Consolas" panose="020B0609020204030204" pitchFamily="49" charset="0"/>
+              </a:rPr>
+              <a:t>.</a:t>
+            </a:r>
+            <a:r>
+              <a:rPr lang="en-GB" b="0" dirty="0" err="1">
+                <a:solidFill>
+                  <a:srgbClr val="DCDCAA"/>
+                </a:solidFill>
+                <a:effectLst/>
+                <a:latin typeface="Consolas" panose="020B0609020204030204" pitchFamily="49" charset="0"/>
+              </a:rPr>
+              <a:t>index</a:t>
+            </a:r>
+            <a:r>
+              <a:rPr lang="en-GB" b="0" dirty="0">
+                <a:solidFill>
+                  <a:srgbClr val="D4D4D4"/>
+                </a:solidFill>
+                <a:effectLst/>
+                <a:latin typeface="Consolas" panose="020B0609020204030204" pitchFamily="49" charset="0"/>
+              </a:rPr>
+              <a:t>(</a:t>
+            </a:r>
+            <a:r>
+              <a:rPr lang="en-GB" b="0" dirty="0">
+                <a:solidFill>
+                  <a:srgbClr val="9CDCFE"/>
+                </a:solidFill>
+                <a:effectLst/>
+                <a:latin typeface="Consolas" panose="020B0609020204030204" pitchFamily="49" charset="0"/>
+              </a:rPr>
+              <a:t>l</a:t>
+            </a:r>
+            <a:r>
+              <a:rPr lang="en-GB" b="0" dirty="0">
+                <a:solidFill>
+                  <a:srgbClr val="D4D4D4"/>
+                </a:solidFill>
+                <a:effectLst/>
+                <a:latin typeface="Consolas" panose="020B0609020204030204" pitchFamily="49" charset="0"/>
+              </a:rPr>
+              <a:t>)</a:t>
+            </a:r>
+          </a:p>
+          <a:p>
+            <a:r>
+              <a:rPr lang="en-GB" b="0" dirty="0">
+                <a:solidFill>
+                  <a:srgbClr val="D4D4D4"/>
+                </a:solidFill>
+                <a:effectLst/>
+                <a:latin typeface="Consolas" panose="020B0609020204030204" pitchFamily="49" charset="0"/>
+              </a:rPr>
+              <a:t>            </a:t>
+            </a:r>
+            <a:r>
+              <a:rPr lang="en-GB" b="0" dirty="0">
+                <a:solidFill>
+                  <a:srgbClr val="9CDCFE"/>
+                </a:solidFill>
+                <a:effectLst/>
+                <a:latin typeface="Consolas" panose="020B0609020204030204" pitchFamily="49" charset="0"/>
+              </a:rPr>
+              <a:t>encoded</a:t>
+            </a:r>
+            <a:r>
+              <a:rPr lang="en-GB" b="0" dirty="0">
+                <a:solidFill>
+                  <a:srgbClr val="D4D4D4"/>
+                </a:solidFill>
+                <a:effectLst/>
+                <a:latin typeface="Consolas" panose="020B0609020204030204" pitchFamily="49" charset="0"/>
+              </a:rPr>
+              <a:t> += </a:t>
+            </a:r>
+            <a:r>
+              <a:rPr lang="en-GB" b="0" dirty="0">
+                <a:solidFill>
+                  <a:srgbClr val="9CDCFE"/>
+                </a:solidFill>
+                <a:effectLst/>
+                <a:latin typeface="Consolas" panose="020B0609020204030204" pitchFamily="49" charset="0"/>
+              </a:rPr>
+              <a:t>alphabet</a:t>
+            </a:r>
+            <a:r>
+              <a:rPr lang="en-GB" b="0" dirty="0">
+                <a:solidFill>
+                  <a:srgbClr val="D4D4D4"/>
+                </a:solidFill>
+                <a:effectLst/>
+                <a:latin typeface="Consolas" panose="020B0609020204030204" pitchFamily="49" charset="0"/>
+              </a:rPr>
+              <a:t>[</a:t>
+            </a:r>
+            <a:r>
+              <a:rPr lang="en-GB" b="0" dirty="0" err="1">
+                <a:solidFill>
+                  <a:srgbClr val="9CDCFE"/>
+                </a:solidFill>
+                <a:effectLst/>
+                <a:latin typeface="Consolas" panose="020B0609020204030204" pitchFamily="49" charset="0"/>
+              </a:rPr>
+              <a:t>idx</a:t>
+            </a:r>
+            <a:r>
+              <a:rPr lang="en-GB" b="0" dirty="0">
+                <a:solidFill>
+                  <a:srgbClr val="D4D4D4"/>
+                </a:solidFill>
+                <a:effectLst/>
+                <a:latin typeface="Consolas" panose="020B0609020204030204" pitchFamily="49" charset="0"/>
+              </a:rPr>
+              <a:t> + </a:t>
+            </a:r>
+            <a:r>
+              <a:rPr lang="en-GB" b="0" dirty="0">
+                <a:solidFill>
+                  <a:srgbClr val="B5CEA8"/>
+                </a:solidFill>
+                <a:effectLst/>
+                <a:latin typeface="Consolas" panose="020B0609020204030204" pitchFamily="49" charset="0"/>
+              </a:rPr>
+              <a:t>1</a:t>
+            </a:r>
+            <a:r>
+              <a:rPr lang="en-GB" b="0" dirty="0">
+                <a:solidFill>
+                  <a:srgbClr val="D4D4D4"/>
+                </a:solidFill>
+                <a:effectLst/>
+                <a:latin typeface="Consolas" panose="020B0609020204030204" pitchFamily="49" charset="0"/>
+              </a:rPr>
+              <a:t>]</a:t>
+            </a:r>
+          </a:p>
+          <a:p>
+            <a:r>
+              <a:rPr lang="en-GB" b="0" dirty="0">
+                <a:solidFill>
+                  <a:srgbClr val="D4D4D4"/>
+                </a:solidFill>
+                <a:effectLst/>
+                <a:latin typeface="Consolas" panose="020B0609020204030204" pitchFamily="49" charset="0"/>
+              </a:rPr>
+              <a:t>    </a:t>
+            </a:r>
+            <a:r>
+              <a:rPr lang="en-GB" b="0" dirty="0">
+                <a:solidFill>
+                  <a:srgbClr val="C586C0"/>
+                </a:solidFill>
+                <a:effectLst/>
+                <a:latin typeface="Consolas" panose="020B0609020204030204" pitchFamily="49" charset="0"/>
+              </a:rPr>
+              <a:t>return</a:t>
+            </a:r>
+            <a:r>
+              <a:rPr lang="en-GB" b="0" dirty="0">
+                <a:solidFill>
+                  <a:srgbClr val="D4D4D4"/>
+                </a:solidFill>
+                <a:effectLst/>
+                <a:latin typeface="Consolas" panose="020B0609020204030204" pitchFamily="49" charset="0"/>
+              </a:rPr>
+              <a:t> </a:t>
+            </a:r>
+            <a:r>
+              <a:rPr lang="en-GB" b="0" dirty="0">
+                <a:solidFill>
+                  <a:srgbClr val="9CDCFE"/>
+                </a:solidFill>
+                <a:effectLst/>
+                <a:latin typeface="Consolas" panose="020B0609020204030204" pitchFamily="49" charset="0"/>
+              </a:rPr>
+              <a:t>encoded</a:t>
+            </a:r>
+            <a:endParaRPr lang="en-GB" b="0" dirty="0">
+              <a:solidFill>
+                <a:srgbClr val="D4D4D4"/>
+              </a:solidFill>
+              <a:effectLst/>
+              <a:latin typeface="Consolas" panose="020B0609020204030204" pitchFamily="49" charset="0"/>
+            </a:endParaRPr>
+          </a:p>
+          <a:p>
+            <a:r>
+              <a:rPr lang="en-GB" b="0" dirty="0">
+                <a:solidFill>
+                  <a:srgbClr val="DCDCAA"/>
+                </a:solidFill>
+                <a:effectLst/>
+                <a:latin typeface="Consolas" panose="020B0609020204030204" pitchFamily="49" charset="0"/>
+              </a:rPr>
+              <a:t>encoder</a:t>
+            </a:r>
+            <a:r>
+              <a:rPr lang="en-GB" b="0" dirty="0">
+                <a:solidFill>
+                  <a:srgbClr val="D4D4D4"/>
+                </a:solidFill>
+                <a:effectLst/>
+                <a:latin typeface="Consolas" panose="020B0609020204030204" pitchFamily="49" charset="0"/>
+              </a:rPr>
+              <a:t>(</a:t>
+            </a:r>
+            <a:r>
+              <a:rPr lang="en-GB" b="0" dirty="0">
+                <a:solidFill>
+                  <a:srgbClr val="9CDCFE"/>
+                </a:solidFill>
+                <a:effectLst/>
+                <a:latin typeface="Consolas" panose="020B0609020204030204" pitchFamily="49" charset="0"/>
+              </a:rPr>
+              <a:t>s</a:t>
+            </a:r>
+            <a:r>
+              <a:rPr lang="en-GB" b="0" dirty="0">
+                <a:solidFill>
+                  <a:srgbClr val="D4D4D4"/>
+                </a:solidFill>
+                <a:effectLst/>
+                <a:latin typeface="Consolas" panose="020B0609020204030204" pitchFamily="49" charset="0"/>
+              </a:rPr>
+              <a:t>)</a:t>
+            </a:r>
+          </a:p>
+          <a:p>
             <a:endParaRPr lang="en-GB" dirty="0"/>
           </a:p>
         </p:txBody>
@@ -2571,7 +2739,7 @@
           <a:p>
             <a:fld id="{ACC4256A-F9CA-4E25-AE2B-D4B2F3A4A757}" type="slidenum">
               <a:rPr lang="en-GB" smtClean="0"/>
-              <a:t>51</a:t>
+              <a:t>27</a:t>
             </a:fld>
             <a:endParaRPr lang="en-GB"/>
           </a:p>
@@ -2580,7 +2748,91 @@
     </p:spTree>
     <p:extLst>
       <p:ext uri="{BB962C8B-B14F-4D97-AF65-F5344CB8AC3E}">
-        <p14:creationId xmlns:p14="http://schemas.microsoft.com/office/powerpoint/2010/main" val="3021142107"/>
+        <p14:creationId xmlns:p14="http://schemas.microsoft.com/office/powerpoint/2010/main" val="878667025"/>
+      </p:ext>
+    </p:extLst>
+  </p:cSld>
+  <p:clrMapOvr>
+    <a:masterClrMapping/>
+  </p:clrMapOvr>
+</p:notes>
+</file>
+
+<file path=ppt/notesSlides/notesSlide9.xml><?xml version="1.0" encoding="utf-8"?>
+<p:notes xmlns:a="http://schemas.openxmlformats.org/drawingml/2006/main" xmlns:r="http://schemas.openxmlformats.org/officeDocument/2006/relationships" xmlns:p="http://schemas.openxmlformats.org/presentationml/2006/main">
+  <p:cSld>
+    <p:spTree>
+      <p:nvGrpSpPr>
+        <p:cNvPr id="1" name=""/>
+        <p:cNvGrpSpPr/>
+        <p:nvPr/>
+      </p:nvGrpSpPr>
+      <p:grpSpPr>
+        <a:xfrm>
+          <a:off x="0" y="0"/>
+          <a:ext cx="0" cy="0"/>
+          <a:chOff x="0" y="0"/>
+          <a:chExt cx="0" cy="0"/>
+        </a:xfrm>
+      </p:grpSpPr>
+      <p:sp>
+        <p:nvSpPr>
+          <p:cNvPr id="2" name="Slide Image Placeholder 1"/>
+          <p:cNvSpPr>
+            <a:spLocks noGrp="1" noRot="1" noChangeAspect="1"/>
+          </p:cNvSpPr>
+          <p:nvPr>
+            <p:ph type="sldImg"/>
+          </p:nvPr>
+        </p:nvSpPr>
+        <p:spPr/>
+      </p:sp>
+      <p:sp>
+        <p:nvSpPr>
+          <p:cNvPr id="3" name="Notes Placeholder 2"/>
+          <p:cNvSpPr>
+            <a:spLocks noGrp="1"/>
+          </p:cNvSpPr>
+          <p:nvPr>
+            <p:ph type="body" idx="1"/>
+          </p:nvPr>
+        </p:nvSpPr>
+        <p:spPr/>
+        <p:txBody>
+          <a:bodyPr/>
+          <a:lstStyle/>
+          <a:p>
+            <a:endParaRPr lang="en-GB" dirty="0"/>
+          </a:p>
+        </p:txBody>
+      </p:sp>
+      <p:sp>
+        <p:nvSpPr>
+          <p:cNvPr id="4" name="Slide Number Placeholder 3"/>
+          <p:cNvSpPr>
+            <a:spLocks noGrp="1"/>
+          </p:cNvSpPr>
+          <p:nvPr>
+            <p:ph type="sldNum" sz="quarter" idx="5"/>
+          </p:nvPr>
+        </p:nvSpPr>
+        <p:spPr/>
+        <p:txBody>
+          <a:bodyPr/>
+          <a:lstStyle/>
+          <a:p>
+            <a:fld id="{ACC4256A-F9CA-4E25-AE2B-D4B2F3A4A757}" type="slidenum">
+              <a:rPr lang="en-GB" smtClean="0"/>
+              <a:t>45</a:t>
+            </a:fld>
+            <a:endParaRPr lang="en-GB"/>
+          </a:p>
+        </p:txBody>
+      </p:sp>
+    </p:spTree>
+    <p:extLst>
+      <p:ext uri="{BB962C8B-B14F-4D97-AF65-F5344CB8AC3E}">
+        <p14:creationId xmlns:p14="http://schemas.microsoft.com/office/powerpoint/2010/main" val="397140929"/>
       </p:ext>
     </p:extLst>
   </p:cSld>
@@ -6502,7 +6754,7 @@
                 </a:solidFill>
                 <a:latin typeface="Consolas" panose="020B0609020204030204" pitchFamily="49" charset="0"/>
               </a:rPr>
-              <a:t>"</a:t>
+              <a:t>“</a:t>
             </a:r>
             <a:r>
               <a:rPr lang="en-US" dirty="0" err="1">
@@ -6512,6 +6764,39 @@
                 <a:latin typeface="Consolas" panose="020B0609020204030204" pitchFamily="49" charset="0"/>
               </a:rPr>
               <a:t>python.dataScience.sendSelectionToInteractiveWindow</a:t>
+            </a:r>
+            <a:r>
+              <a:rPr lang="en-US" dirty="0">
+                <a:solidFill>
+                  <a:srgbClr val="0070C0"/>
+                </a:solidFill>
+                <a:latin typeface="Consolas" panose="020B0609020204030204" pitchFamily="49" charset="0"/>
+              </a:rPr>
+              <a:t>": true</a:t>
+            </a:r>
+          </a:p>
+          <a:p>
+            <a:pPr marL="742950" lvl="1" indent="-285750">
+              <a:buFont typeface="Wingdings" panose="05000000000000000000" pitchFamily="2" charset="2"/>
+              <a:buChar char="Ø"/>
+            </a:pPr>
+            <a:r>
+              <a:rPr lang="en-US" dirty="0">
+                <a:solidFill>
+                  <a:srgbClr val="0070C0"/>
+                </a:solidFill>
+                <a:latin typeface="Consolas" panose="020B0609020204030204" pitchFamily="49" charset="0"/>
+              </a:rPr>
+              <a:t>“</a:t>
+            </a:r>
+            <a:r>
+              <a:rPr lang="en-US" dirty="0" err="1">
+                <a:solidFill>
+                  <a:srgbClr val="0070C0"/>
+                </a:solidFill>
+                <a:latin typeface="Consolas" panose="020B0609020204030204" pitchFamily="49" charset="0"/>
+              </a:rPr>
+              <a:t>jupyter.sendSelectionToInteractiveWindow</a:t>
             </a:r>
             <a:r>
               <a:rPr lang="en-US" dirty="0">
@@ -6579,7 +6864,7 @@
         </p:blipFill>
         <p:spPr>
           <a:xfrm>
-            <a:off x="1653944" y="2268670"/>
+            <a:off x="1653944" y="2498307"/>
             <a:ext cx="8884112" cy="2839595"/>
           </a:xfrm>
           <a:prstGeom prst="rect">
@@ -11982,7 +12267,31 @@
             </a:pPr>
             <a:r>
               <a:rPr lang="en-US" sz="3200" dirty="0"/>
-              <a:t>Robust (deals with unexpected inputs)</a:t>
+              <a:t>Robust (deals with unexpected inputs) </a:t>
+            </a:r>
+            <a:r>
+              <a:rPr lang="en-US" sz="2000" dirty="0"/>
+              <a:t>(e.g., </a:t>
+            </a:r>
+            <a:r>
+              <a:rPr lang="en-US" sz="2000" dirty="0" err="1">
+                <a:solidFill>
+                  <a:srgbClr val="0070C0"/>
+                </a:solidFill>
+              </a:rPr>
+              <a:t>isinstance</a:t>
+            </a:r>
+            <a:r>
+              <a:rPr lang="en-US" sz="2000" dirty="0">
+                <a:solidFill>
+                  <a:srgbClr val="0070C0"/>
+                </a:solidFill>
+              </a:rPr>
+              <a:t>(x, str)</a:t>
+            </a:r>
+            <a:r>
+              <a:rPr lang="en-US" sz="2000" dirty="0"/>
+              <a:t>)</a:t>
             </a:r>
           </a:p>
           <a:p>
@@ -16610,9 +16919,8 @@
             </a:pPr>
             <a:r>
               <a:rPr lang="en-US" sz="2800" b="1" dirty="0"/>
-              <a:t>Post your solution as a comment to the discussion </a:t>
-            </a:r>
-            <a:endParaRPr lang="en-US" sz="2800" dirty="0"/>
+              <a:t>Post your solution as a comment to the discussion</a:t>
+            </a:r>
           </a:p>
         </p:txBody>
       </p:sp>
@@ -34957,7 +35265,7 @@
           <p:nvPr/>
         </p:nvPicPr>
         <p:blipFill>
-          <a:blip r:embed="rId2"/>
+          <a:blip r:embed="rId3"/>
           <a:stretch>
             <a:fillRect/>
           </a:stretch>
@@ -34997,7 +35305,7 @@
           <p:nvPr/>
         </p:nvPicPr>
         <p:blipFill>
-          <a:blip r:embed="rId3"/>
+          <a:blip r:embed="rId4"/>
           <a:stretch>
             <a:fillRect/>
           </a:stretch>
@@ -36177,6 +36485,41 @@
                                   </p:childTnLst>
                                 </p:cTn>
                               </p:par>
+                              <p:par>
+                                <p:cTn id="31" presetID="10" presetClass="entr" presetSubtype="0" fill="hold" nodeType="withEffect">
+                                  <p:stCondLst>
+                                    <p:cond delay="0"/>
+                                  </p:stCondLst>
+                                  <p:childTnLst>
+                                    <p:set>
+                                      <p:cBhvr>
+                                        <p:cTn id="32" dur="1" fill="hold">
+                                          <p:stCondLst>
+                                            <p:cond delay="0"/>
+                                          </p:stCondLst>
+                                        </p:cTn>
+                                        <p:tgtEl>
+                                          <p:spTgt spid="6"/>
+                                        </p:tgtEl>
+                                        <p:attrNameLst>
+                                          <p:attrName>style.visibility</p:attrName>
+                                        </p:attrNameLst>
+                                      </p:cBhvr>
+                                      <p:to>
+                                        <p:strVal val="visible"/>
+                                      </p:to>
+                                    </p:set>
+                                    <p:animEffect transition="in" filter="fade">
+                                      <p:cBhvr>
+                                        <p:cTn id="33" dur="500"/>
+                                        <p:tgtEl>
+                                          <p:spTgt spid="6"/>
+                                        </p:tgtEl>
+                                      </p:cBhvr>
+                                    </p:animEffect>
+                                  </p:childTnLst>
+                                </p:cTn>
+                              </p:par>
                             </p:childTnLst>
                           </p:cTn>
                         </p:par>
@@ -36184,26 +36527,26 @@
                     </p:cTn>
                   </p:par>
                   <p:par>
-                    <p:cTn id="31" fill="hold">
+                    <p:cTn id="34" fill="hold">
                       <p:stCondLst>
                         <p:cond delay="indefinite"/>
                       </p:stCondLst>
                       <p:childTnLst>
                         <p:par>
-                          <p:cTn id="32" fill="hold">
+                          <p:cTn id="35" fill="hold">
                             <p:stCondLst>
                               <p:cond delay="0"/>
                             </p:stCondLst>
                             <p:childTnLst>
                               <p:par>
-                                <p:cTn id="33" presetID="10" presetClass="entr" presetSubtype="0" fill="hold" nodeType="clickEffect">
+                                <p:cTn id="36" presetID="10" presetClass="entr" presetSubtype="0" fill="hold" nodeType="clickEffect">
                                   <p:stCondLst>
                                     <p:cond delay="0"/>
                                   </p:stCondLst>
                                   <p:childTnLst>
                                     <p:set>
                                       <p:cBhvr>
-                                        <p:cTn id="34" dur="1" fill="hold">
+                                        <p:cTn id="37" dur="1" fill="hold">
                                           <p:stCondLst>
                                             <p:cond delay="0"/>
                                           </p:stCondLst>
@@ -36225,54 +36568,11 @@
                                     </p:set>
                                     <p:animEffect transition="in" filter="fade">
                                       <p:cBhvr>
-                                        <p:cTn id="35" dur="500"/>
+                                        <p:cTn id="38" dur="500"/>
                                         <p:tgtEl>
                                           <p:spTgt spid="2">
                                             <p:txEl>
                                               <p:pRg st="11" end="11"/>
-                                            </p:txEl>
-                                          </p:spTgt>
-                                        </p:tgtEl>
-                                      </p:cBhvr>
-                                    </p:animEffect>
-                                  </p:childTnLst>
-                                </p:cTn>
-                              </p:par>
-                              <p:par>
-                                <p:cTn id="36" presetID="10" presetClass="entr" presetSubtype="0" fill="hold" nodeType="withEffect">
-                                  <p:stCondLst>
-                                    <p:cond delay="0"/>
-                                  </p:stCondLst>
-                                  <p:childTnLst>
-                                    <p:set>
-                                      <p:cBhvr>
-                                        <p:cTn id="37" dur="1" fill="hold">
-                                          <p:stCondLst>
-                                            <p:cond delay="0"/>
-                                          </p:stCondLst>
-                                        </p:cTn>
-                                        <p:tgtEl>
-                                          <p:spTgt spid="2">
-                                            <p:txEl>
-                                              <p:pRg st="12" end="12"/>
-                                            </p:txEl>
-                                          </p:spTgt>
-                                        </p:tgtEl>
-                                        <p:attrNameLst>
-                                          <p:attrName>style.visibility</p:attrName>
-                                        </p:attrNameLst>
-                                      </p:cBhvr>
-                                      <p:to>
-                                        <p:strVal val="visible"/>
-                                      </p:to>
-                                    </p:set>
-                                    <p:animEffect transition="in" filter="fade">
-                                      <p:cBhvr>
-                                        <p:cTn id="38" dur="500"/>
-                                        <p:tgtEl>
-                                          <p:spTgt spid="2">
-                                            <p:txEl>
-                                              <p:pRg st="12" end="12"/>
                                             </p:txEl>
                                           </p:spTgt>
                                         </p:tgtEl>
@@ -36297,7 +36597,7 @@
                                         <p:tgtEl>
                                           <p:spTgt spid="2">
                                             <p:txEl>
-                                              <p:pRg st="13" end="13"/>
+                                              <p:pRg st="12" end="12"/>
                                             </p:txEl>
                                           </p:spTgt>
                                         </p:tgtEl>
@@ -36312,6 +36612,49 @@
                                     <p:animEffect transition="in" filter="fade">
                                       <p:cBhvr>
                                         <p:cTn id="41" dur="500"/>
+                                        <p:tgtEl>
+                                          <p:spTgt spid="2">
+                                            <p:txEl>
+                                              <p:pRg st="12" end="12"/>
+                                            </p:txEl>
+                                          </p:spTgt>
+                                        </p:tgtEl>
+                                      </p:cBhvr>
+                                    </p:animEffect>
+                                  </p:childTnLst>
+                                </p:cTn>
+                              </p:par>
+                              <p:par>
+                                <p:cTn id="42" presetID="10" presetClass="entr" presetSubtype="0" fill="hold" nodeType="withEffect">
+                                  <p:stCondLst>
+                                    <p:cond delay="0"/>
+                                  </p:stCondLst>
+                                  <p:childTnLst>
+                                    <p:set>
+                                      <p:cBhvr>
+                                        <p:cTn id="43" dur="1" fill="hold">
+                                          <p:stCondLst>
+                                            <p:cond delay="0"/>
+                                          </p:stCondLst>
+                                        </p:cTn>
+                                        <p:tgtEl>
+                                          <p:spTgt spid="2">
+                                            <p:txEl>
+                                              <p:pRg st="13" end="13"/>
+                                            </p:txEl>
+                                          </p:spTgt>
+                                        </p:tgtEl>
+                                        <p:attrNameLst>
+                                          <p:attrName>style.visibility</p:attrName>
+                                        </p:attrNameLst>
+                                      </p:cBhvr>
+                                      <p:to>
+                                        <p:strVal val="visible"/>
+                                      </p:to>
+                                    </p:set>
+                                    <p:animEffect transition="in" filter="fade">
+                                      <p:cBhvr>
+                                        <p:cTn id="44" dur="500"/>
                                         <p:tgtEl>
                                           <p:spTgt spid="2">
                                             <p:txEl>
@@ -36331,26 +36674,26 @@
                     </p:cTn>
                   </p:par>
                   <p:par>
-                    <p:cTn id="42" fill="hold">
+                    <p:cTn id="45" fill="hold">
                       <p:stCondLst>
                         <p:cond delay="indefinite"/>
                       </p:stCondLst>
                       <p:childTnLst>
                         <p:par>
-                          <p:cTn id="43" fill="hold">
+                          <p:cTn id="46" fill="hold">
                             <p:stCondLst>
                               <p:cond delay="0"/>
                             </p:stCondLst>
                             <p:childTnLst>
                               <p:par>
-                                <p:cTn id="44" presetID="10" presetClass="entr" presetSubtype="0" fill="hold" nodeType="clickEffect">
+                                <p:cTn id="47" presetID="10" presetClass="entr" presetSubtype="0" fill="hold" nodeType="clickEffect">
                                   <p:stCondLst>
                                     <p:cond delay="0"/>
                                   </p:stCondLst>
                                   <p:childTnLst>
                                     <p:set>
                                       <p:cBhvr>
-                                        <p:cTn id="45" dur="1" fill="hold">
+                                        <p:cTn id="48" dur="1" fill="hold">
                                           <p:stCondLst>
                                             <p:cond delay="0"/>
                                           </p:stCondLst>
@@ -36372,7 +36715,7 @@
                                     </p:set>
                                     <p:animEffect transition="in" filter="fade">
                                       <p:cBhvr>
-                                        <p:cTn id="46" dur="500"/>
+                                        <p:cTn id="49" dur="500"/>
                                         <p:tgtEl>
                                           <p:spTgt spid="2">
                                             <p:txEl>
@@ -36386,14 +36729,14 @@
                                 </p:cTn>
                               </p:par>
                               <p:par>
-                                <p:cTn id="47" presetID="10" presetClass="entr" presetSubtype="0" fill="hold" nodeType="withEffect">
+                                <p:cTn id="50" presetID="10" presetClass="entr" presetSubtype="0" fill="hold" nodeType="withEffect">
                                   <p:stCondLst>
                                     <p:cond delay="0"/>
                                   </p:stCondLst>
                                   <p:childTnLst>
                                     <p:set>
                                       <p:cBhvr>
-                                        <p:cTn id="48" dur="1" fill="hold">
+                                        <p:cTn id="51" dur="1" fill="hold">
                                           <p:stCondLst>
                                             <p:cond delay="0"/>
                                           </p:stCondLst>
@@ -36411,7 +36754,7 @@
                                     </p:set>
                                     <p:animEffect transition="in" filter="fade">
                                       <p:cBhvr>
-                                        <p:cTn id="49" dur="500"/>
+                                        <p:cTn id="52" dur="500"/>
                                         <p:tgtEl>
                                           <p:spTgt spid="14"/>
                                         </p:tgtEl>
